--- a/_presentation/main.pptx
+++ b/_presentation/main.pptx
@@ -9,6 +9,17 @@
     <p:sldId id="257" r:id="rId3"/>
     <p:sldId id="258" r:id="rId4"/>
     <p:sldId id="259" r:id="rId5"/>
+    <p:sldId id="260" r:id="rId6"/>
+    <p:sldId id="261" r:id="rId7"/>
+    <p:sldId id="264" r:id="rId8"/>
+    <p:sldId id="263" r:id="rId9"/>
+    <p:sldId id="265" r:id="rId10"/>
+    <p:sldId id="266" r:id="rId11"/>
+    <p:sldId id="267" r:id="rId12"/>
+    <p:sldId id="268" r:id="rId13"/>
+    <p:sldId id="269" r:id="rId14"/>
+    <p:sldId id="270" r:id="rId15"/>
+    <p:sldId id="262" r:id="rId16"/>
   </p:sldIdLst>
   <p:sldSz cx="12192000" cy="6858000"/>
   <p:notesSz cx="6858000" cy="9144000"/>
@@ -107,6 +118,11 @@
       </a:defRPr>
     </a:lvl9pPr>
   </p:defaultTextStyle>
+  <p:extLst>
+    <p:ext uri="{EFAFB233-063F-42B5-8137-9DF3F51BA10A}">
+      <p15:sldGuideLst xmlns:p15="http://schemas.microsoft.com/office/powerpoint/2012/main"/>
+    </p:ext>
+  </p:extLst>
 </p:presentation>
 </file>
 
@@ -3425,6 +3441,1092 @@
 </p:sld>
 </file>
 
+<file path=ppt/slides/slide10.xml><?xml version="1.0" encoding="utf-8"?>
+<p:sld xmlns:a="http://schemas.openxmlformats.org/drawingml/2006/main" xmlns:r="http://schemas.openxmlformats.org/officeDocument/2006/relationships" xmlns:p="http://schemas.openxmlformats.org/presentationml/2006/main">
+  <p:cSld>
+    <p:spTree>
+      <p:nvGrpSpPr>
+        <p:cNvPr id="1" name=""/>
+        <p:cNvGrpSpPr/>
+        <p:nvPr/>
+      </p:nvGrpSpPr>
+      <p:grpSpPr>
+        <a:xfrm>
+          <a:off x="0" y="0"/>
+          <a:ext cx="0" cy="0"/>
+          <a:chOff x="0" y="0"/>
+          <a:chExt cx="0" cy="0"/>
+        </a:xfrm>
+      </p:grpSpPr>
+      <p:sp>
+        <p:nvSpPr>
+          <p:cNvPr id="4" name="Rechteck 3">
+            <a:extLst>
+              <a:ext uri="{FF2B5EF4-FFF2-40B4-BE49-F238E27FC236}">
+                <a16:creationId xmlns:a16="http://schemas.microsoft.com/office/drawing/2014/main" id="{512FCC3A-B5CF-FF1C-3F70-1895A40C8A22}"/>
+              </a:ext>
+            </a:extLst>
+          </p:cNvPr>
+          <p:cNvSpPr/>
+          <p:nvPr/>
+        </p:nvSpPr>
+        <p:spPr>
+          <a:xfrm>
+            <a:off x="0" y="6444867"/>
+            <a:ext cx="12192000" cy="413133"/>
+          </a:xfrm>
+          <a:prstGeom prst="rect">
+            <a:avLst/>
+          </a:prstGeom>
+          <a:ln>
+            <a:noFill/>
+          </a:ln>
+        </p:spPr>
+        <p:style>
+          <a:lnRef idx="2">
+            <a:schemeClr val="accent1">
+              <a:shade val="50000"/>
+            </a:schemeClr>
+          </a:lnRef>
+          <a:fillRef idx="1">
+            <a:schemeClr val="accent1"/>
+          </a:fillRef>
+          <a:effectRef idx="0">
+            <a:schemeClr val="accent1"/>
+          </a:effectRef>
+          <a:fontRef idx="minor">
+            <a:schemeClr val="lt1"/>
+          </a:fontRef>
+        </p:style>
+        <p:txBody>
+          <a:bodyPr rtlCol="0" anchor="ctr"/>
+          <a:lstStyle/>
+          <a:p>
+            <a:pPr algn="ctr"/>
+            <a:r>
+              <a:rPr lang="de-DE" dirty="0"/>
+              <a:t>Implementierung des Algorithmus &gt; Rat in a Maze Problem</a:t>
+            </a:r>
+            <a:endParaRPr lang="en-GB" dirty="0"/>
+          </a:p>
+        </p:txBody>
+      </p:sp>
+      <p:pic>
+        <p:nvPicPr>
+          <p:cNvPr id="6" name="Grafik 5">
+            <a:extLst>
+              <a:ext uri="{FF2B5EF4-FFF2-40B4-BE49-F238E27FC236}">
+                <a16:creationId xmlns:a16="http://schemas.microsoft.com/office/drawing/2014/main" id="{68D612B9-6961-97AE-8D81-FA9A116EA390}"/>
+              </a:ext>
+            </a:extLst>
+          </p:cNvPr>
+          <p:cNvPicPr>
+            <a:picLocks noChangeAspect="1"/>
+          </p:cNvPicPr>
+          <p:nvPr/>
+        </p:nvPicPr>
+        <p:blipFill rotWithShape="1">
+          <a:blip r:embed="rId2">
+            <a:extLst>
+              <a:ext uri="{28A0092B-C50C-407E-A947-70E740481C1C}">
+                <a14:useLocalDpi xmlns:a14="http://schemas.microsoft.com/office/drawing/2010/main" val="0"/>
+              </a:ext>
+            </a:extLst>
+          </a:blip>
+          <a:srcRect l="6484" t="17389" r="6484" b="16715"/>
+          <a:stretch/>
+        </p:blipFill>
+        <p:spPr>
+          <a:xfrm>
+            <a:off x="565497" y="1790700"/>
+            <a:ext cx="11061005" cy="3276600"/>
+          </a:xfrm>
+          <a:prstGeom prst="rect">
+            <a:avLst/>
+          </a:prstGeom>
+        </p:spPr>
+      </p:pic>
+    </p:spTree>
+    <p:extLst>
+      <p:ext uri="{BB962C8B-B14F-4D97-AF65-F5344CB8AC3E}">
+        <p14:creationId xmlns:p14="http://schemas.microsoft.com/office/powerpoint/2010/main" val="2251160908"/>
+      </p:ext>
+    </p:extLst>
+  </p:cSld>
+  <p:clrMapOvr>
+    <a:masterClrMapping/>
+  </p:clrMapOvr>
+</p:sld>
+</file>
+
+<file path=ppt/slides/slide11.xml><?xml version="1.0" encoding="utf-8"?>
+<p:sld xmlns:a="http://schemas.openxmlformats.org/drawingml/2006/main" xmlns:r="http://schemas.openxmlformats.org/officeDocument/2006/relationships" xmlns:p="http://schemas.openxmlformats.org/presentationml/2006/main">
+  <p:cSld>
+    <p:spTree>
+      <p:nvGrpSpPr>
+        <p:cNvPr id="1" name=""/>
+        <p:cNvGrpSpPr/>
+        <p:nvPr/>
+      </p:nvGrpSpPr>
+      <p:grpSpPr>
+        <a:xfrm>
+          <a:off x="0" y="0"/>
+          <a:ext cx="0" cy="0"/>
+          <a:chOff x="0" y="0"/>
+          <a:chExt cx="0" cy="0"/>
+        </a:xfrm>
+      </p:grpSpPr>
+      <p:sp>
+        <p:nvSpPr>
+          <p:cNvPr id="2" name="Titel 1">
+            <a:extLst>
+              <a:ext uri="{FF2B5EF4-FFF2-40B4-BE49-F238E27FC236}">
+                <a16:creationId xmlns:a16="http://schemas.microsoft.com/office/drawing/2014/main" id="{E865B767-73F2-1B82-7895-C6D811025DC7}"/>
+              </a:ext>
+            </a:extLst>
+          </p:cNvPr>
+          <p:cNvSpPr>
+            <a:spLocks noGrp="1"/>
+          </p:cNvSpPr>
+          <p:nvPr>
+            <p:ph type="title"/>
+          </p:nvPr>
+        </p:nvSpPr>
+        <p:spPr/>
+        <p:txBody>
+          <a:bodyPr/>
+          <a:lstStyle/>
+          <a:p>
+            <a:r>
+              <a:rPr lang="de-DE" dirty="0"/>
+              <a:t>5x5 Labyrinth</a:t>
+            </a:r>
+            <a:endParaRPr lang="en-GB" dirty="0"/>
+          </a:p>
+        </p:txBody>
+      </p:sp>
+      <p:sp>
+        <p:nvSpPr>
+          <p:cNvPr id="4" name="Rechteck 3">
+            <a:extLst>
+              <a:ext uri="{FF2B5EF4-FFF2-40B4-BE49-F238E27FC236}">
+                <a16:creationId xmlns:a16="http://schemas.microsoft.com/office/drawing/2014/main" id="{65E4DE3D-A5D2-7561-9D1B-9D26F4E40803}"/>
+              </a:ext>
+            </a:extLst>
+          </p:cNvPr>
+          <p:cNvSpPr/>
+          <p:nvPr/>
+        </p:nvSpPr>
+        <p:spPr>
+          <a:xfrm>
+            <a:off x="0" y="6444867"/>
+            <a:ext cx="12192000" cy="413133"/>
+          </a:xfrm>
+          <a:prstGeom prst="rect">
+            <a:avLst/>
+          </a:prstGeom>
+          <a:ln>
+            <a:noFill/>
+          </a:ln>
+        </p:spPr>
+        <p:style>
+          <a:lnRef idx="2">
+            <a:schemeClr val="accent1">
+              <a:shade val="50000"/>
+            </a:schemeClr>
+          </a:lnRef>
+          <a:fillRef idx="1">
+            <a:schemeClr val="accent1"/>
+          </a:fillRef>
+          <a:effectRef idx="0">
+            <a:schemeClr val="accent1"/>
+          </a:effectRef>
+          <a:fontRef idx="minor">
+            <a:schemeClr val="lt1"/>
+          </a:fontRef>
+        </p:style>
+        <p:txBody>
+          <a:bodyPr rtlCol="0" anchor="ctr"/>
+          <a:lstStyle/>
+          <a:p>
+            <a:pPr algn="ctr"/>
+            <a:r>
+              <a:rPr lang="de-DE" dirty="0"/>
+              <a:t>Implementierung des Algorithmus &gt; Selbst generierte Beispiele</a:t>
+            </a:r>
+          </a:p>
+        </p:txBody>
+      </p:sp>
+      <p:pic>
+        <p:nvPicPr>
+          <p:cNvPr id="6" name="Grafik 5">
+            <a:extLst>
+              <a:ext uri="{FF2B5EF4-FFF2-40B4-BE49-F238E27FC236}">
+                <a16:creationId xmlns:a16="http://schemas.microsoft.com/office/drawing/2014/main" id="{1259DF89-A4D8-1B2A-6552-7CA8263AAFFD}"/>
+              </a:ext>
+            </a:extLst>
+          </p:cNvPr>
+          <p:cNvPicPr>
+            <a:picLocks noChangeAspect="1"/>
+          </p:cNvPicPr>
+          <p:nvPr/>
+        </p:nvPicPr>
+        <p:blipFill rotWithShape="1">
+          <a:blip r:embed="rId2">
+            <a:extLst>
+              <a:ext uri="{28A0092B-C50C-407E-A947-70E740481C1C}">
+                <a14:useLocalDpi xmlns:a14="http://schemas.microsoft.com/office/drawing/2010/main" val="0"/>
+              </a:ext>
+            </a:extLst>
+          </a:blip>
+          <a:srcRect l="8509" t="14445" r="8214" b="14321"/>
+          <a:stretch/>
+        </p:blipFill>
+        <p:spPr>
+          <a:xfrm>
+            <a:off x="838200" y="1690688"/>
+            <a:ext cx="7442200" cy="3786728"/>
+          </a:xfrm>
+          <a:prstGeom prst="rect">
+            <a:avLst/>
+          </a:prstGeom>
+        </p:spPr>
+      </p:pic>
+      <p:pic>
+        <p:nvPicPr>
+          <p:cNvPr id="10" name="Grafik 9" descr="Ein Bild, das Platz enthält.&#10;&#10;Automatisch generierte Beschreibung">
+            <a:extLst>
+              <a:ext uri="{FF2B5EF4-FFF2-40B4-BE49-F238E27FC236}">
+                <a16:creationId xmlns:a16="http://schemas.microsoft.com/office/drawing/2014/main" id="{F43742D7-936B-0812-1B71-195F4AE348B5}"/>
+              </a:ext>
+            </a:extLst>
+          </p:cNvPr>
+          <p:cNvPicPr>
+            <a:picLocks noChangeAspect="1"/>
+          </p:cNvPicPr>
+          <p:nvPr/>
+        </p:nvPicPr>
+        <p:blipFill>
+          <a:blip r:embed="rId3">
+            <a:extLst>
+              <a:ext uri="{28A0092B-C50C-407E-A947-70E740481C1C}">
+                <a14:useLocalDpi xmlns:a14="http://schemas.microsoft.com/office/drawing/2010/main" val="0"/>
+              </a:ext>
+            </a:extLst>
+          </a:blip>
+          <a:stretch>
+            <a:fillRect/>
+          </a:stretch>
+        </p:blipFill>
+        <p:spPr>
+          <a:xfrm>
+            <a:off x="8990060" y="2209800"/>
+            <a:ext cx="2438400" cy="2438400"/>
+          </a:xfrm>
+          <a:prstGeom prst="rect">
+            <a:avLst/>
+          </a:prstGeom>
+          <a:ln w="76200">
+            <a:solidFill>
+              <a:srgbClr val="0070C0"/>
+            </a:solidFill>
+          </a:ln>
+        </p:spPr>
+      </p:pic>
+    </p:spTree>
+    <p:extLst>
+      <p:ext uri="{BB962C8B-B14F-4D97-AF65-F5344CB8AC3E}">
+        <p14:creationId xmlns:p14="http://schemas.microsoft.com/office/powerpoint/2010/main" val="3319078393"/>
+      </p:ext>
+    </p:extLst>
+  </p:cSld>
+  <p:clrMapOvr>
+    <a:masterClrMapping/>
+  </p:clrMapOvr>
+</p:sld>
+</file>
+
+<file path=ppt/slides/slide12.xml><?xml version="1.0" encoding="utf-8"?>
+<p:sld xmlns:a="http://schemas.openxmlformats.org/drawingml/2006/main" xmlns:r="http://schemas.openxmlformats.org/officeDocument/2006/relationships" xmlns:p="http://schemas.openxmlformats.org/presentationml/2006/main">
+  <p:cSld>
+    <p:spTree>
+      <p:nvGrpSpPr>
+        <p:cNvPr id="1" name=""/>
+        <p:cNvGrpSpPr/>
+        <p:nvPr/>
+      </p:nvGrpSpPr>
+      <p:grpSpPr>
+        <a:xfrm>
+          <a:off x="0" y="0"/>
+          <a:ext cx="0" cy="0"/>
+          <a:chOff x="0" y="0"/>
+          <a:chExt cx="0" cy="0"/>
+        </a:xfrm>
+      </p:grpSpPr>
+      <p:sp>
+        <p:nvSpPr>
+          <p:cNvPr id="4" name="Rechteck 3">
+            <a:extLst>
+              <a:ext uri="{FF2B5EF4-FFF2-40B4-BE49-F238E27FC236}">
+                <a16:creationId xmlns:a16="http://schemas.microsoft.com/office/drawing/2014/main" id="{C3797A29-3736-0279-C564-BA1EF673B253}"/>
+              </a:ext>
+            </a:extLst>
+          </p:cNvPr>
+          <p:cNvSpPr/>
+          <p:nvPr/>
+        </p:nvSpPr>
+        <p:spPr>
+          <a:xfrm>
+            <a:off x="0" y="6444867"/>
+            <a:ext cx="12192000" cy="413133"/>
+          </a:xfrm>
+          <a:prstGeom prst="rect">
+            <a:avLst/>
+          </a:prstGeom>
+          <a:ln>
+            <a:noFill/>
+          </a:ln>
+        </p:spPr>
+        <p:style>
+          <a:lnRef idx="2">
+            <a:schemeClr val="accent1">
+              <a:shade val="50000"/>
+            </a:schemeClr>
+          </a:lnRef>
+          <a:fillRef idx="1">
+            <a:schemeClr val="accent1"/>
+          </a:fillRef>
+          <a:effectRef idx="0">
+            <a:schemeClr val="accent1"/>
+          </a:effectRef>
+          <a:fontRef idx="minor">
+            <a:schemeClr val="lt1"/>
+          </a:fontRef>
+        </p:style>
+        <p:txBody>
+          <a:bodyPr rtlCol="0" anchor="ctr"/>
+          <a:lstStyle/>
+          <a:p>
+            <a:pPr algn="ctr"/>
+            <a:r>
+              <a:rPr lang="de-DE" dirty="0"/>
+              <a:t>Implementierung des Algorithmus &gt; Selbst generierte Beispiele</a:t>
+            </a:r>
+          </a:p>
+        </p:txBody>
+      </p:sp>
+      <p:pic>
+        <p:nvPicPr>
+          <p:cNvPr id="5" name="Grafik 4" descr="Ein Bild, das Platz enthält.&#10;&#10;Automatisch generierte Beschreibung">
+            <a:extLst>
+              <a:ext uri="{FF2B5EF4-FFF2-40B4-BE49-F238E27FC236}">
+                <a16:creationId xmlns:a16="http://schemas.microsoft.com/office/drawing/2014/main" id="{9B719DB6-7BCB-F165-0E6C-BB436D1DBB49}"/>
+              </a:ext>
+            </a:extLst>
+          </p:cNvPr>
+          <p:cNvPicPr>
+            <a:picLocks noChangeAspect="1"/>
+          </p:cNvPicPr>
+          <p:nvPr/>
+        </p:nvPicPr>
+        <p:blipFill>
+          <a:blip r:embed="rId2">
+            <a:extLst>
+              <a:ext uri="{28A0092B-C50C-407E-A947-70E740481C1C}">
+                <a14:useLocalDpi xmlns:a14="http://schemas.microsoft.com/office/drawing/2010/main" val="0"/>
+              </a:ext>
+            </a:extLst>
+          </a:blip>
+          <a:stretch>
+            <a:fillRect/>
+          </a:stretch>
+        </p:blipFill>
+        <p:spPr>
+          <a:xfrm>
+            <a:off x="2914650" y="2209800"/>
+            <a:ext cx="2438400" cy="2438400"/>
+          </a:xfrm>
+          <a:prstGeom prst="rect">
+            <a:avLst/>
+          </a:prstGeom>
+          <a:ln w="76200">
+            <a:solidFill>
+              <a:srgbClr val="0070C0"/>
+            </a:solidFill>
+          </a:ln>
+        </p:spPr>
+      </p:pic>
+      <p:pic>
+        <p:nvPicPr>
+          <p:cNvPr id="7" name="Grafik 6">
+            <a:extLst>
+              <a:ext uri="{FF2B5EF4-FFF2-40B4-BE49-F238E27FC236}">
+                <a16:creationId xmlns:a16="http://schemas.microsoft.com/office/drawing/2014/main" id="{517BFDC8-EAAF-1A0D-A287-7F4779E40B0D}"/>
+              </a:ext>
+            </a:extLst>
+          </p:cNvPr>
+          <p:cNvPicPr>
+            <a:picLocks noChangeAspect="1"/>
+          </p:cNvPicPr>
+          <p:nvPr/>
+        </p:nvPicPr>
+        <p:blipFill>
+          <a:blip r:embed="rId3">
+            <a:extLst>
+              <a:ext uri="{28A0092B-C50C-407E-A947-70E740481C1C}">
+                <a14:useLocalDpi xmlns:a14="http://schemas.microsoft.com/office/drawing/2010/main" val="0"/>
+              </a:ext>
+            </a:extLst>
+          </a:blip>
+          <a:stretch>
+            <a:fillRect/>
+          </a:stretch>
+        </p:blipFill>
+        <p:spPr>
+          <a:xfrm>
+            <a:off x="6838950" y="2209800"/>
+            <a:ext cx="2438400" cy="2438400"/>
+          </a:xfrm>
+          <a:prstGeom prst="rect">
+            <a:avLst/>
+          </a:prstGeom>
+          <a:ln w="76200">
+            <a:solidFill>
+              <a:srgbClr val="0070C0"/>
+            </a:solidFill>
+          </a:ln>
+        </p:spPr>
+      </p:pic>
+      <p:sp>
+        <p:nvSpPr>
+          <p:cNvPr id="8" name="Pfeil: nach rechts 7">
+            <a:extLst>
+              <a:ext uri="{FF2B5EF4-FFF2-40B4-BE49-F238E27FC236}">
+                <a16:creationId xmlns:a16="http://schemas.microsoft.com/office/drawing/2014/main" id="{4097D372-AE39-880B-3D5B-6A0685A5D4E5}"/>
+              </a:ext>
+            </a:extLst>
+          </p:cNvPr>
+          <p:cNvSpPr/>
+          <p:nvPr/>
+        </p:nvSpPr>
+        <p:spPr>
+          <a:xfrm>
+            <a:off x="5734050" y="3133725"/>
+            <a:ext cx="723900" cy="600075"/>
+          </a:xfrm>
+          <a:prstGeom prst="rightArrow">
+            <a:avLst/>
+          </a:prstGeom>
+        </p:spPr>
+        <p:style>
+          <a:lnRef idx="2">
+            <a:schemeClr val="accent1">
+              <a:shade val="50000"/>
+            </a:schemeClr>
+          </a:lnRef>
+          <a:fillRef idx="1">
+            <a:schemeClr val="accent1"/>
+          </a:fillRef>
+          <a:effectRef idx="0">
+            <a:schemeClr val="accent1"/>
+          </a:effectRef>
+          <a:fontRef idx="minor">
+            <a:schemeClr val="lt1"/>
+          </a:fontRef>
+        </p:style>
+        <p:txBody>
+          <a:bodyPr rtlCol="0" anchor="ctr"/>
+          <a:lstStyle/>
+          <a:p>
+            <a:pPr algn="ctr"/>
+            <a:endParaRPr lang="en-GB"/>
+          </a:p>
+        </p:txBody>
+      </p:sp>
+      <p:sp>
+        <p:nvSpPr>
+          <p:cNvPr id="9" name="Titel 1">
+            <a:extLst>
+              <a:ext uri="{FF2B5EF4-FFF2-40B4-BE49-F238E27FC236}">
+                <a16:creationId xmlns:a16="http://schemas.microsoft.com/office/drawing/2014/main" id="{20146D88-64FB-44AD-9C0B-07093437E7AE}"/>
+              </a:ext>
+            </a:extLst>
+          </p:cNvPr>
+          <p:cNvSpPr>
+            <a:spLocks noGrp="1"/>
+          </p:cNvSpPr>
+          <p:nvPr>
+            <p:ph type="title"/>
+          </p:nvPr>
+        </p:nvSpPr>
+        <p:spPr>
+          <a:xfrm>
+            <a:off x="838200" y="365125"/>
+            <a:ext cx="10515600" cy="1325563"/>
+          </a:xfrm>
+        </p:spPr>
+        <p:txBody>
+          <a:bodyPr/>
+          <a:lstStyle/>
+          <a:p>
+            <a:r>
+              <a:rPr lang="de-DE" dirty="0"/>
+              <a:t>Ergebnis</a:t>
+            </a:r>
+            <a:endParaRPr lang="en-GB" dirty="0"/>
+          </a:p>
+        </p:txBody>
+      </p:sp>
+    </p:spTree>
+    <p:extLst>
+      <p:ext uri="{BB962C8B-B14F-4D97-AF65-F5344CB8AC3E}">
+        <p14:creationId xmlns:p14="http://schemas.microsoft.com/office/powerpoint/2010/main" val="1418090824"/>
+      </p:ext>
+    </p:extLst>
+  </p:cSld>
+  <p:clrMapOvr>
+    <a:masterClrMapping/>
+  </p:clrMapOvr>
+</p:sld>
+</file>
+
+<file path=ppt/slides/slide13.xml><?xml version="1.0" encoding="utf-8"?>
+<p:sld xmlns:a="http://schemas.openxmlformats.org/drawingml/2006/main" xmlns:r="http://schemas.openxmlformats.org/officeDocument/2006/relationships" xmlns:p="http://schemas.openxmlformats.org/presentationml/2006/main">
+  <p:cSld>
+    <p:spTree>
+      <p:nvGrpSpPr>
+        <p:cNvPr id="1" name=""/>
+        <p:cNvGrpSpPr/>
+        <p:nvPr/>
+      </p:nvGrpSpPr>
+      <p:grpSpPr>
+        <a:xfrm>
+          <a:off x="0" y="0"/>
+          <a:ext cx="0" cy="0"/>
+          <a:chOff x="0" y="0"/>
+          <a:chExt cx="0" cy="0"/>
+        </a:xfrm>
+      </p:grpSpPr>
+      <p:sp>
+        <p:nvSpPr>
+          <p:cNvPr id="2" name="Titel 1">
+            <a:extLst>
+              <a:ext uri="{FF2B5EF4-FFF2-40B4-BE49-F238E27FC236}">
+                <a16:creationId xmlns:a16="http://schemas.microsoft.com/office/drawing/2014/main" id="{E865B767-73F2-1B82-7895-C6D811025DC7}"/>
+              </a:ext>
+            </a:extLst>
+          </p:cNvPr>
+          <p:cNvSpPr>
+            <a:spLocks noGrp="1"/>
+          </p:cNvSpPr>
+          <p:nvPr>
+            <p:ph type="title"/>
+          </p:nvPr>
+        </p:nvSpPr>
+        <p:spPr>
+          <a:xfrm>
+            <a:off x="838200" y="165100"/>
+            <a:ext cx="10515600" cy="1325563"/>
+          </a:xfrm>
+        </p:spPr>
+        <p:txBody>
+          <a:bodyPr/>
+          <a:lstStyle/>
+          <a:p>
+            <a:r>
+              <a:rPr lang="de-DE" dirty="0"/>
+              <a:t>10x12 Labyrinth</a:t>
+            </a:r>
+            <a:endParaRPr lang="en-GB" dirty="0"/>
+          </a:p>
+        </p:txBody>
+      </p:sp>
+      <p:sp>
+        <p:nvSpPr>
+          <p:cNvPr id="4" name="Rechteck 3">
+            <a:extLst>
+              <a:ext uri="{FF2B5EF4-FFF2-40B4-BE49-F238E27FC236}">
+                <a16:creationId xmlns:a16="http://schemas.microsoft.com/office/drawing/2014/main" id="{65E4DE3D-A5D2-7561-9D1B-9D26F4E40803}"/>
+              </a:ext>
+            </a:extLst>
+          </p:cNvPr>
+          <p:cNvSpPr/>
+          <p:nvPr/>
+        </p:nvSpPr>
+        <p:spPr>
+          <a:xfrm>
+            <a:off x="0" y="6444867"/>
+            <a:ext cx="12192000" cy="413133"/>
+          </a:xfrm>
+          <a:prstGeom prst="rect">
+            <a:avLst/>
+          </a:prstGeom>
+          <a:ln>
+            <a:noFill/>
+          </a:ln>
+        </p:spPr>
+        <p:style>
+          <a:lnRef idx="2">
+            <a:schemeClr val="accent1">
+              <a:shade val="50000"/>
+            </a:schemeClr>
+          </a:lnRef>
+          <a:fillRef idx="1">
+            <a:schemeClr val="accent1"/>
+          </a:fillRef>
+          <a:effectRef idx="0">
+            <a:schemeClr val="accent1"/>
+          </a:effectRef>
+          <a:fontRef idx="minor">
+            <a:schemeClr val="lt1"/>
+          </a:fontRef>
+        </p:style>
+        <p:txBody>
+          <a:bodyPr rtlCol="0" anchor="ctr"/>
+          <a:lstStyle/>
+          <a:p>
+            <a:pPr algn="ctr"/>
+            <a:r>
+              <a:rPr lang="de-DE" dirty="0"/>
+              <a:t>Implementierung des Algorithmus &gt; Selbst generierte Beispiele</a:t>
+            </a:r>
+          </a:p>
+        </p:txBody>
+      </p:sp>
+      <p:pic>
+        <p:nvPicPr>
+          <p:cNvPr id="5" name="Grafik 4">
+            <a:extLst>
+              <a:ext uri="{FF2B5EF4-FFF2-40B4-BE49-F238E27FC236}">
+                <a16:creationId xmlns:a16="http://schemas.microsoft.com/office/drawing/2014/main" id="{E9B1E8BC-89C7-8E58-DDD3-3322F7BFC86C}"/>
+              </a:ext>
+            </a:extLst>
+          </p:cNvPr>
+          <p:cNvPicPr>
+            <a:picLocks noChangeAspect="1"/>
+          </p:cNvPicPr>
+          <p:nvPr/>
+        </p:nvPicPr>
+        <p:blipFill rotWithShape="1">
+          <a:blip r:embed="rId2">
+            <a:extLst>
+              <a:ext uri="{28A0092B-C50C-407E-A947-70E740481C1C}">
+                <a14:useLocalDpi xmlns:a14="http://schemas.microsoft.com/office/drawing/2010/main" val="0"/>
+              </a:ext>
+            </a:extLst>
+          </a:blip>
+          <a:srcRect l="6874" t="8751" r="6343" b="9027"/>
+          <a:stretch/>
+        </p:blipFill>
+        <p:spPr>
+          <a:xfrm>
+            <a:off x="838200" y="1362074"/>
+            <a:ext cx="6625153" cy="4800601"/>
+          </a:xfrm>
+          <a:prstGeom prst="rect">
+            <a:avLst/>
+          </a:prstGeom>
+        </p:spPr>
+      </p:pic>
+      <p:pic>
+        <p:nvPicPr>
+          <p:cNvPr id="8" name="Grafik 7">
+            <a:extLst>
+              <a:ext uri="{FF2B5EF4-FFF2-40B4-BE49-F238E27FC236}">
+                <a16:creationId xmlns:a16="http://schemas.microsoft.com/office/drawing/2014/main" id="{FE9AE979-E95E-09C0-4A76-023D4CF26D81}"/>
+              </a:ext>
+            </a:extLst>
+          </p:cNvPr>
+          <p:cNvPicPr>
+            <a:picLocks noChangeAspect="1"/>
+          </p:cNvPicPr>
+          <p:nvPr/>
+        </p:nvPicPr>
+        <p:blipFill>
+          <a:blip r:embed="rId3">
+            <a:extLst>
+              <a:ext uri="{28A0092B-C50C-407E-A947-70E740481C1C}">
+                <a14:useLocalDpi xmlns:a14="http://schemas.microsoft.com/office/drawing/2010/main" val="0"/>
+              </a:ext>
+            </a:extLst>
+          </a:blip>
+          <a:stretch>
+            <a:fillRect/>
+          </a:stretch>
+        </p:blipFill>
+        <p:spPr>
+          <a:xfrm>
+            <a:off x="8648700" y="1966912"/>
+            <a:ext cx="2438400" cy="2924175"/>
+          </a:xfrm>
+          <a:prstGeom prst="rect">
+            <a:avLst/>
+          </a:prstGeom>
+          <a:ln w="76200">
+            <a:solidFill>
+              <a:srgbClr val="0070C0"/>
+            </a:solidFill>
+          </a:ln>
+        </p:spPr>
+      </p:pic>
+    </p:spTree>
+    <p:extLst>
+      <p:ext uri="{BB962C8B-B14F-4D97-AF65-F5344CB8AC3E}">
+        <p14:creationId xmlns:p14="http://schemas.microsoft.com/office/powerpoint/2010/main" val="4054706365"/>
+      </p:ext>
+    </p:extLst>
+  </p:cSld>
+  <p:clrMapOvr>
+    <a:masterClrMapping/>
+  </p:clrMapOvr>
+</p:sld>
+</file>
+
+<file path=ppt/slides/slide14.xml><?xml version="1.0" encoding="utf-8"?>
+<p:sld xmlns:a="http://schemas.openxmlformats.org/drawingml/2006/main" xmlns:r="http://schemas.openxmlformats.org/officeDocument/2006/relationships" xmlns:p="http://schemas.openxmlformats.org/presentationml/2006/main">
+  <p:cSld>
+    <p:spTree>
+      <p:nvGrpSpPr>
+        <p:cNvPr id="1" name=""/>
+        <p:cNvGrpSpPr/>
+        <p:nvPr/>
+      </p:nvGrpSpPr>
+      <p:grpSpPr>
+        <a:xfrm>
+          <a:off x="0" y="0"/>
+          <a:ext cx="0" cy="0"/>
+          <a:chOff x="0" y="0"/>
+          <a:chExt cx="0" cy="0"/>
+        </a:xfrm>
+      </p:grpSpPr>
+      <p:sp>
+        <p:nvSpPr>
+          <p:cNvPr id="4" name="Rechteck 3">
+            <a:extLst>
+              <a:ext uri="{FF2B5EF4-FFF2-40B4-BE49-F238E27FC236}">
+                <a16:creationId xmlns:a16="http://schemas.microsoft.com/office/drawing/2014/main" id="{C3797A29-3736-0279-C564-BA1EF673B253}"/>
+              </a:ext>
+            </a:extLst>
+          </p:cNvPr>
+          <p:cNvSpPr/>
+          <p:nvPr/>
+        </p:nvSpPr>
+        <p:spPr>
+          <a:xfrm>
+            <a:off x="0" y="6444867"/>
+            <a:ext cx="12192000" cy="413133"/>
+          </a:xfrm>
+          <a:prstGeom prst="rect">
+            <a:avLst/>
+          </a:prstGeom>
+          <a:ln>
+            <a:noFill/>
+          </a:ln>
+        </p:spPr>
+        <p:style>
+          <a:lnRef idx="2">
+            <a:schemeClr val="accent1">
+              <a:shade val="50000"/>
+            </a:schemeClr>
+          </a:lnRef>
+          <a:fillRef idx="1">
+            <a:schemeClr val="accent1"/>
+          </a:fillRef>
+          <a:effectRef idx="0">
+            <a:schemeClr val="accent1"/>
+          </a:effectRef>
+          <a:fontRef idx="minor">
+            <a:schemeClr val="lt1"/>
+          </a:fontRef>
+        </p:style>
+        <p:txBody>
+          <a:bodyPr rtlCol="0" anchor="ctr"/>
+          <a:lstStyle/>
+          <a:p>
+            <a:pPr algn="ctr"/>
+            <a:r>
+              <a:rPr lang="de-DE" dirty="0"/>
+              <a:t>Implementierung des Algorithmus &gt; Selbst generierte Beispiele</a:t>
+            </a:r>
+          </a:p>
+        </p:txBody>
+      </p:sp>
+      <p:sp>
+        <p:nvSpPr>
+          <p:cNvPr id="8" name="Pfeil: nach rechts 7">
+            <a:extLst>
+              <a:ext uri="{FF2B5EF4-FFF2-40B4-BE49-F238E27FC236}">
+                <a16:creationId xmlns:a16="http://schemas.microsoft.com/office/drawing/2014/main" id="{4097D372-AE39-880B-3D5B-6A0685A5D4E5}"/>
+              </a:ext>
+            </a:extLst>
+          </p:cNvPr>
+          <p:cNvSpPr/>
+          <p:nvPr/>
+        </p:nvSpPr>
+        <p:spPr>
+          <a:xfrm>
+            <a:off x="5734050" y="3133725"/>
+            <a:ext cx="723900" cy="600075"/>
+          </a:xfrm>
+          <a:prstGeom prst="rightArrow">
+            <a:avLst/>
+          </a:prstGeom>
+        </p:spPr>
+        <p:style>
+          <a:lnRef idx="2">
+            <a:schemeClr val="accent1">
+              <a:shade val="50000"/>
+            </a:schemeClr>
+          </a:lnRef>
+          <a:fillRef idx="1">
+            <a:schemeClr val="accent1"/>
+          </a:fillRef>
+          <a:effectRef idx="0">
+            <a:schemeClr val="accent1"/>
+          </a:effectRef>
+          <a:fontRef idx="minor">
+            <a:schemeClr val="lt1"/>
+          </a:fontRef>
+        </p:style>
+        <p:txBody>
+          <a:bodyPr rtlCol="0" anchor="ctr"/>
+          <a:lstStyle/>
+          <a:p>
+            <a:pPr algn="ctr"/>
+            <a:endParaRPr lang="en-GB"/>
+          </a:p>
+        </p:txBody>
+      </p:sp>
+      <p:sp>
+        <p:nvSpPr>
+          <p:cNvPr id="9" name="Titel 1">
+            <a:extLst>
+              <a:ext uri="{FF2B5EF4-FFF2-40B4-BE49-F238E27FC236}">
+                <a16:creationId xmlns:a16="http://schemas.microsoft.com/office/drawing/2014/main" id="{20146D88-64FB-44AD-9C0B-07093437E7AE}"/>
+              </a:ext>
+            </a:extLst>
+          </p:cNvPr>
+          <p:cNvSpPr>
+            <a:spLocks noGrp="1"/>
+          </p:cNvSpPr>
+          <p:nvPr>
+            <p:ph type="title"/>
+          </p:nvPr>
+        </p:nvSpPr>
+        <p:spPr>
+          <a:xfrm>
+            <a:off x="838200" y="365125"/>
+            <a:ext cx="10515600" cy="1325563"/>
+          </a:xfrm>
+        </p:spPr>
+        <p:txBody>
+          <a:bodyPr/>
+          <a:lstStyle/>
+          <a:p>
+            <a:r>
+              <a:rPr lang="de-DE" dirty="0"/>
+              <a:t>Ergebnis</a:t>
+            </a:r>
+            <a:endParaRPr lang="en-GB" dirty="0"/>
+          </a:p>
+        </p:txBody>
+      </p:sp>
+      <p:pic>
+        <p:nvPicPr>
+          <p:cNvPr id="10" name="Grafik 9">
+            <a:extLst>
+              <a:ext uri="{FF2B5EF4-FFF2-40B4-BE49-F238E27FC236}">
+                <a16:creationId xmlns:a16="http://schemas.microsoft.com/office/drawing/2014/main" id="{6659E04E-F78E-204E-5049-BB276D8003EF}"/>
+              </a:ext>
+            </a:extLst>
+          </p:cNvPr>
+          <p:cNvPicPr>
+            <a:picLocks noChangeAspect="1"/>
+          </p:cNvPicPr>
+          <p:nvPr/>
+        </p:nvPicPr>
+        <p:blipFill>
+          <a:blip r:embed="rId2">
+            <a:extLst>
+              <a:ext uri="{28A0092B-C50C-407E-A947-70E740481C1C}">
+                <a14:useLocalDpi xmlns:a14="http://schemas.microsoft.com/office/drawing/2010/main" val="0"/>
+              </a:ext>
+            </a:extLst>
+          </a:blip>
+          <a:stretch>
+            <a:fillRect/>
+          </a:stretch>
+        </p:blipFill>
+        <p:spPr>
+          <a:xfrm>
+            <a:off x="2781300" y="1966912"/>
+            <a:ext cx="2438400" cy="2924175"/>
+          </a:xfrm>
+          <a:prstGeom prst="rect">
+            <a:avLst/>
+          </a:prstGeom>
+          <a:ln w="76200">
+            <a:solidFill>
+              <a:srgbClr val="0070C0"/>
+            </a:solidFill>
+          </a:ln>
+        </p:spPr>
+      </p:pic>
+      <p:pic>
+        <p:nvPicPr>
+          <p:cNvPr id="3" name="Grafik 2">
+            <a:extLst>
+              <a:ext uri="{FF2B5EF4-FFF2-40B4-BE49-F238E27FC236}">
+                <a16:creationId xmlns:a16="http://schemas.microsoft.com/office/drawing/2014/main" id="{657B48AE-68F1-71AA-E2A0-336CD01FD147}"/>
+              </a:ext>
+            </a:extLst>
+          </p:cNvPr>
+          <p:cNvPicPr>
+            <a:picLocks noChangeAspect="1"/>
+          </p:cNvPicPr>
+          <p:nvPr/>
+        </p:nvPicPr>
+        <p:blipFill>
+          <a:blip r:embed="rId3">
+            <a:extLst>
+              <a:ext uri="{28A0092B-C50C-407E-A947-70E740481C1C}">
+                <a14:useLocalDpi xmlns:a14="http://schemas.microsoft.com/office/drawing/2010/main" val="0"/>
+              </a:ext>
+            </a:extLst>
+          </a:blip>
+          <a:stretch>
+            <a:fillRect/>
+          </a:stretch>
+        </p:blipFill>
+        <p:spPr>
+          <a:xfrm>
+            <a:off x="6972300" y="1957387"/>
+            <a:ext cx="2438400" cy="2924175"/>
+          </a:xfrm>
+          <a:prstGeom prst="rect">
+            <a:avLst/>
+          </a:prstGeom>
+          <a:ln w="76200">
+            <a:solidFill>
+              <a:srgbClr val="0070C0"/>
+            </a:solidFill>
+          </a:ln>
+        </p:spPr>
+      </p:pic>
+    </p:spTree>
+    <p:extLst>
+      <p:ext uri="{BB962C8B-B14F-4D97-AF65-F5344CB8AC3E}">
+        <p14:creationId xmlns:p14="http://schemas.microsoft.com/office/powerpoint/2010/main" val="2994689130"/>
+      </p:ext>
+    </p:extLst>
+  </p:cSld>
+  <p:clrMapOvr>
+    <a:masterClrMapping/>
+  </p:clrMapOvr>
+</p:sld>
+</file>
+
+<file path=ppt/slides/slide15.xml><?xml version="1.0" encoding="utf-8"?>
+<p:sld xmlns:a="http://schemas.openxmlformats.org/drawingml/2006/main" xmlns:r="http://schemas.openxmlformats.org/officeDocument/2006/relationships" xmlns:p="http://schemas.openxmlformats.org/presentationml/2006/main">
+  <p:cSld>
+    <p:spTree>
+      <p:nvGrpSpPr>
+        <p:cNvPr id="1" name=""/>
+        <p:cNvGrpSpPr/>
+        <p:nvPr/>
+      </p:nvGrpSpPr>
+      <p:grpSpPr>
+        <a:xfrm>
+          <a:off x="0" y="0"/>
+          <a:ext cx="0" cy="0"/>
+          <a:chOff x="0" y="0"/>
+          <a:chExt cx="0" cy="0"/>
+        </a:xfrm>
+      </p:grpSpPr>
+      <p:sp>
+        <p:nvSpPr>
+          <p:cNvPr id="2" name="Titel 1">
+            <a:extLst>
+              <a:ext uri="{FF2B5EF4-FFF2-40B4-BE49-F238E27FC236}">
+                <a16:creationId xmlns:a16="http://schemas.microsoft.com/office/drawing/2014/main" id="{D65A7C41-C94C-EA7B-BDE6-FB01F4C17F3B}"/>
+              </a:ext>
+            </a:extLst>
+          </p:cNvPr>
+          <p:cNvSpPr>
+            <a:spLocks noGrp="1"/>
+          </p:cNvSpPr>
+          <p:nvPr>
+            <p:ph type="title"/>
+          </p:nvPr>
+        </p:nvSpPr>
+        <p:spPr/>
+        <p:txBody>
+          <a:bodyPr/>
+          <a:lstStyle/>
+          <a:p>
+            <a:r>
+              <a:rPr lang="de-DE" dirty="0"/>
+              <a:t>Quellen</a:t>
+            </a:r>
+            <a:endParaRPr lang="en-GB" dirty="0"/>
+          </a:p>
+        </p:txBody>
+      </p:sp>
+      <p:sp>
+        <p:nvSpPr>
+          <p:cNvPr id="3" name="Inhaltsplatzhalter 2">
+            <a:extLst>
+              <a:ext uri="{FF2B5EF4-FFF2-40B4-BE49-F238E27FC236}">
+                <a16:creationId xmlns:a16="http://schemas.microsoft.com/office/drawing/2014/main" id="{003C4EEA-F021-5590-A93B-97C849877476}"/>
+              </a:ext>
+            </a:extLst>
+          </p:cNvPr>
+          <p:cNvSpPr>
+            <a:spLocks noGrp="1"/>
+          </p:cNvSpPr>
+          <p:nvPr>
+            <p:ph idx="1"/>
+          </p:nvPr>
+        </p:nvSpPr>
+        <p:spPr/>
+        <p:txBody>
+          <a:bodyPr/>
+          <a:lstStyle/>
+          <a:p>
+            <a:r>
+              <a:rPr lang="en-GB" dirty="0">
+                <a:hlinkClick r:id="rId2"/>
+              </a:rPr>
+              <a:t>http://mshang.ca/syntree/</a:t>
+            </a:r>
+          </a:p>
+          <a:p>
+            <a:r>
+              <a:rPr lang="en-GB" dirty="0">
+                <a:hlinkClick r:id="rId2"/>
+              </a:rPr>
+              <a:t>https://www.geeksforgeeks.org/rat-in-a-maze-backtracking-2/</a:t>
+            </a:r>
+            <a:endParaRPr lang="en-GB" dirty="0"/>
+          </a:p>
+          <a:p>
+            <a:endParaRPr lang="en-GB" dirty="0"/>
+          </a:p>
+        </p:txBody>
+      </p:sp>
+    </p:spTree>
+    <p:extLst>
+      <p:ext uri="{BB962C8B-B14F-4D97-AF65-F5344CB8AC3E}">
+        <p14:creationId xmlns:p14="http://schemas.microsoft.com/office/powerpoint/2010/main" val="1144204135"/>
+      </p:ext>
+    </p:extLst>
+  </p:cSld>
+  <p:clrMapOvr>
+    <a:masterClrMapping/>
+  </p:clrMapOvr>
+</p:sld>
+</file>
+
 <file path=ppt/slides/slide2.xml><?xml version="1.0" encoding="utf-8"?>
 <p:sld xmlns:a="http://schemas.openxmlformats.org/drawingml/2006/main" xmlns:r="http://schemas.openxmlformats.org/officeDocument/2006/relationships" xmlns:p="http://schemas.openxmlformats.org/presentationml/2006/main">
   <p:cSld>
@@ -3490,7 +4592,7 @@
         <p:spPr/>
         <p:txBody>
           <a:bodyPr>
-            <a:normAutofit lnSpcReduction="10000"/>
+            <a:normAutofit fontScale="92500" lnSpcReduction="10000"/>
           </a:bodyPr>
           <a:lstStyle/>
           <a:p>
@@ -3537,13 +4639,20 @@
             <a:pPr lvl="1"/>
             <a:r>
               <a:rPr lang="de-DE" dirty="0"/>
-              <a:t>Visualisierung</a:t>
+              <a:t>Selbst generierte Beispiele</a:t>
             </a:r>
           </a:p>
           <a:p>
             <a:r>
               <a:rPr lang="de-DE" dirty="0"/>
               <a:t>Implementierung von Sudoku</a:t>
+            </a:r>
+          </a:p>
+          <a:p>
+            <a:pPr lvl="1"/>
+            <a:r>
+              <a:rPr lang="de-DE" dirty="0"/>
+              <a:t>Sudoku Regeln</a:t>
             </a:r>
           </a:p>
           <a:p>
@@ -3641,7 +4750,68 @@
           <a:bodyPr/>
           <a:lstStyle/>
           <a:p>
-            <a:endParaRPr lang="en-GB" dirty="0"/>
+            <a:r>
+              <a:rPr lang="de-DE" dirty="0"/>
+              <a:t>Jedes Problem was durch eine </a:t>
+            </a:r>
+            <a:r>
+              <a:rPr lang="de-DE" b="1" dirty="0"/>
+              <a:t>Reihe an Entscheidungen </a:t>
+            </a:r>
+            <a:r>
+              <a:rPr lang="de-DE" dirty="0"/>
+              <a:t>gelöst wird kann durch Backtracking gelöst werden</a:t>
+            </a:r>
+          </a:p>
+          <a:p>
+            <a:r>
+              <a:rPr lang="de-DE" dirty="0"/>
+              <a:t>Wenn beim finden einer Lösung ein </a:t>
+            </a:r>
+            <a:r>
+              <a:rPr lang="de-DE" b="1" dirty="0"/>
+              <a:t>ungültiges Ende</a:t>
+            </a:r>
+            <a:r>
+              <a:rPr lang="de-DE" dirty="0"/>
+              <a:t> gefunden wird, geht man einen </a:t>
+            </a:r>
+            <a:r>
+              <a:rPr lang="de-DE" b="1" dirty="0"/>
+              <a:t>Schritt zurück</a:t>
+            </a:r>
+            <a:r>
+              <a:rPr lang="de-DE" dirty="0"/>
+              <a:t> und versucht die </a:t>
+            </a:r>
+            <a:r>
+              <a:rPr lang="de-DE" b="1" dirty="0"/>
+              <a:t>nächst folgende Entscheidung</a:t>
+            </a:r>
+          </a:p>
+          <a:p>
+            <a:r>
+              <a:rPr lang="de-DE" dirty="0"/>
+              <a:t>Dieser Prozess wird solange wiederholt bis das </a:t>
+            </a:r>
+            <a:r>
+              <a:rPr lang="de-DE" b="1" dirty="0"/>
+              <a:t>erste vorkommende gültige Ende</a:t>
+            </a:r>
+            <a:r>
+              <a:rPr lang="de-DE" dirty="0"/>
+              <a:t> gefunden wird</a:t>
+            </a:r>
+          </a:p>
+          <a:p>
+            <a:r>
+              <a:rPr lang="de-DE" dirty="0"/>
+              <a:t>Falls nach jedem möglichen Pfad kein gültiges Ende gefunden wurde, gibt es </a:t>
+            </a:r>
+            <a:r>
+              <a:rPr lang="de-DE" b="1" dirty="0"/>
+              <a:t>keine Lösung</a:t>
+            </a:r>
           </a:p>
         </p:txBody>
       </p:sp>
@@ -3730,36 +4900,6 @@
       </p:grpSpPr>
       <p:sp>
         <p:nvSpPr>
-          <p:cNvPr id="3" name="Inhaltsplatzhalter 2">
-            <a:extLst>
-              <a:ext uri="{FF2B5EF4-FFF2-40B4-BE49-F238E27FC236}">
-                <a16:creationId xmlns:a16="http://schemas.microsoft.com/office/drawing/2014/main" id="{B7638566-1073-EF3E-A1D9-0A63A41D3D6A}"/>
-              </a:ext>
-            </a:extLst>
-          </p:cNvPr>
-          <p:cNvSpPr>
-            <a:spLocks noGrp="1"/>
-          </p:cNvSpPr>
-          <p:nvPr>
-            <p:ph idx="1"/>
-          </p:nvPr>
-        </p:nvSpPr>
-        <p:spPr>
-          <a:xfrm>
-            <a:off x="760164" y="308472"/>
-            <a:ext cx="10593636" cy="5868491"/>
-          </a:xfrm>
-        </p:spPr>
-        <p:txBody>
-          <a:bodyPr/>
-          <a:lstStyle/>
-          <a:p>
-            <a:endParaRPr lang="en-GB" dirty="0"/>
-          </a:p>
-        </p:txBody>
-      </p:sp>
-      <p:sp>
-        <p:nvSpPr>
           <p:cNvPr id="4" name="Rechteck 3">
             <a:extLst>
               <a:ext uri="{FF2B5EF4-FFF2-40B4-BE49-F238E27FC236}">
@@ -3811,10 +4951,3093 @@
           </a:p>
         </p:txBody>
       </p:sp>
+      <p:pic>
+        <p:nvPicPr>
+          <p:cNvPr id="5" name="Grafik 4">
+            <a:extLst>
+              <a:ext uri="{FF2B5EF4-FFF2-40B4-BE49-F238E27FC236}">
+                <a16:creationId xmlns:a16="http://schemas.microsoft.com/office/drawing/2014/main" id="{5B44AF3B-6EF4-296A-1F29-96EAF44C2EB9}"/>
+              </a:ext>
+            </a:extLst>
+          </p:cNvPr>
+          <p:cNvPicPr>
+            <a:picLocks noChangeAspect="1"/>
+          </p:cNvPicPr>
+          <p:nvPr/>
+        </p:nvPicPr>
+        <p:blipFill>
+          <a:blip r:embed="rId2">
+            <a:extLst>
+              <a:ext uri="{28A0092B-C50C-407E-A947-70E740481C1C}">
+                <a14:useLocalDpi xmlns:a14="http://schemas.microsoft.com/office/drawing/2010/main" val="0"/>
+              </a:ext>
+            </a:extLst>
+          </a:blip>
+          <a:stretch>
+            <a:fillRect/>
+          </a:stretch>
+        </p:blipFill>
+        <p:spPr>
+          <a:xfrm>
+            <a:off x="3671341" y="2117992"/>
+            <a:ext cx="4849318" cy="2622015"/>
+          </a:xfrm>
+          <a:prstGeom prst="rect">
+            <a:avLst/>
+          </a:prstGeom>
+        </p:spPr>
+      </p:pic>
+      <p:sp>
+        <p:nvSpPr>
+          <p:cNvPr id="8" name="Textfeld 7">
+            <a:extLst>
+              <a:ext uri="{FF2B5EF4-FFF2-40B4-BE49-F238E27FC236}">
+                <a16:creationId xmlns:a16="http://schemas.microsoft.com/office/drawing/2014/main" id="{C2C6126F-EAD9-2CA6-A72A-0DF633438278}"/>
+              </a:ext>
+            </a:extLst>
+          </p:cNvPr>
+          <p:cNvSpPr txBox="1"/>
+          <p:nvPr/>
+        </p:nvSpPr>
+        <p:spPr>
+          <a:xfrm>
+            <a:off x="2806835" y="426094"/>
+            <a:ext cx="6665205" cy="1512209"/>
+          </a:xfrm>
+          <a:prstGeom prst="rect">
+            <a:avLst/>
+          </a:prstGeom>
+          <a:noFill/>
+        </p:spPr>
+        <p:txBody>
+          <a:bodyPr wrap="square" rtlCol="0">
+            <a:spAutoFit/>
+          </a:bodyPr>
+          <a:lstStyle/>
+          <a:p>
+            <a:pPr marR="0" lvl="0" algn="ctr" defTabSz="914400" rtl="0" eaLnBrk="1" fontAlgn="auto" latinLnBrk="0" hangingPunct="1">
+              <a:lnSpc>
+                <a:spcPct val="90000"/>
+              </a:lnSpc>
+              <a:spcBef>
+                <a:spcPts val="1000"/>
+              </a:spcBef>
+              <a:spcAft>
+                <a:spcPts val="0"/>
+              </a:spcAft>
+              <a:buClrTx/>
+              <a:buSzTx/>
+              <a:tabLst/>
+              <a:defRPr/>
+            </a:pPr>
+            <a:r>
+              <a:rPr kumimoji="0" lang="de-DE" sz="2800" b="0" i="0" u="none" strike="noStrike" kern="1200" cap="none" spc="0" normalizeH="0" baseline="0" noProof="0" dirty="0">
+                <a:ln>
+                  <a:noFill/>
+                </a:ln>
+                <a:solidFill>
+                  <a:prstClr val="black"/>
+                </a:solidFill>
+                <a:effectLst/>
+                <a:uLnTx/>
+                <a:uFillTx/>
+                <a:latin typeface="Calibri" panose="020F0502020204030204"/>
+                <a:ea typeface="+mn-ea"/>
+                <a:cs typeface="+mn-cs"/>
+              </a:rPr>
+              <a:t>Beispiel: Baumdiagramm</a:t>
+            </a:r>
+          </a:p>
+          <a:p>
+            <a:pPr marR="0" lvl="0" algn="ctr" defTabSz="914400" rtl="0" eaLnBrk="1" fontAlgn="auto" latinLnBrk="0" hangingPunct="1">
+              <a:lnSpc>
+                <a:spcPct val="90000"/>
+              </a:lnSpc>
+              <a:spcBef>
+                <a:spcPts val="1000"/>
+              </a:spcBef>
+              <a:spcAft>
+                <a:spcPts val="0"/>
+              </a:spcAft>
+              <a:buClrTx/>
+              <a:buSzTx/>
+              <a:tabLst/>
+              <a:defRPr/>
+            </a:pPr>
+            <a:r>
+              <a:rPr kumimoji="0" lang="de-DE" sz="2800" b="0" i="0" u="none" strike="noStrike" kern="1200" cap="none" spc="0" normalizeH="0" baseline="0" noProof="0" dirty="0">
+                <a:ln>
+                  <a:noFill/>
+                </a:ln>
+                <a:solidFill>
+                  <a:prstClr val="black"/>
+                </a:solidFill>
+                <a:effectLst/>
+                <a:uLnTx/>
+                <a:uFillTx/>
+                <a:latin typeface="Calibri" panose="020F0502020204030204"/>
+                <a:ea typeface="+mn-ea"/>
+                <a:cs typeface="+mn-cs"/>
+              </a:rPr>
+              <a:t>Ziel: Durch </a:t>
+            </a:r>
+            <a:r>
+              <a:rPr kumimoji="0" lang="de-DE" sz="2800" b="1" i="0" u="none" strike="noStrike" kern="1200" cap="none" spc="0" normalizeH="0" baseline="0" noProof="0" dirty="0">
+                <a:ln>
+                  <a:noFill/>
+                </a:ln>
+                <a:solidFill>
+                  <a:prstClr val="black"/>
+                </a:solidFill>
+                <a:effectLst/>
+                <a:uLnTx/>
+                <a:uFillTx/>
+                <a:latin typeface="Calibri" panose="020F0502020204030204"/>
+                <a:ea typeface="+mn-ea"/>
+                <a:cs typeface="+mn-cs"/>
+              </a:rPr>
+              <a:t>Addition</a:t>
+            </a:r>
+            <a:r>
+              <a:rPr kumimoji="0" lang="de-DE" sz="2800" b="0" i="0" u="none" strike="noStrike" kern="1200" cap="none" spc="0" normalizeH="0" baseline="0" noProof="0" dirty="0">
+                <a:ln>
+                  <a:noFill/>
+                </a:ln>
+                <a:solidFill>
+                  <a:prstClr val="black"/>
+                </a:solidFill>
+                <a:effectLst/>
+                <a:uLnTx/>
+                <a:uFillTx/>
+                <a:latin typeface="Calibri" panose="020F0502020204030204"/>
+                <a:ea typeface="+mn-ea"/>
+                <a:cs typeface="+mn-cs"/>
+              </a:rPr>
+              <a:t> auf Ergebnis </a:t>
+            </a:r>
+            <a:r>
+              <a:rPr kumimoji="0" lang="de-DE" sz="2800" b="1" i="0" u="none" strike="noStrike" kern="1200" cap="none" spc="0" normalizeH="0" baseline="0" noProof="0" dirty="0">
+                <a:ln>
+                  <a:noFill/>
+                </a:ln>
+                <a:solidFill>
+                  <a:prstClr val="black"/>
+                </a:solidFill>
+                <a:effectLst/>
+                <a:uLnTx/>
+                <a:uFillTx/>
+                <a:latin typeface="Calibri" panose="020F0502020204030204"/>
+                <a:ea typeface="+mn-ea"/>
+                <a:cs typeface="+mn-cs"/>
+              </a:rPr>
+              <a:t>9</a:t>
+            </a:r>
+          </a:p>
+          <a:p>
+            <a:pPr marL="228600" marR="0" lvl="0" indent="-228600" algn="l" defTabSz="914400" rtl="0" eaLnBrk="1" fontAlgn="auto" latinLnBrk="0" hangingPunct="1">
+              <a:lnSpc>
+                <a:spcPct val="90000"/>
+              </a:lnSpc>
+              <a:spcBef>
+                <a:spcPts val="1000"/>
+              </a:spcBef>
+              <a:spcAft>
+                <a:spcPts val="0"/>
+              </a:spcAft>
+              <a:buClrTx/>
+              <a:buSzTx/>
+              <a:buFont typeface="Arial" panose="020B0604020202020204" pitchFamily="34" charset="0"/>
+              <a:buChar char="•"/>
+              <a:tabLst/>
+              <a:defRPr/>
+            </a:pPr>
+            <a:endParaRPr kumimoji="0" lang="de-DE" sz="2800" b="0" i="0" u="none" strike="noStrike" kern="1200" cap="none" spc="0" normalizeH="0" baseline="0" noProof="0" dirty="0">
+              <a:ln>
+                <a:noFill/>
+              </a:ln>
+              <a:solidFill>
+                <a:prstClr val="black"/>
+              </a:solidFill>
+              <a:effectLst/>
+              <a:uLnTx/>
+              <a:uFillTx/>
+              <a:latin typeface="Calibri" panose="020F0502020204030204"/>
+              <a:ea typeface="+mn-ea"/>
+              <a:cs typeface="+mn-cs"/>
+            </a:endParaRPr>
+          </a:p>
+        </p:txBody>
+      </p:sp>
+      <p:cxnSp>
+        <p:nvCxnSpPr>
+          <p:cNvPr id="15" name="Gerade Verbindung mit Pfeil 14">
+            <a:extLst>
+              <a:ext uri="{FF2B5EF4-FFF2-40B4-BE49-F238E27FC236}">
+                <a16:creationId xmlns:a16="http://schemas.microsoft.com/office/drawing/2014/main" id="{85FBD508-7E98-F59D-E17C-5475B78A4EFC}"/>
+              </a:ext>
+            </a:extLst>
+          </p:cNvPr>
+          <p:cNvCxnSpPr>
+            <a:cxnSpLocks/>
+          </p:cNvCxnSpPr>
+          <p:nvPr/>
+        </p:nvCxnSpPr>
+        <p:spPr>
+          <a:xfrm flipH="1">
+            <a:off x="4341195" y="2662063"/>
+            <a:ext cx="1780661" cy="609871"/>
+          </a:xfrm>
+          <a:prstGeom prst="straightConnector1">
+            <a:avLst/>
+          </a:prstGeom>
+          <a:ln w="76200">
+            <a:tailEnd type="triangle"/>
+          </a:ln>
+        </p:spPr>
+        <p:style>
+          <a:lnRef idx="3">
+            <a:schemeClr val="accent1"/>
+          </a:lnRef>
+          <a:fillRef idx="0">
+            <a:schemeClr val="accent1"/>
+          </a:fillRef>
+          <a:effectRef idx="2">
+            <a:schemeClr val="accent1"/>
+          </a:effectRef>
+          <a:fontRef idx="minor">
+            <a:schemeClr val="tx1"/>
+          </a:fontRef>
+        </p:style>
+      </p:cxnSp>
+      <p:cxnSp>
+        <p:nvCxnSpPr>
+          <p:cNvPr id="16" name="Gerade Verbindung mit Pfeil 15">
+            <a:extLst>
+              <a:ext uri="{FF2B5EF4-FFF2-40B4-BE49-F238E27FC236}">
+                <a16:creationId xmlns:a16="http://schemas.microsoft.com/office/drawing/2014/main" id="{959F489C-D8C7-91A7-96F4-314B0D95A9C0}"/>
+              </a:ext>
+            </a:extLst>
+          </p:cNvPr>
+          <p:cNvCxnSpPr>
+            <a:cxnSpLocks/>
+          </p:cNvCxnSpPr>
+          <p:nvPr/>
+        </p:nvCxnSpPr>
+        <p:spPr>
+          <a:xfrm flipH="1">
+            <a:off x="3913158" y="3596762"/>
+            <a:ext cx="499043" cy="686118"/>
+          </a:xfrm>
+          <a:prstGeom prst="straightConnector1">
+            <a:avLst/>
+          </a:prstGeom>
+          <a:ln w="76200">
+            <a:tailEnd type="triangle"/>
+          </a:ln>
+        </p:spPr>
+        <p:style>
+          <a:lnRef idx="3">
+            <a:schemeClr val="accent1"/>
+          </a:lnRef>
+          <a:fillRef idx="0">
+            <a:schemeClr val="accent1"/>
+          </a:fillRef>
+          <a:effectRef idx="2">
+            <a:schemeClr val="accent1"/>
+          </a:effectRef>
+          <a:fontRef idx="minor">
+            <a:schemeClr val="tx1"/>
+          </a:fontRef>
+        </p:style>
+      </p:cxnSp>
+      <p:cxnSp>
+        <p:nvCxnSpPr>
+          <p:cNvPr id="21" name="Gerade Verbindung mit Pfeil 20">
+            <a:extLst>
+              <a:ext uri="{FF2B5EF4-FFF2-40B4-BE49-F238E27FC236}">
+                <a16:creationId xmlns:a16="http://schemas.microsoft.com/office/drawing/2014/main" id="{A4D3A63E-C418-9304-832C-115D2469DB2D}"/>
+              </a:ext>
+            </a:extLst>
+          </p:cNvPr>
+          <p:cNvCxnSpPr>
+            <a:cxnSpLocks/>
+          </p:cNvCxnSpPr>
+          <p:nvPr/>
+        </p:nvCxnSpPr>
+        <p:spPr>
+          <a:xfrm flipV="1">
+            <a:off x="3913710" y="3596762"/>
+            <a:ext cx="500028" cy="686118"/>
+          </a:xfrm>
+          <a:prstGeom prst="straightConnector1">
+            <a:avLst/>
+          </a:prstGeom>
+          <a:ln w="76200">
+            <a:solidFill>
+              <a:srgbClr val="FF0000"/>
+            </a:solidFill>
+            <a:tailEnd type="triangle"/>
+          </a:ln>
+        </p:spPr>
+        <p:style>
+          <a:lnRef idx="3">
+            <a:schemeClr val="accent1"/>
+          </a:lnRef>
+          <a:fillRef idx="0">
+            <a:schemeClr val="accent1"/>
+          </a:fillRef>
+          <a:effectRef idx="2">
+            <a:schemeClr val="accent1"/>
+          </a:effectRef>
+          <a:fontRef idx="minor">
+            <a:schemeClr val="tx1"/>
+          </a:fontRef>
+        </p:style>
+      </p:cxnSp>
+      <p:cxnSp>
+        <p:nvCxnSpPr>
+          <p:cNvPr id="24" name="Gerade Verbindung mit Pfeil 23">
+            <a:extLst>
+              <a:ext uri="{FF2B5EF4-FFF2-40B4-BE49-F238E27FC236}">
+                <a16:creationId xmlns:a16="http://schemas.microsoft.com/office/drawing/2014/main" id="{2FD19783-706B-DE1C-BAC2-D49333E00473}"/>
+              </a:ext>
+            </a:extLst>
+          </p:cNvPr>
+          <p:cNvCxnSpPr>
+            <a:cxnSpLocks/>
+          </p:cNvCxnSpPr>
+          <p:nvPr/>
+        </p:nvCxnSpPr>
+        <p:spPr>
+          <a:xfrm>
+            <a:off x="4414030" y="3629190"/>
+            <a:ext cx="449945" cy="750015"/>
+          </a:xfrm>
+          <a:prstGeom prst="straightConnector1">
+            <a:avLst/>
+          </a:prstGeom>
+          <a:ln w="76200">
+            <a:tailEnd type="triangle"/>
+          </a:ln>
+        </p:spPr>
+        <p:style>
+          <a:lnRef idx="3">
+            <a:schemeClr val="accent1"/>
+          </a:lnRef>
+          <a:fillRef idx="0">
+            <a:schemeClr val="accent1"/>
+          </a:fillRef>
+          <a:effectRef idx="2">
+            <a:schemeClr val="accent1"/>
+          </a:effectRef>
+          <a:fontRef idx="minor">
+            <a:schemeClr val="tx1"/>
+          </a:fontRef>
+        </p:style>
+      </p:cxnSp>
+      <p:cxnSp>
+        <p:nvCxnSpPr>
+          <p:cNvPr id="32" name="Gerade Verbindung mit Pfeil 31">
+            <a:extLst>
+              <a:ext uri="{FF2B5EF4-FFF2-40B4-BE49-F238E27FC236}">
+                <a16:creationId xmlns:a16="http://schemas.microsoft.com/office/drawing/2014/main" id="{9FD46D21-0301-E877-8D7D-125900FA08CF}"/>
+              </a:ext>
+            </a:extLst>
+          </p:cNvPr>
+          <p:cNvCxnSpPr>
+            <a:cxnSpLocks/>
+          </p:cNvCxnSpPr>
+          <p:nvPr/>
+        </p:nvCxnSpPr>
+        <p:spPr>
+          <a:xfrm flipH="1" flipV="1">
+            <a:off x="4365484" y="3591678"/>
+            <a:ext cx="432361" cy="691202"/>
+          </a:xfrm>
+          <a:prstGeom prst="straightConnector1">
+            <a:avLst/>
+          </a:prstGeom>
+          <a:ln w="76200">
+            <a:solidFill>
+              <a:srgbClr val="FF0000"/>
+            </a:solidFill>
+            <a:tailEnd type="triangle"/>
+          </a:ln>
+        </p:spPr>
+        <p:style>
+          <a:lnRef idx="3">
+            <a:schemeClr val="accent1"/>
+          </a:lnRef>
+          <a:fillRef idx="0">
+            <a:schemeClr val="accent1"/>
+          </a:fillRef>
+          <a:effectRef idx="2">
+            <a:schemeClr val="accent1"/>
+          </a:effectRef>
+          <a:fontRef idx="minor">
+            <a:schemeClr val="tx1"/>
+          </a:fontRef>
+        </p:style>
+      </p:cxnSp>
+      <p:cxnSp>
+        <p:nvCxnSpPr>
+          <p:cNvPr id="35" name="Gerade Verbindung mit Pfeil 34">
+            <a:extLst>
+              <a:ext uri="{FF2B5EF4-FFF2-40B4-BE49-F238E27FC236}">
+                <a16:creationId xmlns:a16="http://schemas.microsoft.com/office/drawing/2014/main" id="{87B456FB-D397-E2C5-80DF-433E469CC886}"/>
+              </a:ext>
+            </a:extLst>
+          </p:cNvPr>
+          <p:cNvCxnSpPr>
+            <a:cxnSpLocks/>
+          </p:cNvCxnSpPr>
+          <p:nvPr/>
+        </p:nvCxnSpPr>
+        <p:spPr>
+          <a:xfrm flipV="1">
+            <a:off x="4341196" y="2678693"/>
+            <a:ext cx="1754803" cy="582546"/>
+          </a:xfrm>
+          <a:prstGeom prst="straightConnector1">
+            <a:avLst/>
+          </a:prstGeom>
+          <a:ln w="76200">
+            <a:solidFill>
+              <a:srgbClr val="FF0000"/>
+            </a:solidFill>
+            <a:tailEnd type="triangle"/>
+          </a:ln>
+        </p:spPr>
+        <p:style>
+          <a:lnRef idx="3">
+            <a:schemeClr val="accent1"/>
+          </a:lnRef>
+          <a:fillRef idx="0">
+            <a:schemeClr val="accent1"/>
+          </a:fillRef>
+          <a:effectRef idx="2">
+            <a:schemeClr val="accent1"/>
+          </a:effectRef>
+          <a:fontRef idx="minor">
+            <a:schemeClr val="tx1"/>
+          </a:fontRef>
+        </p:style>
+      </p:cxnSp>
+      <p:cxnSp>
+        <p:nvCxnSpPr>
+          <p:cNvPr id="39" name="Gerade Verbindung mit Pfeil 38">
+            <a:extLst>
+              <a:ext uri="{FF2B5EF4-FFF2-40B4-BE49-F238E27FC236}">
+                <a16:creationId xmlns:a16="http://schemas.microsoft.com/office/drawing/2014/main" id="{36660233-5C98-5EA2-923D-FD0BB05288DE}"/>
+              </a:ext>
+            </a:extLst>
+          </p:cNvPr>
+          <p:cNvCxnSpPr>
+            <a:cxnSpLocks/>
+          </p:cNvCxnSpPr>
+          <p:nvPr/>
+        </p:nvCxnSpPr>
+        <p:spPr>
+          <a:xfrm flipH="1">
+            <a:off x="5606664" y="3631311"/>
+            <a:ext cx="532774" cy="651569"/>
+          </a:xfrm>
+          <a:prstGeom prst="straightConnector1">
+            <a:avLst/>
+          </a:prstGeom>
+          <a:ln w="76200">
+            <a:tailEnd type="triangle"/>
+          </a:ln>
+        </p:spPr>
+        <p:style>
+          <a:lnRef idx="3">
+            <a:schemeClr val="accent1"/>
+          </a:lnRef>
+          <a:fillRef idx="0">
+            <a:schemeClr val="accent1"/>
+          </a:fillRef>
+          <a:effectRef idx="2">
+            <a:schemeClr val="accent1"/>
+          </a:effectRef>
+          <a:fontRef idx="minor">
+            <a:schemeClr val="tx1"/>
+          </a:fontRef>
+        </p:style>
+      </p:cxnSp>
+      <p:cxnSp>
+        <p:nvCxnSpPr>
+          <p:cNvPr id="41" name="Gerade Verbindung mit Pfeil 40">
+            <a:extLst>
+              <a:ext uri="{FF2B5EF4-FFF2-40B4-BE49-F238E27FC236}">
+                <a16:creationId xmlns:a16="http://schemas.microsoft.com/office/drawing/2014/main" id="{A2008B07-649F-026E-3240-BA8B7A1697B5}"/>
+              </a:ext>
+            </a:extLst>
+          </p:cNvPr>
+          <p:cNvCxnSpPr>
+            <a:cxnSpLocks/>
+          </p:cNvCxnSpPr>
+          <p:nvPr/>
+        </p:nvCxnSpPr>
+        <p:spPr>
+          <a:xfrm>
+            <a:off x="6095999" y="2678693"/>
+            <a:ext cx="0" cy="680204"/>
+          </a:xfrm>
+          <a:prstGeom prst="straightConnector1">
+            <a:avLst/>
+          </a:prstGeom>
+          <a:ln w="76200">
+            <a:tailEnd type="triangle"/>
+          </a:ln>
+        </p:spPr>
+        <p:style>
+          <a:lnRef idx="3">
+            <a:schemeClr val="accent1"/>
+          </a:lnRef>
+          <a:fillRef idx="0">
+            <a:schemeClr val="accent1"/>
+          </a:fillRef>
+          <a:effectRef idx="2">
+            <a:schemeClr val="accent1"/>
+          </a:effectRef>
+          <a:fontRef idx="minor">
+            <a:schemeClr val="tx1"/>
+          </a:fontRef>
+        </p:style>
+      </p:cxnSp>
+      <p:cxnSp>
+        <p:nvCxnSpPr>
+          <p:cNvPr id="45" name="Gerade Verbindung mit Pfeil 44">
+            <a:extLst>
+              <a:ext uri="{FF2B5EF4-FFF2-40B4-BE49-F238E27FC236}">
+                <a16:creationId xmlns:a16="http://schemas.microsoft.com/office/drawing/2014/main" id="{C83E5DB6-F7C0-1B0A-AA58-EAC3FE69436F}"/>
+              </a:ext>
+            </a:extLst>
+          </p:cNvPr>
+          <p:cNvCxnSpPr>
+            <a:cxnSpLocks/>
+          </p:cNvCxnSpPr>
+          <p:nvPr/>
+        </p:nvCxnSpPr>
+        <p:spPr>
+          <a:xfrm>
+            <a:off x="6095999" y="2643078"/>
+            <a:ext cx="0" cy="680204"/>
+          </a:xfrm>
+          <a:prstGeom prst="straightConnector1">
+            <a:avLst/>
+          </a:prstGeom>
+          <a:ln w="76200">
+            <a:solidFill>
+              <a:srgbClr val="00B050"/>
+            </a:solidFill>
+            <a:tailEnd type="triangle"/>
+          </a:ln>
+        </p:spPr>
+        <p:style>
+          <a:lnRef idx="3">
+            <a:schemeClr val="accent1"/>
+          </a:lnRef>
+          <a:fillRef idx="0">
+            <a:schemeClr val="accent1"/>
+          </a:fillRef>
+          <a:effectRef idx="2">
+            <a:schemeClr val="accent1"/>
+          </a:effectRef>
+          <a:fontRef idx="minor">
+            <a:schemeClr val="tx1"/>
+          </a:fontRef>
+        </p:style>
+      </p:cxnSp>
+      <p:cxnSp>
+        <p:nvCxnSpPr>
+          <p:cNvPr id="46" name="Gerade Verbindung mit Pfeil 45">
+            <a:extLst>
+              <a:ext uri="{FF2B5EF4-FFF2-40B4-BE49-F238E27FC236}">
+                <a16:creationId xmlns:a16="http://schemas.microsoft.com/office/drawing/2014/main" id="{0CC35614-E852-DF8A-6004-D65443D8FCF0}"/>
+              </a:ext>
+            </a:extLst>
+          </p:cNvPr>
+          <p:cNvCxnSpPr>
+            <a:cxnSpLocks/>
+          </p:cNvCxnSpPr>
+          <p:nvPr/>
+        </p:nvCxnSpPr>
+        <p:spPr>
+          <a:xfrm flipH="1">
+            <a:off x="5606664" y="3629190"/>
+            <a:ext cx="515192" cy="683772"/>
+          </a:xfrm>
+          <a:prstGeom prst="straightConnector1">
+            <a:avLst/>
+          </a:prstGeom>
+          <a:ln w="76200">
+            <a:solidFill>
+              <a:srgbClr val="00B050"/>
+            </a:solidFill>
+            <a:tailEnd type="triangle"/>
+          </a:ln>
+        </p:spPr>
+        <p:style>
+          <a:lnRef idx="3">
+            <a:schemeClr val="accent1"/>
+          </a:lnRef>
+          <a:fillRef idx="0">
+            <a:schemeClr val="accent1"/>
+          </a:fillRef>
+          <a:effectRef idx="2">
+            <a:schemeClr val="accent1"/>
+          </a:effectRef>
+          <a:fontRef idx="minor">
+            <a:schemeClr val="tx1"/>
+          </a:fontRef>
+        </p:style>
+      </p:cxnSp>
     </p:spTree>
     <p:extLst>
       <p:ext uri="{BB962C8B-B14F-4D97-AF65-F5344CB8AC3E}">
         <p14:creationId xmlns:p14="http://schemas.microsoft.com/office/powerpoint/2010/main" val="1404312048"/>
+      </p:ext>
+    </p:extLst>
+  </p:cSld>
+  <p:clrMapOvr>
+    <a:masterClrMapping/>
+  </p:clrMapOvr>
+  <p:timing>
+    <p:tnLst>
+      <p:par>
+        <p:cTn id="1" dur="indefinite" restart="never" nodeType="tmRoot">
+          <p:childTnLst>
+            <p:seq concurrent="1" nextAc="seek">
+              <p:cTn id="2" dur="indefinite" nodeType="mainSeq">
+                <p:childTnLst>
+                  <p:par>
+                    <p:cTn id="3" fill="hold">
+                      <p:stCondLst>
+                        <p:cond delay="indefinite"/>
+                      </p:stCondLst>
+                      <p:childTnLst>
+                        <p:par>
+                          <p:cTn id="4" fill="hold">
+                            <p:stCondLst>
+                              <p:cond delay="0"/>
+                            </p:stCondLst>
+                            <p:childTnLst>
+                              <p:par>
+                                <p:cTn id="5" presetID="1" presetClass="entr" presetSubtype="0" fill="hold" nodeType="clickEffect">
+                                  <p:stCondLst>
+                                    <p:cond delay="0"/>
+                                  </p:stCondLst>
+                                  <p:childTnLst>
+                                    <p:set>
+                                      <p:cBhvr>
+                                        <p:cTn id="6" dur="1" fill="hold">
+                                          <p:stCondLst>
+                                            <p:cond delay="0"/>
+                                          </p:stCondLst>
+                                        </p:cTn>
+                                        <p:tgtEl>
+                                          <p:spTgt spid="15"/>
+                                        </p:tgtEl>
+                                        <p:attrNameLst>
+                                          <p:attrName>style.visibility</p:attrName>
+                                        </p:attrNameLst>
+                                      </p:cBhvr>
+                                      <p:to>
+                                        <p:strVal val="visible"/>
+                                      </p:to>
+                                    </p:set>
+                                  </p:childTnLst>
+                                </p:cTn>
+                              </p:par>
+                            </p:childTnLst>
+                          </p:cTn>
+                        </p:par>
+                      </p:childTnLst>
+                    </p:cTn>
+                  </p:par>
+                  <p:par>
+                    <p:cTn id="7" fill="hold">
+                      <p:stCondLst>
+                        <p:cond delay="indefinite"/>
+                      </p:stCondLst>
+                      <p:childTnLst>
+                        <p:par>
+                          <p:cTn id="8" fill="hold">
+                            <p:stCondLst>
+                              <p:cond delay="0"/>
+                            </p:stCondLst>
+                            <p:childTnLst>
+                              <p:par>
+                                <p:cTn id="9" presetID="1" presetClass="entr" presetSubtype="0" fill="hold" nodeType="clickEffect">
+                                  <p:stCondLst>
+                                    <p:cond delay="0"/>
+                                  </p:stCondLst>
+                                  <p:childTnLst>
+                                    <p:set>
+                                      <p:cBhvr>
+                                        <p:cTn id="10" dur="1" fill="hold">
+                                          <p:stCondLst>
+                                            <p:cond delay="0"/>
+                                          </p:stCondLst>
+                                        </p:cTn>
+                                        <p:tgtEl>
+                                          <p:spTgt spid="16"/>
+                                        </p:tgtEl>
+                                        <p:attrNameLst>
+                                          <p:attrName>style.visibility</p:attrName>
+                                        </p:attrNameLst>
+                                      </p:cBhvr>
+                                      <p:to>
+                                        <p:strVal val="visible"/>
+                                      </p:to>
+                                    </p:set>
+                                  </p:childTnLst>
+                                </p:cTn>
+                              </p:par>
+                            </p:childTnLst>
+                          </p:cTn>
+                        </p:par>
+                      </p:childTnLst>
+                    </p:cTn>
+                  </p:par>
+                  <p:par>
+                    <p:cTn id="11" fill="hold">
+                      <p:stCondLst>
+                        <p:cond delay="indefinite"/>
+                      </p:stCondLst>
+                      <p:childTnLst>
+                        <p:par>
+                          <p:cTn id="12" fill="hold">
+                            <p:stCondLst>
+                              <p:cond delay="0"/>
+                            </p:stCondLst>
+                            <p:childTnLst>
+                              <p:par>
+                                <p:cTn id="13" presetID="1" presetClass="exit" presetSubtype="0" fill="hold" nodeType="clickEffect">
+                                  <p:stCondLst>
+                                    <p:cond delay="0"/>
+                                  </p:stCondLst>
+                                  <p:childTnLst>
+                                    <p:set>
+                                      <p:cBhvr>
+                                        <p:cTn id="14" dur="1" fill="hold">
+                                          <p:stCondLst>
+                                            <p:cond delay="0"/>
+                                          </p:stCondLst>
+                                        </p:cTn>
+                                        <p:tgtEl>
+                                          <p:spTgt spid="16"/>
+                                        </p:tgtEl>
+                                        <p:attrNameLst>
+                                          <p:attrName>style.visibility</p:attrName>
+                                        </p:attrNameLst>
+                                      </p:cBhvr>
+                                      <p:to>
+                                        <p:strVal val="hidden"/>
+                                      </p:to>
+                                    </p:set>
+                                  </p:childTnLst>
+                                </p:cTn>
+                              </p:par>
+                            </p:childTnLst>
+                          </p:cTn>
+                        </p:par>
+                        <p:par>
+                          <p:cTn id="15" fill="hold">
+                            <p:stCondLst>
+                              <p:cond delay="0"/>
+                            </p:stCondLst>
+                            <p:childTnLst>
+                              <p:par>
+                                <p:cTn id="16" presetID="1" presetClass="entr" presetSubtype="0" fill="hold" nodeType="afterEffect">
+                                  <p:stCondLst>
+                                    <p:cond delay="0"/>
+                                  </p:stCondLst>
+                                  <p:childTnLst>
+                                    <p:set>
+                                      <p:cBhvr>
+                                        <p:cTn id="17" dur="1" fill="hold">
+                                          <p:stCondLst>
+                                            <p:cond delay="0"/>
+                                          </p:stCondLst>
+                                        </p:cTn>
+                                        <p:tgtEl>
+                                          <p:spTgt spid="21"/>
+                                        </p:tgtEl>
+                                        <p:attrNameLst>
+                                          <p:attrName>style.visibility</p:attrName>
+                                        </p:attrNameLst>
+                                      </p:cBhvr>
+                                      <p:to>
+                                        <p:strVal val="visible"/>
+                                      </p:to>
+                                    </p:set>
+                                  </p:childTnLst>
+                                </p:cTn>
+                              </p:par>
+                            </p:childTnLst>
+                          </p:cTn>
+                        </p:par>
+                      </p:childTnLst>
+                    </p:cTn>
+                  </p:par>
+                  <p:par>
+                    <p:cTn id="18" fill="hold">
+                      <p:stCondLst>
+                        <p:cond delay="indefinite"/>
+                      </p:stCondLst>
+                      <p:childTnLst>
+                        <p:par>
+                          <p:cTn id="19" fill="hold">
+                            <p:stCondLst>
+                              <p:cond delay="0"/>
+                            </p:stCondLst>
+                            <p:childTnLst>
+                              <p:par>
+                                <p:cTn id="20" presetID="1" presetClass="exit" presetSubtype="0" fill="hold" nodeType="clickEffect">
+                                  <p:stCondLst>
+                                    <p:cond delay="0"/>
+                                  </p:stCondLst>
+                                  <p:childTnLst>
+                                    <p:set>
+                                      <p:cBhvr>
+                                        <p:cTn id="21" dur="1" fill="hold">
+                                          <p:stCondLst>
+                                            <p:cond delay="0"/>
+                                          </p:stCondLst>
+                                        </p:cTn>
+                                        <p:tgtEl>
+                                          <p:spTgt spid="21"/>
+                                        </p:tgtEl>
+                                        <p:attrNameLst>
+                                          <p:attrName>style.visibility</p:attrName>
+                                        </p:attrNameLst>
+                                      </p:cBhvr>
+                                      <p:to>
+                                        <p:strVal val="hidden"/>
+                                      </p:to>
+                                    </p:set>
+                                  </p:childTnLst>
+                                </p:cTn>
+                              </p:par>
+                            </p:childTnLst>
+                          </p:cTn>
+                        </p:par>
+                      </p:childTnLst>
+                    </p:cTn>
+                  </p:par>
+                  <p:par>
+                    <p:cTn id="22" fill="hold">
+                      <p:stCondLst>
+                        <p:cond delay="indefinite"/>
+                      </p:stCondLst>
+                      <p:childTnLst>
+                        <p:par>
+                          <p:cTn id="23" fill="hold">
+                            <p:stCondLst>
+                              <p:cond delay="0"/>
+                            </p:stCondLst>
+                            <p:childTnLst>
+                              <p:par>
+                                <p:cTn id="24" presetID="1" presetClass="entr" presetSubtype="0" fill="hold" nodeType="clickEffect">
+                                  <p:stCondLst>
+                                    <p:cond delay="0"/>
+                                  </p:stCondLst>
+                                  <p:childTnLst>
+                                    <p:set>
+                                      <p:cBhvr>
+                                        <p:cTn id="25" dur="1" fill="hold">
+                                          <p:stCondLst>
+                                            <p:cond delay="0"/>
+                                          </p:stCondLst>
+                                        </p:cTn>
+                                        <p:tgtEl>
+                                          <p:spTgt spid="24"/>
+                                        </p:tgtEl>
+                                        <p:attrNameLst>
+                                          <p:attrName>style.visibility</p:attrName>
+                                        </p:attrNameLst>
+                                      </p:cBhvr>
+                                      <p:to>
+                                        <p:strVal val="visible"/>
+                                      </p:to>
+                                    </p:set>
+                                  </p:childTnLst>
+                                </p:cTn>
+                              </p:par>
+                            </p:childTnLst>
+                          </p:cTn>
+                        </p:par>
+                      </p:childTnLst>
+                    </p:cTn>
+                  </p:par>
+                  <p:par>
+                    <p:cTn id="26" fill="hold">
+                      <p:stCondLst>
+                        <p:cond delay="indefinite"/>
+                      </p:stCondLst>
+                      <p:childTnLst>
+                        <p:par>
+                          <p:cTn id="27" fill="hold">
+                            <p:stCondLst>
+                              <p:cond delay="0"/>
+                            </p:stCondLst>
+                            <p:childTnLst>
+                              <p:par>
+                                <p:cTn id="28" presetID="1" presetClass="exit" presetSubtype="0" fill="hold" nodeType="clickEffect">
+                                  <p:stCondLst>
+                                    <p:cond delay="0"/>
+                                  </p:stCondLst>
+                                  <p:childTnLst>
+                                    <p:set>
+                                      <p:cBhvr>
+                                        <p:cTn id="29" dur="1" fill="hold">
+                                          <p:stCondLst>
+                                            <p:cond delay="0"/>
+                                          </p:stCondLst>
+                                        </p:cTn>
+                                        <p:tgtEl>
+                                          <p:spTgt spid="24"/>
+                                        </p:tgtEl>
+                                        <p:attrNameLst>
+                                          <p:attrName>style.visibility</p:attrName>
+                                        </p:attrNameLst>
+                                      </p:cBhvr>
+                                      <p:to>
+                                        <p:strVal val="hidden"/>
+                                      </p:to>
+                                    </p:set>
+                                  </p:childTnLst>
+                                </p:cTn>
+                              </p:par>
+                            </p:childTnLst>
+                          </p:cTn>
+                        </p:par>
+                      </p:childTnLst>
+                    </p:cTn>
+                  </p:par>
+                  <p:par>
+                    <p:cTn id="30" fill="hold">
+                      <p:stCondLst>
+                        <p:cond delay="indefinite"/>
+                      </p:stCondLst>
+                      <p:childTnLst>
+                        <p:par>
+                          <p:cTn id="31" fill="hold">
+                            <p:stCondLst>
+                              <p:cond delay="0"/>
+                            </p:stCondLst>
+                            <p:childTnLst>
+                              <p:par>
+                                <p:cTn id="32" presetID="1" presetClass="entr" presetSubtype="0" fill="hold" nodeType="clickEffect">
+                                  <p:stCondLst>
+                                    <p:cond delay="0"/>
+                                  </p:stCondLst>
+                                  <p:childTnLst>
+                                    <p:set>
+                                      <p:cBhvr>
+                                        <p:cTn id="33" dur="1" fill="hold">
+                                          <p:stCondLst>
+                                            <p:cond delay="0"/>
+                                          </p:stCondLst>
+                                        </p:cTn>
+                                        <p:tgtEl>
+                                          <p:spTgt spid="32"/>
+                                        </p:tgtEl>
+                                        <p:attrNameLst>
+                                          <p:attrName>style.visibility</p:attrName>
+                                        </p:attrNameLst>
+                                      </p:cBhvr>
+                                      <p:to>
+                                        <p:strVal val="visible"/>
+                                      </p:to>
+                                    </p:set>
+                                  </p:childTnLst>
+                                </p:cTn>
+                              </p:par>
+                            </p:childTnLst>
+                          </p:cTn>
+                        </p:par>
+                      </p:childTnLst>
+                    </p:cTn>
+                  </p:par>
+                  <p:par>
+                    <p:cTn id="34" fill="hold">
+                      <p:stCondLst>
+                        <p:cond delay="indefinite"/>
+                      </p:stCondLst>
+                      <p:childTnLst>
+                        <p:par>
+                          <p:cTn id="35" fill="hold">
+                            <p:stCondLst>
+                              <p:cond delay="0"/>
+                            </p:stCondLst>
+                            <p:childTnLst>
+                              <p:par>
+                                <p:cTn id="36" presetID="1" presetClass="entr" presetSubtype="0" fill="hold" nodeType="clickEffect">
+                                  <p:stCondLst>
+                                    <p:cond delay="0"/>
+                                  </p:stCondLst>
+                                  <p:childTnLst>
+                                    <p:set>
+                                      <p:cBhvr>
+                                        <p:cTn id="37" dur="1" fill="hold">
+                                          <p:stCondLst>
+                                            <p:cond delay="0"/>
+                                          </p:stCondLst>
+                                        </p:cTn>
+                                        <p:tgtEl>
+                                          <p:spTgt spid="35"/>
+                                        </p:tgtEl>
+                                        <p:attrNameLst>
+                                          <p:attrName>style.visibility</p:attrName>
+                                        </p:attrNameLst>
+                                      </p:cBhvr>
+                                      <p:to>
+                                        <p:strVal val="visible"/>
+                                      </p:to>
+                                    </p:set>
+                                  </p:childTnLst>
+                                </p:cTn>
+                              </p:par>
+                            </p:childTnLst>
+                          </p:cTn>
+                        </p:par>
+                        <p:par>
+                          <p:cTn id="38" fill="hold">
+                            <p:stCondLst>
+                              <p:cond delay="0"/>
+                            </p:stCondLst>
+                            <p:childTnLst>
+                              <p:par>
+                                <p:cTn id="39" presetID="1" presetClass="exit" presetSubtype="0" fill="hold" nodeType="afterEffect">
+                                  <p:stCondLst>
+                                    <p:cond delay="0"/>
+                                  </p:stCondLst>
+                                  <p:childTnLst>
+                                    <p:set>
+                                      <p:cBhvr>
+                                        <p:cTn id="40" dur="1" fill="hold">
+                                          <p:stCondLst>
+                                            <p:cond delay="0"/>
+                                          </p:stCondLst>
+                                        </p:cTn>
+                                        <p:tgtEl>
+                                          <p:spTgt spid="15"/>
+                                        </p:tgtEl>
+                                        <p:attrNameLst>
+                                          <p:attrName>style.visibility</p:attrName>
+                                        </p:attrNameLst>
+                                      </p:cBhvr>
+                                      <p:to>
+                                        <p:strVal val="hidden"/>
+                                      </p:to>
+                                    </p:set>
+                                  </p:childTnLst>
+                                </p:cTn>
+                              </p:par>
+                            </p:childTnLst>
+                          </p:cTn>
+                        </p:par>
+                      </p:childTnLst>
+                    </p:cTn>
+                  </p:par>
+                  <p:par>
+                    <p:cTn id="41" fill="hold">
+                      <p:stCondLst>
+                        <p:cond delay="indefinite"/>
+                      </p:stCondLst>
+                      <p:childTnLst>
+                        <p:par>
+                          <p:cTn id="42" fill="hold">
+                            <p:stCondLst>
+                              <p:cond delay="0"/>
+                            </p:stCondLst>
+                            <p:childTnLst>
+                              <p:par>
+                                <p:cTn id="43" presetID="1" presetClass="exit" presetSubtype="0" fill="hold" nodeType="clickEffect">
+                                  <p:stCondLst>
+                                    <p:cond delay="0"/>
+                                  </p:stCondLst>
+                                  <p:childTnLst>
+                                    <p:set>
+                                      <p:cBhvr>
+                                        <p:cTn id="44" dur="1" fill="hold">
+                                          <p:stCondLst>
+                                            <p:cond delay="0"/>
+                                          </p:stCondLst>
+                                        </p:cTn>
+                                        <p:tgtEl>
+                                          <p:spTgt spid="32"/>
+                                        </p:tgtEl>
+                                        <p:attrNameLst>
+                                          <p:attrName>style.visibility</p:attrName>
+                                        </p:attrNameLst>
+                                      </p:cBhvr>
+                                      <p:to>
+                                        <p:strVal val="hidden"/>
+                                      </p:to>
+                                    </p:set>
+                                  </p:childTnLst>
+                                </p:cTn>
+                              </p:par>
+                            </p:childTnLst>
+                          </p:cTn>
+                        </p:par>
+                        <p:par>
+                          <p:cTn id="45" fill="hold">
+                            <p:stCondLst>
+                              <p:cond delay="0"/>
+                            </p:stCondLst>
+                            <p:childTnLst>
+                              <p:par>
+                                <p:cTn id="46" presetID="1" presetClass="exit" presetSubtype="0" fill="hold" nodeType="afterEffect">
+                                  <p:stCondLst>
+                                    <p:cond delay="0"/>
+                                  </p:stCondLst>
+                                  <p:childTnLst>
+                                    <p:set>
+                                      <p:cBhvr>
+                                        <p:cTn id="47" dur="1" fill="hold">
+                                          <p:stCondLst>
+                                            <p:cond delay="0"/>
+                                          </p:stCondLst>
+                                        </p:cTn>
+                                        <p:tgtEl>
+                                          <p:spTgt spid="35"/>
+                                        </p:tgtEl>
+                                        <p:attrNameLst>
+                                          <p:attrName>style.visibility</p:attrName>
+                                        </p:attrNameLst>
+                                      </p:cBhvr>
+                                      <p:to>
+                                        <p:strVal val="hidden"/>
+                                      </p:to>
+                                    </p:set>
+                                  </p:childTnLst>
+                                </p:cTn>
+                              </p:par>
+                            </p:childTnLst>
+                          </p:cTn>
+                        </p:par>
+                      </p:childTnLst>
+                    </p:cTn>
+                  </p:par>
+                  <p:par>
+                    <p:cTn id="48" fill="hold">
+                      <p:stCondLst>
+                        <p:cond delay="indefinite"/>
+                      </p:stCondLst>
+                      <p:childTnLst>
+                        <p:par>
+                          <p:cTn id="49" fill="hold">
+                            <p:stCondLst>
+                              <p:cond delay="0"/>
+                            </p:stCondLst>
+                            <p:childTnLst>
+                              <p:par>
+                                <p:cTn id="50" presetID="1" presetClass="entr" presetSubtype="0" fill="hold" nodeType="clickEffect">
+                                  <p:stCondLst>
+                                    <p:cond delay="0"/>
+                                  </p:stCondLst>
+                                  <p:childTnLst>
+                                    <p:set>
+                                      <p:cBhvr>
+                                        <p:cTn id="51" dur="1" fill="hold">
+                                          <p:stCondLst>
+                                            <p:cond delay="0"/>
+                                          </p:stCondLst>
+                                        </p:cTn>
+                                        <p:tgtEl>
+                                          <p:spTgt spid="41"/>
+                                        </p:tgtEl>
+                                        <p:attrNameLst>
+                                          <p:attrName>style.visibility</p:attrName>
+                                        </p:attrNameLst>
+                                      </p:cBhvr>
+                                      <p:to>
+                                        <p:strVal val="visible"/>
+                                      </p:to>
+                                    </p:set>
+                                  </p:childTnLst>
+                                </p:cTn>
+                              </p:par>
+                            </p:childTnLst>
+                          </p:cTn>
+                        </p:par>
+                      </p:childTnLst>
+                    </p:cTn>
+                  </p:par>
+                  <p:par>
+                    <p:cTn id="52" fill="hold">
+                      <p:stCondLst>
+                        <p:cond delay="indefinite"/>
+                      </p:stCondLst>
+                      <p:childTnLst>
+                        <p:par>
+                          <p:cTn id="53" fill="hold">
+                            <p:stCondLst>
+                              <p:cond delay="0"/>
+                            </p:stCondLst>
+                            <p:childTnLst>
+                              <p:par>
+                                <p:cTn id="54" presetID="1" presetClass="entr" presetSubtype="0" fill="hold" nodeType="clickEffect">
+                                  <p:stCondLst>
+                                    <p:cond delay="0"/>
+                                  </p:stCondLst>
+                                  <p:childTnLst>
+                                    <p:set>
+                                      <p:cBhvr>
+                                        <p:cTn id="55" dur="1" fill="hold">
+                                          <p:stCondLst>
+                                            <p:cond delay="0"/>
+                                          </p:stCondLst>
+                                        </p:cTn>
+                                        <p:tgtEl>
+                                          <p:spTgt spid="39"/>
+                                        </p:tgtEl>
+                                        <p:attrNameLst>
+                                          <p:attrName>style.visibility</p:attrName>
+                                        </p:attrNameLst>
+                                      </p:cBhvr>
+                                      <p:to>
+                                        <p:strVal val="visible"/>
+                                      </p:to>
+                                    </p:set>
+                                  </p:childTnLst>
+                                </p:cTn>
+                              </p:par>
+                            </p:childTnLst>
+                          </p:cTn>
+                        </p:par>
+                      </p:childTnLst>
+                    </p:cTn>
+                  </p:par>
+                  <p:par>
+                    <p:cTn id="56" fill="hold">
+                      <p:stCondLst>
+                        <p:cond delay="indefinite"/>
+                      </p:stCondLst>
+                      <p:childTnLst>
+                        <p:par>
+                          <p:cTn id="57" fill="hold">
+                            <p:stCondLst>
+                              <p:cond delay="0"/>
+                            </p:stCondLst>
+                            <p:childTnLst>
+                              <p:par>
+                                <p:cTn id="58" presetID="1" presetClass="exit" presetSubtype="0" fill="hold" nodeType="clickEffect">
+                                  <p:stCondLst>
+                                    <p:cond delay="0"/>
+                                  </p:stCondLst>
+                                  <p:childTnLst>
+                                    <p:set>
+                                      <p:cBhvr>
+                                        <p:cTn id="59" dur="1" fill="hold">
+                                          <p:stCondLst>
+                                            <p:cond delay="0"/>
+                                          </p:stCondLst>
+                                        </p:cTn>
+                                        <p:tgtEl>
+                                          <p:spTgt spid="41"/>
+                                        </p:tgtEl>
+                                        <p:attrNameLst>
+                                          <p:attrName>style.visibility</p:attrName>
+                                        </p:attrNameLst>
+                                      </p:cBhvr>
+                                      <p:to>
+                                        <p:strVal val="hidden"/>
+                                      </p:to>
+                                    </p:set>
+                                  </p:childTnLst>
+                                </p:cTn>
+                              </p:par>
+                            </p:childTnLst>
+                          </p:cTn>
+                        </p:par>
+                        <p:par>
+                          <p:cTn id="60" fill="hold">
+                            <p:stCondLst>
+                              <p:cond delay="0"/>
+                            </p:stCondLst>
+                            <p:childTnLst>
+                              <p:par>
+                                <p:cTn id="61" presetID="1" presetClass="exit" presetSubtype="0" fill="hold" nodeType="afterEffect">
+                                  <p:stCondLst>
+                                    <p:cond delay="0"/>
+                                  </p:stCondLst>
+                                  <p:childTnLst>
+                                    <p:set>
+                                      <p:cBhvr>
+                                        <p:cTn id="62" dur="1" fill="hold">
+                                          <p:stCondLst>
+                                            <p:cond delay="0"/>
+                                          </p:stCondLst>
+                                        </p:cTn>
+                                        <p:tgtEl>
+                                          <p:spTgt spid="39"/>
+                                        </p:tgtEl>
+                                        <p:attrNameLst>
+                                          <p:attrName>style.visibility</p:attrName>
+                                        </p:attrNameLst>
+                                      </p:cBhvr>
+                                      <p:to>
+                                        <p:strVal val="hidden"/>
+                                      </p:to>
+                                    </p:set>
+                                  </p:childTnLst>
+                                </p:cTn>
+                              </p:par>
+                            </p:childTnLst>
+                          </p:cTn>
+                        </p:par>
+                        <p:par>
+                          <p:cTn id="63" fill="hold">
+                            <p:stCondLst>
+                              <p:cond delay="0"/>
+                            </p:stCondLst>
+                            <p:childTnLst>
+                              <p:par>
+                                <p:cTn id="64" presetID="1" presetClass="entr" presetSubtype="0" fill="hold" nodeType="afterEffect">
+                                  <p:stCondLst>
+                                    <p:cond delay="0"/>
+                                  </p:stCondLst>
+                                  <p:childTnLst>
+                                    <p:set>
+                                      <p:cBhvr>
+                                        <p:cTn id="65" dur="1" fill="hold">
+                                          <p:stCondLst>
+                                            <p:cond delay="0"/>
+                                          </p:stCondLst>
+                                        </p:cTn>
+                                        <p:tgtEl>
+                                          <p:spTgt spid="45"/>
+                                        </p:tgtEl>
+                                        <p:attrNameLst>
+                                          <p:attrName>style.visibility</p:attrName>
+                                        </p:attrNameLst>
+                                      </p:cBhvr>
+                                      <p:to>
+                                        <p:strVal val="visible"/>
+                                      </p:to>
+                                    </p:set>
+                                  </p:childTnLst>
+                                </p:cTn>
+                              </p:par>
+                            </p:childTnLst>
+                          </p:cTn>
+                        </p:par>
+                        <p:par>
+                          <p:cTn id="66" fill="hold">
+                            <p:stCondLst>
+                              <p:cond delay="0"/>
+                            </p:stCondLst>
+                            <p:childTnLst>
+                              <p:par>
+                                <p:cTn id="67" presetID="1" presetClass="entr" presetSubtype="0" fill="hold" nodeType="afterEffect">
+                                  <p:stCondLst>
+                                    <p:cond delay="0"/>
+                                  </p:stCondLst>
+                                  <p:childTnLst>
+                                    <p:set>
+                                      <p:cBhvr>
+                                        <p:cTn id="68" dur="1" fill="hold">
+                                          <p:stCondLst>
+                                            <p:cond delay="0"/>
+                                          </p:stCondLst>
+                                        </p:cTn>
+                                        <p:tgtEl>
+                                          <p:spTgt spid="46"/>
+                                        </p:tgtEl>
+                                        <p:attrNameLst>
+                                          <p:attrName>style.visibility</p:attrName>
+                                        </p:attrNameLst>
+                                      </p:cBhvr>
+                                      <p:to>
+                                        <p:strVal val="visible"/>
+                                      </p:to>
+                                    </p:set>
+                                  </p:childTnLst>
+                                </p:cTn>
+                              </p:par>
+                            </p:childTnLst>
+                          </p:cTn>
+                        </p:par>
+                      </p:childTnLst>
+                    </p:cTn>
+                  </p:par>
+                </p:childTnLst>
+              </p:cTn>
+              <p:prevCondLst>
+                <p:cond evt="onPrev" delay="0">
+                  <p:tgtEl>
+                    <p:sldTgt/>
+                  </p:tgtEl>
+                </p:cond>
+              </p:prevCondLst>
+              <p:nextCondLst>
+                <p:cond evt="onNext" delay="0">
+                  <p:tgtEl>
+                    <p:sldTgt/>
+                  </p:tgtEl>
+                </p:cond>
+              </p:nextCondLst>
+            </p:seq>
+          </p:childTnLst>
+        </p:cTn>
+      </p:par>
+    </p:tnLst>
+  </p:timing>
+</p:sld>
+</file>
+
+<file path=ppt/slides/slide5.xml><?xml version="1.0" encoding="utf-8"?>
+<p:sld xmlns:a="http://schemas.openxmlformats.org/drawingml/2006/main" xmlns:r="http://schemas.openxmlformats.org/officeDocument/2006/relationships" xmlns:p="http://schemas.openxmlformats.org/presentationml/2006/main">
+  <p:cSld>
+    <p:spTree>
+      <p:nvGrpSpPr>
+        <p:cNvPr id="1" name=""/>
+        <p:cNvGrpSpPr/>
+        <p:nvPr/>
+      </p:nvGrpSpPr>
+      <p:grpSpPr>
+        <a:xfrm>
+          <a:off x="0" y="0"/>
+          <a:ext cx="0" cy="0"/>
+          <a:chOff x="0" y="0"/>
+          <a:chExt cx="0" cy="0"/>
+        </a:xfrm>
+      </p:grpSpPr>
+      <p:sp>
+        <p:nvSpPr>
+          <p:cNvPr id="4" name="Rechteck 3">
+            <a:extLst>
+              <a:ext uri="{FF2B5EF4-FFF2-40B4-BE49-F238E27FC236}">
+                <a16:creationId xmlns:a16="http://schemas.microsoft.com/office/drawing/2014/main" id="{512FCC3A-B5CF-FF1C-3F70-1895A40C8A22}"/>
+              </a:ext>
+            </a:extLst>
+          </p:cNvPr>
+          <p:cNvSpPr/>
+          <p:nvPr/>
+        </p:nvSpPr>
+        <p:spPr>
+          <a:xfrm>
+            <a:off x="0" y="6444867"/>
+            <a:ext cx="12192000" cy="413133"/>
+          </a:xfrm>
+          <a:prstGeom prst="rect">
+            <a:avLst/>
+          </a:prstGeom>
+          <a:ln>
+            <a:noFill/>
+          </a:ln>
+        </p:spPr>
+        <p:style>
+          <a:lnRef idx="2">
+            <a:schemeClr val="accent1">
+              <a:shade val="50000"/>
+            </a:schemeClr>
+          </a:lnRef>
+          <a:fillRef idx="1">
+            <a:schemeClr val="accent1"/>
+          </a:fillRef>
+          <a:effectRef idx="0">
+            <a:schemeClr val="accent1"/>
+          </a:effectRef>
+          <a:fontRef idx="minor">
+            <a:schemeClr val="lt1"/>
+          </a:fontRef>
+        </p:style>
+        <p:txBody>
+          <a:bodyPr rtlCol="0" anchor="ctr"/>
+          <a:lstStyle/>
+          <a:p>
+            <a:pPr algn="ctr"/>
+            <a:r>
+              <a:rPr lang="de-DE" dirty="0"/>
+              <a:t>Wie funktioniert der Algorithmus? &gt; Beschreibung</a:t>
+            </a:r>
+            <a:endParaRPr lang="en-GB" dirty="0"/>
+          </a:p>
+        </p:txBody>
+      </p:sp>
+      <p:pic>
+        <p:nvPicPr>
+          <p:cNvPr id="8" name="Grafik 7">
+            <a:extLst>
+              <a:ext uri="{FF2B5EF4-FFF2-40B4-BE49-F238E27FC236}">
+                <a16:creationId xmlns:a16="http://schemas.microsoft.com/office/drawing/2014/main" id="{27F05F7A-EB7A-8E76-A8FF-08D87360DB62}"/>
+              </a:ext>
+            </a:extLst>
+          </p:cNvPr>
+          <p:cNvPicPr>
+            <a:picLocks noChangeAspect="1"/>
+          </p:cNvPicPr>
+          <p:nvPr/>
+        </p:nvPicPr>
+        <p:blipFill>
+          <a:blip r:embed="rId2">
+            <a:extLst>
+              <a:ext uri="{28A0092B-C50C-407E-A947-70E740481C1C}">
+                <a14:useLocalDpi xmlns:a14="http://schemas.microsoft.com/office/drawing/2010/main" val="0"/>
+              </a:ext>
+            </a:extLst>
+          </a:blip>
+          <a:stretch>
+            <a:fillRect/>
+          </a:stretch>
+        </p:blipFill>
+        <p:spPr>
+          <a:xfrm>
+            <a:off x="763778" y="1815739"/>
+            <a:ext cx="4317268" cy="2334337"/>
+          </a:xfrm>
+          <a:prstGeom prst="rect">
+            <a:avLst/>
+          </a:prstGeom>
+        </p:spPr>
+      </p:pic>
+      <p:pic>
+        <p:nvPicPr>
+          <p:cNvPr id="10" name="Grafik 9">
+            <a:extLst>
+              <a:ext uri="{FF2B5EF4-FFF2-40B4-BE49-F238E27FC236}">
+                <a16:creationId xmlns:a16="http://schemas.microsoft.com/office/drawing/2014/main" id="{B9266157-CAB6-B8FD-4C18-E529E5A335C6}"/>
+              </a:ext>
+            </a:extLst>
+          </p:cNvPr>
+          <p:cNvPicPr>
+            <a:picLocks noChangeAspect="1"/>
+          </p:cNvPicPr>
+          <p:nvPr/>
+        </p:nvPicPr>
+        <p:blipFill>
+          <a:blip r:embed="rId3">
+            <a:extLst>
+              <a:ext uri="{28A0092B-C50C-407E-A947-70E740481C1C}">
+                <a14:useLocalDpi xmlns:a14="http://schemas.microsoft.com/office/drawing/2010/main" val="0"/>
+              </a:ext>
+            </a:extLst>
+          </a:blip>
+          <a:stretch>
+            <a:fillRect/>
+          </a:stretch>
+        </p:blipFill>
+        <p:spPr>
+          <a:xfrm>
+            <a:off x="7002056" y="1815739"/>
+            <a:ext cx="4317268" cy="2334337"/>
+          </a:xfrm>
+          <a:prstGeom prst="rect">
+            <a:avLst/>
+          </a:prstGeom>
+        </p:spPr>
+      </p:pic>
+      <p:cxnSp>
+        <p:nvCxnSpPr>
+          <p:cNvPr id="12" name="Gerade Verbindung mit Pfeil 11">
+            <a:extLst>
+              <a:ext uri="{FF2B5EF4-FFF2-40B4-BE49-F238E27FC236}">
+                <a16:creationId xmlns:a16="http://schemas.microsoft.com/office/drawing/2014/main" id="{13157024-046D-2750-3801-BB60254CA0C1}"/>
+              </a:ext>
+            </a:extLst>
+          </p:cNvPr>
+          <p:cNvCxnSpPr>
+            <a:cxnSpLocks/>
+          </p:cNvCxnSpPr>
+          <p:nvPr/>
+        </p:nvCxnSpPr>
+        <p:spPr>
+          <a:xfrm flipH="1">
+            <a:off x="1362635" y="2286001"/>
+            <a:ext cx="1559777" cy="528917"/>
+          </a:xfrm>
+          <a:prstGeom prst="straightConnector1">
+            <a:avLst/>
+          </a:prstGeom>
+          <a:ln w="76200">
+            <a:solidFill>
+              <a:srgbClr val="00B050"/>
+            </a:solidFill>
+            <a:tailEnd type="triangle"/>
+          </a:ln>
+        </p:spPr>
+        <p:style>
+          <a:lnRef idx="1">
+            <a:schemeClr val="accent1"/>
+          </a:lnRef>
+          <a:fillRef idx="0">
+            <a:schemeClr val="accent1"/>
+          </a:fillRef>
+          <a:effectRef idx="0">
+            <a:schemeClr val="accent1"/>
+          </a:effectRef>
+          <a:fontRef idx="minor">
+            <a:schemeClr val="tx1"/>
+          </a:fontRef>
+        </p:style>
+      </p:cxnSp>
+      <p:cxnSp>
+        <p:nvCxnSpPr>
+          <p:cNvPr id="14" name="Gerade Verbindung mit Pfeil 13">
+            <a:extLst>
+              <a:ext uri="{FF2B5EF4-FFF2-40B4-BE49-F238E27FC236}">
+                <a16:creationId xmlns:a16="http://schemas.microsoft.com/office/drawing/2014/main" id="{2D0FC4DC-874E-BE7F-8308-055562F7B876}"/>
+              </a:ext>
+            </a:extLst>
+          </p:cNvPr>
+          <p:cNvCxnSpPr>
+            <a:cxnSpLocks/>
+          </p:cNvCxnSpPr>
+          <p:nvPr/>
+        </p:nvCxnSpPr>
+        <p:spPr>
+          <a:xfrm flipH="1">
+            <a:off x="986118" y="3137647"/>
+            <a:ext cx="439270" cy="602731"/>
+          </a:xfrm>
+          <a:prstGeom prst="straightConnector1">
+            <a:avLst/>
+          </a:prstGeom>
+          <a:ln w="76200">
+            <a:solidFill>
+              <a:srgbClr val="00B050"/>
+            </a:solidFill>
+            <a:tailEnd type="triangle"/>
+          </a:ln>
+        </p:spPr>
+        <p:style>
+          <a:lnRef idx="1">
+            <a:schemeClr val="accent1"/>
+          </a:lnRef>
+          <a:fillRef idx="0">
+            <a:schemeClr val="accent1"/>
+          </a:fillRef>
+          <a:effectRef idx="0">
+            <a:schemeClr val="accent1"/>
+          </a:effectRef>
+          <a:fontRef idx="minor">
+            <a:schemeClr val="tx1"/>
+          </a:fontRef>
+        </p:style>
+      </p:cxnSp>
+      <p:cxnSp>
+        <p:nvCxnSpPr>
+          <p:cNvPr id="20" name="Gerade Verbindung mit Pfeil 19">
+            <a:extLst>
+              <a:ext uri="{FF2B5EF4-FFF2-40B4-BE49-F238E27FC236}">
+                <a16:creationId xmlns:a16="http://schemas.microsoft.com/office/drawing/2014/main" id="{3F9087D9-B8B5-AA4F-C590-469D26477573}"/>
+              </a:ext>
+            </a:extLst>
+          </p:cNvPr>
+          <p:cNvCxnSpPr>
+            <a:cxnSpLocks/>
+          </p:cNvCxnSpPr>
+          <p:nvPr/>
+        </p:nvCxnSpPr>
+        <p:spPr>
+          <a:xfrm>
+            <a:off x="9160690" y="2286001"/>
+            <a:ext cx="1552134" cy="528917"/>
+          </a:xfrm>
+          <a:prstGeom prst="straightConnector1">
+            <a:avLst/>
+          </a:prstGeom>
+          <a:ln w="76200">
+            <a:solidFill>
+              <a:srgbClr val="00B050"/>
+            </a:solidFill>
+            <a:tailEnd type="triangle"/>
+          </a:ln>
+        </p:spPr>
+        <p:style>
+          <a:lnRef idx="1">
+            <a:schemeClr val="accent1"/>
+          </a:lnRef>
+          <a:fillRef idx="0">
+            <a:schemeClr val="accent1"/>
+          </a:fillRef>
+          <a:effectRef idx="0">
+            <a:schemeClr val="accent1"/>
+          </a:effectRef>
+          <a:fontRef idx="minor">
+            <a:schemeClr val="tx1"/>
+          </a:fontRef>
+        </p:style>
+      </p:cxnSp>
+      <p:cxnSp>
+        <p:nvCxnSpPr>
+          <p:cNvPr id="24" name="Gerade Verbindung mit Pfeil 23">
+            <a:extLst>
+              <a:ext uri="{FF2B5EF4-FFF2-40B4-BE49-F238E27FC236}">
+                <a16:creationId xmlns:a16="http://schemas.microsoft.com/office/drawing/2014/main" id="{1AC96080-9E7E-8794-AD08-C54D5D0549E5}"/>
+              </a:ext>
+            </a:extLst>
+          </p:cNvPr>
+          <p:cNvCxnSpPr>
+            <a:cxnSpLocks/>
+          </p:cNvCxnSpPr>
+          <p:nvPr/>
+        </p:nvCxnSpPr>
+        <p:spPr>
+          <a:xfrm>
+            <a:off x="10649988" y="3169952"/>
+            <a:ext cx="430388" cy="570426"/>
+          </a:xfrm>
+          <a:prstGeom prst="straightConnector1">
+            <a:avLst/>
+          </a:prstGeom>
+          <a:ln w="76200">
+            <a:solidFill>
+              <a:srgbClr val="00B050"/>
+            </a:solidFill>
+            <a:tailEnd type="triangle"/>
+          </a:ln>
+        </p:spPr>
+        <p:style>
+          <a:lnRef idx="1">
+            <a:schemeClr val="accent1"/>
+          </a:lnRef>
+          <a:fillRef idx="0">
+            <a:schemeClr val="accent1"/>
+          </a:fillRef>
+          <a:effectRef idx="0">
+            <a:schemeClr val="accent1"/>
+          </a:effectRef>
+          <a:fontRef idx="minor">
+            <a:schemeClr val="tx1"/>
+          </a:fontRef>
+        </p:style>
+      </p:cxnSp>
+      <p:sp>
+        <p:nvSpPr>
+          <p:cNvPr id="27" name="Textfeld 26">
+            <a:extLst>
+              <a:ext uri="{FF2B5EF4-FFF2-40B4-BE49-F238E27FC236}">
+                <a16:creationId xmlns:a16="http://schemas.microsoft.com/office/drawing/2014/main" id="{315CBA38-0ED4-E4D7-1C3C-49FB58FE69F3}"/>
+              </a:ext>
+            </a:extLst>
+          </p:cNvPr>
+          <p:cNvSpPr txBox="1"/>
+          <p:nvPr/>
+        </p:nvSpPr>
+        <p:spPr>
+          <a:xfrm>
+            <a:off x="1654309" y="1046298"/>
+            <a:ext cx="2536206" cy="646331"/>
+          </a:xfrm>
+          <a:prstGeom prst="rect">
+            <a:avLst/>
+          </a:prstGeom>
+          <a:noFill/>
+        </p:spPr>
+        <p:txBody>
+          <a:bodyPr wrap="square" rtlCol="0">
+            <a:spAutoFit/>
+          </a:bodyPr>
+          <a:lstStyle/>
+          <a:p>
+            <a:pPr algn="ctr"/>
+            <a:r>
+              <a:rPr lang="de-DE" sz="3600" dirty="0"/>
+              <a:t>Best Case</a:t>
+            </a:r>
+            <a:endParaRPr lang="en-GB" sz="3600" dirty="0"/>
+          </a:p>
+        </p:txBody>
+      </p:sp>
+      <p:sp>
+        <p:nvSpPr>
+          <p:cNvPr id="29" name="Textfeld 28">
+            <a:extLst>
+              <a:ext uri="{FF2B5EF4-FFF2-40B4-BE49-F238E27FC236}">
+                <a16:creationId xmlns:a16="http://schemas.microsoft.com/office/drawing/2014/main" id="{7F7ADD37-9777-79F9-92A4-E83A5D726381}"/>
+              </a:ext>
+            </a:extLst>
+          </p:cNvPr>
+          <p:cNvSpPr txBox="1"/>
+          <p:nvPr/>
+        </p:nvSpPr>
+        <p:spPr>
+          <a:xfrm>
+            <a:off x="7638513" y="1046297"/>
+            <a:ext cx="3044354" cy="646331"/>
+          </a:xfrm>
+          <a:prstGeom prst="rect">
+            <a:avLst/>
+          </a:prstGeom>
+          <a:noFill/>
+        </p:spPr>
+        <p:txBody>
+          <a:bodyPr wrap="square" rtlCol="0">
+            <a:spAutoFit/>
+          </a:bodyPr>
+          <a:lstStyle/>
+          <a:p>
+            <a:pPr algn="ctr"/>
+            <a:r>
+              <a:rPr lang="de-DE" sz="3600" dirty="0"/>
+              <a:t>Worst Case</a:t>
+            </a:r>
+            <a:endParaRPr lang="en-GB" sz="3600" dirty="0"/>
+          </a:p>
+        </p:txBody>
+      </p:sp>
+      <p:sp>
+        <p:nvSpPr>
+          <p:cNvPr id="30" name="Textfeld 29">
+            <a:extLst>
+              <a:ext uri="{FF2B5EF4-FFF2-40B4-BE49-F238E27FC236}">
+                <a16:creationId xmlns:a16="http://schemas.microsoft.com/office/drawing/2014/main" id="{ABA4307C-9EF4-F1F1-78A6-67C79D8EAF1F}"/>
+              </a:ext>
+            </a:extLst>
+          </p:cNvPr>
+          <p:cNvSpPr txBox="1"/>
+          <p:nvPr/>
+        </p:nvSpPr>
+        <p:spPr>
+          <a:xfrm>
+            <a:off x="4863483" y="5262282"/>
+            <a:ext cx="2465034" cy="369332"/>
+          </a:xfrm>
+          <a:prstGeom prst="rect">
+            <a:avLst/>
+          </a:prstGeom>
+          <a:noFill/>
+        </p:spPr>
+        <p:txBody>
+          <a:bodyPr wrap="none" rtlCol="0">
+            <a:spAutoFit/>
+          </a:bodyPr>
+          <a:lstStyle/>
+          <a:p>
+            <a:r>
+              <a:rPr lang="de-DE" dirty="0"/>
+              <a:t>TODO: time </a:t>
+            </a:r>
+            <a:r>
+              <a:rPr lang="de-DE" dirty="0" err="1"/>
+              <a:t>complexity</a:t>
+            </a:r>
+            <a:r>
+              <a:rPr lang="de-DE" dirty="0"/>
+              <a:t>?</a:t>
+            </a:r>
+            <a:endParaRPr lang="en-GB" dirty="0"/>
+          </a:p>
+        </p:txBody>
+      </p:sp>
+    </p:spTree>
+    <p:extLst>
+      <p:ext uri="{BB962C8B-B14F-4D97-AF65-F5344CB8AC3E}">
+        <p14:creationId xmlns:p14="http://schemas.microsoft.com/office/powerpoint/2010/main" val="2452284945"/>
+      </p:ext>
+    </p:extLst>
+  </p:cSld>
+  <p:clrMapOvr>
+    <a:masterClrMapping/>
+  </p:clrMapOvr>
+</p:sld>
+</file>
+
+<file path=ppt/slides/slide6.xml><?xml version="1.0" encoding="utf-8"?>
+<p:sld xmlns:a="http://schemas.openxmlformats.org/drawingml/2006/main" xmlns:r="http://schemas.openxmlformats.org/officeDocument/2006/relationships" xmlns:p="http://schemas.openxmlformats.org/presentationml/2006/main">
+  <p:cSld>
+    <p:spTree>
+      <p:nvGrpSpPr>
+        <p:cNvPr id="1" name=""/>
+        <p:cNvGrpSpPr/>
+        <p:nvPr/>
+      </p:nvGrpSpPr>
+      <p:grpSpPr>
+        <a:xfrm>
+          <a:off x="0" y="0"/>
+          <a:ext cx="0" cy="0"/>
+          <a:chOff x="0" y="0"/>
+          <a:chExt cx="0" cy="0"/>
+        </a:xfrm>
+      </p:grpSpPr>
+      <p:sp>
+        <p:nvSpPr>
+          <p:cNvPr id="2" name="Titel 1">
+            <a:extLst>
+              <a:ext uri="{FF2B5EF4-FFF2-40B4-BE49-F238E27FC236}">
+                <a16:creationId xmlns:a16="http://schemas.microsoft.com/office/drawing/2014/main" id="{D96F1F77-C551-B08D-D869-4F038415A5D3}"/>
+              </a:ext>
+            </a:extLst>
+          </p:cNvPr>
+          <p:cNvSpPr>
+            <a:spLocks noGrp="1"/>
+          </p:cNvSpPr>
+          <p:nvPr>
+            <p:ph type="title"/>
+          </p:nvPr>
+        </p:nvSpPr>
+        <p:spPr/>
+        <p:txBody>
+          <a:bodyPr/>
+          <a:lstStyle/>
+          <a:p>
+            <a:r>
+              <a:rPr lang="de-DE" dirty="0"/>
+              <a:t>Rat in a Maze Problem</a:t>
+            </a:r>
+          </a:p>
+        </p:txBody>
+      </p:sp>
+      <p:pic>
+        <p:nvPicPr>
+          <p:cNvPr id="6" name="Inhaltsplatzhalter 5" descr="Ein Bild, das Shoji, Gebäude, Kreuzworträtsel enthält.&#10;&#10;Automatisch generierte Beschreibung">
+            <a:extLst>
+              <a:ext uri="{FF2B5EF4-FFF2-40B4-BE49-F238E27FC236}">
+                <a16:creationId xmlns:a16="http://schemas.microsoft.com/office/drawing/2014/main" id="{FBEB84F7-2A7B-3939-CF7A-4F28E8DBE9CF}"/>
+              </a:ext>
+            </a:extLst>
+          </p:cNvPr>
+          <p:cNvPicPr>
+            <a:picLocks noGrp="1" noChangeAspect="1"/>
+          </p:cNvPicPr>
+          <p:nvPr>
+            <p:ph idx="1"/>
+          </p:nvPr>
+        </p:nvPicPr>
+        <p:blipFill>
+          <a:blip r:embed="rId2">
+            <a:extLst>
+              <a:ext uri="{28A0092B-C50C-407E-A947-70E740481C1C}">
+                <a14:useLocalDpi xmlns:a14="http://schemas.microsoft.com/office/drawing/2010/main" val="0"/>
+              </a:ext>
+            </a:extLst>
+          </a:blip>
+          <a:stretch>
+            <a:fillRect/>
+          </a:stretch>
+        </p:blipFill>
+        <p:spPr>
+          <a:xfrm>
+            <a:off x="8656624" y="190688"/>
+            <a:ext cx="3457143" cy="3000000"/>
+          </a:xfrm>
+        </p:spPr>
+      </p:pic>
+      <p:sp>
+        <p:nvSpPr>
+          <p:cNvPr id="4" name="Rechteck 3">
+            <a:extLst>
+              <a:ext uri="{FF2B5EF4-FFF2-40B4-BE49-F238E27FC236}">
+                <a16:creationId xmlns:a16="http://schemas.microsoft.com/office/drawing/2014/main" id="{512FCC3A-B5CF-FF1C-3F70-1895A40C8A22}"/>
+              </a:ext>
+            </a:extLst>
+          </p:cNvPr>
+          <p:cNvSpPr/>
+          <p:nvPr/>
+        </p:nvSpPr>
+        <p:spPr>
+          <a:xfrm>
+            <a:off x="0" y="6444867"/>
+            <a:ext cx="12192000" cy="413133"/>
+          </a:xfrm>
+          <a:prstGeom prst="rect">
+            <a:avLst/>
+          </a:prstGeom>
+          <a:ln>
+            <a:noFill/>
+          </a:ln>
+        </p:spPr>
+        <p:style>
+          <a:lnRef idx="2">
+            <a:schemeClr val="accent1">
+              <a:shade val="50000"/>
+            </a:schemeClr>
+          </a:lnRef>
+          <a:fillRef idx="1">
+            <a:schemeClr val="accent1"/>
+          </a:fillRef>
+          <a:effectRef idx="0">
+            <a:schemeClr val="accent1"/>
+          </a:effectRef>
+          <a:fontRef idx="minor">
+            <a:schemeClr val="lt1"/>
+          </a:fontRef>
+        </p:style>
+        <p:txBody>
+          <a:bodyPr rtlCol="0" anchor="ctr"/>
+          <a:lstStyle/>
+          <a:p>
+            <a:pPr algn="ctr"/>
+            <a:r>
+              <a:rPr lang="de-DE" dirty="0"/>
+              <a:t>Implementierung des Algorithmus &gt; Rat in a Maze Problem</a:t>
+            </a:r>
+            <a:endParaRPr lang="en-GB" dirty="0"/>
+          </a:p>
+        </p:txBody>
+      </p:sp>
+      <p:sp>
+        <p:nvSpPr>
+          <p:cNvPr id="11" name="Textfeld 10">
+            <a:extLst>
+              <a:ext uri="{FF2B5EF4-FFF2-40B4-BE49-F238E27FC236}">
+                <a16:creationId xmlns:a16="http://schemas.microsoft.com/office/drawing/2014/main" id="{4D5073F3-91EE-2FA1-76FE-AAD1358E44A3}"/>
+              </a:ext>
+            </a:extLst>
+          </p:cNvPr>
+          <p:cNvSpPr txBox="1"/>
+          <p:nvPr/>
+        </p:nvSpPr>
+        <p:spPr>
+          <a:xfrm>
+            <a:off x="838200" y="1690687"/>
+            <a:ext cx="6934200" cy="2803844"/>
+          </a:xfrm>
+          <a:prstGeom prst="rect">
+            <a:avLst/>
+          </a:prstGeom>
+          <a:noFill/>
+        </p:spPr>
+        <p:txBody>
+          <a:bodyPr wrap="square">
+            <a:spAutoFit/>
+          </a:bodyPr>
+          <a:lstStyle/>
+          <a:p>
+            <a:pPr marL="228600" marR="0" lvl="0" indent="-228600" algn="l" defTabSz="914400" rtl="0" eaLnBrk="1" fontAlgn="auto" latinLnBrk="0" hangingPunct="1">
+              <a:lnSpc>
+                <a:spcPct val="90000"/>
+              </a:lnSpc>
+              <a:spcBef>
+                <a:spcPts val="1000"/>
+              </a:spcBef>
+              <a:spcAft>
+                <a:spcPts val="0"/>
+              </a:spcAft>
+              <a:buClrTx/>
+              <a:buSzTx/>
+              <a:buFont typeface="Arial" panose="020B0604020202020204" pitchFamily="34" charset="0"/>
+              <a:buChar char="•"/>
+              <a:tabLst/>
+              <a:defRPr/>
+            </a:pPr>
+            <a:r>
+              <a:rPr kumimoji="0" lang="de-DE" sz="2800" b="0" i="0" u="none" strike="noStrike" kern="1200" cap="none" spc="0" normalizeH="0" baseline="0" noProof="0" dirty="0">
+                <a:ln>
+                  <a:noFill/>
+                </a:ln>
+                <a:solidFill>
+                  <a:prstClr val="black"/>
+                </a:solidFill>
+                <a:effectLst/>
+                <a:uLnTx/>
+                <a:uFillTx/>
+                <a:latin typeface="Calibri" panose="020F0502020204030204"/>
+                <a:ea typeface="+mn-ea"/>
+                <a:cs typeface="+mn-cs"/>
+              </a:rPr>
+              <a:t>Auf deutsch</a:t>
+            </a:r>
+            <a:r>
+              <a:rPr lang="de-DE" sz="2800" dirty="0">
+                <a:solidFill>
+                  <a:prstClr val="black"/>
+                </a:solidFill>
+                <a:latin typeface="Calibri" panose="020F0502020204030204"/>
+              </a:rPr>
+              <a:t>: „Ratte in einem Labyrinth“</a:t>
+            </a:r>
+          </a:p>
+          <a:p>
+            <a:pPr marL="228600" marR="0" lvl="0" indent="-228600" algn="l" defTabSz="914400" rtl="0" eaLnBrk="1" fontAlgn="auto" latinLnBrk="0" hangingPunct="1">
+              <a:lnSpc>
+                <a:spcPct val="90000"/>
+              </a:lnSpc>
+              <a:spcBef>
+                <a:spcPts val="1000"/>
+              </a:spcBef>
+              <a:spcAft>
+                <a:spcPts val="0"/>
+              </a:spcAft>
+              <a:buClrTx/>
+              <a:buSzTx/>
+              <a:buFont typeface="Arial" panose="020B0604020202020204" pitchFamily="34" charset="0"/>
+              <a:buChar char="•"/>
+              <a:tabLst/>
+              <a:defRPr/>
+            </a:pPr>
+            <a:r>
+              <a:rPr kumimoji="0" lang="de-DE" sz="2800" b="0" i="0" u="none" strike="noStrike" kern="1200" cap="none" spc="0" normalizeH="0" baseline="0" noProof="0" dirty="0">
+                <a:ln>
+                  <a:noFill/>
+                </a:ln>
+                <a:solidFill>
+                  <a:prstClr val="black"/>
+                </a:solidFill>
+                <a:effectLst/>
+                <a:uLnTx/>
+                <a:uFillTx/>
+                <a:latin typeface="Calibri" panose="020F0502020204030204"/>
+                <a:ea typeface="+mn-ea"/>
+                <a:cs typeface="+mn-cs"/>
+              </a:rPr>
+              <a:t>Gegeben ist eine Matrix der Größe N*M</a:t>
+            </a:r>
+          </a:p>
+          <a:p>
+            <a:pPr marL="228600" marR="0" lvl="0" indent="-228600" algn="l" defTabSz="914400" rtl="0" eaLnBrk="1" fontAlgn="auto" latinLnBrk="0" hangingPunct="1">
+              <a:lnSpc>
+                <a:spcPct val="90000"/>
+              </a:lnSpc>
+              <a:spcBef>
+                <a:spcPts val="1000"/>
+              </a:spcBef>
+              <a:spcAft>
+                <a:spcPts val="0"/>
+              </a:spcAft>
+              <a:buClrTx/>
+              <a:buSzTx/>
+              <a:buFont typeface="Arial" panose="020B0604020202020204" pitchFamily="34" charset="0"/>
+              <a:buChar char="•"/>
+              <a:tabLst/>
+              <a:defRPr/>
+            </a:pPr>
+            <a:r>
+              <a:rPr lang="de-DE" sz="2800" dirty="0">
+                <a:solidFill>
+                  <a:prstClr val="black"/>
+                </a:solidFill>
+                <a:latin typeface="Calibri" panose="020F0502020204030204"/>
+              </a:rPr>
+              <a:t>Eine Ratte kann sich nur nach unten und rechts bewegen</a:t>
+            </a:r>
+            <a:endParaRPr kumimoji="0" lang="de-DE" sz="2800" b="0" i="0" u="none" strike="noStrike" kern="1200" cap="none" spc="0" normalizeH="0" baseline="0" noProof="0" dirty="0">
+              <a:ln>
+                <a:noFill/>
+              </a:ln>
+              <a:solidFill>
+                <a:prstClr val="black"/>
+              </a:solidFill>
+              <a:effectLst/>
+              <a:uLnTx/>
+              <a:uFillTx/>
+              <a:latin typeface="Calibri" panose="020F0502020204030204"/>
+              <a:ea typeface="+mn-ea"/>
+              <a:cs typeface="+mn-cs"/>
+            </a:endParaRPr>
+          </a:p>
+          <a:p>
+            <a:pPr marL="228600" marR="0" lvl="0" indent="-228600" algn="l" defTabSz="914400" rtl="0" eaLnBrk="1" fontAlgn="auto" latinLnBrk="0" hangingPunct="1">
+              <a:lnSpc>
+                <a:spcPct val="90000"/>
+              </a:lnSpc>
+              <a:spcBef>
+                <a:spcPts val="1000"/>
+              </a:spcBef>
+              <a:spcAft>
+                <a:spcPts val="0"/>
+              </a:spcAft>
+              <a:buClrTx/>
+              <a:buSzTx/>
+              <a:buFont typeface="Arial" panose="020B0604020202020204" pitchFamily="34" charset="0"/>
+              <a:buChar char="•"/>
+              <a:tabLst/>
+              <a:defRPr/>
+            </a:pPr>
+            <a:r>
+              <a:rPr lang="de-DE" sz="2800" dirty="0">
+                <a:solidFill>
+                  <a:prstClr val="black"/>
+                </a:solidFill>
+                <a:latin typeface="Calibri" panose="020F0502020204030204"/>
+              </a:rPr>
+              <a:t>Die Ratte muss einen von Punkt (0|0) zu Punkt  (N-1|M-1) finden</a:t>
+            </a:r>
+            <a:endParaRPr kumimoji="0" lang="de-DE" sz="2800" b="0" i="0" u="none" strike="noStrike" kern="1200" cap="none" spc="0" normalizeH="0" baseline="0" noProof="0" dirty="0">
+              <a:ln>
+                <a:noFill/>
+              </a:ln>
+              <a:solidFill>
+                <a:prstClr val="black"/>
+              </a:solidFill>
+              <a:effectLst/>
+              <a:uLnTx/>
+              <a:uFillTx/>
+              <a:latin typeface="Calibri" panose="020F0502020204030204"/>
+              <a:ea typeface="+mn-ea"/>
+              <a:cs typeface="+mn-cs"/>
+            </a:endParaRPr>
+          </a:p>
+        </p:txBody>
+      </p:sp>
+      <p:cxnSp>
+        <p:nvCxnSpPr>
+          <p:cNvPr id="15" name="Gerade Verbindung mit Pfeil 14">
+            <a:extLst>
+              <a:ext uri="{FF2B5EF4-FFF2-40B4-BE49-F238E27FC236}">
+                <a16:creationId xmlns:a16="http://schemas.microsoft.com/office/drawing/2014/main" id="{0F179933-4D92-3894-88DF-55EBB195481D}"/>
+              </a:ext>
+            </a:extLst>
+          </p:cNvPr>
+          <p:cNvCxnSpPr/>
+          <p:nvPr/>
+        </p:nvCxnSpPr>
+        <p:spPr>
+          <a:xfrm>
+            <a:off x="9161929" y="788894"/>
+            <a:ext cx="0" cy="457200"/>
+          </a:xfrm>
+          <a:prstGeom prst="straightConnector1">
+            <a:avLst/>
+          </a:prstGeom>
+          <a:ln w="76200">
+            <a:solidFill>
+              <a:schemeClr val="accent6"/>
+            </a:solidFill>
+            <a:tailEnd type="triangle"/>
+          </a:ln>
+        </p:spPr>
+        <p:style>
+          <a:lnRef idx="1">
+            <a:schemeClr val="accent1"/>
+          </a:lnRef>
+          <a:fillRef idx="0">
+            <a:schemeClr val="accent1"/>
+          </a:fillRef>
+          <a:effectRef idx="0">
+            <a:schemeClr val="accent1"/>
+          </a:effectRef>
+          <a:fontRef idx="minor">
+            <a:schemeClr val="tx1"/>
+          </a:fontRef>
+        </p:style>
+      </p:cxnSp>
+      <p:cxnSp>
+        <p:nvCxnSpPr>
+          <p:cNvPr id="17" name="Gerade Verbindung mit Pfeil 16">
+            <a:extLst>
+              <a:ext uri="{FF2B5EF4-FFF2-40B4-BE49-F238E27FC236}">
+                <a16:creationId xmlns:a16="http://schemas.microsoft.com/office/drawing/2014/main" id="{BD8360A4-523A-79A9-0148-39DDB87988A1}"/>
+              </a:ext>
+            </a:extLst>
+          </p:cNvPr>
+          <p:cNvCxnSpPr>
+            <a:cxnSpLocks/>
+          </p:cNvCxnSpPr>
+          <p:nvPr/>
+        </p:nvCxnSpPr>
+        <p:spPr>
+          <a:xfrm>
+            <a:off x="9305365" y="1335742"/>
+            <a:ext cx="519953" cy="0"/>
+          </a:xfrm>
+          <a:prstGeom prst="straightConnector1">
+            <a:avLst/>
+          </a:prstGeom>
+          <a:ln w="76200">
+            <a:solidFill>
+              <a:schemeClr val="accent6"/>
+            </a:solidFill>
+            <a:tailEnd type="triangle"/>
+          </a:ln>
+        </p:spPr>
+        <p:style>
+          <a:lnRef idx="1">
+            <a:schemeClr val="accent1"/>
+          </a:lnRef>
+          <a:fillRef idx="0">
+            <a:schemeClr val="accent1"/>
+          </a:fillRef>
+          <a:effectRef idx="0">
+            <a:schemeClr val="accent1"/>
+          </a:effectRef>
+          <a:fontRef idx="minor">
+            <a:schemeClr val="tx1"/>
+          </a:fontRef>
+        </p:style>
+      </p:cxnSp>
+      <p:cxnSp>
+        <p:nvCxnSpPr>
+          <p:cNvPr id="22" name="Gerade Verbindung mit Pfeil 21">
+            <a:extLst>
+              <a:ext uri="{FF2B5EF4-FFF2-40B4-BE49-F238E27FC236}">
+                <a16:creationId xmlns:a16="http://schemas.microsoft.com/office/drawing/2014/main" id="{466A2737-E291-C595-407F-17149D394F9B}"/>
+              </a:ext>
+            </a:extLst>
+          </p:cNvPr>
+          <p:cNvCxnSpPr/>
+          <p:nvPr/>
+        </p:nvCxnSpPr>
+        <p:spPr>
+          <a:xfrm>
+            <a:off x="9977717" y="1462087"/>
+            <a:ext cx="0" cy="457200"/>
+          </a:xfrm>
+          <a:prstGeom prst="straightConnector1">
+            <a:avLst/>
+          </a:prstGeom>
+          <a:ln w="76200">
+            <a:solidFill>
+              <a:schemeClr val="accent6"/>
+            </a:solidFill>
+            <a:tailEnd type="triangle"/>
+          </a:ln>
+        </p:spPr>
+        <p:style>
+          <a:lnRef idx="1">
+            <a:schemeClr val="accent1"/>
+          </a:lnRef>
+          <a:fillRef idx="0">
+            <a:schemeClr val="accent1"/>
+          </a:fillRef>
+          <a:effectRef idx="0">
+            <a:schemeClr val="accent1"/>
+          </a:effectRef>
+          <a:fontRef idx="minor">
+            <a:schemeClr val="tx1"/>
+          </a:fontRef>
+        </p:style>
+      </p:cxnSp>
+      <p:cxnSp>
+        <p:nvCxnSpPr>
+          <p:cNvPr id="23" name="Gerade Verbindung mit Pfeil 22">
+            <a:extLst>
+              <a:ext uri="{FF2B5EF4-FFF2-40B4-BE49-F238E27FC236}">
+                <a16:creationId xmlns:a16="http://schemas.microsoft.com/office/drawing/2014/main" id="{2EC07C83-6ABF-418C-BD6F-4E7353E993B6}"/>
+              </a:ext>
+            </a:extLst>
+          </p:cNvPr>
+          <p:cNvCxnSpPr/>
+          <p:nvPr/>
+        </p:nvCxnSpPr>
+        <p:spPr>
+          <a:xfrm>
+            <a:off x="9977717" y="2178424"/>
+            <a:ext cx="0" cy="457200"/>
+          </a:xfrm>
+          <a:prstGeom prst="straightConnector1">
+            <a:avLst/>
+          </a:prstGeom>
+          <a:ln w="76200">
+            <a:solidFill>
+              <a:schemeClr val="accent6"/>
+            </a:solidFill>
+            <a:tailEnd type="triangle"/>
+          </a:ln>
+        </p:spPr>
+        <p:style>
+          <a:lnRef idx="1">
+            <a:schemeClr val="accent1"/>
+          </a:lnRef>
+          <a:fillRef idx="0">
+            <a:schemeClr val="accent1"/>
+          </a:fillRef>
+          <a:effectRef idx="0">
+            <a:schemeClr val="accent1"/>
+          </a:effectRef>
+          <a:fontRef idx="minor">
+            <a:schemeClr val="tx1"/>
+          </a:fontRef>
+        </p:style>
+      </p:cxnSp>
+      <p:cxnSp>
+        <p:nvCxnSpPr>
+          <p:cNvPr id="24" name="Gerade Verbindung mit Pfeil 23">
+            <a:extLst>
+              <a:ext uri="{FF2B5EF4-FFF2-40B4-BE49-F238E27FC236}">
+                <a16:creationId xmlns:a16="http://schemas.microsoft.com/office/drawing/2014/main" id="{B5D8C578-978F-BE9C-D741-72482A94E782}"/>
+              </a:ext>
+            </a:extLst>
+          </p:cNvPr>
+          <p:cNvCxnSpPr>
+            <a:cxnSpLocks/>
+          </p:cNvCxnSpPr>
+          <p:nvPr/>
+        </p:nvCxnSpPr>
+        <p:spPr>
+          <a:xfrm>
+            <a:off x="10192871" y="2761130"/>
+            <a:ext cx="484094" cy="0"/>
+          </a:xfrm>
+          <a:prstGeom prst="straightConnector1">
+            <a:avLst/>
+          </a:prstGeom>
+          <a:ln w="76200">
+            <a:solidFill>
+              <a:schemeClr val="accent6"/>
+            </a:solidFill>
+            <a:tailEnd type="triangle"/>
+          </a:ln>
+        </p:spPr>
+        <p:style>
+          <a:lnRef idx="1">
+            <a:schemeClr val="accent1"/>
+          </a:lnRef>
+          <a:fillRef idx="0">
+            <a:schemeClr val="accent1"/>
+          </a:fillRef>
+          <a:effectRef idx="0">
+            <a:schemeClr val="accent1"/>
+          </a:effectRef>
+          <a:fontRef idx="minor">
+            <a:schemeClr val="tx1"/>
+          </a:fontRef>
+        </p:style>
+      </p:cxnSp>
+      <p:cxnSp>
+        <p:nvCxnSpPr>
+          <p:cNvPr id="26" name="Gerade Verbindung mit Pfeil 25">
+            <a:extLst>
+              <a:ext uri="{FF2B5EF4-FFF2-40B4-BE49-F238E27FC236}">
+                <a16:creationId xmlns:a16="http://schemas.microsoft.com/office/drawing/2014/main" id="{07226486-5BB0-C19D-A77C-36FAB11BB0F1}"/>
+              </a:ext>
+            </a:extLst>
+          </p:cNvPr>
+          <p:cNvCxnSpPr>
+            <a:cxnSpLocks/>
+          </p:cNvCxnSpPr>
+          <p:nvPr/>
+        </p:nvCxnSpPr>
+        <p:spPr>
+          <a:xfrm>
+            <a:off x="10869706" y="2761131"/>
+            <a:ext cx="484094" cy="0"/>
+          </a:xfrm>
+          <a:prstGeom prst="straightConnector1">
+            <a:avLst/>
+          </a:prstGeom>
+          <a:ln w="76200">
+            <a:solidFill>
+              <a:schemeClr val="accent6"/>
+            </a:solidFill>
+            <a:tailEnd type="triangle"/>
+          </a:ln>
+        </p:spPr>
+        <p:style>
+          <a:lnRef idx="1">
+            <a:schemeClr val="accent1"/>
+          </a:lnRef>
+          <a:fillRef idx="0">
+            <a:schemeClr val="accent1"/>
+          </a:fillRef>
+          <a:effectRef idx="0">
+            <a:schemeClr val="accent1"/>
+          </a:effectRef>
+          <a:fontRef idx="minor">
+            <a:schemeClr val="tx1"/>
+          </a:fontRef>
+        </p:style>
+      </p:cxnSp>
+    </p:spTree>
+    <p:extLst>
+      <p:ext uri="{BB962C8B-B14F-4D97-AF65-F5344CB8AC3E}">
+        <p14:creationId xmlns:p14="http://schemas.microsoft.com/office/powerpoint/2010/main" val="2003193971"/>
+      </p:ext>
+    </p:extLst>
+  </p:cSld>
+  <p:clrMapOvr>
+    <a:masterClrMapping/>
+  </p:clrMapOvr>
+</p:sld>
+</file>
+
+<file path=ppt/slides/slide7.xml><?xml version="1.0" encoding="utf-8"?>
+<p:sld xmlns:a="http://schemas.openxmlformats.org/drawingml/2006/main" xmlns:r="http://schemas.openxmlformats.org/officeDocument/2006/relationships" xmlns:p="http://schemas.openxmlformats.org/presentationml/2006/main">
+  <p:cSld>
+    <p:bg>
+      <p:bgPr>
+        <a:solidFill>
+          <a:schemeClr val="bg1"/>
+        </a:solidFill>
+        <a:effectLst/>
+      </p:bgPr>
+    </p:bg>
+    <p:spTree>
+      <p:nvGrpSpPr>
+        <p:cNvPr id="1" name=""/>
+        <p:cNvGrpSpPr/>
+        <p:nvPr/>
+      </p:nvGrpSpPr>
+      <p:grpSpPr>
+        <a:xfrm>
+          <a:off x="0" y="0"/>
+          <a:ext cx="0" cy="0"/>
+          <a:chOff x="0" y="0"/>
+          <a:chExt cx="0" cy="0"/>
+        </a:xfrm>
+      </p:grpSpPr>
+      <p:pic>
+        <p:nvPicPr>
+          <p:cNvPr id="4" name="Grafik 3">
+            <a:extLst>
+              <a:ext uri="{FF2B5EF4-FFF2-40B4-BE49-F238E27FC236}">
+                <a16:creationId xmlns:a16="http://schemas.microsoft.com/office/drawing/2014/main" id="{494B55B4-863E-081E-C5CB-136681496F68}"/>
+              </a:ext>
+            </a:extLst>
+          </p:cNvPr>
+          <p:cNvPicPr>
+            <a:picLocks noChangeAspect="1"/>
+          </p:cNvPicPr>
+          <p:nvPr/>
+        </p:nvPicPr>
+        <p:blipFill rotWithShape="1">
+          <a:blip r:embed="rId2">
+            <a:extLst>
+              <a:ext uri="{28A0092B-C50C-407E-A947-70E740481C1C}">
+                <a14:useLocalDpi xmlns:a14="http://schemas.microsoft.com/office/drawing/2010/main" val="0"/>
+              </a:ext>
+            </a:extLst>
+          </a:blip>
+          <a:srcRect l="5476" t="13782" r="5173" b="13399"/>
+          <a:stretch/>
+        </p:blipFill>
+        <p:spPr>
+          <a:xfrm>
+            <a:off x="643467" y="1695962"/>
+            <a:ext cx="10905066" cy="3466074"/>
+          </a:xfrm>
+          <a:prstGeom prst="rect">
+            <a:avLst/>
+          </a:prstGeom>
+        </p:spPr>
+      </p:pic>
+      <p:sp>
+        <p:nvSpPr>
+          <p:cNvPr id="24" name="Rechteck 23">
+            <a:extLst>
+              <a:ext uri="{FF2B5EF4-FFF2-40B4-BE49-F238E27FC236}">
+                <a16:creationId xmlns:a16="http://schemas.microsoft.com/office/drawing/2014/main" id="{7B537235-2A5F-1F06-95B4-2786130D2919}"/>
+              </a:ext>
+            </a:extLst>
+          </p:cNvPr>
+          <p:cNvSpPr/>
+          <p:nvPr/>
+        </p:nvSpPr>
+        <p:spPr>
+          <a:xfrm>
+            <a:off x="0" y="6444867"/>
+            <a:ext cx="12192000" cy="413133"/>
+          </a:xfrm>
+          <a:prstGeom prst="rect">
+            <a:avLst/>
+          </a:prstGeom>
+          <a:ln>
+            <a:noFill/>
+          </a:ln>
+        </p:spPr>
+        <p:style>
+          <a:lnRef idx="2">
+            <a:schemeClr val="accent1">
+              <a:shade val="50000"/>
+            </a:schemeClr>
+          </a:lnRef>
+          <a:fillRef idx="1">
+            <a:schemeClr val="accent1"/>
+          </a:fillRef>
+          <a:effectRef idx="0">
+            <a:schemeClr val="accent1"/>
+          </a:effectRef>
+          <a:fontRef idx="minor">
+            <a:schemeClr val="lt1"/>
+          </a:fontRef>
+        </p:style>
+        <p:txBody>
+          <a:bodyPr rtlCol="0" anchor="ctr"/>
+          <a:lstStyle/>
+          <a:p>
+            <a:pPr algn="ctr"/>
+            <a:r>
+              <a:rPr lang="de-DE" dirty="0"/>
+              <a:t>Implementierung des Algorithmus &gt; Rat in a Maze Problem</a:t>
+            </a:r>
+            <a:endParaRPr lang="en-GB" dirty="0"/>
+          </a:p>
+        </p:txBody>
+      </p:sp>
+    </p:spTree>
+    <p:extLst>
+      <p:ext uri="{BB962C8B-B14F-4D97-AF65-F5344CB8AC3E}">
+        <p14:creationId xmlns:p14="http://schemas.microsoft.com/office/powerpoint/2010/main" val="2087927380"/>
+      </p:ext>
+    </p:extLst>
+  </p:cSld>
+  <p:clrMapOvr>
+    <a:masterClrMapping/>
+  </p:clrMapOvr>
+</p:sld>
+</file>
+
+<file path=ppt/slides/slide8.xml><?xml version="1.0" encoding="utf-8"?>
+<p:sld xmlns:a="http://schemas.openxmlformats.org/drawingml/2006/main" xmlns:r="http://schemas.openxmlformats.org/officeDocument/2006/relationships" xmlns:p="http://schemas.openxmlformats.org/presentationml/2006/main">
+  <p:cSld>
+    <p:spTree>
+      <p:nvGrpSpPr>
+        <p:cNvPr id="1" name=""/>
+        <p:cNvGrpSpPr/>
+        <p:nvPr/>
+      </p:nvGrpSpPr>
+      <p:grpSpPr>
+        <a:xfrm>
+          <a:off x="0" y="0"/>
+          <a:ext cx="0" cy="0"/>
+          <a:chOff x="0" y="0"/>
+          <a:chExt cx="0" cy="0"/>
+        </a:xfrm>
+      </p:grpSpPr>
+      <p:sp>
+        <p:nvSpPr>
+          <p:cNvPr id="2" name="Titel 1">
+            <a:extLst>
+              <a:ext uri="{FF2B5EF4-FFF2-40B4-BE49-F238E27FC236}">
+                <a16:creationId xmlns:a16="http://schemas.microsoft.com/office/drawing/2014/main" id="{D96F1F77-C551-B08D-D869-4F038415A5D3}"/>
+              </a:ext>
+            </a:extLst>
+          </p:cNvPr>
+          <p:cNvSpPr>
+            <a:spLocks noGrp="1"/>
+          </p:cNvSpPr>
+          <p:nvPr>
+            <p:ph type="title"/>
+          </p:nvPr>
+        </p:nvSpPr>
+        <p:spPr/>
+        <p:txBody>
+          <a:bodyPr/>
+          <a:lstStyle/>
+          <a:p>
+            <a:r>
+              <a:rPr lang="de-DE" dirty="0"/>
+              <a:t>Lösungsansatz</a:t>
+            </a:r>
+          </a:p>
+        </p:txBody>
+      </p:sp>
+      <p:sp>
+        <p:nvSpPr>
+          <p:cNvPr id="4" name="Rechteck 3">
+            <a:extLst>
+              <a:ext uri="{FF2B5EF4-FFF2-40B4-BE49-F238E27FC236}">
+                <a16:creationId xmlns:a16="http://schemas.microsoft.com/office/drawing/2014/main" id="{512FCC3A-B5CF-FF1C-3F70-1895A40C8A22}"/>
+              </a:ext>
+            </a:extLst>
+          </p:cNvPr>
+          <p:cNvSpPr/>
+          <p:nvPr/>
+        </p:nvSpPr>
+        <p:spPr>
+          <a:xfrm>
+            <a:off x="0" y="6444867"/>
+            <a:ext cx="12192000" cy="413133"/>
+          </a:xfrm>
+          <a:prstGeom prst="rect">
+            <a:avLst/>
+          </a:prstGeom>
+          <a:ln>
+            <a:noFill/>
+          </a:ln>
+        </p:spPr>
+        <p:style>
+          <a:lnRef idx="2">
+            <a:schemeClr val="accent1">
+              <a:shade val="50000"/>
+            </a:schemeClr>
+          </a:lnRef>
+          <a:fillRef idx="1">
+            <a:schemeClr val="accent1"/>
+          </a:fillRef>
+          <a:effectRef idx="0">
+            <a:schemeClr val="accent1"/>
+          </a:effectRef>
+          <a:fontRef idx="minor">
+            <a:schemeClr val="lt1"/>
+          </a:fontRef>
+        </p:style>
+        <p:txBody>
+          <a:bodyPr rtlCol="0" anchor="ctr"/>
+          <a:lstStyle/>
+          <a:p>
+            <a:pPr algn="ctr"/>
+            <a:r>
+              <a:rPr lang="de-DE" dirty="0"/>
+              <a:t>Implementierung des Algorithmus &gt; Rat in a Maze Problem</a:t>
+            </a:r>
+            <a:endParaRPr lang="en-GB" dirty="0"/>
+          </a:p>
+        </p:txBody>
+      </p:sp>
+      <p:sp>
+        <p:nvSpPr>
+          <p:cNvPr id="14" name="Textfeld 13">
+            <a:extLst>
+              <a:ext uri="{FF2B5EF4-FFF2-40B4-BE49-F238E27FC236}">
+                <a16:creationId xmlns:a16="http://schemas.microsoft.com/office/drawing/2014/main" id="{52CC6D3F-5C43-467A-1D80-F0FA36A48C4E}"/>
+              </a:ext>
+            </a:extLst>
+          </p:cNvPr>
+          <p:cNvSpPr txBox="1"/>
+          <p:nvPr/>
+        </p:nvSpPr>
+        <p:spPr>
+          <a:xfrm>
+            <a:off x="838199" y="1690687"/>
+            <a:ext cx="7705165" cy="4261679"/>
+          </a:xfrm>
+          <a:prstGeom prst="rect">
+            <a:avLst/>
+          </a:prstGeom>
+          <a:noFill/>
+        </p:spPr>
+        <p:txBody>
+          <a:bodyPr wrap="square">
+            <a:spAutoFit/>
+          </a:bodyPr>
+          <a:lstStyle/>
+          <a:p>
+            <a:pPr marL="514350" marR="0" lvl="0" indent="-514350" algn="l" defTabSz="914400" rtl="0" eaLnBrk="1" fontAlgn="auto" latinLnBrk="0" hangingPunct="1">
+              <a:lnSpc>
+                <a:spcPct val="90000"/>
+              </a:lnSpc>
+              <a:spcBef>
+                <a:spcPts val="1000"/>
+              </a:spcBef>
+              <a:spcAft>
+                <a:spcPts val="0"/>
+              </a:spcAft>
+              <a:buClrTx/>
+              <a:buSzTx/>
+              <a:buAutoNum type="arabicPeriod"/>
+              <a:tabLst/>
+              <a:defRPr/>
+            </a:pPr>
+            <a:r>
+              <a:rPr lang="de-DE" sz="2400" dirty="0">
+                <a:solidFill>
+                  <a:prstClr val="black"/>
+                </a:solidFill>
+                <a:latin typeface="Calibri" panose="020F0502020204030204"/>
+              </a:rPr>
+              <a:t>Lösungsmatrix anlegen mit der selben Größe wie die Eingangsmatrix</a:t>
+            </a:r>
+          </a:p>
+          <a:p>
+            <a:pPr marL="514350" marR="0" lvl="0" indent="-514350" algn="l" defTabSz="914400" rtl="0" eaLnBrk="1" fontAlgn="auto" latinLnBrk="0" hangingPunct="1">
+              <a:lnSpc>
+                <a:spcPct val="90000"/>
+              </a:lnSpc>
+              <a:spcBef>
+                <a:spcPts val="1000"/>
+              </a:spcBef>
+              <a:spcAft>
+                <a:spcPts val="0"/>
+              </a:spcAft>
+              <a:buClrTx/>
+              <a:buSzTx/>
+              <a:buAutoNum type="arabicPeriod"/>
+              <a:tabLst/>
+              <a:defRPr/>
+            </a:pPr>
+            <a:r>
+              <a:rPr kumimoji="0" lang="de-DE" sz="2400" b="0" i="0" u="none" strike="noStrike" kern="1200" cap="none" spc="0" normalizeH="0" baseline="0" noProof="0" dirty="0">
+                <a:ln>
+                  <a:noFill/>
+                </a:ln>
+                <a:solidFill>
+                  <a:prstClr val="black"/>
+                </a:solidFill>
+                <a:effectLst/>
+                <a:uLnTx/>
+                <a:uFillTx/>
+                <a:latin typeface="Calibri" panose="020F0502020204030204"/>
+                <a:ea typeface="+mn-ea"/>
+                <a:cs typeface="+mn-cs"/>
+              </a:rPr>
+              <a:t>Rekursive Funktion erstellen welche die Lösungsmatrix entsprechend modifiziert</a:t>
+            </a:r>
+          </a:p>
+          <a:p>
+            <a:pPr marL="514350" marR="0" lvl="0" indent="-514350" algn="l" defTabSz="914400" rtl="0" eaLnBrk="1" fontAlgn="auto" latinLnBrk="0" hangingPunct="1">
+              <a:lnSpc>
+                <a:spcPct val="90000"/>
+              </a:lnSpc>
+              <a:spcBef>
+                <a:spcPts val="1000"/>
+              </a:spcBef>
+              <a:spcAft>
+                <a:spcPts val="0"/>
+              </a:spcAft>
+              <a:buClrTx/>
+              <a:buSzTx/>
+              <a:buAutoNum type="arabicPeriod"/>
+              <a:tabLst/>
+              <a:defRPr/>
+            </a:pPr>
+            <a:r>
+              <a:rPr lang="de-DE" sz="2400" dirty="0">
+                <a:solidFill>
+                  <a:prstClr val="black"/>
+                </a:solidFill>
+                <a:latin typeface="Calibri" panose="020F0502020204030204"/>
+              </a:rPr>
+              <a:t>Wenn die Position außerhalb der Matrix ist oder die Ratte sich auf einem grauen Feld befindet ist die Position ungültig</a:t>
+            </a:r>
+          </a:p>
+          <a:p>
+            <a:pPr marL="514350" marR="0" lvl="0" indent="-514350" algn="l" defTabSz="914400" rtl="0" eaLnBrk="1" fontAlgn="auto" latinLnBrk="0" hangingPunct="1">
+              <a:lnSpc>
+                <a:spcPct val="90000"/>
+              </a:lnSpc>
+              <a:spcBef>
+                <a:spcPts val="1000"/>
+              </a:spcBef>
+              <a:spcAft>
+                <a:spcPts val="0"/>
+              </a:spcAft>
+              <a:buClrTx/>
+              <a:buSzTx/>
+              <a:buAutoNum type="arabicPeriod"/>
+              <a:tabLst/>
+              <a:defRPr/>
+            </a:pPr>
+            <a:r>
+              <a:rPr kumimoji="0" lang="de-DE" sz="2400" b="0" i="0" u="none" strike="noStrike" kern="1200" cap="none" spc="0" normalizeH="0" baseline="0" noProof="0" dirty="0">
+                <a:ln>
+                  <a:noFill/>
+                </a:ln>
+                <a:solidFill>
+                  <a:prstClr val="black"/>
+                </a:solidFill>
+                <a:effectLst/>
+                <a:uLnTx/>
+                <a:uFillTx/>
+                <a:latin typeface="Calibri" panose="020F0502020204030204"/>
+                <a:ea typeface="+mn-ea"/>
+                <a:cs typeface="+mn-cs"/>
+              </a:rPr>
+              <a:t>Der Lösungsmatrix </a:t>
+            </a:r>
+            <a:r>
+              <a:rPr lang="de-DE" sz="2400" dirty="0">
+                <a:solidFill>
+                  <a:prstClr val="black"/>
+                </a:solidFill>
+                <a:latin typeface="Calibri" panose="020F0502020204030204"/>
+              </a:rPr>
+              <a:t>den aktuellen Punkt hinzufügen und prüfen ob die Ratte sich weiter bewegen kann</a:t>
+            </a:r>
+          </a:p>
+          <a:p>
+            <a:pPr marL="514350" marR="0" lvl="0" indent="-514350" algn="l" defTabSz="914400" rtl="0" eaLnBrk="1" fontAlgn="auto" latinLnBrk="0" hangingPunct="1">
+              <a:lnSpc>
+                <a:spcPct val="90000"/>
+              </a:lnSpc>
+              <a:spcBef>
+                <a:spcPts val="1000"/>
+              </a:spcBef>
+              <a:spcAft>
+                <a:spcPts val="0"/>
+              </a:spcAft>
+              <a:buClrTx/>
+              <a:buSzTx/>
+              <a:buAutoNum type="arabicPeriod"/>
+              <a:tabLst/>
+              <a:defRPr/>
+            </a:pPr>
+            <a:r>
+              <a:rPr kumimoji="0" lang="de-DE" sz="2400" b="0" i="0" u="none" strike="noStrike" kern="1200" cap="none" spc="0" normalizeH="0" baseline="0" noProof="0" dirty="0">
+                <a:ln>
+                  <a:noFill/>
+                </a:ln>
+                <a:solidFill>
+                  <a:prstClr val="black"/>
+                </a:solidFill>
+                <a:effectLst/>
+                <a:uLnTx/>
+                <a:uFillTx/>
+                <a:latin typeface="Calibri" panose="020F0502020204030204"/>
+                <a:ea typeface="+mn-ea"/>
+                <a:cs typeface="+mn-cs"/>
+              </a:rPr>
+              <a:t>Falls nicht wird der Punkt wieder entfernt </a:t>
+            </a:r>
+            <a:r>
+              <a:rPr lang="de-DE" sz="2400" dirty="0">
+                <a:solidFill>
+                  <a:prstClr val="black"/>
+                </a:solidFill>
+                <a:latin typeface="Calibri" panose="020F0502020204030204"/>
+              </a:rPr>
+              <a:t>und der nächste Punkt getestet</a:t>
+            </a:r>
+            <a:endParaRPr kumimoji="0" lang="de-DE" sz="2400" b="0" i="0" u="none" strike="noStrike" kern="1200" cap="none" spc="0" normalizeH="0" baseline="0" noProof="0" dirty="0">
+              <a:ln>
+                <a:noFill/>
+              </a:ln>
+              <a:solidFill>
+                <a:prstClr val="black"/>
+              </a:solidFill>
+              <a:effectLst/>
+              <a:uLnTx/>
+              <a:uFillTx/>
+              <a:latin typeface="Calibri" panose="020F0502020204030204"/>
+              <a:ea typeface="+mn-ea"/>
+              <a:cs typeface="+mn-cs"/>
+            </a:endParaRPr>
+          </a:p>
+        </p:txBody>
+      </p:sp>
+    </p:spTree>
+    <p:extLst>
+      <p:ext uri="{BB962C8B-B14F-4D97-AF65-F5344CB8AC3E}">
+        <p14:creationId xmlns:p14="http://schemas.microsoft.com/office/powerpoint/2010/main" val="2894909814"/>
+      </p:ext>
+    </p:extLst>
+  </p:cSld>
+  <p:clrMapOvr>
+    <a:masterClrMapping/>
+  </p:clrMapOvr>
+</p:sld>
+</file>
+
+<file path=ppt/slides/slide9.xml><?xml version="1.0" encoding="utf-8"?>
+<p:sld xmlns:a="http://schemas.openxmlformats.org/drawingml/2006/main" xmlns:r="http://schemas.openxmlformats.org/officeDocument/2006/relationships" xmlns:p="http://schemas.openxmlformats.org/presentationml/2006/main">
+  <p:cSld>
+    <p:spTree>
+      <p:nvGrpSpPr>
+        <p:cNvPr id="1" name=""/>
+        <p:cNvGrpSpPr/>
+        <p:nvPr/>
+      </p:nvGrpSpPr>
+      <p:grpSpPr>
+        <a:xfrm>
+          <a:off x="0" y="0"/>
+          <a:ext cx="0" cy="0"/>
+          <a:chOff x="0" y="0"/>
+          <a:chExt cx="0" cy="0"/>
+        </a:xfrm>
+      </p:grpSpPr>
+      <p:sp>
+        <p:nvSpPr>
+          <p:cNvPr id="2" name="Titel 1">
+            <a:extLst>
+              <a:ext uri="{FF2B5EF4-FFF2-40B4-BE49-F238E27FC236}">
+                <a16:creationId xmlns:a16="http://schemas.microsoft.com/office/drawing/2014/main" id="{D96F1F77-C551-B08D-D869-4F038415A5D3}"/>
+              </a:ext>
+            </a:extLst>
+          </p:cNvPr>
+          <p:cNvSpPr>
+            <a:spLocks noGrp="1"/>
+          </p:cNvSpPr>
+          <p:nvPr>
+            <p:ph type="title"/>
+          </p:nvPr>
+        </p:nvSpPr>
+        <p:spPr>
+          <a:xfrm>
+            <a:off x="447675" y="2460625"/>
+            <a:ext cx="3686175" cy="1325563"/>
+          </a:xfrm>
+        </p:spPr>
+        <p:txBody>
+          <a:bodyPr/>
+          <a:lstStyle/>
+          <a:p>
+            <a:r>
+              <a:rPr lang="de-DE" dirty="0"/>
+              <a:t>Programmcode</a:t>
+            </a:r>
+          </a:p>
+        </p:txBody>
+      </p:sp>
+      <p:sp>
+        <p:nvSpPr>
+          <p:cNvPr id="4" name="Rechteck 3">
+            <a:extLst>
+              <a:ext uri="{FF2B5EF4-FFF2-40B4-BE49-F238E27FC236}">
+                <a16:creationId xmlns:a16="http://schemas.microsoft.com/office/drawing/2014/main" id="{512FCC3A-B5CF-FF1C-3F70-1895A40C8A22}"/>
+              </a:ext>
+            </a:extLst>
+          </p:cNvPr>
+          <p:cNvSpPr/>
+          <p:nvPr/>
+        </p:nvSpPr>
+        <p:spPr>
+          <a:xfrm>
+            <a:off x="0" y="6444867"/>
+            <a:ext cx="12192000" cy="413133"/>
+          </a:xfrm>
+          <a:prstGeom prst="rect">
+            <a:avLst/>
+          </a:prstGeom>
+          <a:ln>
+            <a:noFill/>
+          </a:ln>
+        </p:spPr>
+        <p:style>
+          <a:lnRef idx="2">
+            <a:schemeClr val="accent1">
+              <a:shade val="50000"/>
+            </a:schemeClr>
+          </a:lnRef>
+          <a:fillRef idx="1">
+            <a:schemeClr val="accent1"/>
+          </a:fillRef>
+          <a:effectRef idx="0">
+            <a:schemeClr val="accent1"/>
+          </a:effectRef>
+          <a:fontRef idx="minor">
+            <a:schemeClr val="lt1"/>
+          </a:fontRef>
+        </p:style>
+        <p:txBody>
+          <a:bodyPr rtlCol="0" anchor="ctr"/>
+          <a:lstStyle/>
+          <a:p>
+            <a:pPr algn="ctr"/>
+            <a:r>
+              <a:rPr lang="de-DE" dirty="0"/>
+              <a:t>Implementierung des Algorithmus &gt; Rat in a Maze Problem</a:t>
+            </a:r>
+            <a:endParaRPr lang="en-GB" dirty="0"/>
+          </a:p>
+        </p:txBody>
+      </p:sp>
+      <p:pic>
+        <p:nvPicPr>
+          <p:cNvPr id="5" name="Grafik 4" descr="Ein Bild, das Text enthält.&#10;&#10;Automatisch generierte Beschreibung">
+            <a:extLst>
+              <a:ext uri="{FF2B5EF4-FFF2-40B4-BE49-F238E27FC236}">
+                <a16:creationId xmlns:a16="http://schemas.microsoft.com/office/drawing/2014/main" id="{DDD08BCE-E528-D96A-50B1-9854DB99584B}"/>
+              </a:ext>
+            </a:extLst>
+          </p:cNvPr>
+          <p:cNvPicPr>
+            <a:picLocks noChangeAspect="1"/>
+          </p:cNvPicPr>
+          <p:nvPr/>
+        </p:nvPicPr>
+        <p:blipFill rotWithShape="1">
+          <a:blip r:embed="rId2">
+            <a:extLst>
+              <a:ext uri="{28A0092B-C50C-407E-A947-70E740481C1C}">
+                <a14:useLocalDpi xmlns:a14="http://schemas.microsoft.com/office/drawing/2010/main" val="0"/>
+              </a:ext>
+            </a:extLst>
+          </a:blip>
+          <a:srcRect l="5677" t="7639" r="5677" b="7639"/>
+          <a:stretch/>
+        </p:blipFill>
+        <p:spPr>
+          <a:xfrm>
+            <a:off x="4224209" y="247650"/>
+            <a:ext cx="7748715" cy="5983187"/>
+          </a:xfrm>
+          <a:prstGeom prst="rect">
+            <a:avLst/>
+          </a:prstGeom>
+        </p:spPr>
+      </p:pic>
+    </p:spTree>
+    <p:extLst>
+      <p:ext uri="{BB962C8B-B14F-4D97-AF65-F5344CB8AC3E}">
+        <p14:creationId xmlns:p14="http://schemas.microsoft.com/office/powerpoint/2010/main" val="800027535"/>
       </p:ext>
     </p:extLst>
   </p:cSld>

--- a/_presentation/main.pptx
+++ b/_presentation/main.pptx
@@ -10,16 +10,20 @@
     <p:sldId id="258" r:id="rId4"/>
     <p:sldId id="259" r:id="rId5"/>
     <p:sldId id="260" r:id="rId6"/>
-    <p:sldId id="261" r:id="rId7"/>
-    <p:sldId id="264" r:id="rId8"/>
-    <p:sldId id="263" r:id="rId9"/>
-    <p:sldId id="265" r:id="rId10"/>
-    <p:sldId id="266" r:id="rId11"/>
-    <p:sldId id="267" r:id="rId12"/>
-    <p:sldId id="268" r:id="rId13"/>
-    <p:sldId id="269" r:id="rId14"/>
-    <p:sldId id="270" r:id="rId15"/>
-    <p:sldId id="262" r:id="rId16"/>
+    <p:sldId id="272" r:id="rId7"/>
+    <p:sldId id="274" r:id="rId8"/>
+    <p:sldId id="261" r:id="rId9"/>
+    <p:sldId id="264" r:id="rId10"/>
+    <p:sldId id="263" r:id="rId11"/>
+    <p:sldId id="265" r:id="rId12"/>
+    <p:sldId id="266" r:id="rId13"/>
+    <p:sldId id="267" r:id="rId14"/>
+    <p:sldId id="268" r:id="rId15"/>
+    <p:sldId id="269" r:id="rId16"/>
+    <p:sldId id="270" r:id="rId17"/>
+    <p:sldId id="273" r:id="rId18"/>
+    <p:sldId id="275" r:id="rId19"/>
+    <p:sldId id="262" r:id="rId20"/>
   </p:sldIdLst>
   <p:sldSz cx="12192000" cy="6858000"/>
   <p:notesSz cx="6858000" cy="9144000"/>
@@ -275,7 +279,7 @@
           <a:p>
             <a:fld id="{CA1CEFD1-0BDB-4BB3-BD4F-EE30665FCDD3}" type="datetimeFigureOut">
               <a:rPr lang="en-GB" smtClean="0"/>
-              <a:t>29/06/2022</a:t>
+              <a:t>30/06/2022</a:t>
             </a:fld>
             <a:endParaRPr lang="en-GB"/>
           </a:p>
@@ -475,7 +479,7 @@
           <a:p>
             <a:fld id="{CA1CEFD1-0BDB-4BB3-BD4F-EE30665FCDD3}" type="datetimeFigureOut">
               <a:rPr lang="en-GB" smtClean="0"/>
-              <a:t>29/06/2022</a:t>
+              <a:t>30/06/2022</a:t>
             </a:fld>
             <a:endParaRPr lang="en-GB"/>
           </a:p>
@@ -685,7 +689,7 @@
           <a:p>
             <a:fld id="{CA1CEFD1-0BDB-4BB3-BD4F-EE30665FCDD3}" type="datetimeFigureOut">
               <a:rPr lang="en-GB" smtClean="0"/>
-              <a:t>29/06/2022</a:t>
+              <a:t>30/06/2022</a:t>
             </a:fld>
             <a:endParaRPr lang="en-GB"/>
           </a:p>
@@ -885,7 +889,7 @@
           <a:p>
             <a:fld id="{CA1CEFD1-0BDB-4BB3-BD4F-EE30665FCDD3}" type="datetimeFigureOut">
               <a:rPr lang="en-GB" smtClean="0"/>
-              <a:t>29/06/2022</a:t>
+              <a:t>30/06/2022</a:t>
             </a:fld>
             <a:endParaRPr lang="en-GB"/>
           </a:p>
@@ -1161,7 +1165,7 @@
           <a:p>
             <a:fld id="{CA1CEFD1-0BDB-4BB3-BD4F-EE30665FCDD3}" type="datetimeFigureOut">
               <a:rPr lang="en-GB" smtClean="0"/>
-              <a:t>29/06/2022</a:t>
+              <a:t>30/06/2022</a:t>
             </a:fld>
             <a:endParaRPr lang="en-GB"/>
           </a:p>
@@ -1429,7 +1433,7 @@
           <a:p>
             <a:fld id="{CA1CEFD1-0BDB-4BB3-BD4F-EE30665FCDD3}" type="datetimeFigureOut">
               <a:rPr lang="en-GB" smtClean="0"/>
-              <a:t>29/06/2022</a:t>
+              <a:t>30/06/2022</a:t>
             </a:fld>
             <a:endParaRPr lang="en-GB"/>
           </a:p>
@@ -1844,7 +1848,7 @@
           <a:p>
             <a:fld id="{CA1CEFD1-0BDB-4BB3-BD4F-EE30665FCDD3}" type="datetimeFigureOut">
               <a:rPr lang="en-GB" smtClean="0"/>
-              <a:t>29/06/2022</a:t>
+              <a:t>30/06/2022</a:t>
             </a:fld>
             <a:endParaRPr lang="en-GB"/>
           </a:p>
@@ -1986,7 +1990,7 @@
           <a:p>
             <a:fld id="{CA1CEFD1-0BDB-4BB3-BD4F-EE30665FCDD3}" type="datetimeFigureOut">
               <a:rPr lang="en-GB" smtClean="0"/>
-              <a:t>29/06/2022</a:t>
+              <a:t>30/06/2022</a:t>
             </a:fld>
             <a:endParaRPr lang="en-GB"/>
           </a:p>
@@ -2099,7 +2103,7 @@
           <a:p>
             <a:fld id="{CA1CEFD1-0BDB-4BB3-BD4F-EE30665FCDD3}" type="datetimeFigureOut">
               <a:rPr lang="en-GB" smtClean="0"/>
-              <a:t>29/06/2022</a:t>
+              <a:t>30/06/2022</a:t>
             </a:fld>
             <a:endParaRPr lang="en-GB"/>
           </a:p>
@@ -2412,7 +2416,7 @@
           <a:p>
             <a:fld id="{CA1CEFD1-0BDB-4BB3-BD4F-EE30665FCDD3}" type="datetimeFigureOut">
               <a:rPr lang="en-GB" smtClean="0"/>
-              <a:t>29/06/2022</a:t>
+              <a:t>30/06/2022</a:t>
             </a:fld>
             <a:endParaRPr lang="en-GB"/>
           </a:p>
@@ -2701,7 +2705,7 @@
           <a:p>
             <a:fld id="{CA1CEFD1-0BDB-4BB3-BD4F-EE30665FCDD3}" type="datetimeFigureOut">
               <a:rPr lang="en-GB" smtClean="0"/>
-              <a:t>29/06/2022</a:t>
+              <a:t>30/06/2022</a:t>
             </a:fld>
             <a:endParaRPr lang="en-GB"/>
           </a:p>
@@ -2944,7 +2948,7 @@
           <a:p>
             <a:fld id="{CA1CEFD1-0BDB-4BB3-BD4F-EE30665FCDD3}" type="datetimeFigureOut">
               <a:rPr lang="en-GB" smtClean="0"/>
-              <a:t>29/06/2022</a:t>
+              <a:t>30/06/2022</a:t>
             </a:fld>
             <a:endParaRPr lang="en-GB"/>
           </a:p>
@@ -3460,6 +3464,488 @@
       </p:grpSpPr>
       <p:sp>
         <p:nvSpPr>
+          <p:cNvPr id="2" name="Titel 1">
+            <a:extLst>
+              <a:ext uri="{FF2B5EF4-FFF2-40B4-BE49-F238E27FC236}">
+                <a16:creationId xmlns:a16="http://schemas.microsoft.com/office/drawing/2014/main" id="{D96F1F77-C551-B08D-D869-4F038415A5D3}"/>
+              </a:ext>
+            </a:extLst>
+          </p:cNvPr>
+          <p:cNvSpPr>
+            <a:spLocks noGrp="1"/>
+          </p:cNvSpPr>
+          <p:nvPr>
+            <p:ph type="title"/>
+          </p:nvPr>
+        </p:nvSpPr>
+        <p:spPr/>
+        <p:txBody>
+          <a:bodyPr/>
+          <a:lstStyle/>
+          <a:p>
+            <a:r>
+              <a:rPr lang="de-DE" dirty="0"/>
+              <a:t>Lösungsansatz</a:t>
+            </a:r>
+          </a:p>
+        </p:txBody>
+      </p:sp>
+      <p:sp>
+        <p:nvSpPr>
+          <p:cNvPr id="4" name="Rechteck 3">
+            <a:extLst>
+              <a:ext uri="{FF2B5EF4-FFF2-40B4-BE49-F238E27FC236}">
+                <a16:creationId xmlns:a16="http://schemas.microsoft.com/office/drawing/2014/main" id="{512FCC3A-B5CF-FF1C-3F70-1895A40C8A22}"/>
+              </a:ext>
+            </a:extLst>
+          </p:cNvPr>
+          <p:cNvSpPr/>
+          <p:nvPr/>
+        </p:nvSpPr>
+        <p:spPr>
+          <a:xfrm>
+            <a:off x="0" y="6444867"/>
+            <a:ext cx="12192000" cy="413133"/>
+          </a:xfrm>
+          <a:prstGeom prst="rect">
+            <a:avLst/>
+          </a:prstGeom>
+          <a:ln>
+            <a:noFill/>
+          </a:ln>
+        </p:spPr>
+        <p:style>
+          <a:lnRef idx="2">
+            <a:schemeClr val="accent1">
+              <a:shade val="50000"/>
+            </a:schemeClr>
+          </a:lnRef>
+          <a:fillRef idx="1">
+            <a:schemeClr val="accent1"/>
+          </a:fillRef>
+          <a:effectRef idx="0">
+            <a:schemeClr val="accent1"/>
+          </a:effectRef>
+          <a:fontRef idx="minor">
+            <a:schemeClr val="lt1"/>
+          </a:fontRef>
+        </p:style>
+        <p:txBody>
+          <a:bodyPr rtlCol="0" anchor="ctr"/>
+          <a:lstStyle/>
+          <a:p>
+            <a:pPr algn="ctr"/>
+            <a:r>
+              <a:rPr lang="de-DE" dirty="0"/>
+              <a:t>Implementierung des Algorithmus &gt; Rat in a Maze Problem</a:t>
+            </a:r>
+            <a:endParaRPr lang="en-GB" dirty="0"/>
+          </a:p>
+        </p:txBody>
+      </p:sp>
+      <p:sp>
+        <p:nvSpPr>
+          <p:cNvPr id="14" name="Textfeld 13">
+            <a:extLst>
+              <a:ext uri="{FF2B5EF4-FFF2-40B4-BE49-F238E27FC236}">
+                <a16:creationId xmlns:a16="http://schemas.microsoft.com/office/drawing/2014/main" id="{52CC6D3F-5C43-467A-1D80-F0FA36A48C4E}"/>
+              </a:ext>
+            </a:extLst>
+          </p:cNvPr>
+          <p:cNvSpPr txBox="1"/>
+          <p:nvPr/>
+        </p:nvSpPr>
+        <p:spPr>
+          <a:xfrm>
+            <a:off x="838199" y="1690687"/>
+            <a:ext cx="7705165" cy="4261679"/>
+          </a:xfrm>
+          <a:prstGeom prst="rect">
+            <a:avLst/>
+          </a:prstGeom>
+          <a:noFill/>
+        </p:spPr>
+        <p:txBody>
+          <a:bodyPr wrap="square">
+            <a:spAutoFit/>
+          </a:bodyPr>
+          <a:lstStyle/>
+          <a:p>
+            <a:pPr marL="514350" marR="0" lvl="0" indent="-514350" algn="l" defTabSz="914400" rtl="0" eaLnBrk="1" fontAlgn="auto" latinLnBrk="0" hangingPunct="1">
+              <a:lnSpc>
+                <a:spcPct val="90000"/>
+              </a:lnSpc>
+              <a:spcBef>
+                <a:spcPts val="1000"/>
+              </a:spcBef>
+              <a:spcAft>
+                <a:spcPts val="0"/>
+              </a:spcAft>
+              <a:buClrTx/>
+              <a:buSzTx/>
+              <a:buAutoNum type="arabicPeriod"/>
+              <a:tabLst/>
+              <a:defRPr/>
+            </a:pPr>
+            <a:r>
+              <a:rPr lang="de-DE" sz="2400" dirty="0">
+                <a:solidFill>
+                  <a:prstClr val="black"/>
+                </a:solidFill>
+                <a:latin typeface="Calibri" panose="020F0502020204030204"/>
+              </a:rPr>
+              <a:t>Lösungsmatrix anlegen mit der selben Größe wie die Eingangsmatrix</a:t>
+            </a:r>
+          </a:p>
+          <a:p>
+            <a:pPr marL="514350" marR="0" lvl="0" indent="-514350" algn="l" defTabSz="914400" rtl="0" eaLnBrk="1" fontAlgn="auto" latinLnBrk="0" hangingPunct="1">
+              <a:lnSpc>
+                <a:spcPct val="90000"/>
+              </a:lnSpc>
+              <a:spcBef>
+                <a:spcPts val="1000"/>
+              </a:spcBef>
+              <a:spcAft>
+                <a:spcPts val="0"/>
+              </a:spcAft>
+              <a:buClrTx/>
+              <a:buSzTx/>
+              <a:buAutoNum type="arabicPeriod"/>
+              <a:tabLst/>
+              <a:defRPr/>
+            </a:pPr>
+            <a:r>
+              <a:rPr kumimoji="0" lang="de-DE" sz="2400" b="0" i="0" u="none" strike="noStrike" kern="1200" cap="none" spc="0" normalizeH="0" baseline="0" noProof="0" dirty="0">
+                <a:ln>
+                  <a:noFill/>
+                </a:ln>
+                <a:solidFill>
+                  <a:prstClr val="black"/>
+                </a:solidFill>
+                <a:effectLst/>
+                <a:uLnTx/>
+                <a:uFillTx/>
+                <a:latin typeface="Calibri" panose="020F0502020204030204"/>
+                <a:ea typeface="+mn-ea"/>
+                <a:cs typeface="+mn-cs"/>
+              </a:rPr>
+              <a:t>Rekursive Funktion erstellen welche die Lösungsmatrix entsprechend modifiziert</a:t>
+            </a:r>
+          </a:p>
+          <a:p>
+            <a:pPr marL="514350" marR="0" lvl="0" indent="-514350" algn="l" defTabSz="914400" rtl="0" eaLnBrk="1" fontAlgn="auto" latinLnBrk="0" hangingPunct="1">
+              <a:lnSpc>
+                <a:spcPct val="90000"/>
+              </a:lnSpc>
+              <a:spcBef>
+                <a:spcPts val="1000"/>
+              </a:spcBef>
+              <a:spcAft>
+                <a:spcPts val="0"/>
+              </a:spcAft>
+              <a:buClrTx/>
+              <a:buSzTx/>
+              <a:buAutoNum type="arabicPeriod"/>
+              <a:tabLst/>
+              <a:defRPr/>
+            </a:pPr>
+            <a:r>
+              <a:rPr lang="de-DE" sz="2400" dirty="0">
+                <a:solidFill>
+                  <a:prstClr val="black"/>
+                </a:solidFill>
+                <a:latin typeface="Calibri" panose="020F0502020204030204"/>
+              </a:rPr>
+              <a:t>Wenn die Position außerhalb der Matrix ist oder die Ratte sich auf einem grauen Feld befindet ist die Position ungültig</a:t>
+            </a:r>
+          </a:p>
+          <a:p>
+            <a:pPr marL="514350" marR="0" lvl="0" indent="-514350" algn="l" defTabSz="914400" rtl="0" eaLnBrk="1" fontAlgn="auto" latinLnBrk="0" hangingPunct="1">
+              <a:lnSpc>
+                <a:spcPct val="90000"/>
+              </a:lnSpc>
+              <a:spcBef>
+                <a:spcPts val="1000"/>
+              </a:spcBef>
+              <a:spcAft>
+                <a:spcPts val="0"/>
+              </a:spcAft>
+              <a:buClrTx/>
+              <a:buSzTx/>
+              <a:buAutoNum type="arabicPeriod"/>
+              <a:tabLst/>
+              <a:defRPr/>
+            </a:pPr>
+            <a:r>
+              <a:rPr kumimoji="0" lang="de-DE" sz="2400" b="0" i="0" u="none" strike="noStrike" kern="1200" cap="none" spc="0" normalizeH="0" baseline="0" noProof="0" dirty="0">
+                <a:ln>
+                  <a:noFill/>
+                </a:ln>
+                <a:solidFill>
+                  <a:prstClr val="black"/>
+                </a:solidFill>
+                <a:effectLst/>
+                <a:uLnTx/>
+                <a:uFillTx/>
+                <a:latin typeface="Calibri" panose="020F0502020204030204"/>
+                <a:ea typeface="+mn-ea"/>
+                <a:cs typeface="+mn-cs"/>
+              </a:rPr>
+              <a:t>Der Lösungsmatrix </a:t>
+            </a:r>
+            <a:r>
+              <a:rPr lang="de-DE" sz="2400" dirty="0">
+                <a:solidFill>
+                  <a:prstClr val="black"/>
+                </a:solidFill>
+                <a:latin typeface="Calibri" panose="020F0502020204030204"/>
+              </a:rPr>
+              <a:t>den aktuellen Punkt hinzufügen und prüfen ob die Ratte sich weiter bewegen kann</a:t>
+            </a:r>
+          </a:p>
+          <a:p>
+            <a:pPr marL="514350" marR="0" lvl="0" indent="-514350" algn="l" defTabSz="914400" rtl="0" eaLnBrk="1" fontAlgn="auto" latinLnBrk="0" hangingPunct="1">
+              <a:lnSpc>
+                <a:spcPct val="90000"/>
+              </a:lnSpc>
+              <a:spcBef>
+                <a:spcPts val="1000"/>
+              </a:spcBef>
+              <a:spcAft>
+                <a:spcPts val="0"/>
+              </a:spcAft>
+              <a:buClrTx/>
+              <a:buSzTx/>
+              <a:buAutoNum type="arabicPeriod"/>
+              <a:tabLst/>
+              <a:defRPr/>
+            </a:pPr>
+            <a:r>
+              <a:rPr kumimoji="0" lang="de-DE" sz="2400" b="0" i="0" u="none" strike="noStrike" kern="1200" cap="none" spc="0" normalizeH="0" baseline="0" noProof="0" dirty="0">
+                <a:ln>
+                  <a:noFill/>
+                </a:ln>
+                <a:solidFill>
+                  <a:prstClr val="black"/>
+                </a:solidFill>
+                <a:effectLst/>
+                <a:uLnTx/>
+                <a:uFillTx/>
+                <a:latin typeface="Calibri" panose="020F0502020204030204"/>
+                <a:ea typeface="+mn-ea"/>
+                <a:cs typeface="+mn-cs"/>
+              </a:rPr>
+              <a:t>Falls nicht wird der Punkt wieder entfernt </a:t>
+            </a:r>
+            <a:r>
+              <a:rPr lang="de-DE" sz="2400" dirty="0">
+                <a:solidFill>
+                  <a:prstClr val="black"/>
+                </a:solidFill>
+                <a:latin typeface="Calibri" panose="020F0502020204030204"/>
+              </a:rPr>
+              <a:t>und der nächste Punkt getestet</a:t>
+            </a:r>
+            <a:endParaRPr kumimoji="0" lang="de-DE" sz="2400" b="0" i="0" u="none" strike="noStrike" kern="1200" cap="none" spc="0" normalizeH="0" baseline="0" noProof="0" dirty="0">
+              <a:ln>
+                <a:noFill/>
+              </a:ln>
+              <a:solidFill>
+                <a:prstClr val="black"/>
+              </a:solidFill>
+              <a:effectLst/>
+              <a:uLnTx/>
+              <a:uFillTx/>
+              <a:latin typeface="Calibri" panose="020F0502020204030204"/>
+              <a:ea typeface="+mn-ea"/>
+              <a:cs typeface="+mn-cs"/>
+            </a:endParaRPr>
+          </a:p>
+        </p:txBody>
+      </p:sp>
+    </p:spTree>
+    <p:extLst>
+      <p:ext uri="{BB962C8B-B14F-4D97-AF65-F5344CB8AC3E}">
+        <p14:creationId xmlns:p14="http://schemas.microsoft.com/office/powerpoint/2010/main" val="2894909814"/>
+      </p:ext>
+    </p:extLst>
+  </p:cSld>
+  <p:clrMapOvr>
+    <a:masterClrMapping/>
+  </p:clrMapOvr>
+</p:sld>
+</file>
+
+<file path=ppt/slides/slide11.xml><?xml version="1.0" encoding="utf-8"?>
+<p:sld xmlns:a="http://schemas.openxmlformats.org/drawingml/2006/main" xmlns:r="http://schemas.openxmlformats.org/officeDocument/2006/relationships" xmlns:p="http://schemas.openxmlformats.org/presentationml/2006/main">
+  <p:cSld>
+    <p:spTree>
+      <p:nvGrpSpPr>
+        <p:cNvPr id="1" name=""/>
+        <p:cNvGrpSpPr/>
+        <p:nvPr/>
+      </p:nvGrpSpPr>
+      <p:grpSpPr>
+        <a:xfrm>
+          <a:off x="0" y="0"/>
+          <a:ext cx="0" cy="0"/>
+          <a:chOff x="0" y="0"/>
+          <a:chExt cx="0" cy="0"/>
+        </a:xfrm>
+      </p:grpSpPr>
+      <p:sp>
+        <p:nvSpPr>
+          <p:cNvPr id="2" name="Titel 1">
+            <a:extLst>
+              <a:ext uri="{FF2B5EF4-FFF2-40B4-BE49-F238E27FC236}">
+                <a16:creationId xmlns:a16="http://schemas.microsoft.com/office/drawing/2014/main" id="{D96F1F77-C551-B08D-D869-4F038415A5D3}"/>
+              </a:ext>
+            </a:extLst>
+          </p:cNvPr>
+          <p:cNvSpPr>
+            <a:spLocks noGrp="1"/>
+          </p:cNvSpPr>
+          <p:nvPr>
+            <p:ph type="title"/>
+          </p:nvPr>
+        </p:nvSpPr>
+        <p:spPr>
+          <a:xfrm>
+            <a:off x="447675" y="2460625"/>
+            <a:ext cx="3686175" cy="1325563"/>
+          </a:xfrm>
+        </p:spPr>
+        <p:txBody>
+          <a:bodyPr/>
+          <a:lstStyle/>
+          <a:p>
+            <a:r>
+              <a:rPr lang="de-DE" dirty="0"/>
+              <a:t>Programmcode</a:t>
+            </a:r>
+          </a:p>
+        </p:txBody>
+      </p:sp>
+      <p:sp>
+        <p:nvSpPr>
+          <p:cNvPr id="4" name="Rechteck 3">
+            <a:extLst>
+              <a:ext uri="{FF2B5EF4-FFF2-40B4-BE49-F238E27FC236}">
+                <a16:creationId xmlns:a16="http://schemas.microsoft.com/office/drawing/2014/main" id="{512FCC3A-B5CF-FF1C-3F70-1895A40C8A22}"/>
+              </a:ext>
+            </a:extLst>
+          </p:cNvPr>
+          <p:cNvSpPr/>
+          <p:nvPr/>
+        </p:nvSpPr>
+        <p:spPr>
+          <a:xfrm>
+            <a:off x="0" y="6444867"/>
+            <a:ext cx="12192000" cy="413133"/>
+          </a:xfrm>
+          <a:prstGeom prst="rect">
+            <a:avLst/>
+          </a:prstGeom>
+          <a:ln>
+            <a:noFill/>
+          </a:ln>
+        </p:spPr>
+        <p:style>
+          <a:lnRef idx="2">
+            <a:schemeClr val="accent1">
+              <a:shade val="50000"/>
+            </a:schemeClr>
+          </a:lnRef>
+          <a:fillRef idx="1">
+            <a:schemeClr val="accent1"/>
+          </a:fillRef>
+          <a:effectRef idx="0">
+            <a:schemeClr val="accent1"/>
+          </a:effectRef>
+          <a:fontRef idx="minor">
+            <a:schemeClr val="lt1"/>
+          </a:fontRef>
+        </p:style>
+        <p:txBody>
+          <a:bodyPr rtlCol="0" anchor="ctr"/>
+          <a:lstStyle/>
+          <a:p>
+            <a:pPr algn="ctr"/>
+            <a:r>
+              <a:rPr lang="de-DE" dirty="0"/>
+              <a:t>Implementierung des Algorithmus &gt; Rat in a Maze Problem</a:t>
+            </a:r>
+            <a:endParaRPr lang="en-GB" dirty="0"/>
+          </a:p>
+        </p:txBody>
+      </p:sp>
+      <p:pic>
+        <p:nvPicPr>
+          <p:cNvPr id="5" name="Grafik 4" descr="Ein Bild, das Text enthält.&#10;&#10;Automatisch generierte Beschreibung">
+            <a:extLst>
+              <a:ext uri="{FF2B5EF4-FFF2-40B4-BE49-F238E27FC236}">
+                <a16:creationId xmlns:a16="http://schemas.microsoft.com/office/drawing/2014/main" id="{DDD08BCE-E528-D96A-50B1-9854DB99584B}"/>
+              </a:ext>
+            </a:extLst>
+          </p:cNvPr>
+          <p:cNvPicPr>
+            <a:picLocks noChangeAspect="1"/>
+          </p:cNvPicPr>
+          <p:nvPr/>
+        </p:nvPicPr>
+        <p:blipFill rotWithShape="1">
+          <a:blip r:embed="rId2">
+            <a:extLst>
+              <a:ext uri="{28A0092B-C50C-407E-A947-70E740481C1C}">
+                <a14:useLocalDpi xmlns:a14="http://schemas.microsoft.com/office/drawing/2010/main" val="0"/>
+              </a:ext>
+            </a:extLst>
+          </a:blip>
+          <a:srcRect l="5677" t="7639" r="5677" b="7639"/>
+          <a:stretch/>
+        </p:blipFill>
+        <p:spPr>
+          <a:xfrm>
+            <a:off x="4224209" y="247650"/>
+            <a:ext cx="7748715" cy="5983187"/>
+          </a:xfrm>
+          <a:prstGeom prst="rect">
+            <a:avLst/>
+          </a:prstGeom>
+        </p:spPr>
+      </p:pic>
+    </p:spTree>
+    <p:extLst>
+      <p:ext uri="{BB962C8B-B14F-4D97-AF65-F5344CB8AC3E}">
+        <p14:creationId xmlns:p14="http://schemas.microsoft.com/office/powerpoint/2010/main" val="800027535"/>
+      </p:ext>
+    </p:extLst>
+  </p:cSld>
+  <p:clrMapOvr>
+    <a:masterClrMapping/>
+  </p:clrMapOvr>
+</p:sld>
+</file>
+
+<file path=ppt/slides/slide12.xml><?xml version="1.0" encoding="utf-8"?>
+<p:sld xmlns:a="http://schemas.openxmlformats.org/drawingml/2006/main" xmlns:r="http://schemas.openxmlformats.org/officeDocument/2006/relationships" xmlns:p="http://schemas.openxmlformats.org/presentationml/2006/main">
+  <p:cSld>
+    <p:spTree>
+      <p:nvGrpSpPr>
+        <p:cNvPr id="1" name=""/>
+        <p:cNvGrpSpPr/>
+        <p:nvPr/>
+      </p:nvGrpSpPr>
+      <p:grpSpPr>
+        <a:xfrm>
+          <a:off x="0" y="0"/>
+          <a:ext cx="0" cy="0"/>
+          <a:chOff x="0" y="0"/>
+          <a:chExt cx="0" cy="0"/>
+        </a:xfrm>
+      </p:grpSpPr>
+      <p:sp>
+        <p:nvSpPr>
           <p:cNvPr id="4" name="Rechteck 3">
             <a:extLst>
               <a:ext uri="{FF2B5EF4-FFF2-40B4-BE49-F238E27FC236}">
@@ -3559,7 +4045,7 @@
 </p:sld>
 </file>
 
-<file path=ppt/slides/slide11.xml><?xml version="1.0" encoding="utf-8"?>
+<file path=ppt/slides/slide13.xml><?xml version="1.0" encoding="utf-8"?>
 <p:sld xmlns:a="http://schemas.openxmlformats.org/drawingml/2006/main" xmlns:r="http://schemas.openxmlformats.org/officeDocument/2006/relationships" xmlns:p="http://schemas.openxmlformats.org/presentationml/2006/main">
   <p:cSld>
     <p:spTree>
@@ -3746,7 +4232,7 @@
 </p:sld>
 </file>
 
-<file path=ppt/slides/slide12.xml><?xml version="1.0" encoding="utf-8"?>
+<file path=ppt/slides/slide14.xml><?xml version="1.0" encoding="utf-8"?>
 <p:sld xmlns:a="http://schemas.openxmlformats.org/drawingml/2006/main" xmlns:r="http://schemas.openxmlformats.org/officeDocument/2006/relationships" xmlns:p="http://schemas.openxmlformats.org/presentationml/2006/main">
   <p:cSld>
     <p:spTree>
@@ -3990,7 +4476,7 @@
 </p:sld>
 </file>
 
-<file path=ppt/slides/slide13.xml><?xml version="1.0" encoding="utf-8"?>
+<file path=ppt/slides/slide15.xml><?xml version="1.0" encoding="utf-8"?>
 <p:sld xmlns:a="http://schemas.openxmlformats.org/drawingml/2006/main" xmlns:r="http://schemas.openxmlformats.org/officeDocument/2006/relationships" xmlns:p="http://schemas.openxmlformats.org/presentationml/2006/main">
   <p:cSld>
     <p:spTree>
@@ -4182,7 +4668,7 @@
 </p:sld>
 </file>
 
-<file path=ppt/slides/slide14.xml><?xml version="1.0" encoding="utf-8"?>
+<file path=ppt/slides/slide16.xml><?xml version="1.0" encoding="utf-8"?>
 <p:sld xmlns:a="http://schemas.openxmlformats.org/drawingml/2006/main" xmlns:r="http://schemas.openxmlformats.org/officeDocument/2006/relationships" xmlns:p="http://schemas.openxmlformats.org/presentationml/2006/main">
   <p:cSld>
     <p:spTree>
@@ -4426,7 +4912,216 @@
 </p:sld>
 </file>
 
-<file path=ppt/slides/slide15.xml><?xml version="1.0" encoding="utf-8"?>
+<file path=ppt/slides/slide17.xml><?xml version="1.0" encoding="utf-8"?>
+<p:sld xmlns:a="http://schemas.openxmlformats.org/drawingml/2006/main" xmlns:r="http://schemas.openxmlformats.org/officeDocument/2006/relationships" xmlns:p="http://schemas.openxmlformats.org/presentationml/2006/main">
+  <p:cSld>
+    <p:spTree>
+      <p:nvGrpSpPr>
+        <p:cNvPr id="1" name=""/>
+        <p:cNvGrpSpPr/>
+        <p:nvPr/>
+      </p:nvGrpSpPr>
+      <p:grpSpPr>
+        <a:xfrm>
+          <a:off x="0" y="0"/>
+          <a:ext cx="0" cy="0"/>
+          <a:chOff x="0" y="0"/>
+          <a:chExt cx="0" cy="0"/>
+        </a:xfrm>
+      </p:grpSpPr>
+      <p:sp>
+        <p:nvSpPr>
+          <p:cNvPr id="2" name="Titel 1">
+            <a:extLst>
+              <a:ext uri="{FF2B5EF4-FFF2-40B4-BE49-F238E27FC236}">
+                <a16:creationId xmlns:a16="http://schemas.microsoft.com/office/drawing/2014/main" id="{BDA989A1-BA10-7C90-3FC3-1AC309FFDB91}"/>
+              </a:ext>
+            </a:extLst>
+          </p:cNvPr>
+          <p:cNvSpPr>
+            <a:spLocks noGrp="1"/>
+          </p:cNvSpPr>
+          <p:nvPr>
+            <p:ph type="title"/>
+          </p:nvPr>
+        </p:nvSpPr>
+        <p:spPr>
+          <a:xfrm>
+            <a:off x="2658533" y="2766218"/>
+            <a:ext cx="6874933" cy="1325563"/>
+          </a:xfrm>
+        </p:spPr>
+        <p:txBody>
+          <a:bodyPr/>
+          <a:lstStyle/>
+          <a:p>
+            <a:r>
+              <a:rPr lang="de-DE" dirty="0"/>
+              <a:t>Implementierung von Sudoku</a:t>
+            </a:r>
+            <a:endParaRPr lang="en-GB" dirty="0"/>
+          </a:p>
+        </p:txBody>
+      </p:sp>
+    </p:spTree>
+    <p:extLst>
+      <p:ext uri="{BB962C8B-B14F-4D97-AF65-F5344CB8AC3E}">
+        <p14:creationId xmlns:p14="http://schemas.microsoft.com/office/powerpoint/2010/main" val="3097412818"/>
+      </p:ext>
+    </p:extLst>
+  </p:cSld>
+  <p:clrMapOvr>
+    <a:masterClrMapping/>
+  </p:clrMapOvr>
+</p:sld>
+</file>
+
+<file path=ppt/slides/slide18.xml><?xml version="1.0" encoding="utf-8"?>
+<p:sld xmlns:a="http://schemas.openxmlformats.org/drawingml/2006/main" xmlns:r="http://schemas.openxmlformats.org/officeDocument/2006/relationships" xmlns:p="http://schemas.openxmlformats.org/presentationml/2006/main">
+  <p:cSld>
+    <p:spTree>
+      <p:nvGrpSpPr>
+        <p:cNvPr id="1" name=""/>
+        <p:cNvGrpSpPr/>
+        <p:nvPr/>
+      </p:nvGrpSpPr>
+      <p:grpSpPr>
+        <a:xfrm>
+          <a:off x="0" y="0"/>
+          <a:ext cx="0" cy="0"/>
+          <a:chOff x="0" y="0"/>
+          <a:chExt cx="0" cy="0"/>
+        </a:xfrm>
+      </p:grpSpPr>
+      <p:sp>
+        <p:nvSpPr>
+          <p:cNvPr id="2" name="Titel 1">
+            <a:extLst>
+              <a:ext uri="{FF2B5EF4-FFF2-40B4-BE49-F238E27FC236}">
+                <a16:creationId xmlns:a16="http://schemas.microsoft.com/office/drawing/2014/main" id="{63E53799-8F0C-D0A0-7D1C-9BD02559E57B}"/>
+              </a:ext>
+            </a:extLst>
+          </p:cNvPr>
+          <p:cNvSpPr>
+            <a:spLocks noGrp="1"/>
+          </p:cNvSpPr>
+          <p:nvPr>
+            <p:ph type="title"/>
+          </p:nvPr>
+        </p:nvSpPr>
+        <p:spPr/>
+        <p:txBody>
+          <a:bodyPr/>
+          <a:lstStyle/>
+          <a:p>
+            <a:r>
+              <a:rPr lang="de-DE" dirty="0"/>
+              <a:t>Sudoku Regeln</a:t>
+            </a:r>
+            <a:endParaRPr lang="en-GB" dirty="0"/>
+          </a:p>
+        </p:txBody>
+      </p:sp>
+      <p:sp>
+        <p:nvSpPr>
+          <p:cNvPr id="3" name="Inhaltsplatzhalter 2">
+            <a:extLst>
+              <a:ext uri="{FF2B5EF4-FFF2-40B4-BE49-F238E27FC236}">
+                <a16:creationId xmlns:a16="http://schemas.microsoft.com/office/drawing/2014/main" id="{9BFD47C8-49EE-513F-9AB6-73054D63FB4C}"/>
+              </a:ext>
+            </a:extLst>
+          </p:cNvPr>
+          <p:cNvSpPr>
+            <a:spLocks noGrp="1"/>
+          </p:cNvSpPr>
+          <p:nvPr>
+            <p:ph idx="1"/>
+          </p:nvPr>
+        </p:nvSpPr>
+        <p:spPr/>
+        <p:txBody>
+          <a:bodyPr/>
+          <a:lstStyle/>
+          <a:p>
+            <a:r>
+              <a:rPr lang="de-DE" dirty="0"/>
+              <a:t>Ein Sudoku Feld besteht aus 3x3 Blöcken mit jeweils 3x3 Kästchen</a:t>
+            </a:r>
+          </a:p>
+          <a:p>
+            <a:r>
+              <a:rPr lang="de-DE" dirty="0"/>
+              <a:t>Das Ziel des Spiels besteht darin jedes Kästchen so zu füllen, dass in jeder der je neun Zeilen, Spalten und Blöcken jede Zahl von 1 bis 9 nur einmal vorkommt. </a:t>
+            </a:r>
+          </a:p>
+        </p:txBody>
+      </p:sp>
+      <p:sp>
+        <p:nvSpPr>
+          <p:cNvPr id="4" name="Rechteck 3">
+            <a:extLst>
+              <a:ext uri="{FF2B5EF4-FFF2-40B4-BE49-F238E27FC236}">
+                <a16:creationId xmlns:a16="http://schemas.microsoft.com/office/drawing/2014/main" id="{9FC6F25E-BAFF-2C33-44BC-94155B51EA80}"/>
+              </a:ext>
+            </a:extLst>
+          </p:cNvPr>
+          <p:cNvSpPr/>
+          <p:nvPr/>
+        </p:nvSpPr>
+        <p:spPr>
+          <a:xfrm>
+            <a:off x="0" y="6444867"/>
+            <a:ext cx="12192000" cy="413133"/>
+          </a:xfrm>
+          <a:prstGeom prst="rect">
+            <a:avLst/>
+          </a:prstGeom>
+          <a:ln>
+            <a:noFill/>
+          </a:ln>
+        </p:spPr>
+        <p:style>
+          <a:lnRef idx="2">
+            <a:schemeClr val="accent1">
+              <a:shade val="50000"/>
+            </a:schemeClr>
+          </a:lnRef>
+          <a:fillRef idx="1">
+            <a:schemeClr val="accent1"/>
+          </a:fillRef>
+          <a:effectRef idx="0">
+            <a:schemeClr val="accent1"/>
+          </a:effectRef>
+          <a:fontRef idx="minor">
+            <a:schemeClr val="lt1"/>
+          </a:fontRef>
+        </p:style>
+        <p:txBody>
+          <a:bodyPr rtlCol="0" anchor="ctr"/>
+          <a:lstStyle/>
+          <a:p>
+            <a:pPr algn="ctr"/>
+            <a:r>
+              <a:rPr lang="de-DE" dirty="0"/>
+              <a:t>Implementierung von Sudoku &gt; Sudoku Regeln</a:t>
+            </a:r>
+          </a:p>
+        </p:txBody>
+      </p:sp>
+    </p:spTree>
+    <p:extLst>
+      <p:ext uri="{BB962C8B-B14F-4D97-AF65-F5344CB8AC3E}">
+        <p14:creationId xmlns:p14="http://schemas.microsoft.com/office/powerpoint/2010/main" val="2239075735"/>
+      </p:ext>
+    </p:extLst>
+  </p:cSld>
+  <p:clrMapOvr>
+    <a:masterClrMapping/>
+  </p:clrMapOvr>
+</p:sld>
+</file>
+
+<file path=ppt/slides/slide19.xml><?xml version="1.0" encoding="utf-8"?>
 <p:sld xmlns:a="http://schemas.openxmlformats.org/drawingml/2006/main" xmlns:r="http://schemas.openxmlformats.org/officeDocument/2006/relationships" xmlns:p="http://schemas.openxmlformats.org/presentationml/2006/main">
   <p:cSld>
     <p:spTree>
@@ -4592,7 +5287,7 @@
         <p:spPr/>
         <p:txBody>
           <a:bodyPr>
-            <a:normAutofit fontScale="92500" lnSpcReduction="10000"/>
+            <a:normAutofit lnSpcReduction="10000"/>
           </a:bodyPr>
           <a:lstStyle/>
           <a:p>
@@ -4606,13 +5301,6 @@
             <a:r>
               <a:rPr lang="de-DE" dirty="0"/>
               <a:t>Beschreibung</a:t>
-            </a:r>
-          </a:p>
-          <a:p>
-            <a:pPr lvl="1"/>
-            <a:r>
-              <a:rPr lang="de-DE" dirty="0"/>
-              <a:t>Iterativ vs. Rekursiv</a:t>
             </a:r>
           </a:p>
           <a:p>
@@ -6863,7 +7551,7 @@
           <p:cNvPr id="2" name="Titel 1">
             <a:extLst>
               <a:ext uri="{FF2B5EF4-FFF2-40B4-BE49-F238E27FC236}">
-                <a16:creationId xmlns:a16="http://schemas.microsoft.com/office/drawing/2014/main" id="{D96F1F77-C551-B08D-D869-4F038415A5D3}"/>
+                <a16:creationId xmlns:a16="http://schemas.microsoft.com/office/drawing/2014/main" id="{288EC8F8-F799-5869-10FE-344E43B2A54E}"/>
               </a:ext>
             </a:extLst>
           </p:cNvPr>
@@ -6874,59 +7562,307 @@
             <p:ph type="title"/>
           </p:nvPr>
         </p:nvSpPr>
-        <p:spPr/>
+        <p:spPr>
+          <a:xfrm>
+            <a:off x="838200" y="88370"/>
+            <a:ext cx="10515600" cy="944563"/>
+          </a:xfrm>
+        </p:spPr>
         <p:txBody>
           <a:bodyPr/>
           <a:lstStyle/>
           <a:p>
             <a:r>
               <a:rPr lang="de-DE" dirty="0"/>
-              <a:t>Rat in a Maze Problem</a:t>
-            </a:r>
-          </a:p>
-        </p:txBody>
-      </p:sp>
-      <p:pic>
-        <p:nvPicPr>
-          <p:cNvPr id="6" name="Inhaltsplatzhalter 5" descr="Ein Bild, das Shoji, Gebäude, Kreuzworträtsel enthält.&#10;&#10;Automatisch generierte Beschreibung">
-            <a:extLst>
-              <a:ext uri="{FF2B5EF4-FFF2-40B4-BE49-F238E27FC236}">
-                <a16:creationId xmlns:a16="http://schemas.microsoft.com/office/drawing/2014/main" id="{FBEB84F7-2A7B-3939-CF7A-4F28E8DBE9CF}"/>
-              </a:ext>
-            </a:extLst>
-          </p:cNvPr>
-          <p:cNvPicPr>
-            <a:picLocks noGrp="1" noChangeAspect="1"/>
-          </p:cNvPicPr>
+              <a:t>Pseudo Code</a:t>
+            </a:r>
+            <a:endParaRPr lang="en-GB" dirty="0"/>
+          </a:p>
+        </p:txBody>
+      </p:sp>
+      <p:sp>
+        <p:nvSpPr>
+          <p:cNvPr id="3" name="Inhaltsplatzhalter 2">
+            <a:extLst>
+              <a:ext uri="{FF2B5EF4-FFF2-40B4-BE49-F238E27FC236}">
+                <a16:creationId xmlns:a16="http://schemas.microsoft.com/office/drawing/2014/main" id="{0BA64215-E805-C4F2-4FC5-2955B9DDDF26}"/>
+              </a:ext>
+            </a:extLst>
+          </p:cNvPr>
+          <p:cNvSpPr>
+            <a:spLocks noGrp="1"/>
+          </p:cNvSpPr>
           <p:nvPr>
             <p:ph idx="1"/>
           </p:nvPr>
-        </p:nvPicPr>
-        <p:blipFill>
-          <a:blip r:embed="rId2">
-            <a:extLst>
-              <a:ext uri="{28A0092B-C50C-407E-A947-70E740481C1C}">
-                <a14:useLocalDpi xmlns:a14="http://schemas.microsoft.com/office/drawing/2010/main" val="0"/>
-              </a:ext>
-            </a:extLst>
-          </a:blip>
-          <a:stretch>
-            <a:fillRect/>
-          </a:stretch>
-        </p:blipFill>
+        </p:nvSpPr>
         <p:spPr>
           <a:xfrm>
-            <a:off x="8656624" y="190688"/>
-            <a:ext cx="3457143" cy="3000000"/>
+            <a:off x="838200" y="1092200"/>
+            <a:ext cx="10515600" cy="5084763"/>
           </a:xfrm>
         </p:spPr>
-      </p:pic>
+        <p:txBody>
+          <a:bodyPr>
+            <a:normAutofit fontScale="77500" lnSpcReduction="20000"/>
+          </a:bodyPr>
+          <a:lstStyle/>
+          <a:p>
+            <a:pPr marL="0" indent="0">
+              <a:buNone/>
+            </a:pPr>
+            <a:r>
+              <a:rPr lang="de-DE" dirty="0">
+                <a:solidFill>
+                  <a:srgbClr val="FF0000"/>
+                </a:solidFill>
+              </a:rPr>
+              <a:t>Boolean</a:t>
+            </a:r>
+            <a:r>
+              <a:rPr lang="de-DE" dirty="0"/>
+              <a:t> </a:t>
+            </a:r>
+            <a:r>
+              <a:rPr lang="de-DE" dirty="0">
+                <a:solidFill>
+                  <a:srgbClr val="0070C0"/>
+                </a:solidFill>
+              </a:rPr>
+              <a:t>lösen</a:t>
+            </a:r>
+            <a:r>
+              <a:rPr lang="de-DE" dirty="0"/>
+              <a:t>(schritt) {</a:t>
+            </a:r>
+          </a:p>
+          <a:p>
+            <a:pPr marL="0" indent="0">
+              <a:buNone/>
+            </a:pPr>
+            <a:r>
+              <a:rPr lang="de-DE" dirty="0"/>
+              <a:t>	</a:t>
+            </a:r>
+            <a:r>
+              <a:rPr lang="de-DE" dirty="0">
+                <a:solidFill>
+                  <a:srgbClr val="00B050"/>
+                </a:solidFill>
+              </a:rPr>
+              <a:t>Wenn</a:t>
+            </a:r>
+            <a:r>
+              <a:rPr lang="de-DE" dirty="0"/>
+              <a:t> (zielErreicht)</a:t>
+            </a:r>
+          </a:p>
+          <a:p>
+            <a:pPr marL="0" indent="0">
+              <a:buNone/>
+            </a:pPr>
+            <a:r>
+              <a:rPr lang="de-DE" dirty="0"/>
+              <a:t>		</a:t>
+            </a:r>
+            <a:r>
+              <a:rPr lang="de-DE" dirty="0">
+                <a:solidFill>
+                  <a:srgbClr val="7030A0"/>
+                </a:solidFill>
+              </a:rPr>
+              <a:t>Rückgabe</a:t>
+            </a:r>
+            <a:r>
+              <a:rPr lang="de-DE" dirty="0"/>
+              <a:t> True</a:t>
+            </a:r>
+          </a:p>
+          <a:p>
+            <a:pPr marL="0" indent="0">
+              <a:buNone/>
+            </a:pPr>
+            <a:r>
+              <a:rPr lang="de-DE" dirty="0"/>
+              <a:t>	</a:t>
+            </a:r>
+          </a:p>
+          <a:p>
+            <a:pPr marL="0" indent="0">
+              <a:buNone/>
+            </a:pPr>
+            <a:r>
+              <a:rPr lang="de-DE" dirty="0"/>
+              <a:t>	</a:t>
+            </a:r>
+            <a:r>
+              <a:rPr lang="de-DE" dirty="0">
+                <a:solidFill>
+                  <a:srgbClr val="00B050"/>
+                </a:solidFill>
+              </a:rPr>
+              <a:t>Wenn</a:t>
+            </a:r>
+            <a:r>
+              <a:rPr lang="de-DE" dirty="0"/>
+              <a:t> </a:t>
+            </a:r>
+            <a:r>
+              <a:rPr lang="de-DE" dirty="0">
+                <a:solidFill>
+                  <a:srgbClr val="0070C0"/>
+                </a:solidFill>
+              </a:rPr>
+              <a:t>gültig</a:t>
+            </a:r>
+            <a:r>
+              <a:rPr lang="de-DE" dirty="0"/>
+              <a:t>(schritt) {</a:t>
+            </a:r>
+          </a:p>
+          <a:p>
+            <a:pPr marL="0" indent="0">
+              <a:buNone/>
+            </a:pPr>
+            <a:r>
+              <a:rPr lang="de-DE" dirty="0"/>
+              <a:t>		lösung += schritt</a:t>
+            </a:r>
+          </a:p>
+          <a:p>
+            <a:pPr marL="0" indent="0">
+              <a:buNone/>
+            </a:pPr>
+            <a:endParaRPr lang="de-DE" dirty="0"/>
+          </a:p>
+          <a:p>
+            <a:pPr marL="0" indent="0">
+              <a:buNone/>
+            </a:pPr>
+            <a:r>
+              <a:rPr lang="de-DE" dirty="0"/>
+              <a:t>		</a:t>
+            </a:r>
+            <a:r>
+              <a:rPr lang="de-DE" dirty="0">
+                <a:solidFill>
+                  <a:srgbClr val="00B050"/>
+                </a:solidFill>
+              </a:rPr>
+              <a:t>Wenn</a:t>
+            </a:r>
+            <a:r>
+              <a:rPr lang="de-DE" dirty="0"/>
+              <a:t> (</a:t>
+            </a:r>
+            <a:r>
+              <a:rPr lang="de-DE" dirty="0">
+                <a:solidFill>
+                  <a:srgbClr val="0070C0"/>
+                </a:solidFill>
+              </a:rPr>
+              <a:t>lösen</a:t>
+            </a:r>
+            <a:r>
+              <a:rPr lang="de-DE" dirty="0"/>
+              <a:t>(schritt+1))</a:t>
+            </a:r>
+          </a:p>
+          <a:p>
+            <a:pPr marL="0" indent="0">
+              <a:buNone/>
+            </a:pPr>
+            <a:r>
+              <a:rPr lang="de-DE" dirty="0"/>
+              <a:t>			</a:t>
+            </a:r>
+            <a:r>
+              <a:rPr lang="de-DE" dirty="0">
+                <a:solidFill>
+                  <a:srgbClr val="7030A0"/>
+                </a:solidFill>
+              </a:rPr>
+              <a:t>Rückgabe</a:t>
+            </a:r>
+            <a:r>
+              <a:rPr lang="de-DE" dirty="0"/>
+              <a:t> True</a:t>
+            </a:r>
+          </a:p>
+          <a:p>
+            <a:pPr marL="0" indent="0">
+              <a:buNone/>
+            </a:pPr>
+            <a:r>
+              <a:rPr lang="de-DE" dirty="0"/>
+              <a:t>		</a:t>
+            </a:r>
+            <a:r>
+              <a:rPr lang="de-DE" dirty="0">
+                <a:solidFill>
+                  <a:srgbClr val="00B050"/>
+                </a:solidFill>
+              </a:rPr>
+              <a:t>Ansonsten</a:t>
+            </a:r>
+          </a:p>
+          <a:p>
+            <a:pPr marL="0" indent="0">
+              <a:buNone/>
+            </a:pPr>
+            <a:r>
+              <a:rPr lang="de-DE" dirty="0"/>
+              <a:t>			lösung -= schritt</a:t>
+            </a:r>
+          </a:p>
+          <a:p>
+            <a:pPr marL="0" indent="0">
+              <a:buNone/>
+            </a:pPr>
+            <a:r>
+              <a:rPr lang="de-DE" dirty="0"/>
+              <a:t>	}</a:t>
+            </a:r>
+          </a:p>
+          <a:p>
+            <a:pPr marL="0" indent="0">
+              <a:buNone/>
+            </a:pPr>
+            <a:r>
+              <a:rPr lang="de-DE" dirty="0"/>
+              <a:t>	</a:t>
+            </a:r>
+            <a:r>
+              <a:rPr lang="de-DE" dirty="0">
+                <a:solidFill>
+                  <a:srgbClr val="7030A0"/>
+                </a:solidFill>
+              </a:rPr>
+              <a:t>Rückgabe</a:t>
+            </a:r>
+            <a:r>
+              <a:rPr lang="de-DE" dirty="0"/>
+              <a:t> False</a:t>
+            </a:r>
+          </a:p>
+          <a:p>
+            <a:pPr marL="0" indent="0">
+              <a:buNone/>
+            </a:pPr>
+            <a:r>
+              <a:rPr lang="de-DE" dirty="0"/>
+              <a:t>}</a:t>
+            </a:r>
+            <a:endParaRPr lang="en-GB" dirty="0"/>
+          </a:p>
+        </p:txBody>
+      </p:sp>
       <p:sp>
         <p:nvSpPr>
           <p:cNvPr id="4" name="Rechteck 3">
             <a:extLst>
               <a:ext uri="{FF2B5EF4-FFF2-40B4-BE49-F238E27FC236}">
-                <a16:creationId xmlns:a16="http://schemas.microsoft.com/office/drawing/2014/main" id="{512FCC3A-B5CF-FF1C-3F70-1895A40C8A22}"/>
+                <a16:creationId xmlns:a16="http://schemas.microsoft.com/office/drawing/2014/main" id="{7DA6BD2E-F1E5-B29A-B4F9-CE646DC9B406}"/>
               </a:ext>
             </a:extLst>
           </p:cNvPr>
@@ -6968,6 +7904,216 @@
             <a:pPr algn="ctr"/>
             <a:r>
               <a:rPr lang="de-DE" dirty="0"/>
+              <a:t>Wie funktioniert der Algorithmus? &gt; Pseudo Code</a:t>
+            </a:r>
+            <a:endParaRPr lang="en-GB" dirty="0"/>
+          </a:p>
+        </p:txBody>
+      </p:sp>
+    </p:spTree>
+    <p:extLst>
+      <p:ext uri="{BB962C8B-B14F-4D97-AF65-F5344CB8AC3E}">
+        <p14:creationId xmlns:p14="http://schemas.microsoft.com/office/powerpoint/2010/main" val="297101390"/>
+      </p:ext>
+    </p:extLst>
+  </p:cSld>
+  <p:clrMapOvr>
+    <a:masterClrMapping/>
+  </p:clrMapOvr>
+</p:sld>
+</file>
+
+<file path=ppt/slides/slide7.xml><?xml version="1.0" encoding="utf-8"?>
+<p:sld xmlns:a="http://schemas.openxmlformats.org/drawingml/2006/main" xmlns:r="http://schemas.openxmlformats.org/officeDocument/2006/relationships" xmlns:p="http://schemas.openxmlformats.org/presentationml/2006/main">
+  <p:cSld>
+    <p:spTree>
+      <p:nvGrpSpPr>
+        <p:cNvPr id="1" name=""/>
+        <p:cNvGrpSpPr/>
+        <p:nvPr/>
+      </p:nvGrpSpPr>
+      <p:grpSpPr>
+        <a:xfrm>
+          <a:off x="0" y="0"/>
+          <a:ext cx="0" cy="0"/>
+          <a:chOff x="0" y="0"/>
+          <a:chExt cx="0" cy="0"/>
+        </a:xfrm>
+      </p:grpSpPr>
+      <p:sp>
+        <p:nvSpPr>
+          <p:cNvPr id="2" name="Titel 1">
+            <a:extLst>
+              <a:ext uri="{FF2B5EF4-FFF2-40B4-BE49-F238E27FC236}">
+                <a16:creationId xmlns:a16="http://schemas.microsoft.com/office/drawing/2014/main" id="{DEAE4BBC-F954-2CBB-FCAA-193B383E650F}"/>
+              </a:ext>
+            </a:extLst>
+          </p:cNvPr>
+          <p:cNvSpPr>
+            <a:spLocks noGrp="1"/>
+          </p:cNvSpPr>
+          <p:nvPr>
+            <p:ph type="title"/>
+          </p:nvPr>
+        </p:nvSpPr>
+        <p:spPr>
+          <a:xfrm>
+            <a:off x="2142066" y="2766218"/>
+            <a:ext cx="7907867" cy="1325563"/>
+          </a:xfrm>
+        </p:spPr>
+        <p:txBody>
+          <a:bodyPr/>
+          <a:lstStyle/>
+          <a:p>
+            <a:r>
+              <a:rPr lang="de-DE" dirty="0"/>
+              <a:t>Implementierung des Algorithmus</a:t>
+            </a:r>
+            <a:endParaRPr lang="en-GB" dirty="0"/>
+          </a:p>
+        </p:txBody>
+      </p:sp>
+    </p:spTree>
+    <p:extLst>
+      <p:ext uri="{BB962C8B-B14F-4D97-AF65-F5344CB8AC3E}">
+        <p14:creationId xmlns:p14="http://schemas.microsoft.com/office/powerpoint/2010/main" val="4279770591"/>
+      </p:ext>
+    </p:extLst>
+  </p:cSld>
+  <p:clrMapOvr>
+    <a:masterClrMapping/>
+  </p:clrMapOvr>
+</p:sld>
+</file>
+
+<file path=ppt/slides/slide8.xml><?xml version="1.0" encoding="utf-8"?>
+<p:sld xmlns:a="http://schemas.openxmlformats.org/drawingml/2006/main" xmlns:r="http://schemas.openxmlformats.org/officeDocument/2006/relationships" xmlns:p="http://schemas.openxmlformats.org/presentationml/2006/main">
+  <p:cSld>
+    <p:spTree>
+      <p:nvGrpSpPr>
+        <p:cNvPr id="1" name=""/>
+        <p:cNvGrpSpPr/>
+        <p:nvPr/>
+      </p:nvGrpSpPr>
+      <p:grpSpPr>
+        <a:xfrm>
+          <a:off x="0" y="0"/>
+          <a:ext cx="0" cy="0"/>
+          <a:chOff x="0" y="0"/>
+          <a:chExt cx="0" cy="0"/>
+        </a:xfrm>
+      </p:grpSpPr>
+      <p:sp>
+        <p:nvSpPr>
+          <p:cNvPr id="2" name="Titel 1">
+            <a:extLst>
+              <a:ext uri="{FF2B5EF4-FFF2-40B4-BE49-F238E27FC236}">
+                <a16:creationId xmlns:a16="http://schemas.microsoft.com/office/drawing/2014/main" id="{D96F1F77-C551-B08D-D869-4F038415A5D3}"/>
+              </a:ext>
+            </a:extLst>
+          </p:cNvPr>
+          <p:cNvSpPr>
+            <a:spLocks noGrp="1"/>
+          </p:cNvSpPr>
+          <p:nvPr>
+            <p:ph type="title"/>
+          </p:nvPr>
+        </p:nvSpPr>
+        <p:spPr/>
+        <p:txBody>
+          <a:bodyPr/>
+          <a:lstStyle/>
+          <a:p>
+            <a:r>
+              <a:rPr lang="de-DE" dirty="0"/>
+              <a:t>Rat in a Maze Problem</a:t>
+            </a:r>
+          </a:p>
+        </p:txBody>
+      </p:sp>
+      <p:pic>
+        <p:nvPicPr>
+          <p:cNvPr id="6" name="Inhaltsplatzhalter 5" descr="Ein Bild, das Shoji, Gebäude, Kreuzworträtsel enthält.&#10;&#10;Automatisch generierte Beschreibung">
+            <a:extLst>
+              <a:ext uri="{FF2B5EF4-FFF2-40B4-BE49-F238E27FC236}">
+                <a16:creationId xmlns:a16="http://schemas.microsoft.com/office/drawing/2014/main" id="{FBEB84F7-2A7B-3939-CF7A-4F28E8DBE9CF}"/>
+              </a:ext>
+            </a:extLst>
+          </p:cNvPr>
+          <p:cNvPicPr>
+            <a:picLocks noGrp="1" noChangeAspect="1"/>
+          </p:cNvPicPr>
+          <p:nvPr>
+            <p:ph idx="1"/>
+          </p:nvPr>
+        </p:nvPicPr>
+        <p:blipFill>
+          <a:blip r:embed="rId2">
+            <a:extLst>
+              <a:ext uri="{28A0092B-C50C-407E-A947-70E740481C1C}">
+                <a14:useLocalDpi xmlns:a14="http://schemas.microsoft.com/office/drawing/2010/main" val="0"/>
+              </a:ext>
+            </a:extLst>
+          </a:blip>
+          <a:stretch>
+            <a:fillRect/>
+          </a:stretch>
+        </p:blipFill>
+        <p:spPr>
+          <a:xfrm>
+            <a:off x="8190958" y="1690687"/>
+            <a:ext cx="3457143" cy="3000000"/>
+          </a:xfrm>
+        </p:spPr>
+      </p:pic>
+      <p:sp>
+        <p:nvSpPr>
+          <p:cNvPr id="4" name="Rechteck 3">
+            <a:extLst>
+              <a:ext uri="{FF2B5EF4-FFF2-40B4-BE49-F238E27FC236}">
+                <a16:creationId xmlns:a16="http://schemas.microsoft.com/office/drawing/2014/main" id="{512FCC3A-B5CF-FF1C-3F70-1895A40C8A22}"/>
+              </a:ext>
+            </a:extLst>
+          </p:cNvPr>
+          <p:cNvSpPr/>
+          <p:nvPr/>
+        </p:nvSpPr>
+        <p:spPr>
+          <a:xfrm>
+            <a:off x="0" y="6444867"/>
+            <a:ext cx="12192000" cy="413133"/>
+          </a:xfrm>
+          <a:prstGeom prst="rect">
+            <a:avLst/>
+          </a:prstGeom>
+          <a:ln>
+            <a:noFill/>
+          </a:ln>
+        </p:spPr>
+        <p:style>
+          <a:lnRef idx="2">
+            <a:schemeClr val="accent1">
+              <a:shade val="50000"/>
+            </a:schemeClr>
+          </a:lnRef>
+          <a:fillRef idx="1">
+            <a:schemeClr val="accent1"/>
+          </a:fillRef>
+          <a:effectRef idx="0">
+            <a:schemeClr val="accent1"/>
+          </a:effectRef>
+          <a:fontRef idx="minor">
+            <a:schemeClr val="lt1"/>
+          </a:fontRef>
+        </p:style>
+        <p:txBody>
+          <a:bodyPr rtlCol="0" anchor="ctr"/>
+          <a:lstStyle/>
+          <a:p>
+            <a:pPr algn="ctr"/>
+            <a:r>
+              <a:rPr lang="de-DE" dirty="0"/>
               <a:t>Implementierung des Algorithmus &gt; Rat in a Maze Problem</a:t>
             </a:r>
             <a:endParaRPr lang="en-GB" dirty="0"/>
@@ -7182,7 +8328,7 @@
         </p:nvCxnSpPr>
         <p:spPr>
           <a:xfrm>
-            <a:off x="9161929" y="788894"/>
+            <a:off x="8696263" y="2288893"/>
             <a:ext cx="0" cy="457200"/>
           </a:xfrm>
           <a:prstGeom prst="straightConnector1">
@@ -7226,7 +8372,7 @@
         </p:nvCxnSpPr>
         <p:spPr>
           <a:xfrm>
-            <a:off x="9305365" y="1335742"/>
+            <a:off x="8839699" y="2835741"/>
             <a:ext cx="519953" cy="0"/>
           </a:xfrm>
           <a:prstGeom prst="straightConnector1">
@@ -7268,7 +8414,7 @@
         </p:nvCxnSpPr>
         <p:spPr>
           <a:xfrm>
-            <a:off x="9977717" y="1462087"/>
+            <a:off x="9512051" y="2962086"/>
             <a:ext cx="0" cy="457200"/>
           </a:xfrm>
           <a:prstGeom prst="straightConnector1">
@@ -7310,7 +8456,7 @@
         </p:nvCxnSpPr>
         <p:spPr>
           <a:xfrm>
-            <a:off x="9977717" y="2178424"/>
+            <a:off x="9512051" y="3678423"/>
             <a:ext cx="0" cy="457200"/>
           </a:xfrm>
           <a:prstGeom prst="straightConnector1">
@@ -7354,7 +8500,7 @@
         </p:nvCxnSpPr>
         <p:spPr>
           <a:xfrm>
-            <a:off x="10192871" y="2761130"/>
+            <a:off x="9727205" y="4261129"/>
             <a:ext cx="484094" cy="0"/>
           </a:xfrm>
           <a:prstGeom prst="straightConnector1">
@@ -7398,7 +8544,7 @@
         </p:nvCxnSpPr>
         <p:spPr>
           <a:xfrm>
-            <a:off x="10869706" y="2761131"/>
+            <a:off x="10404040" y="4261130"/>
             <a:ext cx="484094" cy="0"/>
           </a:xfrm>
           <a:prstGeom prst="straightConnector1">
@@ -7439,7 +8585,7 @@
 </p:sld>
 </file>
 
-<file path=ppt/slides/slide7.xml><?xml version="1.0" encoding="utf-8"?>
+<file path=ppt/slides/slide9.xml><?xml version="1.0" encoding="utf-8"?>
 <p:sld xmlns:a="http://schemas.openxmlformats.org/drawingml/2006/main" xmlns:r="http://schemas.openxmlformats.org/officeDocument/2006/relationships" xmlns:p="http://schemas.openxmlformats.org/presentationml/2006/main">
   <p:cSld>
     <p:bg>
@@ -7556,488 +8702,6 @@
     <p:extLst>
       <p:ext uri="{BB962C8B-B14F-4D97-AF65-F5344CB8AC3E}">
         <p14:creationId xmlns:p14="http://schemas.microsoft.com/office/powerpoint/2010/main" val="2087927380"/>
-      </p:ext>
-    </p:extLst>
-  </p:cSld>
-  <p:clrMapOvr>
-    <a:masterClrMapping/>
-  </p:clrMapOvr>
-</p:sld>
-</file>
-
-<file path=ppt/slides/slide8.xml><?xml version="1.0" encoding="utf-8"?>
-<p:sld xmlns:a="http://schemas.openxmlformats.org/drawingml/2006/main" xmlns:r="http://schemas.openxmlformats.org/officeDocument/2006/relationships" xmlns:p="http://schemas.openxmlformats.org/presentationml/2006/main">
-  <p:cSld>
-    <p:spTree>
-      <p:nvGrpSpPr>
-        <p:cNvPr id="1" name=""/>
-        <p:cNvGrpSpPr/>
-        <p:nvPr/>
-      </p:nvGrpSpPr>
-      <p:grpSpPr>
-        <a:xfrm>
-          <a:off x="0" y="0"/>
-          <a:ext cx="0" cy="0"/>
-          <a:chOff x="0" y="0"/>
-          <a:chExt cx="0" cy="0"/>
-        </a:xfrm>
-      </p:grpSpPr>
-      <p:sp>
-        <p:nvSpPr>
-          <p:cNvPr id="2" name="Titel 1">
-            <a:extLst>
-              <a:ext uri="{FF2B5EF4-FFF2-40B4-BE49-F238E27FC236}">
-                <a16:creationId xmlns:a16="http://schemas.microsoft.com/office/drawing/2014/main" id="{D96F1F77-C551-B08D-D869-4F038415A5D3}"/>
-              </a:ext>
-            </a:extLst>
-          </p:cNvPr>
-          <p:cNvSpPr>
-            <a:spLocks noGrp="1"/>
-          </p:cNvSpPr>
-          <p:nvPr>
-            <p:ph type="title"/>
-          </p:nvPr>
-        </p:nvSpPr>
-        <p:spPr/>
-        <p:txBody>
-          <a:bodyPr/>
-          <a:lstStyle/>
-          <a:p>
-            <a:r>
-              <a:rPr lang="de-DE" dirty="0"/>
-              <a:t>Lösungsansatz</a:t>
-            </a:r>
-          </a:p>
-        </p:txBody>
-      </p:sp>
-      <p:sp>
-        <p:nvSpPr>
-          <p:cNvPr id="4" name="Rechteck 3">
-            <a:extLst>
-              <a:ext uri="{FF2B5EF4-FFF2-40B4-BE49-F238E27FC236}">
-                <a16:creationId xmlns:a16="http://schemas.microsoft.com/office/drawing/2014/main" id="{512FCC3A-B5CF-FF1C-3F70-1895A40C8A22}"/>
-              </a:ext>
-            </a:extLst>
-          </p:cNvPr>
-          <p:cNvSpPr/>
-          <p:nvPr/>
-        </p:nvSpPr>
-        <p:spPr>
-          <a:xfrm>
-            <a:off x="0" y="6444867"/>
-            <a:ext cx="12192000" cy="413133"/>
-          </a:xfrm>
-          <a:prstGeom prst="rect">
-            <a:avLst/>
-          </a:prstGeom>
-          <a:ln>
-            <a:noFill/>
-          </a:ln>
-        </p:spPr>
-        <p:style>
-          <a:lnRef idx="2">
-            <a:schemeClr val="accent1">
-              <a:shade val="50000"/>
-            </a:schemeClr>
-          </a:lnRef>
-          <a:fillRef idx="1">
-            <a:schemeClr val="accent1"/>
-          </a:fillRef>
-          <a:effectRef idx="0">
-            <a:schemeClr val="accent1"/>
-          </a:effectRef>
-          <a:fontRef idx="minor">
-            <a:schemeClr val="lt1"/>
-          </a:fontRef>
-        </p:style>
-        <p:txBody>
-          <a:bodyPr rtlCol="0" anchor="ctr"/>
-          <a:lstStyle/>
-          <a:p>
-            <a:pPr algn="ctr"/>
-            <a:r>
-              <a:rPr lang="de-DE" dirty="0"/>
-              <a:t>Implementierung des Algorithmus &gt; Rat in a Maze Problem</a:t>
-            </a:r>
-            <a:endParaRPr lang="en-GB" dirty="0"/>
-          </a:p>
-        </p:txBody>
-      </p:sp>
-      <p:sp>
-        <p:nvSpPr>
-          <p:cNvPr id="14" name="Textfeld 13">
-            <a:extLst>
-              <a:ext uri="{FF2B5EF4-FFF2-40B4-BE49-F238E27FC236}">
-                <a16:creationId xmlns:a16="http://schemas.microsoft.com/office/drawing/2014/main" id="{52CC6D3F-5C43-467A-1D80-F0FA36A48C4E}"/>
-              </a:ext>
-            </a:extLst>
-          </p:cNvPr>
-          <p:cNvSpPr txBox="1"/>
-          <p:nvPr/>
-        </p:nvSpPr>
-        <p:spPr>
-          <a:xfrm>
-            <a:off x="838199" y="1690687"/>
-            <a:ext cx="7705165" cy="4261679"/>
-          </a:xfrm>
-          <a:prstGeom prst="rect">
-            <a:avLst/>
-          </a:prstGeom>
-          <a:noFill/>
-        </p:spPr>
-        <p:txBody>
-          <a:bodyPr wrap="square">
-            <a:spAutoFit/>
-          </a:bodyPr>
-          <a:lstStyle/>
-          <a:p>
-            <a:pPr marL="514350" marR="0" lvl="0" indent="-514350" algn="l" defTabSz="914400" rtl="0" eaLnBrk="1" fontAlgn="auto" latinLnBrk="0" hangingPunct="1">
-              <a:lnSpc>
-                <a:spcPct val="90000"/>
-              </a:lnSpc>
-              <a:spcBef>
-                <a:spcPts val="1000"/>
-              </a:spcBef>
-              <a:spcAft>
-                <a:spcPts val="0"/>
-              </a:spcAft>
-              <a:buClrTx/>
-              <a:buSzTx/>
-              <a:buAutoNum type="arabicPeriod"/>
-              <a:tabLst/>
-              <a:defRPr/>
-            </a:pPr>
-            <a:r>
-              <a:rPr lang="de-DE" sz="2400" dirty="0">
-                <a:solidFill>
-                  <a:prstClr val="black"/>
-                </a:solidFill>
-                <a:latin typeface="Calibri" panose="020F0502020204030204"/>
-              </a:rPr>
-              <a:t>Lösungsmatrix anlegen mit der selben Größe wie die Eingangsmatrix</a:t>
-            </a:r>
-          </a:p>
-          <a:p>
-            <a:pPr marL="514350" marR="0" lvl="0" indent="-514350" algn="l" defTabSz="914400" rtl="0" eaLnBrk="1" fontAlgn="auto" latinLnBrk="0" hangingPunct="1">
-              <a:lnSpc>
-                <a:spcPct val="90000"/>
-              </a:lnSpc>
-              <a:spcBef>
-                <a:spcPts val="1000"/>
-              </a:spcBef>
-              <a:spcAft>
-                <a:spcPts val="0"/>
-              </a:spcAft>
-              <a:buClrTx/>
-              <a:buSzTx/>
-              <a:buAutoNum type="arabicPeriod"/>
-              <a:tabLst/>
-              <a:defRPr/>
-            </a:pPr>
-            <a:r>
-              <a:rPr kumimoji="0" lang="de-DE" sz="2400" b="0" i="0" u="none" strike="noStrike" kern="1200" cap="none" spc="0" normalizeH="0" baseline="0" noProof="0" dirty="0">
-                <a:ln>
-                  <a:noFill/>
-                </a:ln>
-                <a:solidFill>
-                  <a:prstClr val="black"/>
-                </a:solidFill>
-                <a:effectLst/>
-                <a:uLnTx/>
-                <a:uFillTx/>
-                <a:latin typeface="Calibri" panose="020F0502020204030204"/>
-                <a:ea typeface="+mn-ea"/>
-                <a:cs typeface="+mn-cs"/>
-              </a:rPr>
-              <a:t>Rekursive Funktion erstellen welche die Lösungsmatrix entsprechend modifiziert</a:t>
-            </a:r>
-          </a:p>
-          <a:p>
-            <a:pPr marL="514350" marR="0" lvl="0" indent="-514350" algn="l" defTabSz="914400" rtl="0" eaLnBrk="1" fontAlgn="auto" latinLnBrk="0" hangingPunct="1">
-              <a:lnSpc>
-                <a:spcPct val="90000"/>
-              </a:lnSpc>
-              <a:spcBef>
-                <a:spcPts val="1000"/>
-              </a:spcBef>
-              <a:spcAft>
-                <a:spcPts val="0"/>
-              </a:spcAft>
-              <a:buClrTx/>
-              <a:buSzTx/>
-              <a:buAutoNum type="arabicPeriod"/>
-              <a:tabLst/>
-              <a:defRPr/>
-            </a:pPr>
-            <a:r>
-              <a:rPr lang="de-DE" sz="2400" dirty="0">
-                <a:solidFill>
-                  <a:prstClr val="black"/>
-                </a:solidFill>
-                <a:latin typeface="Calibri" panose="020F0502020204030204"/>
-              </a:rPr>
-              <a:t>Wenn die Position außerhalb der Matrix ist oder die Ratte sich auf einem grauen Feld befindet ist die Position ungültig</a:t>
-            </a:r>
-          </a:p>
-          <a:p>
-            <a:pPr marL="514350" marR="0" lvl="0" indent="-514350" algn="l" defTabSz="914400" rtl="0" eaLnBrk="1" fontAlgn="auto" latinLnBrk="0" hangingPunct="1">
-              <a:lnSpc>
-                <a:spcPct val="90000"/>
-              </a:lnSpc>
-              <a:spcBef>
-                <a:spcPts val="1000"/>
-              </a:spcBef>
-              <a:spcAft>
-                <a:spcPts val="0"/>
-              </a:spcAft>
-              <a:buClrTx/>
-              <a:buSzTx/>
-              <a:buAutoNum type="arabicPeriod"/>
-              <a:tabLst/>
-              <a:defRPr/>
-            </a:pPr>
-            <a:r>
-              <a:rPr kumimoji="0" lang="de-DE" sz="2400" b="0" i="0" u="none" strike="noStrike" kern="1200" cap="none" spc="0" normalizeH="0" baseline="0" noProof="0" dirty="0">
-                <a:ln>
-                  <a:noFill/>
-                </a:ln>
-                <a:solidFill>
-                  <a:prstClr val="black"/>
-                </a:solidFill>
-                <a:effectLst/>
-                <a:uLnTx/>
-                <a:uFillTx/>
-                <a:latin typeface="Calibri" panose="020F0502020204030204"/>
-                <a:ea typeface="+mn-ea"/>
-                <a:cs typeface="+mn-cs"/>
-              </a:rPr>
-              <a:t>Der Lösungsmatrix </a:t>
-            </a:r>
-            <a:r>
-              <a:rPr lang="de-DE" sz="2400" dirty="0">
-                <a:solidFill>
-                  <a:prstClr val="black"/>
-                </a:solidFill>
-                <a:latin typeface="Calibri" panose="020F0502020204030204"/>
-              </a:rPr>
-              <a:t>den aktuellen Punkt hinzufügen und prüfen ob die Ratte sich weiter bewegen kann</a:t>
-            </a:r>
-          </a:p>
-          <a:p>
-            <a:pPr marL="514350" marR="0" lvl="0" indent="-514350" algn="l" defTabSz="914400" rtl="0" eaLnBrk="1" fontAlgn="auto" latinLnBrk="0" hangingPunct="1">
-              <a:lnSpc>
-                <a:spcPct val="90000"/>
-              </a:lnSpc>
-              <a:spcBef>
-                <a:spcPts val="1000"/>
-              </a:spcBef>
-              <a:spcAft>
-                <a:spcPts val="0"/>
-              </a:spcAft>
-              <a:buClrTx/>
-              <a:buSzTx/>
-              <a:buAutoNum type="arabicPeriod"/>
-              <a:tabLst/>
-              <a:defRPr/>
-            </a:pPr>
-            <a:r>
-              <a:rPr kumimoji="0" lang="de-DE" sz="2400" b="0" i="0" u="none" strike="noStrike" kern="1200" cap="none" spc="0" normalizeH="0" baseline="0" noProof="0" dirty="0">
-                <a:ln>
-                  <a:noFill/>
-                </a:ln>
-                <a:solidFill>
-                  <a:prstClr val="black"/>
-                </a:solidFill>
-                <a:effectLst/>
-                <a:uLnTx/>
-                <a:uFillTx/>
-                <a:latin typeface="Calibri" panose="020F0502020204030204"/>
-                <a:ea typeface="+mn-ea"/>
-                <a:cs typeface="+mn-cs"/>
-              </a:rPr>
-              <a:t>Falls nicht wird der Punkt wieder entfernt </a:t>
-            </a:r>
-            <a:r>
-              <a:rPr lang="de-DE" sz="2400" dirty="0">
-                <a:solidFill>
-                  <a:prstClr val="black"/>
-                </a:solidFill>
-                <a:latin typeface="Calibri" panose="020F0502020204030204"/>
-              </a:rPr>
-              <a:t>und der nächste Punkt getestet</a:t>
-            </a:r>
-            <a:endParaRPr kumimoji="0" lang="de-DE" sz="2400" b="0" i="0" u="none" strike="noStrike" kern="1200" cap="none" spc="0" normalizeH="0" baseline="0" noProof="0" dirty="0">
-              <a:ln>
-                <a:noFill/>
-              </a:ln>
-              <a:solidFill>
-                <a:prstClr val="black"/>
-              </a:solidFill>
-              <a:effectLst/>
-              <a:uLnTx/>
-              <a:uFillTx/>
-              <a:latin typeface="Calibri" panose="020F0502020204030204"/>
-              <a:ea typeface="+mn-ea"/>
-              <a:cs typeface="+mn-cs"/>
-            </a:endParaRPr>
-          </a:p>
-        </p:txBody>
-      </p:sp>
-    </p:spTree>
-    <p:extLst>
-      <p:ext uri="{BB962C8B-B14F-4D97-AF65-F5344CB8AC3E}">
-        <p14:creationId xmlns:p14="http://schemas.microsoft.com/office/powerpoint/2010/main" val="2894909814"/>
-      </p:ext>
-    </p:extLst>
-  </p:cSld>
-  <p:clrMapOvr>
-    <a:masterClrMapping/>
-  </p:clrMapOvr>
-</p:sld>
-</file>
-
-<file path=ppt/slides/slide9.xml><?xml version="1.0" encoding="utf-8"?>
-<p:sld xmlns:a="http://schemas.openxmlformats.org/drawingml/2006/main" xmlns:r="http://schemas.openxmlformats.org/officeDocument/2006/relationships" xmlns:p="http://schemas.openxmlformats.org/presentationml/2006/main">
-  <p:cSld>
-    <p:spTree>
-      <p:nvGrpSpPr>
-        <p:cNvPr id="1" name=""/>
-        <p:cNvGrpSpPr/>
-        <p:nvPr/>
-      </p:nvGrpSpPr>
-      <p:grpSpPr>
-        <a:xfrm>
-          <a:off x="0" y="0"/>
-          <a:ext cx="0" cy="0"/>
-          <a:chOff x="0" y="0"/>
-          <a:chExt cx="0" cy="0"/>
-        </a:xfrm>
-      </p:grpSpPr>
-      <p:sp>
-        <p:nvSpPr>
-          <p:cNvPr id="2" name="Titel 1">
-            <a:extLst>
-              <a:ext uri="{FF2B5EF4-FFF2-40B4-BE49-F238E27FC236}">
-                <a16:creationId xmlns:a16="http://schemas.microsoft.com/office/drawing/2014/main" id="{D96F1F77-C551-B08D-D869-4F038415A5D3}"/>
-              </a:ext>
-            </a:extLst>
-          </p:cNvPr>
-          <p:cNvSpPr>
-            <a:spLocks noGrp="1"/>
-          </p:cNvSpPr>
-          <p:nvPr>
-            <p:ph type="title"/>
-          </p:nvPr>
-        </p:nvSpPr>
-        <p:spPr>
-          <a:xfrm>
-            <a:off x="447675" y="2460625"/>
-            <a:ext cx="3686175" cy="1325563"/>
-          </a:xfrm>
-        </p:spPr>
-        <p:txBody>
-          <a:bodyPr/>
-          <a:lstStyle/>
-          <a:p>
-            <a:r>
-              <a:rPr lang="de-DE" dirty="0"/>
-              <a:t>Programmcode</a:t>
-            </a:r>
-          </a:p>
-        </p:txBody>
-      </p:sp>
-      <p:sp>
-        <p:nvSpPr>
-          <p:cNvPr id="4" name="Rechteck 3">
-            <a:extLst>
-              <a:ext uri="{FF2B5EF4-FFF2-40B4-BE49-F238E27FC236}">
-                <a16:creationId xmlns:a16="http://schemas.microsoft.com/office/drawing/2014/main" id="{512FCC3A-B5CF-FF1C-3F70-1895A40C8A22}"/>
-              </a:ext>
-            </a:extLst>
-          </p:cNvPr>
-          <p:cNvSpPr/>
-          <p:nvPr/>
-        </p:nvSpPr>
-        <p:spPr>
-          <a:xfrm>
-            <a:off x="0" y="6444867"/>
-            <a:ext cx="12192000" cy="413133"/>
-          </a:xfrm>
-          <a:prstGeom prst="rect">
-            <a:avLst/>
-          </a:prstGeom>
-          <a:ln>
-            <a:noFill/>
-          </a:ln>
-        </p:spPr>
-        <p:style>
-          <a:lnRef idx="2">
-            <a:schemeClr val="accent1">
-              <a:shade val="50000"/>
-            </a:schemeClr>
-          </a:lnRef>
-          <a:fillRef idx="1">
-            <a:schemeClr val="accent1"/>
-          </a:fillRef>
-          <a:effectRef idx="0">
-            <a:schemeClr val="accent1"/>
-          </a:effectRef>
-          <a:fontRef idx="minor">
-            <a:schemeClr val="lt1"/>
-          </a:fontRef>
-        </p:style>
-        <p:txBody>
-          <a:bodyPr rtlCol="0" anchor="ctr"/>
-          <a:lstStyle/>
-          <a:p>
-            <a:pPr algn="ctr"/>
-            <a:r>
-              <a:rPr lang="de-DE" dirty="0"/>
-              <a:t>Implementierung des Algorithmus &gt; Rat in a Maze Problem</a:t>
-            </a:r>
-            <a:endParaRPr lang="en-GB" dirty="0"/>
-          </a:p>
-        </p:txBody>
-      </p:sp>
-      <p:pic>
-        <p:nvPicPr>
-          <p:cNvPr id="5" name="Grafik 4" descr="Ein Bild, das Text enthält.&#10;&#10;Automatisch generierte Beschreibung">
-            <a:extLst>
-              <a:ext uri="{FF2B5EF4-FFF2-40B4-BE49-F238E27FC236}">
-                <a16:creationId xmlns:a16="http://schemas.microsoft.com/office/drawing/2014/main" id="{DDD08BCE-E528-D96A-50B1-9854DB99584B}"/>
-              </a:ext>
-            </a:extLst>
-          </p:cNvPr>
-          <p:cNvPicPr>
-            <a:picLocks noChangeAspect="1"/>
-          </p:cNvPicPr>
-          <p:nvPr/>
-        </p:nvPicPr>
-        <p:blipFill rotWithShape="1">
-          <a:blip r:embed="rId2">
-            <a:extLst>
-              <a:ext uri="{28A0092B-C50C-407E-A947-70E740481C1C}">
-                <a14:useLocalDpi xmlns:a14="http://schemas.microsoft.com/office/drawing/2010/main" val="0"/>
-              </a:ext>
-            </a:extLst>
-          </a:blip>
-          <a:srcRect l="5677" t="7639" r="5677" b="7639"/>
-          <a:stretch/>
-        </p:blipFill>
-        <p:spPr>
-          <a:xfrm>
-            <a:off x="4224209" y="247650"/>
-            <a:ext cx="7748715" cy="5983187"/>
-          </a:xfrm>
-          <a:prstGeom prst="rect">
-            <a:avLst/>
-          </a:prstGeom>
-        </p:spPr>
-      </p:pic>
-    </p:spTree>
-    <p:extLst>
-      <p:ext uri="{BB962C8B-B14F-4D97-AF65-F5344CB8AC3E}">
-        <p14:creationId xmlns:p14="http://schemas.microsoft.com/office/powerpoint/2010/main" val="800027535"/>
       </p:ext>
     </p:extLst>
   </p:cSld>

--- a/_presentation/main.pptx
+++ b/_presentation/main.pptx
@@ -10,20 +10,29 @@
     <p:sldId id="258" r:id="rId4"/>
     <p:sldId id="259" r:id="rId5"/>
     <p:sldId id="260" r:id="rId6"/>
-    <p:sldId id="272" r:id="rId7"/>
-    <p:sldId id="274" r:id="rId8"/>
-    <p:sldId id="261" r:id="rId9"/>
-    <p:sldId id="264" r:id="rId10"/>
-    <p:sldId id="263" r:id="rId11"/>
-    <p:sldId id="265" r:id="rId12"/>
-    <p:sldId id="266" r:id="rId13"/>
-    <p:sldId id="267" r:id="rId14"/>
-    <p:sldId id="268" r:id="rId15"/>
-    <p:sldId id="269" r:id="rId16"/>
-    <p:sldId id="270" r:id="rId17"/>
-    <p:sldId id="273" r:id="rId18"/>
-    <p:sldId id="275" r:id="rId19"/>
-    <p:sldId id="262" r:id="rId20"/>
+    <p:sldId id="276" r:id="rId7"/>
+    <p:sldId id="277" r:id="rId8"/>
+    <p:sldId id="272" r:id="rId9"/>
+    <p:sldId id="274" r:id="rId10"/>
+    <p:sldId id="261" r:id="rId11"/>
+    <p:sldId id="264" r:id="rId12"/>
+    <p:sldId id="263" r:id="rId13"/>
+    <p:sldId id="266" r:id="rId14"/>
+    <p:sldId id="265" r:id="rId15"/>
+    <p:sldId id="267" r:id="rId16"/>
+    <p:sldId id="268" r:id="rId17"/>
+    <p:sldId id="269" r:id="rId18"/>
+    <p:sldId id="270" r:id="rId19"/>
+    <p:sldId id="273" r:id="rId20"/>
+    <p:sldId id="275" r:id="rId21"/>
+    <p:sldId id="278" r:id="rId22"/>
+    <p:sldId id="279" r:id="rId23"/>
+    <p:sldId id="280" r:id="rId24"/>
+    <p:sldId id="281" r:id="rId25"/>
+    <p:sldId id="283" r:id="rId26"/>
+    <p:sldId id="284" r:id="rId27"/>
+    <p:sldId id="282" r:id="rId28"/>
+    <p:sldId id="262" r:id="rId29"/>
   </p:sldIdLst>
   <p:sldSz cx="12192000" cy="6858000"/>
   <p:notesSz cx="6858000" cy="9144000"/>
@@ -279,7 +288,7 @@
           <a:p>
             <a:fld id="{CA1CEFD1-0BDB-4BB3-BD4F-EE30665FCDD3}" type="datetimeFigureOut">
               <a:rPr lang="en-GB" smtClean="0"/>
-              <a:t>30/06/2022</a:t>
+              <a:t>01/07/2022</a:t>
             </a:fld>
             <a:endParaRPr lang="en-GB"/>
           </a:p>
@@ -479,7 +488,7 @@
           <a:p>
             <a:fld id="{CA1CEFD1-0BDB-4BB3-BD4F-EE30665FCDD3}" type="datetimeFigureOut">
               <a:rPr lang="en-GB" smtClean="0"/>
-              <a:t>30/06/2022</a:t>
+              <a:t>01/07/2022</a:t>
             </a:fld>
             <a:endParaRPr lang="en-GB"/>
           </a:p>
@@ -689,7 +698,7 @@
           <a:p>
             <a:fld id="{CA1CEFD1-0BDB-4BB3-BD4F-EE30665FCDD3}" type="datetimeFigureOut">
               <a:rPr lang="en-GB" smtClean="0"/>
-              <a:t>30/06/2022</a:t>
+              <a:t>01/07/2022</a:t>
             </a:fld>
             <a:endParaRPr lang="en-GB"/>
           </a:p>
@@ -889,7 +898,7 @@
           <a:p>
             <a:fld id="{CA1CEFD1-0BDB-4BB3-BD4F-EE30665FCDD3}" type="datetimeFigureOut">
               <a:rPr lang="en-GB" smtClean="0"/>
-              <a:t>30/06/2022</a:t>
+              <a:t>01/07/2022</a:t>
             </a:fld>
             <a:endParaRPr lang="en-GB"/>
           </a:p>
@@ -1165,7 +1174,7 @@
           <a:p>
             <a:fld id="{CA1CEFD1-0BDB-4BB3-BD4F-EE30665FCDD3}" type="datetimeFigureOut">
               <a:rPr lang="en-GB" smtClean="0"/>
-              <a:t>30/06/2022</a:t>
+              <a:t>01/07/2022</a:t>
             </a:fld>
             <a:endParaRPr lang="en-GB"/>
           </a:p>
@@ -1433,7 +1442,7 @@
           <a:p>
             <a:fld id="{CA1CEFD1-0BDB-4BB3-BD4F-EE30665FCDD3}" type="datetimeFigureOut">
               <a:rPr lang="en-GB" smtClean="0"/>
-              <a:t>30/06/2022</a:t>
+              <a:t>01/07/2022</a:t>
             </a:fld>
             <a:endParaRPr lang="en-GB"/>
           </a:p>
@@ -1848,7 +1857,7 @@
           <a:p>
             <a:fld id="{CA1CEFD1-0BDB-4BB3-BD4F-EE30665FCDD3}" type="datetimeFigureOut">
               <a:rPr lang="en-GB" smtClean="0"/>
-              <a:t>30/06/2022</a:t>
+              <a:t>01/07/2022</a:t>
             </a:fld>
             <a:endParaRPr lang="en-GB"/>
           </a:p>
@@ -1990,7 +1999,7 @@
           <a:p>
             <a:fld id="{CA1CEFD1-0BDB-4BB3-BD4F-EE30665FCDD3}" type="datetimeFigureOut">
               <a:rPr lang="en-GB" smtClean="0"/>
-              <a:t>30/06/2022</a:t>
+              <a:t>01/07/2022</a:t>
             </a:fld>
             <a:endParaRPr lang="en-GB"/>
           </a:p>
@@ -2103,7 +2112,7 @@
           <a:p>
             <a:fld id="{CA1CEFD1-0BDB-4BB3-BD4F-EE30665FCDD3}" type="datetimeFigureOut">
               <a:rPr lang="en-GB" smtClean="0"/>
-              <a:t>30/06/2022</a:t>
+              <a:t>01/07/2022</a:t>
             </a:fld>
             <a:endParaRPr lang="en-GB"/>
           </a:p>
@@ -2416,7 +2425,7 @@
           <a:p>
             <a:fld id="{CA1CEFD1-0BDB-4BB3-BD4F-EE30665FCDD3}" type="datetimeFigureOut">
               <a:rPr lang="en-GB" smtClean="0"/>
-              <a:t>30/06/2022</a:t>
+              <a:t>01/07/2022</a:t>
             </a:fld>
             <a:endParaRPr lang="en-GB"/>
           </a:p>
@@ -2705,7 +2714,7 @@
           <a:p>
             <a:fld id="{CA1CEFD1-0BDB-4BB3-BD4F-EE30665FCDD3}" type="datetimeFigureOut">
               <a:rPr lang="en-GB" smtClean="0"/>
-              <a:t>30/06/2022</a:t>
+              <a:t>01/07/2022</a:t>
             </a:fld>
             <a:endParaRPr lang="en-GB"/>
           </a:p>
@@ -2948,7 +2957,7 @@
           <a:p>
             <a:fld id="{CA1CEFD1-0BDB-4BB3-BD4F-EE30665FCDD3}" type="datetimeFigureOut">
               <a:rPr lang="en-GB" smtClean="0"/>
-              <a:t>30/06/2022</a:t>
+              <a:t>01/07/2022</a:t>
             </a:fld>
             <a:endParaRPr lang="en-GB"/>
           </a:p>
@@ -3485,11 +3494,46 @@
           <a:p>
             <a:r>
               <a:rPr lang="de-DE" dirty="0"/>
-              <a:t>Lösungsansatz</a:t>
-            </a:r>
-          </a:p>
-        </p:txBody>
-      </p:sp>
+              <a:t>„Rat in a Maze“ Problem</a:t>
+            </a:r>
+          </a:p>
+        </p:txBody>
+      </p:sp>
+      <p:pic>
+        <p:nvPicPr>
+          <p:cNvPr id="6" name="Inhaltsplatzhalter 5" descr="Ein Bild, das Shoji, Gebäude, Kreuzworträtsel enthält.&#10;&#10;Automatisch generierte Beschreibung">
+            <a:extLst>
+              <a:ext uri="{FF2B5EF4-FFF2-40B4-BE49-F238E27FC236}">
+                <a16:creationId xmlns:a16="http://schemas.microsoft.com/office/drawing/2014/main" id="{FBEB84F7-2A7B-3939-CF7A-4F28E8DBE9CF}"/>
+              </a:ext>
+            </a:extLst>
+          </p:cNvPr>
+          <p:cNvPicPr>
+            <a:picLocks noGrp="1" noChangeAspect="1"/>
+          </p:cNvPicPr>
+          <p:nvPr>
+            <p:ph idx="1"/>
+          </p:nvPr>
+        </p:nvPicPr>
+        <p:blipFill>
+          <a:blip r:embed="rId2">
+            <a:extLst>
+              <a:ext uri="{28A0092B-C50C-407E-A947-70E740481C1C}">
+                <a14:useLocalDpi xmlns:a14="http://schemas.microsoft.com/office/drawing/2010/main" val="0"/>
+              </a:ext>
+            </a:extLst>
+          </a:blip>
+          <a:stretch>
+            <a:fillRect/>
+          </a:stretch>
+        </p:blipFill>
+        <p:spPr>
+          <a:xfrm>
+            <a:off x="8190958" y="1690687"/>
+            <a:ext cx="3457143" cy="3000000"/>
+          </a:xfrm>
+        </p:spPr>
+      </p:pic>
       <p:sp>
         <p:nvSpPr>
           <p:cNvPr id="4" name="Rechteck 3">
@@ -3537,7 +3581,7 @@
             <a:pPr algn="ctr"/>
             <a:r>
               <a:rPr lang="de-DE" dirty="0"/>
-              <a:t>Implementierung des Algorithmus &gt; Rat in a Maze Problem</a:t>
+              <a:t>Implementierung des Algorithmus &gt; „Rat in a Maze“ Problem</a:t>
             </a:r>
             <a:endParaRPr lang="en-GB" dirty="0"/>
           </a:p>
@@ -3545,10 +3589,10 @@
       </p:sp>
       <p:sp>
         <p:nvSpPr>
-          <p:cNvPr id="14" name="Textfeld 13">
-            <a:extLst>
-              <a:ext uri="{FF2B5EF4-FFF2-40B4-BE49-F238E27FC236}">
-                <a16:creationId xmlns:a16="http://schemas.microsoft.com/office/drawing/2014/main" id="{52CC6D3F-5C43-467A-1D80-F0FA36A48C4E}"/>
+          <p:cNvPr id="11" name="Textfeld 10">
+            <a:extLst>
+              <a:ext uri="{FF2B5EF4-FFF2-40B4-BE49-F238E27FC236}">
+                <a16:creationId xmlns:a16="http://schemas.microsoft.com/office/drawing/2014/main" id="{4D5073F3-91EE-2FA1-76FE-AAD1358E44A3}"/>
               </a:ext>
             </a:extLst>
           </p:cNvPr>
@@ -3557,8 +3601,8 @@
         </p:nvSpPr>
         <p:spPr>
           <a:xfrm>
-            <a:off x="838199" y="1690687"/>
-            <a:ext cx="7705165" cy="4261679"/>
+            <a:off x="838200" y="1690687"/>
+            <a:ext cx="6934200" cy="2803844"/>
           </a:xfrm>
           <a:prstGeom prst="rect">
             <a:avLst/>
@@ -3571,7 +3615,7 @@
           </a:bodyPr>
           <a:lstStyle/>
           <a:p>
-            <a:pPr marL="514350" marR="0" lvl="0" indent="-514350" algn="l" defTabSz="914400" rtl="0" eaLnBrk="1" fontAlgn="auto" latinLnBrk="0" hangingPunct="1">
+            <a:pPr marL="228600" marR="0" lvl="0" indent="-228600" algn="l" defTabSz="914400" rtl="0" eaLnBrk="1" fontAlgn="auto" latinLnBrk="0" hangingPunct="1">
               <a:lnSpc>
                 <a:spcPct val="90000"/>
               </a:lnSpc>
@@ -3583,39 +3627,13 @@
               </a:spcAft>
               <a:buClrTx/>
               <a:buSzTx/>
-              <a:buAutoNum type="arabicPeriod"/>
+              <a:buFont typeface="Arial" panose="020B0604020202020204" pitchFamily="34" charset="0"/>
+              <a:buChar char="•"/>
               <a:tabLst/>
               <a:defRPr/>
             </a:pPr>
             <a:r>
-              <a:rPr lang="de-DE" sz="2400" dirty="0">
-                <a:solidFill>
-                  <a:prstClr val="black"/>
-                </a:solidFill>
-                <a:latin typeface="Calibri" panose="020F0502020204030204"/>
-              </a:rPr>
-              <a:t>Lösungsmatrix anlegen mit der selben Größe wie die Eingangsmatrix</a:t>
-            </a:r>
-          </a:p>
-          <a:p>
-            <a:pPr marL="514350" marR="0" lvl="0" indent="-514350" algn="l" defTabSz="914400" rtl="0" eaLnBrk="1" fontAlgn="auto" latinLnBrk="0" hangingPunct="1">
-              <a:lnSpc>
-                <a:spcPct val="90000"/>
-              </a:lnSpc>
-              <a:spcBef>
-                <a:spcPts val="1000"/>
-              </a:spcBef>
-              <a:spcAft>
-                <a:spcPts val="0"/>
-              </a:spcAft>
-              <a:buClrTx/>
-              <a:buSzTx/>
-              <a:buAutoNum type="arabicPeriod"/>
-              <a:tabLst/>
-              <a:defRPr/>
-            </a:pPr>
-            <a:r>
-              <a:rPr kumimoji="0" lang="de-DE" sz="2400" b="0" i="0" u="none" strike="noStrike" kern="1200" cap="none" spc="0" normalizeH="0" baseline="0" noProof="0" dirty="0">
+              <a:rPr kumimoji="0" lang="de-DE" sz="2800" b="0" i="0" u="none" strike="noStrike" kern="1200" cap="none" spc="0" normalizeH="0" baseline="0" noProof="0" dirty="0">
                 <a:ln>
                   <a:noFill/>
                 </a:ln>
@@ -3629,11 +3647,20 @@
                 <a:ea typeface="+mn-ea"/>
                 <a:cs typeface="+mn-cs"/>
               </a:rPr>
-              <a:t>Rekursive Funktion erstellen welche die Lösungsmatrix entsprechend modifiziert</a:t>
-            </a:r>
-          </a:p>
-          <a:p>
-            <a:pPr marL="514350" marR="0" lvl="0" indent="-514350" algn="l" defTabSz="914400" rtl="0" eaLnBrk="1" fontAlgn="auto" latinLnBrk="0" hangingPunct="1">
+              <a:t>Auf deutsch</a:t>
+            </a:r>
+            <a:r>
+              <a:rPr lang="de-DE" sz="2800" dirty="0">
+                <a:solidFill>
+                  <a:prstClr val="black"/>
+                </a:solidFill>
+                <a:latin typeface="Calibri" panose="020F0502020204030204"/>
+              </a:rPr>
+              <a:t>: „Ratte in einem Labyrinth“</a:t>
+            </a:r>
+          </a:p>
+          <a:p>
+            <a:pPr marL="228600" marR="0" lvl="0" indent="-228600" algn="l" defTabSz="914400" rtl="0" eaLnBrk="1" fontAlgn="auto" latinLnBrk="0" hangingPunct="1">
               <a:lnSpc>
                 <a:spcPct val="90000"/>
               </a:lnSpc>
@@ -3645,39 +3672,13 @@
               </a:spcAft>
               <a:buClrTx/>
               <a:buSzTx/>
-              <a:buAutoNum type="arabicPeriod"/>
+              <a:buFont typeface="Arial" panose="020B0604020202020204" pitchFamily="34" charset="0"/>
+              <a:buChar char="•"/>
               <a:tabLst/>
               <a:defRPr/>
             </a:pPr>
             <a:r>
-              <a:rPr lang="de-DE" sz="2400" dirty="0">
-                <a:solidFill>
-                  <a:prstClr val="black"/>
-                </a:solidFill>
-                <a:latin typeface="Calibri" panose="020F0502020204030204"/>
-              </a:rPr>
-              <a:t>Wenn die Position außerhalb der Matrix ist oder die Ratte sich auf einem grauen Feld befindet ist die Position ungültig</a:t>
-            </a:r>
-          </a:p>
-          <a:p>
-            <a:pPr marL="514350" marR="0" lvl="0" indent="-514350" algn="l" defTabSz="914400" rtl="0" eaLnBrk="1" fontAlgn="auto" latinLnBrk="0" hangingPunct="1">
-              <a:lnSpc>
-                <a:spcPct val="90000"/>
-              </a:lnSpc>
-              <a:spcBef>
-                <a:spcPts val="1000"/>
-              </a:spcBef>
-              <a:spcAft>
-                <a:spcPts val="0"/>
-              </a:spcAft>
-              <a:buClrTx/>
-              <a:buSzTx/>
-              <a:buAutoNum type="arabicPeriod"/>
-              <a:tabLst/>
-              <a:defRPr/>
-            </a:pPr>
-            <a:r>
-              <a:rPr kumimoji="0" lang="de-DE" sz="2400" b="0" i="0" u="none" strike="noStrike" kern="1200" cap="none" spc="0" normalizeH="0" baseline="0" noProof="0" dirty="0">
+              <a:rPr kumimoji="0" lang="de-DE" sz="2800" b="0" i="0" u="none" strike="noStrike" kern="1200" cap="none" spc="0" normalizeH="0" baseline="0" noProof="0" dirty="0">
                 <a:ln>
                   <a:noFill/>
                 </a:ln>
@@ -3691,20 +3692,11 @@
                 <a:ea typeface="+mn-ea"/>
                 <a:cs typeface="+mn-cs"/>
               </a:rPr>
-              <a:t>Der Lösungsmatrix </a:t>
-            </a:r>
-            <a:r>
-              <a:rPr lang="de-DE" sz="2400" dirty="0">
-                <a:solidFill>
-                  <a:prstClr val="black"/>
-                </a:solidFill>
-                <a:latin typeface="Calibri" panose="020F0502020204030204"/>
-              </a:rPr>
-              <a:t>den aktuellen Punkt hinzufügen und prüfen ob die Ratte sich weiter bewegen kann</a:t>
-            </a:r>
-          </a:p>
-          <a:p>
-            <a:pPr marL="514350" marR="0" lvl="0" indent="-514350" algn="l" defTabSz="914400" rtl="0" eaLnBrk="1" fontAlgn="auto" latinLnBrk="0" hangingPunct="1">
+              <a:t>Gegeben ist eine Matrix der Größe N*M</a:t>
+            </a:r>
+          </a:p>
+          <a:p>
+            <a:pPr marL="228600" marR="0" lvl="0" indent="-228600" algn="l" defTabSz="914400" rtl="0" eaLnBrk="1" fontAlgn="auto" latinLnBrk="0" hangingPunct="1">
               <a:lnSpc>
                 <a:spcPct val="90000"/>
               </a:lnSpc>
@@ -3716,37 +3708,21 @@
               </a:spcAft>
               <a:buClrTx/>
               <a:buSzTx/>
-              <a:buAutoNum type="arabicPeriod"/>
+              <a:buFont typeface="Arial" panose="020B0604020202020204" pitchFamily="34" charset="0"/>
+              <a:buChar char="•"/>
               <a:tabLst/>
               <a:defRPr/>
             </a:pPr>
             <a:r>
-              <a:rPr kumimoji="0" lang="de-DE" sz="2400" b="0" i="0" u="none" strike="noStrike" kern="1200" cap="none" spc="0" normalizeH="0" baseline="0" noProof="0" dirty="0">
-                <a:ln>
-                  <a:noFill/>
-                </a:ln>
-                <a:solidFill>
-                  <a:prstClr val="black"/>
-                </a:solidFill>
-                <a:effectLst/>
-                <a:uLnTx/>
-                <a:uFillTx/>
-                <a:latin typeface="Calibri" panose="020F0502020204030204"/>
-                <a:ea typeface="+mn-ea"/>
-                <a:cs typeface="+mn-cs"/>
-              </a:rPr>
-              <a:t>Falls nicht wird der Punkt wieder entfernt </a:t>
-            </a:r>
-            <a:r>
-              <a:rPr lang="de-DE" sz="2400" dirty="0">
+              <a:rPr lang="de-DE" sz="2800" dirty="0">
                 <a:solidFill>
                   <a:prstClr val="black"/>
                 </a:solidFill>
                 <a:latin typeface="Calibri" panose="020F0502020204030204"/>
               </a:rPr>
-              <a:t>und der nächste Punkt getestet</a:t>
-            </a:r>
-            <a:endParaRPr kumimoji="0" lang="de-DE" sz="2400" b="0" i="0" u="none" strike="noStrike" kern="1200" cap="none" spc="0" normalizeH="0" baseline="0" noProof="0" dirty="0">
+              <a:t>Eine Ratte kann sich nur nach unten und rechts bewegen</a:t>
+            </a:r>
+            <a:endParaRPr kumimoji="0" lang="de-DE" sz="2800" b="0" i="0" u="none" strike="noStrike" kern="1200" cap="none" spc="0" normalizeH="0" baseline="0" noProof="0" dirty="0">
               <a:ln>
                 <a:noFill/>
               </a:ln>
@@ -3761,12 +3737,312 @@
               <a:cs typeface="+mn-cs"/>
             </a:endParaRPr>
           </a:p>
-        </p:txBody>
-      </p:sp>
+          <a:p>
+            <a:pPr marL="228600" marR="0" lvl="0" indent="-228600" algn="l" defTabSz="914400" rtl="0" eaLnBrk="1" fontAlgn="auto" latinLnBrk="0" hangingPunct="1">
+              <a:lnSpc>
+                <a:spcPct val="90000"/>
+              </a:lnSpc>
+              <a:spcBef>
+                <a:spcPts val="1000"/>
+              </a:spcBef>
+              <a:spcAft>
+                <a:spcPts val="0"/>
+              </a:spcAft>
+              <a:buClrTx/>
+              <a:buSzTx/>
+              <a:buFont typeface="Arial" panose="020B0604020202020204" pitchFamily="34" charset="0"/>
+              <a:buChar char="•"/>
+              <a:tabLst/>
+              <a:defRPr/>
+            </a:pPr>
+            <a:r>
+              <a:rPr lang="de-DE" sz="2800" dirty="0">
+                <a:solidFill>
+                  <a:prstClr val="black"/>
+                </a:solidFill>
+                <a:latin typeface="Calibri" panose="020F0502020204030204"/>
+              </a:rPr>
+              <a:t>Die Ratte muss einen von Punkt (0|0) zu Punkt  (N-1|M-1) finden</a:t>
+            </a:r>
+            <a:endParaRPr kumimoji="0" lang="de-DE" sz="2800" b="0" i="0" u="none" strike="noStrike" kern="1200" cap="none" spc="0" normalizeH="0" baseline="0" noProof="0" dirty="0">
+              <a:ln>
+                <a:noFill/>
+              </a:ln>
+              <a:solidFill>
+                <a:prstClr val="black"/>
+              </a:solidFill>
+              <a:effectLst/>
+              <a:uLnTx/>
+              <a:uFillTx/>
+              <a:latin typeface="Calibri" panose="020F0502020204030204"/>
+              <a:ea typeface="+mn-ea"/>
+              <a:cs typeface="+mn-cs"/>
+            </a:endParaRPr>
+          </a:p>
+        </p:txBody>
+      </p:sp>
+      <p:cxnSp>
+        <p:nvCxnSpPr>
+          <p:cNvPr id="15" name="Gerade Verbindung mit Pfeil 14">
+            <a:extLst>
+              <a:ext uri="{FF2B5EF4-FFF2-40B4-BE49-F238E27FC236}">
+                <a16:creationId xmlns:a16="http://schemas.microsoft.com/office/drawing/2014/main" id="{0F179933-4D92-3894-88DF-55EBB195481D}"/>
+              </a:ext>
+            </a:extLst>
+          </p:cNvPr>
+          <p:cNvCxnSpPr/>
+          <p:nvPr/>
+        </p:nvCxnSpPr>
+        <p:spPr>
+          <a:xfrm>
+            <a:off x="8696263" y="2288893"/>
+            <a:ext cx="0" cy="457200"/>
+          </a:xfrm>
+          <a:prstGeom prst="straightConnector1">
+            <a:avLst/>
+          </a:prstGeom>
+          <a:ln w="76200">
+            <a:solidFill>
+              <a:schemeClr val="accent6"/>
+            </a:solidFill>
+            <a:tailEnd type="triangle"/>
+          </a:ln>
+        </p:spPr>
+        <p:style>
+          <a:lnRef idx="1">
+            <a:schemeClr val="accent1"/>
+          </a:lnRef>
+          <a:fillRef idx="0">
+            <a:schemeClr val="accent1"/>
+          </a:fillRef>
+          <a:effectRef idx="0">
+            <a:schemeClr val="accent1"/>
+          </a:effectRef>
+          <a:fontRef idx="minor">
+            <a:schemeClr val="tx1"/>
+          </a:fontRef>
+        </p:style>
+      </p:cxnSp>
+      <p:cxnSp>
+        <p:nvCxnSpPr>
+          <p:cNvPr id="17" name="Gerade Verbindung mit Pfeil 16">
+            <a:extLst>
+              <a:ext uri="{FF2B5EF4-FFF2-40B4-BE49-F238E27FC236}">
+                <a16:creationId xmlns:a16="http://schemas.microsoft.com/office/drawing/2014/main" id="{BD8360A4-523A-79A9-0148-39DDB87988A1}"/>
+              </a:ext>
+            </a:extLst>
+          </p:cNvPr>
+          <p:cNvCxnSpPr>
+            <a:cxnSpLocks/>
+          </p:cNvCxnSpPr>
+          <p:nvPr/>
+        </p:nvCxnSpPr>
+        <p:spPr>
+          <a:xfrm>
+            <a:off x="8839699" y="2835741"/>
+            <a:ext cx="519953" cy="0"/>
+          </a:xfrm>
+          <a:prstGeom prst="straightConnector1">
+            <a:avLst/>
+          </a:prstGeom>
+          <a:ln w="76200">
+            <a:solidFill>
+              <a:schemeClr val="accent6"/>
+            </a:solidFill>
+            <a:tailEnd type="triangle"/>
+          </a:ln>
+        </p:spPr>
+        <p:style>
+          <a:lnRef idx="1">
+            <a:schemeClr val="accent1"/>
+          </a:lnRef>
+          <a:fillRef idx="0">
+            <a:schemeClr val="accent1"/>
+          </a:fillRef>
+          <a:effectRef idx="0">
+            <a:schemeClr val="accent1"/>
+          </a:effectRef>
+          <a:fontRef idx="minor">
+            <a:schemeClr val="tx1"/>
+          </a:fontRef>
+        </p:style>
+      </p:cxnSp>
+      <p:cxnSp>
+        <p:nvCxnSpPr>
+          <p:cNvPr id="22" name="Gerade Verbindung mit Pfeil 21">
+            <a:extLst>
+              <a:ext uri="{FF2B5EF4-FFF2-40B4-BE49-F238E27FC236}">
+                <a16:creationId xmlns:a16="http://schemas.microsoft.com/office/drawing/2014/main" id="{466A2737-E291-C595-407F-17149D394F9B}"/>
+              </a:ext>
+            </a:extLst>
+          </p:cNvPr>
+          <p:cNvCxnSpPr/>
+          <p:nvPr/>
+        </p:nvCxnSpPr>
+        <p:spPr>
+          <a:xfrm>
+            <a:off x="9512051" y="2962086"/>
+            <a:ext cx="0" cy="457200"/>
+          </a:xfrm>
+          <a:prstGeom prst="straightConnector1">
+            <a:avLst/>
+          </a:prstGeom>
+          <a:ln w="76200">
+            <a:solidFill>
+              <a:schemeClr val="accent6"/>
+            </a:solidFill>
+            <a:tailEnd type="triangle"/>
+          </a:ln>
+        </p:spPr>
+        <p:style>
+          <a:lnRef idx="1">
+            <a:schemeClr val="accent1"/>
+          </a:lnRef>
+          <a:fillRef idx="0">
+            <a:schemeClr val="accent1"/>
+          </a:fillRef>
+          <a:effectRef idx="0">
+            <a:schemeClr val="accent1"/>
+          </a:effectRef>
+          <a:fontRef idx="minor">
+            <a:schemeClr val="tx1"/>
+          </a:fontRef>
+        </p:style>
+      </p:cxnSp>
+      <p:cxnSp>
+        <p:nvCxnSpPr>
+          <p:cNvPr id="23" name="Gerade Verbindung mit Pfeil 22">
+            <a:extLst>
+              <a:ext uri="{FF2B5EF4-FFF2-40B4-BE49-F238E27FC236}">
+                <a16:creationId xmlns:a16="http://schemas.microsoft.com/office/drawing/2014/main" id="{2EC07C83-6ABF-418C-BD6F-4E7353E993B6}"/>
+              </a:ext>
+            </a:extLst>
+          </p:cNvPr>
+          <p:cNvCxnSpPr/>
+          <p:nvPr/>
+        </p:nvCxnSpPr>
+        <p:spPr>
+          <a:xfrm>
+            <a:off x="9512051" y="3678423"/>
+            <a:ext cx="0" cy="457200"/>
+          </a:xfrm>
+          <a:prstGeom prst="straightConnector1">
+            <a:avLst/>
+          </a:prstGeom>
+          <a:ln w="76200">
+            <a:solidFill>
+              <a:schemeClr val="accent6"/>
+            </a:solidFill>
+            <a:tailEnd type="triangle"/>
+          </a:ln>
+        </p:spPr>
+        <p:style>
+          <a:lnRef idx="1">
+            <a:schemeClr val="accent1"/>
+          </a:lnRef>
+          <a:fillRef idx="0">
+            <a:schemeClr val="accent1"/>
+          </a:fillRef>
+          <a:effectRef idx="0">
+            <a:schemeClr val="accent1"/>
+          </a:effectRef>
+          <a:fontRef idx="minor">
+            <a:schemeClr val="tx1"/>
+          </a:fontRef>
+        </p:style>
+      </p:cxnSp>
+      <p:cxnSp>
+        <p:nvCxnSpPr>
+          <p:cNvPr id="24" name="Gerade Verbindung mit Pfeil 23">
+            <a:extLst>
+              <a:ext uri="{FF2B5EF4-FFF2-40B4-BE49-F238E27FC236}">
+                <a16:creationId xmlns:a16="http://schemas.microsoft.com/office/drawing/2014/main" id="{B5D8C578-978F-BE9C-D741-72482A94E782}"/>
+              </a:ext>
+            </a:extLst>
+          </p:cNvPr>
+          <p:cNvCxnSpPr>
+            <a:cxnSpLocks/>
+          </p:cNvCxnSpPr>
+          <p:nvPr/>
+        </p:nvCxnSpPr>
+        <p:spPr>
+          <a:xfrm>
+            <a:off x="9727205" y="4261129"/>
+            <a:ext cx="484094" cy="0"/>
+          </a:xfrm>
+          <a:prstGeom prst="straightConnector1">
+            <a:avLst/>
+          </a:prstGeom>
+          <a:ln w="76200">
+            <a:solidFill>
+              <a:schemeClr val="accent6"/>
+            </a:solidFill>
+            <a:tailEnd type="triangle"/>
+          </a:ln>
+        </p:spPr>
+        <p:style>
+          <a:lnRef idx="1">
+            <a:schemeClr val="accent1"/>
+          </a:lnRef>
+          <a:fillRef idx="0">
+            <a:schemeClr val="accent1"/>
+          </a:fillRef>
+          <a:effectRef idx="0">
+            <a:schemeClr val="accent1"/>
+          </a:effectRef>
+          <a:fontRef idx="minor">
+            <a:schemeClr val="tx1"/>
+          </a:fontRef>
+        </p:style>
+      </p:cxnSp>
+      <p:cxnSp>
+        <p:nvCxnSpPr>
+          <p:cNvPr id="26" name="Gerade Verbindung mit Pfeil 25">
+            <a:extLst>
+              <a:ext uri="{FF2B5EF4-FFF2-40B4-BE49-F238E27FC236}">
+                <a16:creationId xmlns:a16="http://schemas.microsoft.com/office/drawing/2014/main" id="{07226486-5BB0-C19D-A77C-36FAB11BB0F1}"/>
+              </a:ext>
+            </a:extLst>
+          </p:cNvPr>
+          <p:cNvCxnSpPr>
+            <a:cxnSpLocks/>
+          </p:cNvCxnSpPr>
+          <p:nvPr/>
+        </p:nvCxnSpPr>
+        <p:spPr>
+          <a:xfrm>
+            <a:off x="10404040" y="4261130"/>
+            <a:ext cx="484094" cy="0"/>
+          </a:xfrm>
+          <a:prstGeom prst="straightConnector1">
+            <a:avLst/>
+          </a:prstGeom>
+          <a:ln w="76200">
+            <a:solidFill>
+              <a:schemeClr val="accent6"/>
+            </a:solidFill>
+            <a:tailEnd type="triangle"/>
+          </a:ln>
+        </p:spPr>
+        <p:style>
+          <a:lnRef idx="1">
+            <a:schemeClr val="accent1"/>
+          </a:lnRef>
+          <a:fillRef idx="0">
+            <a:schemeClr val="accent1"/>
+          </a:fillRef>
+          <a:effectRef idx="0">
+            <a:schemeClr val="accent1"/>
+          </a:effectRef>
+          <a:fontRef idx="minor">
+            <a:schemeClr val="tx1"/>
+          </a:fontRef>
+        </p:style>
+      </p:cxnSp>
     </p:spTree>
     <p:extLst>
       <p:ext uri="{BB962C8B-B14F-4D97-AF65-F5344CB8AC3E}">
-        <p14:creationId xmlns:p14="http://schemas.microsoft.com/office/powerpoint/2010/main" val="2894909814"/>
+        <p14:creationId xmlns:p14="http://schemas.microsoft.com/office/powerpoint/2010/main" val="2003193971"/>
       </p:ext>
     </p:extLst>
   </p:cSld>
@@ -3779,6 +4055,14 @@
 <file path=ppt/slides/slide11.xml><?xml version="1.0" encoding="utf-8"?>
 <p:sld xmlns:a="http://schemas.openxmlformats.org/drawingml/2006/main" xmlns:r="http://schemas.openxmlformats.org/officeDocument/2006/relationships" xmlns:p="http://schemas.openxmlformats.org/presentationml/2006/main">
   <p:cSld>
+    <p:bg>
+      <p:bgPr>
+        <a:solidFill>
+          <a:schemeClr val="bg1"/>
+        </a:solidFill>
+        <a:effectLst/>
+      </p:bgPr>
+    </p:bg>
     <p:spTree>
       <p:nvGrpSpPr>
         <p:cNvPr id="1" name=""/>
@@ -3793,45 +4077,47 @@
           <a:chExt cx="0" cy="0"/>
         </a:xfrm>
       </p:grpSpPr>
-      <p:sp>
-        <p:nvSpPr>
-          <p:cNvPr id="2" name="Titel 1">
-            <a:extLst>
-              <a:ext uri="{FF2B5EF4-FFF2-40B4-BE49-F238E27FC236}">
-                <a16:creationId xmlns:a16="http://schemas.microsoft.com/office/drawing/2014/main" id="{D96F1F77-C551-B08D-D869-4F038415A5D3}"/>
-              </a:ext>
-            </a:extLst>
-          </p:cNvPr>
-          <p:cNvSpPr>
-            <a:spLocks noGrp="1"/>
-          </p:cNvSpPr>
-          <p:nvPr>
-            <p:ph type="title"/>
-          </p:nvPr>
-        </p:nvSpPr>
+      <p:pic>
+        <p:nvPicPr>
+          <p:cNvPr id="4" name="Grafik 3">
+            <a:extLst>
+              <a:ext uri="{FF2B5EF4-FFF2-40B4-BE49-F238E27FC236}">
+                <a16:creationId xmlns:a16="http://schemas.microsoft.com/office/drawing/2014/main" id="{494B55B4-863E-081E-C5CB-136681496F68}"/>
+              </a:ext>
+            </a:extLst>
+          </p:cNvPr>
+          <p:cNvPicPr>
+            <a:picLocks noChangeAspect="1"/>
+          </p:cNvPicPr>
+          <p:nvPr/>
+        </p:nvPicPr>
+        <p:blipFill rotWithShape="1">
+          <a:blip r:embed="rId2">
+            <a:extLst>
+              <a:ext uri="{28A0092B-C50C-407E-A947-70E740481C1C}">
+                <a14:useLocalDpi xmlns:a14="http://schemas.microsoft.com/office/drawing/2010/main" val="0"/>
+              </a:ext>
+            </a:extLst>
+          </a:blip>
+          <a:srcRect l="5476" t="13782" r="5173" b="13399"/>
+          <a:stretch/>
+        </p:blipFill>
         <p:spPr>
           <a:xfrm>
-            <a:off x="447675" y="2460625"/>
-            <a:ext cx="3686175" cy="1325563"/>
-          </a:xfrm>
-        </p:spPr>
-        <p:txBody>
-          <a:bodyPr/>
-          <a:lstStyle/>
-          <a:p>
-            <a:r>
-              <a:rPr lang="de-DE" dirty="0"/>
-              <a:t>Programmcode</a:t>
-            </a:r>
-          </a:p>
-        </p:txBody>
-      </p:sp>
-      <p:sp>
-        <p:nvSpPr>
-          <p:cNvPr id="4" name="Rechteck 3">
-            <a:extLst>
-              <a:ext uri="{FF2B5EF4-FFF2-40B4-BE49-F238E27FC236}">
-                <a16:creationId xmlns:a16="http://schemas.microsoft.com/office/drawing/2014/main" id="{512FCC3A-B5CF-FF1C-3F70-1895A40C8A22}"/>
+            <a:off x="643467" y="1695962"/>
+            <a:ext cx="10905066" cy="3466074"/>
+          </a:xfrm>
+          <a:prstGeom prst="rect">
+            <a:avLst/>
+          </a:prstGeom>
+        </p:spPr>
+      </p:pic>
+      <p:sp>
+        <p:nvSpPr>
+          <p:cNvPr id="24" name="Rechteck 23">
+            <a:extLst>
+              <a:ext uri="{FF2B5EF4-FFF2-40B4-BE49-F238E27FC236}">
+                <a16:creationId xmlns:a16="http://schemas.microsoft.com/office/drawing/2014/main" id="{7B537235-2A5F-1F06-95B4-2786130D2919}"/>
               </a:ext>
             </a:extLst>
           </p:cNvPr>
@@ -3873,51 +4159,16 @@
             <a:pPr algn="ctr"/>
             <a:r>
               <a:rPr lang="de-DE" dirty="0"/>
-              <a:t>Implementierung des Algorithmus &gt; Rat in a Maze Problem</a:t>
+              <a:t>Implementierung des Algorithmus &gt; „Rat in a Maze" Problem</a:t>
             </a:r>
             <a:endParaRPr lang="en-GB" dirty="0"/>
           </a:p>
         </p:txBody>
       </p:sp>
-      <p:pic>
-        <p:nvPicPr>
-          <p:cNvPr id="5" name="Grafik 4" descr="Ein Bild, das Text enthält.&#10;&#10;Automatisch generierte Beschreibung">
-            <a:extLst>
-              <a:ext uri="{FF2B5EF4-FFF2-40B4-BE49-F238E27FC236}">
-                <a16:creationId xmlns:a16="http://schemas.microsoft.com/office/drawing/2014/main" id="{DDD08BCE-E528-D96A-50B1-9854DB99584B}"/>
-              </a:ext>
-            </a:extLst>
-          </p:cNvPr>
-          <p:cNvPicPr>
-            <a:picLocks noChangeAspect="1"/>
-          </p:cNvPicPr>
-          <p:nvPr/>
-        </p:nvPicPr>
-        <p:blipFill rotWithShape="1">
-          <a:blip r:embed="rId2">
-            <a:extLst>
-              <a:ext uri="{28A0092B-C50C-407E-A947-70E740481C1C}">
-                <a14:useLocalDpi xmlns:a14="http://schemas.microsoft.com/office/drawing/2010/main" val="0"/>
-              </a:ext>
-            </a:extLst>
-          </a:blip>
-          <a:srcRect l="5677" t="7639" r="5677" b="7639"/>
-          <a:stretch/>
-        </p:blipFill>
-        <p:spPr>
-          <a:xfrm>
-            <a:off x="4224209" y="247650"/>
-            <a:ext cx="7748715" cy="5983187"/>
-          </a:xfrm>
-          <a:prstGeom prst="rect">
-            <a:avLst/>
-          </a:prstGeom>
-        </p:spPr>
-      </p:pic>
     </p:spTree>
     <p:extLst>
       <p:ext uri="{BB962C8B-B14F-4D97-AF65-F5344CB8AC3E}">
-        <p14:creationId xmlns:p14="http://schemas.microsoft.com/office/powerpoint/2010/main" val="800027535"/>
+        <p14:creationId xmlns:p14="http://schemas.microsoft.com/office/powerpoint/2010/main" val="2087927380"/>
       </p:ext>
     </p:extLst>
   </p:cSld>
@@ -3946,6 +4197,34 @@
       </p:grpSpPr>
       <p:sp>
         <p:nvSpPr>
+          <p:cNvPr id="2" name="Titel 1">
+            <a:extLst>
+              <a:ext uri="{FF2B5EF4-FFF2-40B4-BE49-F238E27FC236}">
+                <a16:creationId xmlns:a16="http://schemas.microsoft.com/office/drawing/2014/main" id="{D96F1F77-C551-B08D-D869-4F038415A5D3}"/>
+              </a:ext>
+            </a:extLst>
+          </p:cNvPr>
+          <p:cNvSpPr>
+            <a:spLocks noGrp="1"/>
+          </p:cNvSpPr>
+          <p:nvPr>
+            <p:ph type="title"/>
+          </p:nvPr>
+        </p:nvSpPr>
+        <p:spPr/>
+        <p:txBody>
+          <a:bodyPr/>
+          <a:lstStyle/>
+          <a:p>
+            <a:r>
+              <a:rPr lang="de-DE" dirty="0"/>
+              <a:t>Lösungsansatz</a:t>
+            </a:r>
+          </a:p>
+        </p:txBody>
+      </p:sp>
+      <p:sp>
+        <p:nvSpPr>
           <p:cNvPr id="4" name="Rechteck 3">
             <a:extLst>
               <a:ext uri="{FF2B5EF4-FFF2-40B4-BE49-F238E27FC236}">
@@ -3991,51 +4270,236 @@
             <a:pPr algn="ctr"/>
             <a:r>
               <a:rPr lang="de-DE" dirty="0"/>
-              <a:t>Implementierung des Algorithmus &gt; Rat in a Maze Problem</a:t>
+              <a:t>Implementierung des Algorithmus &gt; „Rat in a Maze“ Problem</a:t>
             </a:r>
             <a:endParaRPr lang="en-GB" dirty="0"/>
           </a:p>
         </p:txBody>
       </p:sp>
-      <p:pic>
-        <p:nvPicPr>
-          <p:cNvPr id="6" name="Grafik 5">
-            <a:extLst>
-              <a:ext uri="{FF2B5EF4-FFF2-40B4-BE49-F238E27FC236}">
-                <a16:creationId xmlns:a16="http://schemas.microsoft.com/office/drawing/2014/main" id="{68D612B9-6961-97AE-8D81-FA9A116EA390}"/>
-              </a:ext>
-            </a:extLst>
-          </p:cNvPr>
-          <p:cNvPicPr>
-            <a:picLocks noChangeAspect="1"/>
-          </p:cNvPicPr>
+      <p:sp>
+        <p:nvSpPr>
+          <p:cNvPr id="14" name="Textfeld 13">
+            <a:extLst>
+              <a:ext uri="{FF2B5EF4-FFF2-40B4-BE49-F238E27FC236}">
+                <a16:creationId xmlns:a16="http://schemas.microsoft.com/office/drawing/2014/main" id="{52CC6D3F-5C43-467A-1D80-F0FA36A48C4E}"/>
+              </a:ext>
+            </a:extLst>
+          </p:cNvPr>
+          <p:cNvSpPr txBox="1"/>
           <p:nvPr/>
-        </p:nvPicPr>
-        <p:blipFill rotWithShape="1">
-          <a:blip r:embed="rId2">
-            <a:extLst>
-              <a:ext uri="{28A0092B-C50C-407E-A947-70E740481C1C}">
-                <a14:useLocalDpi xmlns:a14="http://schemas.microsoft.com/office/drawing/2010/main" val="0"/>
-              </a:ext>
-            </a:extLst>
-          </a:blip>
-          <a:srcRect l="6484" t="17389" r="6484" b="16715"/>
-          <a:stretch/>
-        </p:blipFill>
+        </p:nvSpPr>
         <p:spPr>
           <a:xfrm>
-            <a:off x="565497" y="1790700"/>
-            <a:ext cx="11061005" cy="3276600"/>
+            <a:off x="838199" y="1690687"/>
+            <a:ext cx="7705165" cy="4261679"/>
           </a:xfrm>
           <a:prstGeom prst="rect">
             <a:avLst/>
           </a:prstGeom>
-        </p:spPr>
-      </p:pic>
+          <a:noFill/>
+        </p:spPr>
+        <p:txBody>
+          <a:bodyPr wrap="square">
+            <a:spAutoFit/>
+          </a:bodyPr>
+          <a:lstStyle/>
+          <a:p>
+            <a:pPr marL="514350" marR="0" lvl="0" indent="-514350" algn="l" defTabSz="914400" rtl="0" eaLnBrk="1" fontAlgn="auto" latinLnBrk="0" hangingPunct="1">
+              <a:lnSpc>
+                <a:spcPct val="90000"/>
+              </a:lnSpc>
+              <a:spcBef>
+                <a:spcPts val="1000"/>
+              </a:spcBef>
+              <a:spcAft>
+                <a:spcPts val="0"/>
+              </a:spcAft>
+              <a:buClrTx/>
+              <a:buSzTx/>
+              <a:buAutoNum type="arabicPeriod"/>
+              <a:tabLst/>
+              <a:defRPr/>
+            </a:pPr>
+            <a:r>
+              <a:rPr lang="de-DE" sz="2400" dirty="0">
+                <a:solidFill>
+                  <a:prstClr val="black"/>
+                </a:solidFill>
+                <a:latin typeface="Calibri" panose="020F0502020204030204"/>
+              </a:rPr>
+              <a:t>Lösungsmatrix anlegen mit der selben Größe wie die Eingangsmatrix</a:t>
+            </a:r>
+          </a:p>
+          <a:p>
+            <a:pPr marL="514350" marR="0" lvl="0" indent="-514350" algn="l" defTabSz="914400" rtl="0" eaLnBrk="1" fontAlgn="auto" latinLnBrk="0" hangingPunct="1">
+              <a:lnSpc>
+                <a:spcPct val="90000"/>
+              </a:lnSpc>
+              <a:spcBef>
+                <a:spcPts val="1000"/>
+              </a:spcBef>
+              <a:spcAft>
+                <a:spcPts val="0"/>
+              </a:spcAft>
+              <a:buClrTx/>
+              <a:buSzTx/>
+              <a:buAutoNum type="arabicPeriod"/>
+              <a:tabLst/>
+              <a:defRPr/>
+            </a:pPr>
+            <a:r>
+              <a:rPr kumimoji="0" lang="de-DE" sz="2400" b="0" i="0" u="none" strike="noStrike" kern="1200" cap="none" spc="0" normalizeH="0" baseline="0" noProof="0" dirty="0">
+                <a:ln>
+                  <a:noFill/>
+                </a:ln>
+                <a:solidFill>
+                  <a:prstClr val="black"/>
+                </a:solidFill>
+                <a:effectLst/>
+                <a:uLnTx/>
+                <a:uFillTx/>
+                <a:latin typeface="Calibri" panose="020F0502020204030204"/>
+                <a:ea typeface="+mn-ea"/>
+                <a:cs typeface="+mn-cs"/>
+              </a:rPr>
+              <a:t>Rekursive Funktion erstellen welche die Lösungsmatrix entsprechend modifiziert</a:t>
+            </a:r>
+          </a:p>
+          <a:p>
+            <a:pPr marL="514350" marR="0" lvl="0" indent="-514350" algn="l" defTabSz="914400" rtl="0" eaLnBrk="1" fontAlgn="auto" latinLnBrk="0" hangingPunct="1">
+              <a:lnSpc>
+                <a:spcPct val="90000"/>
+              </a:lnSpc>
+              <a:spcBef>
+                <a:spcPts val="1000"/>
+              </a:spcBef>
+              <a:spcAft>
+                <a:spcPts val="0"/>
+              </a:spcAft>
+              <a:buClrTx/>
+              <a:buSzTx/>
+              <a:buAutoNum type="arabicPeriod"/>
+              <a:tabLst/>
+              <a:defRPr/>
+            </a:pPr>
+            <a:r>
+              <a:rPr lang="de-DE" sz="2400" dirty="0">
+                <a:solidFill>
+                  <a:prstClr val="black"/>
+                </a:solidFill>
+                <a:latin typeface="Calibri" panose="020F0502020204030204"/>
+              </a:rPr>
+              <a:t>Wenn die Position außerhalb der Matrix ist oder die Ratte sich auf einem grauen Feld befindet ist die Position ungültig</a:t>
+            </a:r>
+          </a:p>
+          <a:p>
+            <a:pPr marL="514350" marR="0" lvl="0" indent="-514350" algn="l" defTabSz="914400" rtl="0" eaLnBrk="1" fontAlgn="auto" latinLnBrk="0" hangingPunct="1">
+              <a:lnSpc>
+                <a:spcPct val="90000"/>
+              </a:lnSpc>
+              <a:spcBef>
+                <a:spcPts val="1000"/>
+              </a:spcBef>
+              <a:spcAft>
+                <a:spcPts val="0"/>
+              </a:spcAft>
+              <a:buClrTx/>
+              <a:buSzTx/>
+              <a:buAutoNum type="arabicPeriod"/>
+              <a:tabLst/>
+              <a:defRPr/>
+            </a:pPr>
+            <a:r>
+              <a:rPr kumimoji="0" lang="de-DE" sz="2400" b="0" i="0" u="none" strike="noStrike" kern="1200" cap="none" spc="0" normalizeH="0" baseline="0" noProof="0" dirty="0">
+                <a:ln>
+                  <a:noFill/>
+                </a:ln>
+                <a:solidFill>
+                  <a:prstClr val="black"/>
+                </a:solidFill>
+                <a:effectLst/>
+                <a:uLnTx/>
+                <a:uFillTx/>
+                <a:latin typeface="Calibri" panose="020F0502020204030204"/>
+                <a:ea typeface="+mn-ea"/>
+                <a:cs typeface="+mn-cs"/>
+              </a:rPr>
+              <a:t>Der Lösungsmatrix </a:t>
+            </a:r>
+            <a:r>
+              <a:rPr lang="de-DE" sz="2400" dirty="0">
+                <a:solidFill>
+                  <a:prstClr val="black"/>
+                </a:solidFill>
+                <a:latin typeface="Calibri" panose="020F0502020204030204"/>
+              </a:rPr>
+              <a:t>den aktuellen Punkt hinzufügen und prüfen ob die Ratte sich weiter bewegen kann</a:t>
+            </a:r>
+          </a:p>
+          <a:p>
+            <a:pPr marL="514350" marR="0" lvl="0" indent="-514350" algn="l" defTabSz="914400" rtl="0" eaLnBrk="1" fontAlgn="auto" latinLnBrk="0" hangingPunct="1">
+              <a:lnSpc>
+                <a:spcPct val="90000"/>
+              </a:lnSpc>
+              <a:spcBef>
+                <a:spcPts val="1000"/>
+              </a:spcBef>
+              <a:spcAft>
+                <a:spcPts val="0"/>
+              </a:spcAft>
+              <a:buClrTx/>
+              <a:buSzTx/>
+              <a:buAutoNum type="arabicPeriod"/>
+              <a:tabLst/>
+              <a:defRPr/>
+            </a:pPr>
+            <a:r>
+              <a:rPr kumimoji="0" lang="de-DE" sz="2400" b="0" i="0" u="none" strike="noStrike" kern="1200" cap="none" spc="0" normalizeH="0" baseline="0" noProof="0" dirty="0">
+                <a:ln>
+                  <a:noFill/>
+                </a:ln>
+                <a:solidFill>
+                  <a:prstClr val="black"/>
+                </a:solidFill>
+                <a:effectLst/>
+                <a:uLnTx/>
+                <a:uFillTx/>
+                <a:latin typeface="Calibri" panose="020F0502020204030204"/>
+                <a:ea typeface="+mn-ea"/>
+                <a:cs typeface="+mn-cs"/>
+              </a:rPr>
+              <a:t>Falls nicht wird der Punkt wieder entfernt </a:t>
+            </a:r>
+            <a:r>
+              <a:rPr lang="de-DE" sz="2400" dirty="0">
+                <a:solidFill>
+                  <a:prstClr val="black"/>
+                </a:solidFill>
+                <a:latin typeface="Calibri" panose="020F0502020204030204"/>
+              </a:rPr>
+              <a:t>und der nächste Punkt getestet</a:t>
+            </a:r>
+            <a:endParaRPr kumimoji="0" lang="de-DE" sz="2400" b="0" i="0" u="none" strike="noStrike" kern="1200" cap="none" spc="0" normalizeH="0" baseline="0" noProof="0" dirty="0">
+              <a:ln>
+                <a:noFill/>
+              </a:ln>
+              <a:solidFill>
+                <a:prstClr val="black"/>
+              </a:solidFill>
+              <a:effectLst/>
+              <a:uLnTx/>
+              <a:uFillTx/>
+              <a:latin typeface="Calibri" panose="020F0502020204030204"/>
+              <a:ea typeface="+mn-ea"/>
+              <a:cs typeface="+mn-cs"/>
+            </a:endParaRPr>
+          </a:p>
+        </p:txBody>
+      </p:sp>
     </p:spTree>
     <p:extLst>
       <p:ext uri="{BB962C8B-B14F-4D97-AF65-F5344CB8AC3E}">
-        <p14:creationId xmlns:p14="http://schemas.microsoft.com/office/powerpoint/2010/main" val="2251160908"/>
+        <p14:creationId xmlns:p14="http://schemas.microsoft.com/office/powerpoint/2010/main" val="2894909814"/>
       </p:ext>
     </p:extLst>
   </p:cSld>
@@ -4064,39 +4528,10 @@
       </p:grpSpPr>
       <p:sp>
         <p:nvSpPr>
-          <p:cNvPr id="2" name="Titel 1">
-            <a:extLst>
-              <a:ext uri="{FF2B5EF4-FFF2-40B4-BE49-F238E27FC236}">
-                <a16:creationId xmlns:a16="http://schemas.microsoft.com/office/drawing/2014/main" id="{E865B767-73F2-1B82-7895-C6D811025DC7}"/>
-              </a:ext>
-            </a:extLst>
-          </p:cNvPr>
-          <p:cNvSpPr>
-            <a:spLocks noGrp="1"/>
-          </p:cNvSpPr>
-          <p:nvPr>
-            <p:ph type="title"/>
-          </p:nvPr>
-        </p:nvSpPr>
-        <p:spPr/>
-        <p:txBody>
-          <a:bodyPr/>
-          <a:lstStyle/>
-          <a:p>
-            <a:r>
-              <a:rPr lang="de-DE" dirty="0"/>
-              <a:t>5x5 Labyrinth</a:t>
-            </a:r>
-            <a:endParaRPr lang="en-GB" dirty="0"/>
-          </a:p>
-        </p:txBody>
-      </p:sp>
-      <p:sp>
-        <p:nvSpPr>
           <p:cNvPr id="4" name="Rechteck 3">
             <a:extLst>
               <a:ext uri="{FF2B5EF4-FFF2-40B4-BE49-F238E27FC236}">
-                <a16:creationId xmlns:a16="http://schemas.microsoft.com/office/drawing/2014/main" id="{65E4DE3D-A5D2-7561-9D1B-9D26F4E40803}"/>
+                <a16:creationId xmlns:a16="http://schemas.microsoft.com/office/drawing/2014/main" id="{512FCC3A-B5CF-FF1C-3F70-1895A40C8A22}"/>
               </a:ext>
             </a:extLst>
           </p:cNvPr>
@@ -4138,8 +4573,9 @@
             <a:pPr algn="ctr"/>
             <a:r>
               <a:rPr lang="de-DE" dirty="0"/>
-              <a:t>Implementierung des Algorithmus &gt; Selbst generierte Beispiele</a:t>
-            </a:r>
+              <a:t>Implementierung des Algorithmus &gt; „Rat in a Maze“ Problem</a:t>
+            </a:r>
+            <a:endParaRPr lang="en-GB" dirty="0"/>
           </a:p>
         </p:txBody>
       </p:sp>
@@ -4148,7 +4584,7 @@
           <p:cNvPr id="6" name="Grafik 5">
             <a:extLst>
               <a:ext uri="{FF2B5EF4-FFF2-40B4-BE49-F238E27FC236}">
-                <a16:creationId xmlns:a16="http://schemas.microsoft.com/office/drawing/2014/main" id="{1259DF89-A4D8-1B2A-6552-7CA8263AAFFD}"/>
+                <a16:creationId xmlns:a16="http://schemas.microsoft.com/office/drawing/2014/main" id="{68D612B9-6961-97AE-8D81-FA9A116EA390}"/>
               </a:ext>
             </a:extLst>
           </p:cNvPr>
@@ -4165,64 +4601,23 @@
               </a:ext>
             </a:extLst>
           </a:blip>
-          <a:srcRect l="8509" t="14445" r="8214" b="14321"/>
+          <a:srcRect l="6484" t="17389" r="6484" b="16715"/>
           <a:stretch/>
         </p:blipFill>
         <p:spPr>
           <a:xfrm>
-            <a:off x="838200" y="1690688"/>
-            <a:ext cx="7442200" cy="3786728"/>
+            <a:off x="565497" y="1790700"/>
+            <a:ext cx="11061005" cy="3276600"/>
           </a:xfrm>
           <a:prstGeom prst="rect">
             <a:avLst/>
           </a:prstGeom>
-        </p:spPr>
-      </p:pic>
-      <p:pic>
-        <p:nvPicPr>
-          <p:cNvPr id="10" name="Grafik 9" descr="Ein Bild, das Platz enthält.&#10;&#10;Automatisch generierte Beschreibung">
-            <a:extLst>
-              <a:ext uri="{FF2B5EF4-FFF2-40B4-BE49-F238E27FC236}">
-                <a16:creationId xmlns:a16="http://schemas.microsoft.com/office/drawing/2014/main" id="{F43742D7-936B-0812-1B71-195F4AE348B5}"/>
-              </a:ext>
-            </a:extLst>
-          </p:cNvPr>
-          <p:cNvPicPr>
-            <a:picLocks noChangeAspect="1"/>
-          </p:cNvPicPr>
-          <p:nvPr/>
-        </p:nvPicPr>
-        <p:blipFill>
-          <a:blip r:embed="rId3">
-            <a:extLst>
-              <a:ext uri="{28A0092B-C50C-407E-A947-70E740481C1C}">
-                <a14:useLocalDpi xmlns:a14="http://schemas.microsoft.com/office/drawing/2010/main" val="0"/>
-              </a:ext>
-            </a:extLst>
-          </a:blip>
-          <a:stretch>
-            <a:fillRect/>
-          </a:stretch>
-        </p:blipFill>
-        <p:spPr>
-          <a:xfrm>
-            <a:off x="8990060" y="2209800"/>
-            <a:ext cx="2438400" cy="2438400"/>
-          </a:xfrm>
-          <a:prstGeom prst="rect">
-            <a:avLst/>
-          </a:prstGeom>
-          <a:ln w="76200">
-            <a:solidFill>
-              <a:srgbClr val="0070C0"/>
-            </a:solidFill>
-          </a:ln>
         </p:spPr>
       </p:pic>
     </p:spTree>
     <p:extLst>
       <p:ext uri="{BB962C8B-B14F-4D97-AF65-F5344CB8AC3E}">
-        <p14:creationId xmlns:p14="http://schemas.microsoft.com/office/powerpoint/2010/main" val="3319078393"/>
+        <p14:creationId xmlns:p14="http://schemas.microsoft.com/office/powerpoint/2010/main" val="2251160908"/>
       </p:ext>
     </p:extLst>
   </p:cSld>
@@ -4251,10 +4646,43 @@
       </p:grpSpPr>
       <p:sp>
         <p:nvSpPr>
+          <p:cNvPr id="2" name="Titel 1">
+            <a:extLst>
+              <a:ext uri="{FF2B5EF4-FFF2-40B4-BE49-F238E27FC236}">
+                <a16:creationId xmlns:a16="http://schemas.microsoft.com/office/drawing/2014/main" id="{D96F1F77-C551-B08D-D869-4F038415A5D3}"/>
+              </a:ext>
+            </a:extLst>
+          </p:cNvPr>
+          <p:cNvSpPr>
+            <a:spLocks noGrp="1"/>
+          </p:cNvSpPr>
+          <p:nvPr>
+            <p:ph type="title"/>
+          </p:nvPr>
+        </p:nvSpPr>
+        <p:spPr>
+          <a:xfrm>
+            <a:off x="447675" y="2460625"/>
+            <a:ext cx="3686175" cy="1325563"/>
+          </a:xfrm>
+        </p:spPr>
+        <p:txBody>
+          <a:bodyPr/>
+          <a:lstStyle/>
+          <a:p>
+            <a:r>
+              <a:rPr lang="de-DE" dirty="0"/>
+              <a:t>Programmcode</a:t>
+            </a:r>
+          </a:p>
+        </p:txBody>
+      </p:sp>
+      <p:sp>
+        <p:nvSpPr>
           <p:cNvPr id="4" name="Rechteck 3">
             <a:extLst>
               <a:ext uri="{FF2B5EF4-FFF2-40B4-BE49-F238E27FC236}">
-                <a16:creationId xmlns:a16="http://schemas.microsoft.com/office/drawing/2014/main" id="{C3797A29-3736-0279-C564-BA1EF673B253}"/>
+                <a16:creationId xmlns:a16="http://schemas.microsoft.com/office/drawing/2014/main" id="{512FCC3A-B5CF-FF1C-3F70-1895A40C8A22}"/>
               </a:ext>
             </a:extLst>
           </p:cNvPr>
@@ -4296,17 +4724,18 @@
             <a:pPr algn="ctr"/>
             <a:r>
               <a:rPr lang="de-DE" dirty="0"/>
-              <a:t>Implementierung des Algorithmus &gt; Selbst generierte Beispiele</a:t>
-            </a:r>
+              <a:t>Implementierung des Algorithmus &gt; „Rat in a Maze“ Problem</a:t>
+            </a:r>
+            <a:endParaRPr lang="en-GB" dirty="0"/>
           </a:p>
         </p:txBody>
       </p:sp>
       <p:pic>
         <p:nvPicPr>
-          <p:cNvPr id="5" name="Grafik 4" descr="Ein Bild, das Platz enthält.&#10;&#10;Automatisch generierte Beschreibung">
-            <a:extLst>
-              <a:ext uri="{FF2B5EF4-FFF2-40B4-BE49-F238E27FC236}">
-                <a16:creationId xmlns:a16="http://schemas.microsoft.com/office/drawing/2014/main" id="{9B719DB6-7BCB-F165-0E6C-BB436D1DBB49}"/>
+          <p:cNvPr id="5" name="Grafik 4" descr="Ein Bild, das Text enthält.&#10;&#10;Automatisch generierte Beschreibung">
+            <a:extLst>
+              <a:ext uri="{FF2B5EF4-FFF2-40B4-BE49-F238E27FC236}">
+                <a16:creationId xmlns:a16="http://schemas.microsoft.com/office/drawing/2014/main" id="{DDD08BCE-E528-D96A-50B1-9854DB99584B}"/>
               </a:ext>
             </a:extLst>
           </p:cNvPr>
@@ -4315,7 +4744,7 @@
           </p:cNvPicPr>
           <p:nvPr/>
         </p:nvPicPr>
-        <p:blipFill>
+        <p:blipFill rotWithShape="1">
           <a:blip r:embed="rId2">
             <a:extLst>
               <a:ext uri="{28A0092B-C50C-407E-A947-70E740481C1C}">
@@ -4323,150 +4752,23 @@
               </a:ext>
             </a:extLst>
           </a:blip>
-          <a:stretch>
-            <a:fillRect/>
-          </a:stretch>
+          <a:srcRect l="5677" t="7639" r="5677" b="7639"/>
+          <a:stretch/>
         </p:blipFill>
         <p:spPr>
           <a:xfrm>
-            <a:off x="2914650" y="2209800"/>
-            <a:ext cx="2438400" cy="2438400"/>
+            <a:off x="4224209" y="247650"/>
+            <a:ext cx="7748715" cy="5983187"/>
           </a:xfrm>
           <a:prstGeom prst="rect">
             <a:avLst/>
           </a:prstGeom>
-          <a:ln w="76200">
-            <a:solidFill>
-              <a:srgbClr val="0070C0"/>
-            </a:solidFill>
-          </a:ln>
         </p:spPr>
       </p:pic>
-      <p:pic>
-        <p:nvPicPr>
-          <p:cNvPr id="7" name="Grafik 6">
-            <a:extLst>
-              <a:ext uri="{FF2B5EF4-FFF2-40B4-BE49-F238E27FC236}">
-                <a16:creationId xmlns:a16="http://schemas.microsoft.com/office/drawing/2014/main" id="{517BFDC8-EAAF-1A0D-A287-7F4779E40B0D}"/>
-              </a:ext>
-            </a:extLst>
-          </p:cNvPr>
-          <p:cNvPicPr>
-            <a:picLocks noChangeAspect="1"/>
-          </p:cNvPicPr>
-          <p:nvPr/>
-        </p:nvPicPr>
-        <p:blipFill>
-          <a:blip r:embed="rId3">
-            <a:extLst>
-              <a:ext uri="{28A0092B-C50C-407E-A947-70E740481C1C}">
-                <a14:useLocalDpi xmlns:a14="http://schemas.microsoft.com/office/drawing/2010/main" val="0"/>
-              </a:ext>
-            </a:extLst>
-          </a:blip>
-          <a:stretch>
-            <a:fillRect/>
-          </a:stretch>
-        </p:blipFill>
-        <p:spPr>
-          <a:xfrm>
-            <a:off x="6838950" y="2209800"/>
-            <a:ext cx="2438400" cy="2438400"/>
-          </a:xfrm>
-          <a:prstGeom prst="rect">
-            <a:avLst/>
-          </a:prstGeom>
-          <a:ln w="76200">
-            <a:solidFill>
-              <a:srgbClr val="0070C0"/>
-            </a:solidFill>
-          </a:ln>
-        </p:spPr>
-      </p:pic>
-      <p:sp>
-        <p:nvSpPr>
-          <p:cNvPr id="8" name="Pfeil: nach rechts 7">
-            <a:extLst>
-              <a:ext uri="{FF2B5EF4-FFF2-40B4-BE49-F238E27FC236}">
-                <a16:creationId xmlns:a16="http://schemas.microsoft.com/office/drawing/2014/main" id="{4097D372-AE39-880B-3D5B-6A0685A5D4E5}"/>
-              </a:ext>
-            </a:extLst>
-          </p:cNvPr>
-          <p:cNvSpPr/>
-          <p:nvPr/>
-        </p:nvSpPr>
-        <p:spPr>
-          <a:xfrm>
-            <a:off x="5734050" y="3133725"/>
-            <a:ext cx="723900" cy="600075"/>
-          </a:xfrm>
-          <a:prstGeom prst="rightArrow">
-            <a:avLst/>
-          </a:prstGeom>
-        </p:spPr>
-        <p:style>
-          <a:lnRef idx="2">
-            <a:schemeClr val="accent1">
-              <a:shade val="50000"/>
-            </a:schemeClr>
-          </a:lnRef>
-          <a:fillRef idx="1">
-            <a:schemeClr val="accent1"/>
-          </a:fillRef>
-          <a:effectRef idx="0">
-            <a:schemeClr val="accent1"/>
-          </a:effectRef>
-          <a:fontRef idx="minor">
-            <a:schemeClr val="lt1"/>
-          </a:fontRef>
-        </p:style>
-        <p:txBody>
-          <a:bodyPr rtlCol="0" anchor="ctr"/>
-          <a:lstStyle/>
-          <a:p>
-            <a:pPr algn="ctr"/>
-            <a:endParaRPr lang="en-GB"/>
-          </a:p>
-        </p:txBody>
-      </p:sp>
-      <p:sp>
-        <p:nvSpPr>
-          <p:cNvPr id="9" name="Titel 1">
-            <a:extLst>
-              <a:ext uri="{FF2B5EF4-FFF2-40B4-BE49-F238E27FC236}">
-                <a16:creationId xmlns:a16="http://schemas.microsoft.com/office/drawing/2014/main" id="{20146D88-64FB-44AD-9C0B-07093437E7AE}"/>
-              </a:ext>
-            </a:extLst>
-          </p:cNvPr>
-          <p:cNvSpPr>
-            <a:spLocks noGrp="1"/>
-          </p:cNvSpPr>
-          <p:nvPr>
-            <p:ph type="title"/>
-          </p:nvPr>
-        </p:nvSpPr>
-        <p:spPr>
-          <a:xfrm>
-            <a:off x="838200" y="365125"/>
-            <a:ext cx="10515600" cy="1325563"/>
-          </a:xfrm>
-        </p:spPr>
-        <p:txBody>
-          <a:bodyPr/>
-          <a:lstStyle/>
-          <a:p>
-            <a:r>
-              <a:rPr lang="de-DE" dirty="0"/>
-              <a:t>Ergebnis</a:t>
-            </a:r>
-            <a:endParaRPr lang="en-GB" dirty="0"/>
-          </a:p>
-        </p:txBody>
-      </p:sp>
     </p:spTree>
     <p:extLst>
       <p:ext uri="{BB962C8B-B14F-4D97-AF65-F5344CB8AC3E}">
-        <p14:creationId xmlns:p14="http://schemas.microsoft.com/office/powerpoint/2010/main" val="1418090824"/>
+        <p14:creationId xmlns:p14="http://schemas.microsoft.com/office/powerpoint/2010/main" val="800027535"/>
       </p:ext>
     </p:extLst>
   </p:cSld>
@@ -4509,19 +4811,14 @@
             <p:ph type="title"/>
           </p:nvPr>
         </p:nvSpPr>
-        <p:spPr>
-          <a:xfrm>
-            <a:off x="838200" y="165100"/>
-            <a:ext cx="10515600" cy="1325563"/>
-          </a:xfrm>
-        </p:spPr>
+        <p:spPr/>
         <p:txBody>
           <a:bodyPr/>
           <a:lstStyle/>
           <a:p>
             <a:r>
               <a:rPr lang="de-DE" dirty="0"/>
-              <a:t>10x12 Labyrinth</a:t>
+              <a:t>5x5 Labyrinth</a:t>
             </a:r>
             <a:endParaRPr lang="en-GB" dirty="0"/>
           </a:p>
@@ -4581,10 +4878,10 @@
       </p:sp>
       <p:pic>
         <p:nvPicPr>
-          <p:cNvPr id="5" name="Grafik 4">
-            <a:extLst>
-              <a:ext uri="{FF2B5EF4-FFF2-40B4-BE49-F238E27FC236}">
-                <a16:creationId xmlns:a16="http://schemas.microsoft.com/office/drawing/2014/main" id="{E9B1E8BC-89C7-8E58-DDD3-3322F7BFC86C}"/>
+          <p:cNvPr id="6" name="Grafik 5">
+            <a:extLst>
+              <a:ext uri="{FF2B5EF4-FFF2-40B4-BE49-F238E27FC236}">
+                <a16:creationId xmlns:a16="http://schemas.microsoft.com/office/drawing/2014/main" id="{1259DF89-A4D8-1B2A-6552-7CA8263AAFFD}"/>
               </a:ext>
             </a:extLst>
           </p:cNvPr>
@@ -4601,13 +4898,13 @@
               </a:ext>
             </a:extLst>
           </a:blip>
-          <a:srcRect l="6874" t="8751" r="6343" b="9027"/>
+          <a:srcRect l="8509" t="14445" r="8214" b="14321"/>
           <a:stretch/>
         </p:blipFill>
         <p:spPr>
           <a:xfrm>
-            <a:off x="838200" y="1362074"/>
-            <a:ext cx="6625153" cy="4800601"/>
+            <a:off x="838200" y="1690688"/>
+            <a:ext cx="7442200" cy="3786728"/>
           </a:xfrm>
           <a:prstGeom prst="rect">
             <a:avLst/>
@@ -4616,10 +4913,10 @@
       </p:pic>
       <p:pic>
         <p:nvPicPr>
-          <p:cNvPr id="8" name="Grafik 7">
-            <a:extLst>
-              <a:ext uri="{FF2B5EF4-FFF2-40B4-BE49-F238E27FC236}">
-                <a16:creationId xmlns:a16="http://schemas.microsoft.com/office/drawing/2014/main" id="{FE9AE979-E95E-09C0-4A76-023D4CF26D81}"/>
+          <p:cNvPr id="10" name="Grafik 9" descr="Ein Bild, das Platz enthält.&#10;&#10;Automatisch generierte Beschreibung">
+            <a:extLst>
+              <a:ext uri="{FF2B5EF4-FFF2-40B4-BE49-F238E27FC236}">
+                <a16:creationId xmlns:a16="http://schemas.microsoft.com/office/drawing/2014/main" id="{F43742D7-936B-0812-1B71-195F4AE348B5}"/>
               </a:ext>
             </a:extLst>
           </p:cNvPr>
@@ -4642,8 +4939,8 @@
         </p:blipFill>
         <p:spPr>
           <a:xfrm>
-            <a:off x="8648700" y="1966912"/>
-            <a:ext cx="2438400" cy="2924175"/>
+            <a:off x="8990060" y="2209800"/>
+            <a:ext cx="2438400" cy="2438400"/>
           </a:xfrm>
           <a:prstGeom prst="rect">
             <a:avLst/>
@@ -4658,7 +4955,7 @@
     </p:spTree>
     <p:extLst>
       <p:ext uri="{BB962C8B-B14F-4D97-AF65-F5344CB8AC3E}">
-        <p14:creationId xmlns:p14="http://schemas.microsoft.com/office/powerpoint/2010/main" val="4054706365"/>
+        <p14:creationId xmlns:p14="http://schemas.microsoft.com/office/powerpoint/2010/main" val="3319078393"/>
       </p:ext>
     </p:extLst>
   </p:cSld>
@@ -4737,92 +5034,12 @@
           </a:p>
         </p:txBody>
       </p:sp>
-      <p:sp>
-        <p:nvSpPr>
-          <p:cNvPr id="8" name="Pfeil: nach rechts 7">
-            <a:extLst>
-              <a:ext uri="{FF2B5EF4-FFF2-40B4-BE49-F238E27FC236}">
-                <a16:creationId xmlns:a16="http://schemas.microsoft.com/office/drawing/2014/main" id="{4097D372-AE39-880B-3D5B-6A0685A5D4E5}"/>
-              </a:ext>
-            </a:extLst>
-          </p:cNvPr>
-          <p:cNvSpPr/>
-          <p:nvPr/>
-        </p:nvSpPr>
-        <p:spPr>
-          <a:xfrm>
-            <a:off x="5734050" y="3133725"/>
-            <a:ext cx="723900" cy="600075"/>
-          </a:xfrm>
-          <a:prstGeom prst="rightArrow">
-            <a:avLst/>
-          </a:prstGeom>
-        </p:spPr>
-        <p:style>
-          <a:lnRef idx="2">
-            <a:schemeClr val="accent1">
-              <a:shade val="50000"/>
-            </a:schemeClr>
-          </a:lnRef>
-          <a:fillRef idx="1">
-            <a:schemeClr val="accent1"/>
-          </a:fillRef>
-          <a:effectRef idx="0">
-            <a:schemeClr val="accent1"/>
-          </a:effectRef>
-          <a:fontRef idx="minor">
-            <a:schemeClr val="lt1"/>
-          </a:fontRef>
-        </p:style>
-        <p:txBody>
-          <a:bodyPr rtlCol="0" anchor="ctr"/>
-          <a:lstStyle/>
-          <a:p>
-            <a:pPr algn="ctr"/>
-            <a:endParaRPr lang="en-GB"/>
-          </a:p>
-        </p:txBody>
-      </p:sp>
-      <p:sp>
-        <p:nvSpPr>
-          <p:cNvPr id="9" name="Titel 1">
-            <a:extLst>
-              <a:ext uri="{FF2B5EF4-FFF2-40B4-BE49-F238E27FC236}">
-                <a16:creationId xmlns:a16="http://schemas.microsoft.com/office/drawing/2014/main" id="{20146D88-64FB-44AD-9C0B-07093437E7AE}"/>
-              </a:ext>
-            </a:extLst>
-          </p:cNvPr>
-          <p:cNvSpPr>
-            <a:spLocks noGrp="1"/>
-          </p:cNvSpPr>
-          <p:nvPr>
-            <p:ph type="title"/>
-          </p:nvPr>
-        </p:nvSpPr>
-        <p:spPr>
-          <a:xfrm>
-            <a:off x="838200" y="365125"/>
-            <a:ext cx="10515600" cy="1325563"/>
-          </a:xfrm>
-        </p:spPr>
-        <p:txBody>
-          <a:bodyPr/>
-          <a:lstStyle/>
-          <a:p>
-            <a:r>
-              <a:rPr lang="de-DE" dirty="0"/>
-              <a:t>Ergebnis</a:t>
-            </a:r>
-            <a:endParaRPr lang="en-GB" dirty="0"/>
-          </a:p>
-        </p:txBody>
-      </p:sp>
       <p:pic>
         <p:nvPicPr>
-          <p:cNvPr id="10" name="Grafik 9">
-            <a:extLst>
-              <a:ext uri="{FF2B5EF4-FFF2-40B4-BE49-F238E27FC236}">
-                <a16:creationId xmlns:a16="http://schemas.microsoft.com/office/drawing/2014/main" id="{6659E04E-F78E-204E-5049-BB276D8003EF}"/>
+          <p:cNvPr id="5" name="Grafik 4" descr="Ein Bild, das Platz enthält.&#10;&#10;Automatisch generierte Beschreibung">
+            <a:extLst>
+              <a:ext uri="{FF2B5EF4-FFF2-40B4-BE49-F238E27FC236}">
+                <a16:creationId xmlns:a16="http://schemas.microsoft.com/office/drawing/2014/main" id="{9B719DB6-7BCB-F165-0E6C-BB436D1DBB49}"/>
               </a:ext>
             </a:extLst>
           </p:cNvPr>
@@ -4845,8 +5062,8 @@
         </p:blipFill>
         <p:spPr>
           <a:xfrm>
-            <a:off x="2781300" y="1966912"/>
-            <a:ext cx="2438400" cy="2924175"/>
+            <a:off x="2914650" y="2209800"/>
+            <a:ext cx="2438400" cy="2438400"/>
           </a:xfrm>
           <a:prstGeom prst="rect">
             <a:avLst/>
@@ -4860,10 +5077,10 @@
       </p:pic>
       <p:pic>
         <p:nvPicPr>
-          <p:cNvPr id="3" name="Grafik 2">
-            <a:extLst>
-              <a:ext uri="{FF2B5EF4-FFF2-40B4-BE49-F238E27FC236}">
-                <a16:creationId xmlns:a16="http://schemas.microsoft.com/office/drawing/2014/main" id="{657B48AE-68F1-71AA-E2A0-336CD01FD147}"/>
+          <p:cNvPr id="7" name="Grafik 6">
+            <a:extLst>
+              <a:ext uri="{FF2B5EF4-FFF2-40B4-BE49-F238E27FC236}">
+                <a16:creationId xmlns:a16="http://schemas.microsoft.com/office/drawing/2014/main" id="{517BFDC8-EAAF-1A0D-A287-7F4779E40B0D}"/>
               </a:ext>
             </a:extLst>
           </p:cNvPr>
@@ -4886,8 +5103,8 @@
         </p:blipFill>
         <p:spPr>
           <a:xfrm>
-            <a:off x="6972300" y="1957387"/>
-            <a:ext cx="2438400" cy="2924175"/>
+            <a:off x="6838950" y="2209800"/>
+            <a:ext cx="2438400" cy="2438400"/>
           </a:xfrm>
           <a:prstGeom prst="rect">
             <a:avLst/>
@@ -4899,10 +5116,90 @@
           </a:ln>
         </p:spPr>
       </p:pic>
+      <p:sp>
+        <p:nvSpPr>
+          <p:cNvPr id="8" name="Pfeil: nach rechts 7">
+            <a:extLst>
+              <a:ext uri="{FF2B5EF4-FFF2-40B4-BE49-F238E27FC236}">
+                <a16:creationId xmlns:a16="http://schemas.microsoft.com/office/drawing/2014/main" id="{4097D372-AE39-880B-3D5B-6A0685A5D4E5}"/>
+              </a:ext>
+            </a:extLst>
+          </p:cNvPr>
+          <p:cNvSpPr/>
+          <p:nvPr/>
+        </p:nvSpPr>
+        <p:spPr>
+          <a:xfrm>
+            <a:off x="5734050" y="3133725"/>
+            <a:ext cx="723900" cy="600075"/>
+          </a:xfrm>
+          <a:prstGeom prst="rightArrow">
+            <a:avLst/>
+          </a:prstGeom>
+        </p:spPr>
+        <p:style>
+          <a:lnRef idx="2">
+            <a:schemeClr val="accent1">
+              <a:shade val="50000"/>
+            </a:schemeClr>
+          </a:lnRef>
+          <a:fillRef idx="1">
+            <a:schemeClr val="accent1"/>
+          </a:fillRef>
+          <a:effectRef idx="0">
+            <a:schemeClr val="accent1"/>
+          </a:effectRef>
+          <a:fontRef idx="minor">
+            <a:schemeClr val="lt1"/>
+          </a:fontRef>
+        </p:style>
+        <p:txBody>
+          <a:bodyPr rtlCol="0" anchor="ctr"/>
+          <a:lstStyle/>
+          <a:p>
+            <a:pPr algn="ctr"/>
+            <a:endParaRPr lang="en-GB"/>
+          </a:p>
+        </p:txBody>
+      </p:sp>
+      <p:sp>
+        <p:nvSpPr>
+          <p:cNvPr id="9" name="Titel 1">
+            <a:extLst>
+              <a:ext uri="{FF2B5EF4-FFF2-40B4-BE49-F238E27FC236}">
+                <a16:creationId xmlns:a16="http://schemas.microsoft.com/office/drawing/2014/main" id="{20146D88-64FB-44AD-9C0B-07093437E7AE}"/>
+              </a:ext>
+            </a:extLst>
+          </p:cNvPr>
+          <p:cNvSpPr>
+            <a:spLocks noGrp="1"/>
+          </p:cNvSpPr>
+          <p:nvPr>
+            <p:ph type="title"/>
+          </p:nvPr>
+        </p:nvSpPr>
+        <p:spPr>
+          <a:xfrm>
+            <a:off x="838200" y="365125"/>
+            <a:ext cx="10515600" cy="1325563"/>
+          </a:xfrm>
+        </p:spPr>
+        <p:txBody>
+          <a:bodyPr/>
+          <a:lstStyle/>
+          <a:p>
+            <a:r>
+              <a:rPr lang="de-DE" dirty="0"/>
+              <a:t>Ergebnis</a:t>
+            </a:r>
+            <a:endParaRPr lang="en-GB" dirty="0"/>
+          </a:p>
+        </p:txBody>
+      </p:sp>
     </p:spTree>
     <p:extLst>
       <p:ext uri="{BB962C8B-B14F-4D97-AF65-F5344CB8AC3E}">
-        <p14:creationId xmlns:p14="http://schemas.microsoft.com/office/powerpoint/2010/main" val="2994689130"/>
+        <p14:creationId xmlns:p14="http://schemas.microsoft.com/office/powerpoint/2010/main" val="1418090824"/>
       </p:ext>
     </p:extLst>
   </p:cSld>
@@ -4934,7 +5231,7 @@
           <p:cNvPr id="2" name="Titel 1">
             <a:extLst>
               <a:ext uri="{FF2B5EF4-FFF2-40B4-BE49-F238E27FC236}">
-                <a16:creationId xmlns:a16="http://schemas.microsoft.com/office/drawing/2014/main" id="{BDA989A1-BA10-7C90-3FC3-1AC309FFDB91}"/>
+                <a16:creationId xmlns:a16="http://schemas.microsoft.com/office/drawing/2014/main" id="{E865B767-73F2-1B82-7895-C6D811025DC7}"/>
               </a:ext>
             </a:extLst>
           </p:cNvPr>
@@ -4947,8 +5244,8 @@
         </p:nvSpPr>
         <p:spPr>
           <a:xfrm>
-            <a:off x="2658533" y="2766218"/>
-            <a:ext cx="6874933" cy="1325563"/>
+            <a:off x="838200" y="165100"/>
+            <a:ext cx="10515600" cy="1325563"/>
           </a:xfrm>
         </p:spPr>
         <p:txBody>
@@ -4957,16 +5254,144 @@
           <a:p>
             <a:r>
               <a:rPr lang="de-DE" dirty="0"/>
-              <a:t>Implementierung von Sudoku</a:t>
+              <a:t>10x12 Labyrinth</a:t>
             </a:r>
             <a:endParaRPr lang="en-GB" dirty="0"/>
           </a:p>
         </p:txBody>
       </p:sp>
+      <p:sp>
+        <p:nvSpPr>
+          <p:cNvPr id="4" name="Rechteck 3">
+            <a:extLst>
+              <a:ext uri="{FF2B5EF4-FFF2-40B4-BE49-F238E27FC236}">
+                <a16:creationId xmlns:a16="http://schemas.microsoft.com/office/drawing/2014/main" id="{65E4DE3D-A5D2-7561-9D1B-9D26F4E40803}"/>
+              </a:ext>
+            </a:extLst>
+          </p:cNvPr>
+          <p:cNvSpPr/>
+          <p:nvPr/>
+        </p:nvSpPr>
+        <p:spPr>
+          <a:xfrm>
+            <a:off x="0" y="6444867"/>
+            <a:ext cx="12192000" cy="413133"/>
+          </a:xfrm>
+          <a:prstGeom prst="rect">
+            <a:avLst/>
+          </a:prstGeom>
+          <a:ln>
+            <a:noFill/>
+          </a:ln>
+        </p:spPr>
+        <p:style>
+          <a:lnRef idx="2">
+            <a:schemeClr val="accent1">
+              <a:shade val="50000"/>
+            </a:schemeClr>
+          </a:lnRef>
+          <a:fillRef idx="1">
+            <a:schemeClr val="accent1"/>
+          </a:fillRef>
+          <a:effectRef idx="0">
+            <a:schemeClr val="accent1"/>
+          </a:effectRef>
+          <a:fontRef idx="minor">
+            <a:schemeClr val="lt1"/>
+          </a:fontRef>
+        </p:style>
+        <p:txBody>
+          <a:bodyPr rtlCol="0" anchor="ctr"/>
+          <a:lstStyle/>
+          <a:p>
+            <a:pPr algn="ctr"/>
+            <a:r>
+              <a:rPr lang="de-DE" dirty="0"/>
+              <a:t>Implementierung des Algorithmus &gt; Selbst generierte Beispiele</a:t>
+            </a:r>
+          </a:p>
+        </p:txBody>
+      </p:sp>
+      <p:pic>
+        <p:nvPicPr>
+          <p:cNvPr id="5" name="Grafik 4">
+            <a:extLst>
+              <a:ext uri="{FF2B5EF4-FFF2-40B4-BE49-F238E27FC236}">
+                <a16:creationId xmlns:a16="http://schemas.microsoft.com/office/drawing/2014/main" id="{E9B1E8BC-89C7-8E58-DDD3-3322F7BFC86C}"/>
+              </a:ext>
+            </a:extLst>
+          </p:cNvPr>
+          <p:cNvPicPr>
+            <a:picLocks noChangeAspect="1"/>
+          </p:cNvPicPr>
+          <p:nvPr/>
+        </p:nvPicPr>
+        <p:blipFill rotWithShape="1">
+          <a:blip r:embed="rId2">
+            <a:extLst>
+              <a:ext uri="{28A0092B-C50C-407E-A947-70E740481C1C}">
+                <a14:useLocalDpi xmlns:a14="http://schemas.microsoft.com/office/drawing/2010/main" val="0"/>
+              </a:ext>
+            </a:extLst>
+          </a:blip>
+          <a:srcRect l="6874" t="8751" r="6343" b="9027"/>
+          <a:stretch/>
+        </p:blipFill>
+        <p:spPr>
+          <a:xfrm>
+            <a:off x="838200" y="1362074"/>
+            <a:ext cx="6625153" cy="4800601"/>
+          </a:xfrm>
+          <a:prstGeom prst="rect">
+            <a:avLst/>
+          </a:prstGeom>
+        </p:spPr>
+      </p:pic>
+      <p:pic>
+        <p:nvPicPr>
+          <p:cNvPr id="8" name="Grafik 7">
+            <a:extLst>
+              <a:ext uri="{FF2B5EF4-FFF2-40B4-BE49-F238E27FC236}">
+                <a16:creationId xmlns:a16="http://schemas.microsoft.com/office/drawing/2014/main" id="{FE9AE979-E95E-09C0-4A76-023D4CF26D81}"/>
+              </a:ext>
+            </a:extLst>
+          </p:cNvPr>
+          <p:cNvPicPr>
+            <a:picLocks noChangeAspect="1"/>
+          </p:cNvPicPr>
+          <p:nvPr/>
+        </p:nvPicPr>
+        <p:blipFill>
+          <a:blip r:embed="rId3">
+            <a:extLst>
+              <a:ext uri="{28A0092B-C50C-407E-A947-70E740481C1C}">
+                <a14:useLocalDpi xmlns:a14="http://schemas.microsoft.com/office/drawing/2010/main" val="0"/>
+              </a:ext>
+            </a:extLst>
+          </a:blip>
+          <a:stretch>
+            <a:fillRect/>
+          </a:stretch>
+        </p:blipFill>
+        <p:spPr>
+          <a:xfrm>
+            <a:off x="8648700" y="1966912"/>
+            <a:ext cx="2438400" cy="2924175"/>
+          </a:xfrm>
+          <a:prstGeom prst="rect">
+            <a:avLst/>
+          </a:prstGeom>
+          <a:ln w="76200">
+            <a:solidFill>
+              <a:srgbClr val="0070C0"/>
+            </a:solidFill>
+          </a:ln>
+        </p:spPr>
+      </p:pic>
     </p:spTree>
     <p:extLst>
       <p:ext uri="{BB962C8B-B14F-4D97-AF65-F5344CB8AC3E}">
-        <p14:creationId xmlns:p14="http://schemas.microsoft.com/office/powerpoint/2010/main" val="3097412818"/>
+        <p14:creationId xmlns:p14="http://schemas.microsoft.com/office/powerpoint/2010/main" val="4054706365"/>
       </p:ext>
     </p:extLst>
   </p:cSld>
@@ -4995,73 +5420,10 @@
       </p:grpSpPr>
       <p:sp>
         <p:nvSpPr>
-          <p:cNvPr id="2" name="Titel 1">
-            <a:extLst>
-              <a:ext uri="{FF2B5EF4-FFF2-40B4-BE49-F238E27FC236}">
-                <a16:creationId xmlns:a16="http://schemas.microsoft.com/office/drawing/2014/main" id="{63E53799-8F0C-D0A0-7D1C-9BD02559E57B}"/>
-              </a:ext>
-            </a:extLst>
-          </p:cNvPr>
-          <p:cNvSpPr>
-            <a:spLocks noGrp="1"/>
-          </p:cNvSpPr>
-          <p:nvPr>
-            <p:ph type="title"/>
-          </p:nvPr>
-        </p:nvSpPr>
-        <p:spPr/>
-        <p:txBody>
-          <a:bodyPr/>
-          <a:lstStyle/>
-          <a:p>
-            <a:r>
-              <a:rPr lang="de-DE" dirty="0"/>
-              <a:t>Sudoku Regeln</a:t>
-            </a:r>
-            <a:endParaRPr lang="en-GB" dirty="0"/>
-          </a:p>
-        </p:txBody>
-      </p:sp>
-      <p:sp>
-        <p:nvSpPr>
-          <p:cNvPr id="3" name="Inhaltsplatzhalter 2">
-            <a:extLst>
-              <a:ext uri="{FF2B5EF4-FFF2-40B4-BE49-F238E27FC236}">
-                <a16:creationId xmlns:a16="http://schemas.microsoft.com/office/drawing/2014/main" id="{9BFD47C8-49EE-513F-9AB6-73054D63FB4C}"/>
-              </a:ext>
-            </a:extLst>
-          </p:cNvPr>
-          <p:cNvSpPr>
-            <a:spLocks noGrp="1"/>
-          </p:cNvSpPr>
-          <p:nvPr>
-            <p:ph idx="1"/>
-          </p:nvPr>
-        </p:nvSpPr>
-        <p:spPr/>
-        <p:txBody>
-          <a:bodyPr/>
-          <a:lstStyle/>
-          <a:p>
-            <a:r>
-              <a:rPr lang="de-DE" dirty="0"/>
-              <a:t>Ein Sudoku Feld besteht aus 3x3 Blöcken mit jeweils 3x3 Kästchen</a:t>
-            </a:r>
-          </a:p>
-          <a:p>
-            <a:r>
-              <a:rPr lang="de-DE" dirty="0"/>
-              <a:t>Das Ziel des Spiels besteht darin jedes Kästchen so zu füllen, dass in jeder der je neun Zeilen, Spalten und Blöcken jede Zahl von 1 bis 9 nur einmal vorkommt. </a:t>
-            </a:r>
-          </a:p>
-        </p:txBody>
-      </p:sp>
-      <p:sp>
-        <p:nvSpPr>
           <p:cNvPr id="4" name="Rechteck 3">
             <a:extLst>
               <a:ext uri="{FF2B5EF4-FFF2-40B4-BE49-F238E27FC236}">
-                <a16:creationId xmlns:a16="http://schemas.microsoft.com/office/drawing/2014/main" id="{9FC6F25E-BAFF-2C33-44BC-94155B51EA80}"/>
+                <a16:creationId xmlns:a16="http://schemas.microsoft.com/office/drawing/2014/main" id="{C3797A29-3736-0279-C564-BA1EF673B253}"/>
               </a:ext>
             </a:extLst>
           </p:cNvPr>
@@ -5103,15 +5465,177 @@
             <a:pPr algn="ctr"/>
             <a:r>
               <a:rPr lang="de-DE" dirty="0"/>
-              <a:t>Implementierung von Sudoku &gt; Sudoku Regeln</a:t>
-            </a:r>
-          </a:p>
-        </p:txBody>
-      </p:sp>
+              <a:t>Implementierung des Algorithmus &gt; Selbst generierte Beispiele</a:t>
+            </a:r>
+          </a:p>
+        </p:txBody>
+      </p:sp>
+      <p:sp>
+        <p:nvSpPr>
+          <p:cNvPr id="8" name="Pfeil: nach rechts 7">
+            <a:extLst>
+              <a:ext uri="{FF2B5EF4-FFF2-40B4-BE49-F238E27FC236}">
+                <a16:creationId xmlns:a16="http://schemas.microsoft.com/office/drawing/2014/main" id="{4097D372-AE39-880B-3D5B-6A0685A5D4E5}"/>
+              </a:ext>
+            </a:extLst>
+          </p:cNvPr>
+          <p:cNvSpPr/>
+          <p:nvPr/>
+        </p:nvSpPr>
+        <p:spPr>
+          <a:xfrm>
+            <a:off x="5734050" y="3133725"/>
+            <a:ext cx="723900" cy="600075"/>
+          </a:xfrm>
+          <a:prstGeom prst="rightArrow">
+            <a:avLst/>
+          </a:prstGeom>
+        </p:spPr>
+        <p:style>
+          <a:lnRef idx="2">
+            <a:schemeClr val="accent1">
+              <a:shade val="50000"/>
+            </a:schemeClr>
+          </a:lnRef>
+          <a:fillRef idx="1">
+            <a:schemeClr val="accent1"/>
+          </a:fillRef>
+          <a:effectRef idx="0">
+            <a:schemeClr val="accent1"/>
+          </a:effectRef>
+          <a:fontRef idx="minor">
+            <a:schemeClr val="lt1"/>
+          </a:fontRef>
+        </p:style>
+        <p:txBody>
+          <a:bodyPr rtlCol="0" anchor="ctr"/>
+          <a:lstStyle/>
+          <a:p>
+            <a:pPr algn="ctr"/>
+            <a:endParaRPr lang="en-GB"/>
+          </a:p>
+        </p:txBody>
+      </p:sp>
+      <p:sp>
+        <p:nvSpPr>
+          <p:cNvPr id="9" name="Titel 1">
+            <a:extLst>
+              <a:ext uri="{FF2B5EF4-FFF2-40B4-BE49-F238E27FC236}">
+                <a16:creationId xmlns:a16="http://schemas.microsoft.com/office/drawing/2014/main" id="{20146D88-64FB-44AD-9C0B-07093437E7AE}"/>
+              </a:ext>
+            </a:extLst>
+          </p:cNvPr>
+          <p:cNvSpPr>
+            <a:spLocks noGrp="1"/>
+          </p:cNvSpPr>
+          <p:nvPr>
+            <p:ph type="title"/>
+          </p:nvPr>
+        </p:nvSpPr>
+        <p:spPr>
+          <a:xfrm>
+            <a:off x="838200" y="365125"/>
+            <a:ext cx="10515600" cy="1325563"/>
+          </a:xfrm>
+        </p:spPr>
+        <p:txBody>
+          <a:bodyPr/>
+          <a:lstStyle/>
+          <a:p>
+            <a:r>
+              <a:rPr lang="de-DE" dirty="0"/>
+              <a:t>Ergebnis</a:t>
+            </a:r>
+            <a:endParaRPr lang="en-GB" dirty="0"/>
+          </a:p>
+        </p:txBody>
+      </p:sp>
+      <p:pic>
+        <p:nvPicPr>
+          <p:cNvPr id="10" name="Grafik 9">
+            <a:extLst>
+              <a:ext uri="{FF2B5EF4-FFF2-40B4-BE49-F238E27FC236}">
+                <a16:creationId xmlns:a16="http://schemas.microsoft.com/office/drawing/2014/main" id="{6659E04E-F78E-204E-5049-BB276D8003EF}"/>
+              </a:ext>
+            </a:extLst>
+          </p:cNvPr>
+          <p:cNvPicPr>
+            <a:picLocks noChangeAspect="1"/>
+          </p:cNvPicPr>
+          <p:nvPr/>
+        </p:nvPicPr>
+        <p:blipFill>
+          <a:blip r:embed="rId2">
+            <a:extLst>
+              <a:ext uri="{28A0092B-C50C-407E-A947-70E740481C1C}">
+                <a14:useLocalDpi xmlns:a14="http://schemas.microsoft.com/office/drawing/2010/main" val="0"/>
+              </a:ext>
+            </a:extLst>
+          </a:blip>
+          <a:stretch>
+            <a:fillRect/>
+          </a:stretch>
+        </p:blipFill>
+        <p:spPr>
+          <a:xfrm>
+            <a:off x="2781300" y="1966912"/>
+            <a:ext cx="2438400" cy="2924175"/>
+          </a:xfrm>
+          <a:prstGeom prst="rect">
+            <a:avLst/>
+          </a:prstGeom>
+          <a:ln w="76200">
+            <a:solidFill>
+              <a:srgbClr val="0070C0"/>
+            </a:solidFill>
+          </a:ln>
+        </p:spPr>
+      </p:pic>
+      <p:pic>
+        <p:nvPicPr>
+          <p:cNvPr id="3" name="Grafik 2">
+            <a:extLst>
+              <a:ext uri="{FF2B5EF4-FFF2-40B4-BE49-F238E27FC236}">
+                <a16:creationId xmlns:a16="http://schemas.microsoft.com/office/drawing/2014/main" id="{657B48AE-68F1-71AA-E2A0-336CD01FD147}"/>
+              </a:ext>
+            </a:extLst>
+          </p:cNvPr>
+          <p:cNvPicPr>
+            <a:picLocks noChangeAspect="1"/>
+          </p:cNvPicPr>
+          <p:nvPr/>
+        </p:nvPicPr>
+        <p:blipFill>
+          <a:blip r:embed="rId3">
+            <a:extLst>
+              <a:ext uri="{28A0092B-C50C-407E-A947-70E740481C1C}">
+                <a14:useLocalDpi xmlns:a14="http://schemas.microsoft.com/office/drawing/2010/main" val="0"/>
+              </a:ext>
+            </a:extLst>
+          </a:blip>
+          <a:stretch>
+            <a:fillRect/>
+          </a:stretch>
+        </p:blipFill>
+        <p:spPr>
+          <a:xfrm>
+            <a:off x="6972300" y="1957387"/>
+            <a:ext cx="2438400" cy="2924175"/>
+          </a:xfrm>
+          <a:prstGeom prst="rect">
+            <a:avLst/>
+          </a:prstGeom>
+          <a:ln w="76200">
+            <a:solidFill>
+              <a:srgbClr val="0070C0"/>
+            </a:solidFill>
+          </a:ln>
+        </p:spPr>
+      </p:pic>
     </p:spTree>
     <p:extLst>
       <p:ext uri="{BB962C8B-B14F-4D97-AF65-F5344CB8AC3E}">
-        <p14:creationId xmlns:p14="http://schemas.microsoft.com/office/powerpoint/2010/main" val="2239075735"/>
+        <p14:creationId xmlns:p14="http://schemas.microsoft.com/office/powerpoint/2010/main" val="2994689130"/>
       </p:ext>
     </p:extLst>
   </p:cSld>
@@ -5143,7 +5667,7 @@
           <p:cNvPr id="2" name="Titel 1">
             <a:extLst>
               <a:ext uri="{FF2B5EF4-FFF2-40B4-BE49-F238E27FC236}">
-                <a16:creationId xmlns:a16="http://schemas.microsoft.com/office/drawing/2014/main" id="{D65A7C41-C94C-EA7B-BDE6-FB01F4C17F3B}"/>
+                <a16:creationId xmlns:a16="http://schemas.microsoft.com/office/drawing/2014/main" id="{BDA989A1-BA10-7C90-3FC3-1AC309FFDB91}"/>
               </a:ext>
             </a:extLst>
           </p:cNvPr>
@@ -5154,57 +5678,20 @@
             <p:ph type="title"/>
           </p:nvPr>
         </p:nvSpPr>
-        <p:spPr/>
+        <p:spPr>
+          <a:xfrm>
+            <a:off x="2658533" y="2766218"/>
+            <a:ext cx="6874933" cy="1325563"/>
+          </a:xfrm>
+        </p:spPr>
         <p:txBody>
           <a:bodyPr/>
           <a:lstStyle/>
           <a:p>
             <a:r>
               <a:rPr lang="de-DE" dirty="0"/>
-              <a:t>Quellen</a:t>
-            </a:r>
-            <a:endParaRPr lang="en-GB" dirty="0"/>
-          </a:p>
-        </p:txBody>
-      </p:sp>
-      <p:sp>
-        <p:nvSpPr>
-          <p:cNvPr id="3" name="Inhaltsplatzhalter 2">
-            <a:extLst>
-              <a:ext uri="{FF2B5EF4-FFF2-40B4-BE49-F238E27FC236}">
-                <a16:creationId xmlns:a16="http://schemas.microsoft.com/office/drawing/2014/main" id="{003C4EEA-F021-5590-A93B-97C849877476}"/>
-              </a:ext>
-            </a:extLst>
-          </p:cNvPr>
-          <p:cNvSpPr>
-            <a:spLocks noGrp="1"/>
-          </p:cNvSpPr>
-          <p:nvPr>
-            <p:ph idx="1"/>
-          </p:nvPr>
-        </p:nvSpPr>
-        <p:spPr/>
-        <p:txBody>
-          <a:bodyPr/>
-          <a:lstStyle/>
-          <a:p>
-            <a:r>
-              <a:rPr lang="en-GB" dirty="0">
-                <a:hlinkClick r:id="rId2"/>
-              </a:rPr>
-              <a:t>http://mshang.ca/syntree/</a:t>
-            </a:r>
-          </a:p>
-          <a:p>
-            <a:r>
-              <a:rPr lang="en-GB" dirty="0">
-                <a:hlinkClick r:id="rId2"/>
-              </a:rPr>
-              <a:t>https://www.geeksforgeeks.org/rat-in-a-maze-backtracking-2/</a:t>
-            </a:r>
-            <a:endParaRPr lang="en-GB" dirty="0"/>
-          </a:p>
-          <a:p>
+              <a:t>Implementierung von Sudoku</a:t>
+            </a:r>
             <a:endParaRPr lang="en-GB" dirty="0"/>
           </a:p>
         </p:txBody>
@@ -5212,7 +5699,7 @@
     </p:spTree>
     <p:extLst>
       <p:ext uri="{BB962C8B-B14F-4D97-AF65-F5344CB8AC3E}">
-        <p14:creationId xmlns:p14="http://schemas.microsoft.com/office/powerpoint/2010/main" val="1144204135"/>
+        <p14:creationId xmlns:p14="http://schemas.microsoft.com/office/powerpoint/2010/main" val="3097412818"/>
       </p:ext>
     </p:extLst>
   </p:cSld>
@@ -5284,10 +5771,15 @@
             <p:ph idx="1"/>
           </p:nvPr>
         </p:nvSpPr>
-        <p:spPr/>
+        <p:spPr>
+          <a:xfrm>
+            <a:off x="838200" y="1825625"/>
+            <a:ext cx="10515600" cy="4667250"/>
+          </a:xfrm>
+        </p:spPr>
         <p:txBody>
           <a:bodyPr>
-            <a:normAutofit lnSpcReduction="10000"/>
+            <a:normAutofit fontScale="92500" lnSpcReduction="20000"/>
           </a:bodyPr>
           <a:lstStyle/>
           <a:p>
@@ -5307,6 +5799,13 @@
             <a:pPr lvl="1"/>
             <a:r>
               <a:rPr lang="de-DE" dirty="0"/>
+              <a:t>Rekursiv vs. Iterativ</a:t>
+            </a:r>
+          </a:p>
+          <a:p>
+            <a:pPr lvl="1"/>
+            <a:r>
+              <a:rPr lang="de-DE" dirty="0"/>
               <a:t>Pseudo Code</a:t>
             </a:r>
           </a:p>
@@ -5320,7 +5819,7 @@
             <a:pPr lvl="1"/>
             <a:r>
               <a:rPr lang="de-DE" dirty="0"/>
-              <a:t>Rat in a Maze Problem</a:t>
+              <a:t>„Rat in a Maze“ Problem</a:t>
             </a:r>
           </a:p>
           <a:p>
@@ -5351,9 +5850,30 @@
             </a:r>
           </a:p>
           <a:p>
+            <a:pPr lvl="1"/>
+            <a:r>
+              <a:rPr lang="de-DE" dirty="0"/>
+              <a:t>Programmvorstellung</a:t>
+            </a:r>
+          </a:p>
+          <a:p>
             <a:r>
               <a:rPr lang="de-DE" dirty="0"/>
               <a:t>Oberflächenprogrammierung in Java</a:t>
+            </a:r>
+          </a:p>
+          <a:p>
+            <a:pPr lvl="1"/>
+            <a:r>
+              <a:rPr lang="de-DE" dirty="0"/>
+              <a:t>Fenster und Elemente</a:t>
+            </a:r>
+          </a:p>
+          <a:p>
+            <a:pPr lvl="1"/>
+            <a:r>
+              <a:rPr lang="de-DE" dirty="0"/>
+              <a:t>Visualisierung des Algorithmus</a:t>
             </a:r>
           </a:p>
         </p:txBody>
@@ -5362,6 +5882,1246 @@
     <p:extLst>
       <p:ext uri="{BB962C8B-B14F-4D97-AF65-F5344CB8AC3E}">
         <p14:creationId xmlns:p14="http://schemas.microsoft.com/office/powerpoint/2010/main" val="38374979"/>
+      </p:ext>
+    </p:extLst>
+  </p:cSld>
+  <p:clrMapOvr>
+    <a:masterClrMapping/>
+  </p:clrMapOvr>
+</p:sld>
+</file>
+
+<file path=ppt/slides/slide20.xml><?xml version="1.0" encoding="utf-8"?>
+<p:sld xmlns:a="http://schemas.openxmlformats.org/drawingml/2006/main" xmlns:r="http://schemas.openxmlformats.org/officeDocument/2006/relationships" xmlns:p="http://schemas.openxmlformats.org/presentationml/2006/main">
+  <p:cSld>
+    <p:spTree>
+      <p:nvGrpSpPr>
+        <p:cNvPr id="1" name=""/>
+        <p:cNvGrpSpPr/>
+        <p:nvPr/>
+      </p:nvGrpSpPr>
+      <p:grpSpPr>
+        <a:xfrm>
+          <a:off x="0" y="0"/>
+          <a:ext cx="0" cy="0"/>
+          <a:chOff x="0" y="0"/>
+          <a:chExt cx="0" cy="0"/>
+        </a:xfrm>
+      </p:grpSpPr>
+      <p:sp>
+        <p:nvSpPr>
+          <p:cNvPr id="2" name="Titel 1">
+            <a:extLst>
+              <a:ext uri="{FF2B5EF4-FFF2-40B4-BE49-F238E27FC236}">
+                <a16:creationId xmlns:a16="http://schemas.microsoft.com/office/drawing/2014/main" id="{63E53799-8F0C-D0A0-7D1C-9BD02559E57B}"/>
+              </a:ext>
+            </a:extLst>
+          </p:cNvPr>
+          <p:cNvSpPr>
+            <a:spLocks noGrp="1"/>
+          </p:cNvSpPr>
+          <p:nvPr>
+            <p:ph type="title"/>
+          </p:nvPr>
+        </p:nvSpPr>
+        <p:spPr/>
+        <p:txBody>
+          <a:bodyPr/>
+          <a:lstStyle/>
+          <a:p>
+            <a:r>
+              <a:rPr lang="de-DE" dirty="0"/>
+              <a:t>Sudoku Regeln</a:t>
+            </a:r>
+            <a:endParaRPr lang="en-GB" dirty="0"/>
+          </a:p>
+        </p:txBody>
+      </p:sp>
+      <p:sp>
+        <p:nvSpPr>
+          <p:cNvPr id="3" name="Inhaltsplatzhalter 2">
+            <a:extLst>
+              <a:ext uri="{FF2B5EF4-FFF2-40B4-BE49-F238E27FC236}">
+                <a16:creationId xmlns:a16="http://schemas.microsoft.com/office/drawing/2014/main" id="{9BFD47C8-49EE-513F-9AB6-73054D63FB4C}"/>
+              </a:ext>
+            </a:extLst>
+          </p:cNvPr>
+          <p:cNvSpPr>
+            <a:spLocks noGrp="1"/>
+          </p:cNvSpPr>
+          <p:nvPr>
+            <p:ph idx="1"/>
+          </p:nvPr>
+        </p:nvSpPr>
+        <p:spPr/>
+        <p:txBody>
+          <a:bodyPr/>
+          <a:lstStyle/>
+          <a:p>
+            <a:r>
+              <a:rPr lang="de-DE" dirty="0"/>
+              <a:t>Ein Sudoku Feld besteht aus 3x3 Blöcken mit jeweils 3x3 Kästchen</a:t>
+            </a:r>
+          </a:p>
+          <a:p>
+            <a:r>
+              <a:rPr lang="de-DE" dirty="0"/>
+              <a:t>Das Ziel des Spiels besteht darin jedes Kästchen so zu füllen, dass in jeder der je neun Zeilen, Spalten und Blöcken jede Zahl von 1 bis 9 nur einmal vorkommt.</a:t>
+            </a:r>
+          </a:p>
+        </p:txBody>
+      </p:sp>
+      <p:sp>
+        <p:nvSpPr>
+          <p:cNvPr id="4" name="Rechteck 3">
+            <a:extLst>
+              <a:ext uri="{FF2B5EF4-FFF2-40B4-BE49-F238E27FC236}">
+                <a16:creationId xmlns:a16="http://schemas.microsoft.com/office/drawing/2014/main" id="{9FC6F25E-BAFF-2C33-44BC-94155B51EA80}"/>
+              </a:ext>
+            </a:extLst>
+          </p:cNvPr>
+          <p:cNvSpPr/>
+          <p:nvPr/>
+        </p:nvSpPr>
+        <p:spPr>
+          <a:xfrm>
+            <a:off x="0" y="6444867"/>
+            <a:ext cx="12192000" cy="413133"/>
+          </a:xfrm>
+          <a:prstGeom prst="rect">
+            <a:avLst/>
+          </a:prstGeom>
+          <a:ln>
+            <a:noFill/>
+          </a:ln>
+        </p:spPr>
+        <p:style>
+          <a:lnRef idx="2">
+            <a:schemeClr val="accent1">
+              <a:shade val="50000"/>
+            </a:schemeClr>
+          </a:lnRef>
+          <a:fillRef idx="1">
+            <a:schemeClr val="accent1"/>
+          </a:fillRef>
+          <a:effectRef idx="0">
+            <a:schemeClr val="accent1"/>
+          </a:effectRef>
+          <a:fontRef idx="minor">
+            <a:schemeClr val="lt1"/>
+          </a:fontRef>
+        </p:style>
+        <p:txBody>
+          <a:bodyPr rtlCol="0" anchor="ctr"/>
+          <a:lstStyle/>
+          <a:p>
+            <a:pPr algn="ctr"/>
+            <a:r>
+              <a:rPr lang="de-DE" dirty="0"/>
+              <a:t>Implementierung von Sudoku &gt; Sudoku Regeln</a:t>
+            </a:r>
+          </a:p>
+        </p:txBody>
+      </p:sp>
+    </p:spTree>
+    <p:extLst>
+      <p:ext uri="{BB962C8B-B14F-4D97-AF65-F5344CB8AC3E}">
+        <p14:creationId xmlns:p14="http://schemas.microsoft.com/office/powerpoint/2010/main" val="2239075735"/>
+      </p:ext>
+    </p:extLst>
+  </p:cSld>
+  <p:clrMapOvr>
+    <a:masterClrMapping/>
+  </p:clrMapOvr>
+</p:sld>
+</file>
+
+<file path=ppt/slides/slide21.xml><?xml version="1.0" encoding="utf-8"?>
+<p:sld xmlns:a="http://schemas.openxmlformats.org/drawingml/2006/main" xmlns:r="http://schemas.openxmlformats.org/officeDocument/2006/relationships" xmlns:p="http://schemas.openxmlformats.org/presentationml/2006/main">
+  <p:cSld>
+    <p:spTree>
+      <p:nvGrpSpPr>
+        <p:cNvPr id="1" name=""/>
+        <p:cNvGrpSpPr/>
+        <p:nvPr/>
+      </p:nvGrpSpPr>
+      <p:grpSpPr>
+        <a:xfrm>
+          <a:off x="0" y="0"/>
+          <a:ext cx="0" cy="0"/>
+          <a:chOff x="0" y="0"/>
+          <a:chExt cx="0" cy="0"/>
+        </a:xfrm>
+      </p:grpSpPr>
+      <p:sp>
+        <p:nvSpPr>
+          <p:cNvPr id="2" name="Titel 1">
+            <a:extLst>
+              <a:ext uri="{FF2B5EF4-FFF2-40B4-BE49-F238E27FC236}">
+                <a16:creationId xmlns:a16="http://schemas.microsoft.com/office/drawing/2014/main" id="{430ED504-F4B9-2329-BECF-5230E083A85C}"/>
+              </a:ext>
+            </a:extLst>
+          </p:cNvPr>
+          <p:cNvSpPr>
+            <a:spLocks noGrp="1"/>
+          </p:cNvSpPr>
+          <p:nvPr>
+            <p:ph type="title"/>
+          </p:nvPr>
+        </p:nvSpPr>
+        <p:spPr/>
+        <p:txBody>
+          <a:bodyPr/>
+          <a:lstStyle/>
+          <a:p>
+            <a:r>
+              <a:rPr lang="de-DE" dirty="0"/>
+              <a:t>Angepasster Algorithmus für Sudoku</a:t>
+            </a:r>
+            <a:endParaRPr lang="en-GB" dirty="0"/>
+          </a:p>
+        </p:txBody>
+      </p:sp>
+      <p:sp>
+        <p:nvSpPr>
+          <p:cNvPr id="3" name="Inhaltsplatzhalter 2">
+            <a:extLst>
+              <a:ext uri="{FF2B5EF4-FFF2-40B4-BE49-F238E27FC236}">
+                <a16:creationId xmlns:a16="http://schemas.microsoft.com/office/drawing/2014/main" id="{BF4162F9-9600-B29C-01D7-BF254CAE8FEC}"/>
+              </a:ext>
+            </a:extLst>
+          </p:cNvPr>
+          <p:cNvSpPr>
+            <a:spLocks noGrp="1"/>
+          </p:cNvSpPr>
+          <p:nvPr>
+            <p:ph idx="1"/>
+          </p:nvPr>
+        </p:nvSpPr>
+        <p:spPr/>
+        <p:txBody>
+          <a:bodyPr/>
+          <a:lstStyle/>
+          <a:p>
+            <a:r>
+              <a:rPr lang="de-DE" dirty="0"/>
+              <a:t>Mehrere Faktoren spielen eine Rolle</a:t>
+            </a:r>
+          </a:p>
+          <a:p>
+            <a:r>
+              <a:rPr lang="de-DE" dirty="0"/>
+              <a:t>Ein Eintrag in der Matrix zeigt auf einen Integer von 1 bis 9</a:t>
+            </a:r>
+          </a:p>
+          <a:p>
+            <a:r>
+              <a:rPr lang="de-DE" dirty="0"/>
+              <a:t>„Validierungsfunktion“ muss mehr Faktoren beachten</a:t>
+            </a:r>
+          </a:p>
+          <a:p>
+            <a:r>
+              <a:rPr lang="de-DE" dirty="0"/>
+              <a:t>Überprüfen ob die neue Zahl in der Reihe, in der Spalte oder in der Box bereits enthalten ist</a:t>
+            </a:r>
+            <a:endParaRPr lang="en-GB" dirty="0"/>
+          </a:p>
+        </p:txBody>
+      </p:sp>
+      <p:sp>
+        <p:nvSpPr>
+          <p:cNvPr id="4" name="Rechteck 3">
+            <a:extLst>
+              <a:ext uri="{FF2B5EF4-FFF2-40B4-BE49-F238E27FC236}">
+                <a16:creationId xmlns:a16="http://schemas.microsoft.com/office/drawing/2014/main" id="{C7E1D61C-B022-FF09-93E7-FF165B3C99E5}"/>
+              </a:ext>
+            </a:extLst>
+          </p:cNvPr>
+          <p:cNvSpPr/>
+          <p:nvPr/>
+        </p:nvSpPr>
+        <p:spPr>
+          <a:xfrm>
+            <a:off x="0" y="6444867"/>
+            <a:ext cx="12192000" cy="413133"/>
+          </a:xfrm>
+          <a:prstGeom prst="rect">
+            <a:avLst/>
+          </a:prstGeom>
+          <a:ln>
+            <a:noFill/>
+          </a:ln>
+        </p:spPr>
+        <p:style>
+          <a:lnRef idx="2">
+            <a:schemeClr val="accent1">
+              <a:shade val="50000"/>
+            </a:schemeClr>
+          </a:lnRef>
+          <a:fillRef idx="1">
+            <a:schemeClr val="accent1"/>
+          </a:fillRef>
+          <a:effectRef idx="0">
+            <a:schemeClr val="accent1"/>
+          </a:effectRef>
+          <a:fontRef idx="minor">
+            <a:schemeClr val="lt1"/>
+          </a:fontRef>
+        </p:style>
+        <p:txBody>
+          <a:bodyPr rtlCol="0" anchor="ctr"/>
+          <a:lstStyle/>
+          <a:p>
+            <a:pPr algn="ctr"/>
+            <a:r>
+              <a:rPr lang="de-DE" dirty="0"/>
+              <a:t>Implementierung von Sudoku &gt; Angepasster Algorithmus für Sudoku</a:t>
+            </a:r>
+          </a:p>
+        </p:txBody>
+      </p:sp>
+    </p:spTree>
+    <p:extLst>
+      <p:ext uri="{BB962C8B-B14F-4D97-AF65-F5344CB8AC3E}">
+        <p14:creationId xmlns:p14="http://schemas.microsoft.com/office/powerpoint/2010/main" val="693204474"/>
+      </p:ext>
+    </p:extLst>
+  </p:cSld>
+  <p:clrMapOvr>
+    <a:masterClrMapping/>
+  </p:clrMapOvr>
+</p:sld>
+</file>
+
+<file path=ppt/slides/slide22.xml><?xml version="1.0" encoding="utf-8"?>
+<p:sld xmlns:a="http://schemas.openxmlformats.org/drawingml/2006/main" xmlns:r="http://schemas.openxmlformats.org/officeDocument/2006/relationships" xmlns:p="http://schemas.openxmlformats.org/presentationml/2006/main">
+  <p:cSld>
+    <p:spTree>
+      <p:nvGrpSpPr>
+        <p:cNvPr id="1" name=""/>
+        <p:cNvGrpSpPr/>
+        <p:nvPr/>
+      </p:nvGrpSpPr>
+      <p:grpSpPr>
+        <a:xfrm>
+          <a:off x="0" y="0"/>
+          <a:ext cx="0" cy="0"/>
+          <a:chOff x="0" y="0"/>
+          <a:chExt cx="0" cy="0"/>
+        </a:xfrm>
+      </p:grpSpPr>
+      <p:sp>
+        <p:nvSpPr>
+          <p:cNvPr id="4" name="Rechteck 3">
+            <a:extLst>
+              <a:ext uri="{FF2B5EF4-FFF2-40B4-BE49-F238E27FC236}">
+                <a16:creationId xmlns:a16="http://schemas.microsoft.com/office/drawing/2014/main" id="{8A2C0880-543B-E841-CA2C-C12C922DC70B}"/>
+              </a:ext>
+            </a:extLst>
+          </p:cNvPr>
+          <p:cNvSpPr/>
+          <p:nvPr/>
+        </p:nvSpPr>
+        <p:spPr>
+          <a:xfrm>
+            <a:off x="0" y="6444867"/>
+            <a:ext cx="12192000" cy="413133"/>
+          </a:xfrm>
+          <a:prstGeom prst="rect">
+            <a:avLst/>
+          </a:prstGeom>
+          <a:ln>
+            <a:noFill/>
+          </a:ln>
+        </p:spPr>
+        <p:style>
+          <a:lnRef idx="2">
+            <a:schemeClr val="accent1">
+              <a:shade val="50000"/>
+            </a:schemeClr>
+          </a:lnRef>
+          <a:fillRef idx="1">
+            <a:schemeClr val="accent1"/>
+          </a:fillRef>
+          <a:effectRef idx="0">
+            <a:schemeClr val="accent1"/>
+          </a:effectRef>
+          <a:fontRef idx="minor">
+            <a:schemeClr val="lt1"/>
+          </a:fontRef>
+        </p:style>
+        <p:txBody>
+          <a:bodyPr rtlCol="0" anchor="ctr"/>
+          <a:lstStyle/>
+          <a:p>
+            <a:pPr algn="ctr"/>
+            <a:r>
+              <a:rPr lang="de-DE" dirty="0"/>
+              <a:t>Implementierung von Sudoku &gt; Angepasster Algorithmus für Sudoku</a:t>
+            </a:r>
+          </a:p>
+        </p:txBody>
+      </p:sp>
+      <p:pic>
+        <p:nvPicPr>
+          <p:cNvPr id="6" name="Grafik 5" descr="Ein Bild, das Text, Monitor, drinnen, Bildschirm enthält.&#10;&#10;Automatisch generierte Beschreibung">
+            <a:extLst>
+              <a:ext uri="{FF2B5EF4-FFF2-40B4-BE49-F238E27FC236}">
+                <a16:creationId xmlns:a16="http://schemas.microsoft.com/office/drawing/2014/main" id="{1C83C215-01AC-9FE4-9CD1-E5C6E6FC610A}"/>
+              </a:ext>
+            </a:extLst>
+          </p:cNvPr>
+          <p:cNvPicPr>
+            <a:picLocks noChangeAspect="1"/>
+          </p:cNvPicPr>
+          <p:nvPr/>
+        </p:nvPicPr>
+        <p:blipFill rotWithShape="1">
+          <a:blip r:embed="rId2">
+            <a:extLst>
+              <a:ext uri="{28A0092B-C50C-407E-A947-70E740481C1C}">
+                <a14:useLocalDpi xmlns:a14="http://schemas.microsoft.com/office/drawing/2010/main" val="0"/>
+              </a:ext>
+            </a:extLst>
+          </a:blip>
+          <a:srcRect l="9059" t="12681" r="8847" b="12944"/>
+          <a:stretch/>
+        </p:blipFill>
+        <p:spPr>
+          <a:xfrm>
+            <a:off x="289559" y="1812730"/>
+            <a:ext cx="5806441" cy="3629025"/>
+          </a:xfrm>
+          <a:prstGeom prst="rect">
+            <a:avLst/>
+          </a:prstGeom>
+        </p:spPr>
+      </p:pic>
+      <p:pic>
+        <p:nvPicPr>
+          <p:cNvPr id="8" name="Grafik 7" descr="Ein Bild, das Text, Monitor, Bildschirm enthält.&#10;&#10;Automatisch generierte Beschreibung">
+            <a:extLst>
+              <a:ext uri="{FF2B5EF4-FFF2-40B4-BE49-F238E27FC236}">
+                <a16:creationId xmlns:a16="http://schemas.microsoft.com/office/drawing/2014/main" id="{F71F7EA9-2E03-9D39-80E1-63A571285E39}"/>
+              </a:ext>
+            </a:extLst>
+          </p:cNvPr>
+          <p:cNvPicPr>
+            <a:picLocks noChangeAspect="1"/>
+          </p:cNvPicPr>
+          <p:nvPr/>
+        </p:nvPicPr>
+        <p:blipFill rotWithShape="1">
+          <a:blip r:embed="rId3">
+            <a:extLst>
+              <a:ext uri="{28A0092B-C50C-407E-A947-70E740481C1C}">
+                <a14:useLocalDpi xmlns:a14="http://schemas.microsoft.com/office/drawing/2010/main" val="0"/>
+              </a:ext>
+            </a:extLst>
+          </a:blip>
+          <a:srcRect l="9256" t="12681" r="9816" b="12944"/>
+          <a:stretch/>
+        </p:blipFill>
+        <p:spPr>
+          <a:xfrm>
+            <a:off x="6562725" y="1812731"/>
+            <a:ext cx="5282909" cy="3629025"/>
+          </a:xfrm>
+          <a:prstGeom prst="rect">
+            <a:avLst/>
+          </a:prstGeom>
+        </p:spPr>
+      </p:pic>
+      <p:sp>
+        <p:nvSpPr>
+          <p:cNvPr id="9" name="Titel 1">
+            <a:extLst>
+              <a:ext uri="{FF2B5EF4-FFF2-40B4-BE49-F238E27FC236}">
+                <a16:creationId xmlns:a16="http://schemas.microsoft.com/office/drawing/2014/main" id="{9AFE0B66-B0EA-7454-8849-7928A6E78356}"/>
+              </a:ext>
+            </a:extLst>
+          </p:cNvPr>
+          <p:cNvSpPr>
+            <a:spLocks noGrp="1"/>
+          </p:cNvSpPr>
+          <p:nvPr>
+            <p:ph type="title"/>
+          </p:nvPr>
+        </p:nvSpPr>
+        <p:spPr>
+          <a:xfrm>
+            <a:off x="534801" y="128138"/>
+            <a:ext cx="10515600" cy="1325563"/>
+          </a:xfrm>
+        </p:spPr>
+        <p:txBody>
+          <a:bodyPr/>
+          <a:lstStyle/>
+          <a:p>
+            <a:r>
+              <a:rPr lang="de-DE" dirty="0"/>
+              <a:t>Zeilen und Spalten Validation</a:t>
+            </a:r>
+            <a:endParaRPr lang="en-GB" dirty="0"/>
+          </a:p>
+        </p:txBody>
+      </p:sp>
+    </p:spTree>
+    <p:extLst>
+      <p:ext uri="{BB962C8B-B14F-4D97-AF65-F5344CB8AC3E}">
+        <p14:creationId xmlns:p14="http://schemas.microsoft.com/office/powerpoint/2010/main" val="1024625308"/>
+      </p:ext>
+    </p:extLst>
+  </p:cSld>
+  <p:clrMapOvr>
+    <a:masterClrMapping/>
+  </p:clrMapOvr>
+</p:sld>
+</file>
+
+<file path=ppt/slides/slide23.xml><?xml version="1.0" encoding="utf-8"?>
+<p:sld xmlns:a="http://schemas.openxmlformats.org/drawingml/2006/main" xmlns:r="http://schemas.openxmlformats.org/officeDocument/2006/relationships" xmlns:p="http://schemas.openxmlformats.org/presentationml/2006/main">
+  <p:cSld>
+    <p:spTree>
+      <p:nvGrpSpPr>
+        <p:cNvPr id="1" name=""/>
+        <p:cNvGrpSpPr/>
+        <p:nvPr/>
+      </p:nvGrpSpPr>
+      <p:grpSpPr>
+        <a:xfrm>
+          <a:off x="0" y="0"/>
+          <a:ext cx="0" cy="0"/>
+          <a:chOff x="0" y="0"/>
+          <a:chExt cx="0" cy="0"/>
+        </a:xfrm>
+      </p:grpSpPr>
+      <p:sp>
+        <p:nvSpPr>
+          <p:cNvPr id="4" name="Rechteck 3">
+            <a:extLst>
+              <a:ext uri="{FF2B5EF4-FFF2-40B4-BE49-F238E27FC236}">
+                <a16:creationId xmlns:a16="http://schemas.microsoft.com/office/drawing/2014/main" id="{8A2C0880-543B-E841-CA2C-C12C922DC70B}"/>
+              </a:ext>
+            </a:extLst>
+          </p:cNvPr>
+          <p:cNvSpPr/>
+          <p:nvPr/>
+        </p:nvSpPr>
+        <p:spPr>
+          <a:xfrm>
+            <a:off x="0" y="6444867"/>
+            <a:ext cx="12192000" cy="413133"/>
+          </a:xfrm>
+          <a:prstGeom prst="rect">
+            <a:avLst/>
+          </a:prstGeom>
+          <a:ln>
+            <a:noFill/>
+          </a:ln>
+        </p:spPr>
+        <p:style>
+          <a:lnRef idx="2">
+            <a:schemeClr val="accent1">
+              <a:shade val="50000"/>
+            </a:schemeClr>
+          </a:lnRef>
+          <a:fillRef idx="1">
+            <a:schemeClr val="accent1"/>
+          </a:fillRef>
+          <a:effectRef idx="0">
+            <a:schemeClr val="accent1"/>
+          </a:effectRef>
+          <a:fontRef idx="minor">
+            <a:schemeClr val="lt1"/>
+          </a:fontRef>
+        </p:style>
+        <p:txBody>
+          <a:bodyPr rtlCol="0" anchor="ctr"/>
+          <a:lstStyle/>
+          <a:p>
+            <a:pPr algn="ctr"/>
+            <a:r>
+              <a:rPr lang="de-DE" dirty="0"/>
+              <a:t>Implementierung von Sudoku &gt; Angepasster Algorithmus für Sudoku</a:t>
+            </a:r>
+          </a:p>
+        </p:txBody>
+      </p:sp>
+      <p:sp>
+        <p:nvSpPr>
+          <p:cNvPr id="9" name="Titel 1">
+            <a:extLst>
+              <a:ext uri="{FF2B5EF4-FFF2-40B4-BE49-F238E27FC236}">
+                <a16:creationId xmlns:a16="http://schemas.microsoft.com/office/drawing/2014/main" id="{9AFE0B66-B0EA-7454-8849-7928A6E78356}"/>
+              </a:ext>
+            </a:extLst>
+          </p:cNvPr>
+          <p:cNvSpPr>
+            <a:spLocks noGrp="1"/>
+          </p:cNvSpPr>
+          <p:nvPr>
+            <p:ph type="title"/>
+          </p:nvPr>
+        </p:nvSpPr>
+        <p:spPr>
+          <a:xfrm>
+            <a:off x="534800" y="0"/>
+            <a:ext cx="10515600" cy="1325563"/>
+          </a:xfrm>
+        </p:spPr>
+        <p:txBody>
+          <a:bodyPr/>
+          <a:lstStyle/>
+          <a:p>
+            <a:r>
+              <a:rPr lang="de-DE" dirty="0"/>
+              <a:t>Box Validation</a:t>
+            </a:r>
+            <a:endParaRPr lang="en-GB" dirty="0"/>
+          </a:p>
+        </p:txBody>
+      </p:sp>
+      <p:pic>
+        <p:nvPicPr>
+          <p:cNvPr id="3" name="Grafik 2" descr="Ein Bild, das Text, Monitor, Screenshot, Bildschirm enthält.&#10;&#10;Automatisch generierte Beschreibung">
+            <a:extLst>
+              <a:ext uri="{FF2B5EF4-FFF2-40B4-BE49-F238E27FC236}">
+                <a16:creationId xmlns:a16="http://schemas.microsoft.com/office/drawing/2014/main" id="{3284D2D3-6708-89F2-A1D0-0A43D8BC1EC7}"/>
+              </a:ext>
+            </a:extLst>
+          </p:cNvPr>
+          <p:cNvPicPr>
+            <a:picLocks noChangeAspect="1"/>
+          </p:cNvPicPr>
+          <p:nvPr/>
+        </p:nvPicPr>
+        <p:blipFill rotWithShape="1">
+          <a:blip r:embed="rId2">
+            <a:extLst>
+              <a:ext uri="{28A0092B-C50C-407E-A947-70E740481C1C}">
+                <a14:useLocalDpi xmlns:a14="http://schemas.microsoft.com/office/drawing/2010/main" val="0"/>
+              </a:ext>
+            </a:extLst>
+          </a:blip>
+          <a:srcRect l="4387" t="9389" r="4387" b="8129"/>
+          <a:stretch/>
+        </p:blipFill>
+        <p:spPr>
+          <a:xfrm>
+            <a:off x="534800" y="1117600"/>
+            <a:ext cx="11122399" cy="5225144"/>
+          </a:xfrm>
+          <a:prstGeom prst="rect">
+            <a:avLst/>
+          </a:prstGeom>
+        </p:spPr>
+      </p:pic>
+    </p:spTree>
+    <p:extLst>
+      <p:ext uri="{BB962C8B-B14F-4D97-AF65-F5344CB8AC3E}">
+        <p14:creationId xmlns:p14="http://schemas.microsoft.com/office/powerpoint/2010/main" val="3084263873"/>
+      </p:ext>
+    </p:extLst>
+  </p:cSld>
+  <p:clrMapOvr>
+    <a:masterClrMapping/>
+  </p:clrMapOvr>
+</p:sld>
+</file>
+
+<file path=ppt/slides/slide24.xml><?xml version="1.0" encoding="utf-8"?>
+<p:sld xmlns:a="http://schemas.openxmlformats.org/drawingml/2006/main" xmlns:r="http://schemas.openxmlformats.org/officeDocument/2006/relationships" xmlns:p="http://schemas.openxmlformats.org/presentationml/2006/main">
+  <p:cSld>
+    <p:spTree>
+      <p:nvGrpSpPr>
+        <p:cNvPr id="1" name=""/>
+        <p:cNvGrpSpPr/>
+        <p:nvPr/>
+      </p:nvGrpSpPr>
+      <p:grpSpPr>
+        <a:xfrm>
+          <a:off x="0" y="0"/>
+          <a:ext cx="0" cy="0"/>
+          <a:chOff x="0" y="0"/>
+          <a:chExt cx="0" cy="0"/>
+        </a:xfrm>
+      </p:grpSpPr>
+      <p:sp>
+        <p:nvSpPr>
+          <p:cNvPr id="4" name="Rechteck 3">
+            <a:extLst>
+              <a:ext uri="{FF2B5EF4-FFF2-40B4-BE49-F238E27FC236}">
+                <a16:creationId xmlns:a16="http://schemas.microsoft.com/office/drawing/2014/main" id="{8A2C0880-543B-E841-CA2C-C12C922DC70B}"/>
+              </a:ext>
+            </a:extLst>
+          </p:cNvPr>
+          <p:cNvSpPr/>
+          <p:nvPr/>
+        </p:nvSpPr>
+        <p:spPr>
+          <a:xfrm>
+            <a:off x="0" y="6444867"/>
+            <a:ext cx="12192000" cy="413133"/>
+          </a:xfrm>
+          <a:prstGeom prst="rect">
+            <a:avLst/>
+          </a:prstGeom>
+          <a:ln>
+            <a:noFill/>
+          </a:ln>
+        </p:spPr>
+        <p:style>
+          <a:lnRef idx="2">
+            <a:schemeClr val="accent1">
+              <a:shade val="50000"/>
+            </a:schemeClr>
+          </a:lnRef>
+          <a:fillRef idx="1">
+            <a:schemeClr val="accent1"/>
+          </a:fillRef>
+          <a:effectRef idx="0">
+            <a:schemeClr val="accent1"/>
+          </a:effectRef>
+          <a:fontRef idx="minor">
+            <a:schemeClr val="lt1"/>
+          </a:fontRef>
+        </p:style>
+        <p:txBody>
+          <a:bodyPr rtlCol="0" anchor="ctr"/>
+          <a:lstStyle/>
+          <a:p>
+            <a:pPr algn="ctr"/>
+            <a:r>
+              <a:rPr lang="de-DE" dirty="0"/>
+              <a:t>Implementierung von Sudoku &gt; Angepasster Algorithmus für Sudoku</a:t>
+            </a:r>
+          </a:p>
+        </p:txBody>
+      </p:sp>
+      <p:sp>
+        <p:nvSpPr>
+          <p:cNvPr id="9" name="Titel 1">
+            <a:extLst>
+              <a:ext uri="{FF2B5EF4-FFF2-40B4-BE49-F238E27FC236}">
+                <a16:creationId xmlns:a16="http://schemas.microsoft.com/office/drawing/2014/main" id="{9AFE0B66-B0EA-7454-8849-7928A6E78356}"/>
+              </a:ext>
+            </a:extLst>
+          </p:cNvPr>
+          <p:cNvSpPr>
+            <a:spLocks noGrp="1"/>
+          </p:cNvSpPr>
+          <p:nvPr>
+            <p:ph type="title"/>
+          </p:nvPr>
+        </p:nvSpPr>
+        <p:spPr>
+          <a:xfrm>
+            <a:off x="534800" y="0"/>
+            <a:ext cx="10515600" cy="1325563"/>
+          </a:xfrm>
+        </p:spPr>
+        <p:txBody>
+          <a:bodyPr/>
+          <a:lstStyle/>
+          <a:p>
+            <a:r>
+              <a:rPr lang="de-DE" dirty="0"/>
+              <a:t>Die neue Validierungsfunktion</a:t>
+            </a:r>
+            <a:endParaRPr lang="en-GB" dirty="0"/>
+          </a:p>
+        </p:txBody>
+      </p:sp>
+      <p:pic>
+        <p:nvPicPr>
+          <p:cNvPr id="5" name="Grafik 4" descr="Ein Bild, das Text, Monitor, Wand, drinnen enthält.&#10;&#10;Automatisch generierte Beschreibung">
+            <a:extLst>
+              <a:ext uri="{FF2B5EF4-FFF2-40B4-BE49-F238E27FC236}">
+                <a16:creationId xmlns:a16="http://schemas.microsoft.com/office/drawing/2014/main" id="{11F72025-6316-4BE3-6834-8AF724EC2514}"/>
+              </a:ext>
+            </a:extLst>
+          </p:cNvPr>
+          <p:cNvPicPr>
+            <a:picLocks noChangeAspect="1"/>
+          </p:cNvPicPr>
+          <p:nvPr/>
+        </p:nvPicPr>
+        <p:blipFill rotWithShape="1">
+          <a:blip r:embed="rId2">
+            <a:extLst>
+              <a:ext uri="{28A0092B-C50C-407E-A947-70E740481C1C}">
+                <a14:useLocalDpi xmlns:a14="http://schemas.microsoft.com/office/drawing/2010/main" val="0"/>
+              </a:ext>
+            </a:extLst>
+          </a:blip>
+          <a:srcRect l="8452" t="15405" r="8334" b="16644"/>
+          <a:stretch/>
+        </p:blipFill>
+        <p:spPr>
+          <a:xfrm>
+            <a:off x="770182" y="1325563"/>
+            <a:ext cx="10887018" cy="4688114"/>
+          </a:xfrm>
+          <a:prstGeom prst="rect">
+            <a:avLst/>
+          </a:prstGeom>
+        </p:spPr>
+      </p:pic>
+    </p:spTree>
+    <p:extLst>
+      <p:ext uri="{BB962C8B-B14F-4D97-AF65-F5344CB8AC3E}">
+        <p14:creationId xmlns:p14="http://schemas.microsoft.com/office/powerpoint/2010/main" val="4163817361"/>
+      </p:ext>
+    </p:extLst>
+  </p:cSld>
+  <p:clrMapOvr>
+    <a:masterClrMapping/>
+  </p:clrMapOvr>
+</p:sld>
+</file>
+
+<file path=ppt/slides/slide25.xml><?xml version="1.0" encoding="utf-8"?>
+<p:sld xmlns:a="http://schemas.openxmlformats.org/drawingml/2006/main" xmlns:r="http://schemas.openxmlformats.org/officeDocument/2006/relationships" xmlns:p="http://schemas.openxmlformats.org/presentationml/2006/main">
+  <p:cSld>
+    <p:spTree>
+      <p:nvGrpSpPr>
+        <p:cNvPr id="1" name=""/>
+        <p:cNvGrpSpPr/>
+        <p:nvPr/>
+      </p:nvGrpSpPr>
+      <p:grpSpPr>
+        <a:xfrm>
+          <a:off x="0" y="0"/>
+          <a:ext cx="0" cy="0"/>
+          <a:chOff x="0" y="0"/>
+          <a:chExt cx="0" cy="0"/>
+        </a:xfrm>
+      </p:grpSpPr>
+      <p:sp>
+        <p:nvSpPr>
+          <p:cNvPr id="2" name="Titel 1">
+            <a:extLst>
+              <a:ext uri="{FF2B5EF4-FFF2-40B4-BE49-F238E27FC236}">
+                <a16:creationId xmlns:a16="http://schemas.microsoft.com/office/drawing/2014/main" id="{DB7C3674-BCAC-E8D2-78D1-072F15C3277E}"/>
+              </a:ext>
+            </a:extLst>
+          </p:cNvPr>
+          <p:cNvSpPr>
+            <a:spLocks noGrp="1"/>
+          </p:cNvSpPr>
+          <p:nvPr>
+            <p:ph type="title"/>
+          </p:nvPr>
+        </p:nvSpPr>
+        <p:spPr/>
+        <p:txBody>
+          <a:bodyPr/>
+          <a:lstStyle/>
+          <a:p>
+            <a:r>
+              <a:rPr lang="de-DE" dirty="0"/>
+              <a:t>Der fertige Algorithmus</a:t>
+            </a:r>
+            <a:endParaRPr lang="en-GB" dirty="0"/>
+          </a:p>
+        </p:txBody>
+      </p:sp>
+      <p:sp>
+        <p:nvSpPr>
+          <p:cNvPr id="4" name="Rechteck 3">
+            <a:extLst>
+              <a:ext uri="{FF2B5EF4-FFF2-40B4-BE49-F238E27FC236}">
+                <a16:creationId xmlns:a16="http://schemas.microsoft.com/office/drawing/2014/main" id="{0B6E1A95-0595-67FF-D815-77C1D707761C}"/>
+              </a:ext>
+            </a:extLst>
+          </p:cNvPr>
+          <p:cNvSpPr/>
+          <p:nvPr/>
+        </p:nvSpPr>
+        <p:spPr>
+          <a:xfrm>
+            <a:off x="0" y="6444867"/>
+            <a:ext cx="12192000" cy="413133"/>
+          </a:xfrm>
+          <a:prstGeom prst="rect">
+            <a:avLst/>
+          </a:prstGeom>
+          <a:ln>
+            <a:noFill/>
+          </a:ln>
+        </p:spPr>
+        <p:style>
+          <a:lnRef idx="2">
+            <a:schemeClr val="accent1">
+              <a:shade val="50000"/>
+            </a:schemeClr>
+          </a:lnRef>
+          <a:fillRef idx="1">
+            <a:schemeClr val="accent1"/>
+          </a:fillRef>
+          <a:effectRef idx="0">
+            <a:schemeClr val="accent1"/>
+          </a:effectRef>
+          <a:fontRef idx="minor">
+            <a:schemeClr val="lt1"/>
+          </a:fontRef>
+        </p:style>
+        <p:txBody>
+          <a:bodyPr rtlCol="0" anchor="ctr"/>
+          <a:lstStyle/>
+          <a:p>
+            <a:pPr algn="ctr"/>
+            <a:r>
+              <a:rPr lang="de-DE" dirty="0"/>
+              <a:t>Implementierung von Sudoku &gt; Angepasster Algorithmus für Sudoku</a:t>
+            </a:r>
+          </a:p>
+        </p:txBody>
+      </p:sp>
+    </p:spTree>
+    <p:extLst>
+      <p:ext uri="{BB962C8B-B14F-4D97-AF65-F5344CB8AC3E}">
+        <p14:creationId xmlns:p14="http://schemas.microsoft.com/office/powerpoint/2010/main" val="46382983"/>
+      </p:ext>
+    </p:extLst>
+  </p:cSld>
+  <p:clrMapOvr>
+    <a:masterClrMapping/>
+  </p:clrMapOvr>
+</p:sld>
+</file>
+
+<file path=ppt/slides/slide26.xml><?xml version="1.0" encoding="utf-8"?>
+<p:sld xmlns:a="http://schemas.openxmlformats.org/drawingml/2006/main" xmlns:r="http://schemas.openxmlformats.org/officeDocument/2006/relationships" xmlns:p="http://schemas.openxmlformats.org/presentationml/2006/main">
+  <p:cSld>
+    <p:spTree>
+      <p:nvGrpSpPr>
+        <p:cNvPr id="1" name=""/>
+        <p:cNvGrpSpPr/>
+        <p:nvPr/>
+      </p:nvGrpSpPr>
+      <p:grpSpPr>
+        <a:xfrm>
+          <a:off x="0" y="0"/>
+          <a:ext cx="0" cy="0"/>
+          <a:chOff x="0" y="0"/>
+          <a:chExt cx="0" cy="0"/>
+        </a:xfrm>
+      </p:grpSpPr>
+      <p:sp>
+        <p:nvSpPr>
+          <p:cNvPr id="2" name="Titel 1">
+            <a:extLst>
+              <a:ext uri="{FF2B5EF4-FFF2-40B4-BE49-F238E27FC236}">
+                <a16:creationId xmlns:a16="http://schemas.microsoft.com/office/drawing/2014/main" id="{183AEEC9-EE74-5F38-D358-2C25A2D2243E}"/>
+              </a:ext>
+            </a:extLst>
+          </p:cNvPr>
+          <p:cNvSpPr>
+            <a:spLocks noGrp="1"/>
+          </p:cNvSpPr>
+          <p:nvPr>
+            <p:ph type="title"/>
+          </p:nvPr>
+        </p:nvSpPr>
+        <p:spPr>
+          <a:xfrm>
+            <a:off x="3546928" y="2766218"/>
+            <a:ext cx="5098143" cy="1325563"/>
+          </a:xfrm>
+        </p:spPr>
+        <p:txBody>
+          <a:bodyPr/>
+          <a:lstStyle/>
+          <a:p>
+            <a:r>
+              <a:rPr lang="de-DE" dirty="0"/>
+              <a:t>Programmvorstellung</a:t>
+            </a:r>
+            <a:endParaRPr lang="en-GB" dirty="0"/>
+          </a:p>
+        </p:txBody>
+      </p:sp>
+    </p:spTree>
+    <p:extLst>
+      <p:ext uri="{BB962C8B-B14F-4D97-AF65-F5344CB8AC3E}">
+        <p14:creationId xmlns:p14="http://schemas.microsoft.com/office/powerpoint/2010/main" val="3795257941"/>
+      </p:ext>
+    </p:extLst>
+  </p:cSld>
+  <p:clrMapOvr>
+    <a:masterClrMapping/>
+  </p:clrMapOvr>
+</p:sld>
+</file>
+
+<file path=ppt/slides/slide27.xml><?xml version="1.0" encoding="utf-8"?>
+<p:sld xmlns:a="http://schemas.openxmlformats.org/drawingml/2006/main" xmlns:r="http://schemas.openxmlformats.org/officeDocument/2006/relationships" xmlns:p="http://schemas.openxmlformats.org/presentationml/2006/main">
+  <p:cSld>
+    <p:spTree>
+      <p:nvGrpSpPr>
+        <p:cNvPr id="1" name=""/>
+        <p:cNvGrpSpPr/>
+        <p:nvPr/>
+      </p:nvGrpSpPr>
+      <p:grpSpPr>
+        <a:xfrm>
+          <a:off x="0" y="0"/>
+          <a:ext cx="0" cy="0"/>
+          <a:chOff x="0" y="0"/>
+          <a:chExt cx="0" cy="0"/>
+        </a:xfrm>
+      </p:grpSpPr>
+      <p:sp>
+        <p:nvSpPr>
+          <p:cNvPr id="4" name="Rechteck 3">
+            <a:extLst>
+              <a:ext uri="{FF2B5EF4-FFF2-40B4-BE49-F238E27FC236}">
+                <a16:creationId xmlns:a16="http://schemas.microsoft.com/office/drawing/2014/main" id="{8A2C0880-543B-E841-CA2C-C12C922DC70B}"/>
+              </a:ext>
+            </a:extLst>
+          </p:cNvPr>
+          <p:cNvSpPr/>
+          <p:nvPr/>
+        </p:nvSpPr>
+        <p:spPr>
+          <a:xfrm>
+            <a:off x="0" y="6444867"/>
+            <a:ext cx="12192000" cy="413133"/>
+          </a:xfrm>
+          <a:prstGeom prst="rect">
+            <a:avLst/>
+          </a:prstGeom>
+          <a:ln>
+            <a:noFill/>
+          </a:ln>
+        </p:spPr>
+        <p:style>
+          <a:lnRef idx="2">
+            <a:schemeClr val="accent1">
+              <a:shade val="50000"/>
+            </a:schemeClr>
+          </a:lnRef>
+          <a:fillRef idx="1">
+            <a:schemeClr val="accent1"/>
+          </a:fillRef>
+          <a:effectRef idx="0">
+            <a:schemeClr val="accent1"/>
+          </a:effectRef>
+          <a:fontRef idx="minor">
+            <a:schemeClr val="lt1"/>
+          </a:fontRef>
+        </p:style>
+        <p:txBody>
+          <a:bodyPr rtlCol="0" anchor="ctr"/>
+          <a:lstStyle/>
+          <a:p>
+            <a:pPr algn="ctr"/>
+            <a:r>
+              <a:rPr lang="de-DE" dirty="0"/>
+              <a:t>Oberflächenprogrammierung in Java &gt; Fenster und Elemente</a:t>
+            </a:r>
+          </a:p>
+        </p:txBody>
+      </p:sp>
+      <p:sp>
+        <p:nvSpPr>
+          <p:cNvPr id="9" name="Titel 1">
+            <a:extLst>
+              <a:ext uri="{FF2B5EF4-FFF2-40B4-BE49-F238E27FC236}">
+                <a16:creationId xmlns:a16="http://schemas.microsoft.com/office/drawing/2014/main" id="{9AFE0B66-B0EA-7454-8849-7928A6E78356}"/>
+              </a:ext>
+            </a:extLst>
+          </p:cNvPr>
+          <p:cNvSpPr>
+            <a:spLocks noGrp="1"/>
+          </p:cNvSpPr>
+          <p:nvPr>
+            <p:ph type="title"/>
+          </p:nvPr>
+        </p:nvSpPr>
+        <p:spPr>
+          <a:xfrm>
+            <a:off x="534800" y="0"/>
+            <a:ext cx="10515600" cy="1325563"/>
+          </a:xfrm>
+        </p:spPr>
+        <p:txBody>
+          <a:bodyPr/>
+          <a:lstStyle/>
+          <a:p>
+            <a:r>
+              <a:rPr lang="de-DE" dirty="0"/>
+              <a:t>Oberflächenprogrammierung in Java</a:t>
+            </a:r>
+            <a:endParaRPr lang="en-GB" dirty="0"/>
+          </a:p>
+        </p:txBody>
+      </p:sp>
+    </p:spTree>
+    <p:extLst>
+      <p:ext uri="{BB962C8B-B14F-4D97-AF65-F5344CB8AC3E}">
+        <p14:creationId xmlns:p14="http://schemas.microsoft.com/office/powerpoint/2010/main" val="3585948464"/>
+      </p:ext>
+    </p:extLst>
+  </p:cSld>
+  <p:clrMapOvr>
+    <a:masterClrMapping/>
+  </p:clrMapOvr>
+</p:sld>
+</file>
+
+<file path=ppt/slides/slide28.xml><?xml version="1.0" encoding="utf-8"?>
+<p:sld xmlns:a="http://schemas.openxmlformats.org/drawingml/2006/main" xmlns:r="http://schemas.openxmlformats.org/officeDocument/2006/relationships" xmlns:p="http://schemas.openxmlformats.org/presentationml/2006/main">
+  <p:cSld>
+    <p:spTree>
+      <p:nvGrpSpPr>
+        <p:cNvPr id="1" name=""/>
+        <p:cNvGrpSpPr/>
+        <p:nvPr/>
+      </p:nvGrpSpPr>
+      <p:grpSpPr>
+        <a:xfrm>
+          <a:off x="0" y="0"/>
+          <a:ext cx="0" cy="0"/>
+          <a:chOff x="0" y="0"/>
+          <a:chExt cx="0" cy="0"/>
+        </a:xfrm>
+      </p:grpSpPr>
+      <p:sp>
+        <p:nvSpPr>
+          <p:cNvPr id="2" name="Titel 1">
+            <a:extLst>
+              <a:ext uri="{FF2B5EF4-FFF2-40B4-BE49-F238E27FC236}">
+                <a16:creationId xmlns:a16="http://schemas.microsoft.com/office/drawing/2014/main" id="{D65A7C41-C94C-EA7B-BDE6-FB01F4C17F3B}"/>
+              </a:ext>
+            </a:extLst>
+          </p:cNvPr>
+          <p:cNvSpPr>
+            <a:spLocks noGrp="1"/>
+          </p:cNvSpPr>
+          <p:nvPr>
+            <p:ph type="title"/>
+          </p:nvPr>
+        </p:nvSpPr>
+        <p:spPr/>
+        <p:txBody>
+          <a:bodyPr/>
+          <a:lstStyle/>
+          <a:p>
+            <a:r>
+              <a:rPr lang="de-DE" dirty="0"/>
+              <a:t>Quellen</a:t>
+            </a:r>
+            <a:endParaRPr lang="en-GB" dirty="0"/>
+          </a:p>
+        </p:txBody>
+      </p:sp>
+      <p:sp>
+        <p:nvSpPr>
+          <p:cNvPr id="3" name="Inhaltsplatzhalter 2">
+            <a:extLst>
+              <a:ext uri="{FF2B5EF4-FFF2-40B4-BE49-F238E27FC236}">
+                <a16:creationId xmlns:a16="http://schemas.microsoft.com/office/drawing/2014/main" id="{003C4EEA-F021-5590-A93B-97C849877476}"/>
+              </a:ext>
+            </a:extLst>
+          </p:cNvPr>
+          <p:cNvSpPr>
+            <a:spLocks noGrp="1"/>
+          </p:cNvSpPr>
+          <p:nvPr>
+            <p:ph idx="1"/>
+          </p:nvPr>
+        </p:nvSpPr>
+        <p:spPr/>
+        <p:txBody>
+          <a:bodyPr/>
+          <a:lstStyle/>
+          <a:p>
+            <a:r>
+              <a:rPr lang="en-GB" dirty="0">
+                <a:hlinkClick r:id="rId2"/>
+              </a:rPr>
+              <a:t>http://mshang.ca/syntree/</a:t>
+            </a:r>
+          </a:p>
+          <a:p>
+            <a:r>
+              <a:rPr lang="en-GB" dirty="0">
+                <a:hlinkClick r:id="rId2"/>
+              </a:rPr>
+              <a:t>https://www.geeksforgeeks.org/rat-in-a-maze-backtracking-2/</a:t>
+            </a:r>
+            <a:endParaRPr lang="en-GB" dirty="0"/>
+          </a:p>
+          <a:p>
+            <a:r>
+              <a:rPr lang="en-GB" dirty="0">
+                <a:hlinkClick r:id="rId3"/>
+              </a:rPr>
+              <a:t>https://en.wikipedia.org/wiki/Fibonacci_number</a:t>
+            </a:r>
+            <a:endParaRPr lang="en-GB" dirty="0"/>
+          </a:p>
+          <a:p>
+            <a:endParaRPr lang="en-GB" dirty="0"/>
+          </a:p>
+          <a:p>
+            <a:endParaRPr lang="en-GB" dirty="0"/>
+          </a:p>
+          <a:p>
+            <a:endParaRPr lang="en-GB" dirty="0"/>
+          </a:p>
+          <a:p>
+            <a:endParaRPr lang="en-GB" dirty="0"/>
+          </a:p>
+          <a:p>
+            <a:pPr marL="0" indent="0">
+              <a:buNone/>
+            </a:pPr>
+            <a:r>
+              <a:rPr lang="en-GB" dirty="0"/>
+              <a:t>Code &amp; </a:t>
+            </a:r>
+            <a:r>
+              <a:rPr lang="de-DE" dirty="0"/>
+              <a:t>Präsentation</a:t>
+            </a:r>
+            <a:r>
+              <a:rPr lang="en-GB" dirty="0"/>
+              <a:t>: </a:t>
+            </a:r>
+            <a:r>
+              <a:rPr lang="en-GB" dirty="0">
+                <a:hlinkClick r:id="rId4"/>
+              </a:rPr>
+              <a:t>https://github.com/7rebux/backtracking</a:t>
+            </a:r>
+            <a:endParaRPr lang="en-GB" dirty="0"/>
+          </a:p>
+          <a:p>
+            <a:pPr marL="0" indent="0">
+              <a:buNone/>
+            </a:pPr>
+            <a:endParaRPr lang="en-GB" dirty="0"/>
+          </a:p>
+          <a:p>
+            <a:pPr marL="0" indent="0">
+              <a:buNone/>
+            </a:pPr>
+            <a:endParaRPr lang="en-GB" dirty="0"/>
+          </a:p>
+          <a:p>
+            <a:endParaRPr lang="en-GB" dirty="0"/>
+          </a:p>
+        </p:txBody>
+      </p:sp>
+    </p:spTree>
+    <p:extLst>
+      <p:ext uri="{BB962C8B-B14F-4D97-AF65-F5344CB8AC3E}">
+        <p14:creationId xmlns:p14="http://schemas.microsoft.com/office/powerpoint/2010/main" val="1144204135"/>
       </p:ext>
     </p:extLst>
   </p:cSld>
@@ -7551,7 +9311,7 @@
           <p:cNvPr id="2" name="Titel 1">
             <a:extLst>
               <a:ext uri="{FF2B5EF4-FFF2-40B4-BE49-F238E27FC236}">
-                <a16:creationId xmlns:a16="http://schemas.microsoft.com/office/drawing/2014/main" id="{288EC8F8-F799-5869-10FE-344E43B2A54E}"/>
+                <a16:creationId xmlns:a16="http://schemas.microsoft.com/office/drawing/2014/main" id="{B6493964-E52E-4341-AC1B-4CB031C8BCA9}"/>
               </a:ext>
             </a:extLst>
           </p:cNvPr>
@@ -7562,19 +9322,14 @@
             <p:ph type="title"/>
           </p:nvPr>
         </p:nvSpPr>
-        <p:spPr>
-          <a:xfrm>
-            <a:off x="838200" y="88370"/>
-            <a:ext cx="10515600" cy="944563"/>
-          </a:xfrm>
-        </p:spPr>
+        <p:spPr/>
         <p:txBody>
           <a:bodyPr/>
           <a:lstStyle/>
           <a:p>
             <a:r>
               <a:rPr lang="de-DE" dirty="0"/>
-              <a:t>Pseudo Code</a:t>
+              <a:t>Rekursiv vs. Iterativ</a:t>
             </a:r>
             <a:endParaRPr lang="en-GB" dirty="0"/>
           </a:p>
@@ -7585,7 +9340,7 @@
           <p:cNvPr id="3" name="Inhaltsplatzhalter 2">
             <a:extLst>
               <a:ext uri="{FF2B5EF4-FFF2-40B4-BE49-F238E27FC236}">
-                <a16:creationId xmlns:a16="http://schemas.microsoft.com/office/drawing/2014/main" id="{0BA64215-E805-C4F2-4FC5-2955B9DDDF26}"/>
+                <a16:creationId xmlns:a16="http://schemas.microsoft.com/office/drawing/2014/main" id="{7965D108-6683-ED16-19E4-7D3FEA83EDC4}"/>
               </a:ext>
             </a:extLst>
           </p:cNvPr>
@@ -7596,137 +9351,26 @@
             <p:ph idx="1"/>
           </p:nvPr>
         </p:nvSpPr>
-        <p:spPr>
-          <a:xfrm>
-            <a:off x="838200" y="1092200"/>
-            <a:ext cx="10515600" cy="5084763"/>
-          </a:xfrm>
-        </p:spPr>
-        <p:txBody>
-          <a:bodyPr>
-            <a:normAutofit fontScale="77500" lnSpcReduction="20000"/>
-          </a:bodyPr>
-          <a:lstStyle/>
-          <a:p>
-            <a:pPr marL="0" indent="0">
-              <a:buNone/>
-            </a:pPr>
-            <a:r>
-              <a:rPr lang="de-DE" dirty="0">
-                <a:solidFill>
-                  <a:srgbClr val="FF0000"/>
-                </a:solidFill>
-              </a:rPr>
-              <a:t>Boolean</a:t>
-            </a:r>
-            <a:r>
-              <a:rPr lang="de-DE" dirty="0"/>
-              <a:t> </a:t>
-            </a:r>
-            <a:r>
-              <a:rPr lang="de-DE" dirty="0">
-                <a:solidFill>
-                  <a:srgbClr val="0070C0"/>
-                </a:solidFill>
-              </a:rPr>
-              <a:t>lösen</a:t>
-            </a:r>
-            <a:r>
-              <a:rPr lang="de-DE" dirty="0"/>
-              <a:t>(schritt) {</a:t>
-            </a:r>
-          </a:p>
-          <a:p>
-            <a:pPr marL="0" indent="0">
-              <a:buNone/>
-            </a:pPr>
-            <a:r>
-              <a:rPr lang="de-DE" dirty="0"/>
-              <a:t>	</a:t>
-            </a:r>
-            <a:r>
-              <a:rPr lang="de-DE" dirty="0">
-                <a:solidFill>
-                  <a:srgbClr val="00B050"/>
-                </a:solidFill>
-              </a:rPr>
-              <a:t>Wenn</a:t>
-            </a:r>
-            <a:r>
-              <a:rPr lang="de-DE" dirty="0"/>
-              <a:t> (zielErreicht)</a:t>
-            </a:r>
-          </a:p>
-          <a:p>
-            <a:pPr marL="0" indent="0">
-              <a:buNone/>
-            </a:pPr>
-            <a:r>
-              <a:rPr lang="de-DE" dirty="0"/>
-              <a:t>		</a:t>
-            </a:r>
-            <a:r>
-              <a:rPr lang="de-DE" dirty="0">
-                <a:solidFill>
-                  <a:srgbClr val="7030A0"/>
-                </a:solidFill>
-              </a:rPr>
-              <a:t>Rückgabe</a:t>
-            </a:r>
-            <a:r>
-              <a:rPr lang="de-DE" dirty="0"/>
-              <a:t> True</a:t>
-            </a:r>
-          </a:p>
-          <a:p>
-            <a:pPr marL="0" indent="0">
-              <a:buNone/>
-            </a:pPr>
-            <a:r>
-              <a:rPr lang="de-DE" dirty="0"/>
-              <a:t>	</a:t>
-            </a:r>
-          </a:p>
-          <a:p>
-            <a:pPr marL="0" indent="0">
-              <a:buNone/>
-            </a:pPr>
-            <a:r>
-              <a:rPr lang="de-DE" dirty="0"/>
-              <a:t>	</a:t>
-            </a:r>
-            <a:r>
-              <a:rPr lang="de-DE" dirty="0">
-                <a:solidFill>
-                  <a:srgbClr val="00B050"/>
-                </a:solidFill>
-              </a:rPr>
-              <a:t>Wenn</a:t>
-            </a:r>
-            <a:r>
-              <a:rPr lang="de-DE" dirty="0"/>
-              <a:t> </a:t>
-            </a:r>
-            <a:r>
-              <a:rPr lang="de-DE" dirty="0">
-                <a:solidFill>
-                  <a:srgbClr val="0070C0"/>
-                </a:solidFill>
-              </a:rPr>
-              <a:t>gültig</a:t>
-            </a:r>
-            <a:r>
-              <a:rPr lang="de-DE" dirty="0"/>
-              <a:t>(schritt) {</a:t>
-            </a:r>
-          </a:p>
-          <a:p>
-            <a:pPr marL="0" indent="0">
-              <a:buNone/>
-            </a:pPr>
-            <a:r>
-              <a:rPr lang="de-DE" dirty="0"/>
-              <a:t>		lösung += schritt</a:t>
+        <p:spPr/>
+        <p:txBody>
+          <a:bodyPr/>
+          <a:lstStyle/>
+          <a:p>
+            <a:r>
+              <a:rPr lang="de-DE" dirty="0"/>
+              <a:t>Rekursion ist die Möglichkeit die eigene Funktion in sich selbst aufzurufen</a:t>
+            </a:r>
+          </a:p>
+          <a:p>
+            <a:r>
+              <a:rPr lang="de-DE" dirty="0"/>
+              <a:t>Rekursion ist kein muss, jedes Programm kann auch iterativ implementiert werden</a:t>
+            </a:r>
+          </a:p>
+          <a:p>
+            <a:r>
+              <a:rPr lang="de-DE" dirty="0"/>
+              <a:t>Beim übersetzen einer rekursiven Funktion wird diese auch als einfache Schleife behandelt</a:t>
             </a:r>
           </a:p>
           <a:p>
@@ -7741,119 +9385,8 @@
             </a:pPr>
             <a:r>
               <a:rPr lang="de-DE" dirty="0"/>
-              <a:t>		</a:t>
-            </a:r>
-            <a:r>
-              <a:rPr lang="de-DE" dirty="0">
-                <a:solidFill>
-                  <a:srgbClr val="00B050"/>
-                </a:solidFill>
-              </a:rPr>
-              <a:t>Wenn</a:t>
-            </a:r>
-            <a:r>
-              <a:rPr lang="de-DE" dirty="0"/>
-              <a:t> (</a:t>
-            </a:r>
-            <a:r>
-              <a:rPr lang="de-DE" dirty="0">
-                <a:solidFill>
-                  <a:srgbClr val="0070C0"/>
-                </a:solidFill>
-              </a:rPr>
-              <a:t>lösen</a:t>
-            </a:r>
-            <a:r>
-              <a:rPr lang="de-DE" dirty="0"/>
-              <a:t>(schritt+1))</a:t>
-            </a:r>
-          </a:p>
-          <a:p>
-            <a:pPr marL="0" indent="0">
-              <a:buNone/>
-            </a:pPr>
-            <a:r>
-              <a:rPr lang="de-DE" dirty="0"/>
-              <a:t>			</a:t>
-            </a:r>
-            <a:r>
-              <a:rPr lang="de-DE" dirty="0">
-                <a:solidFill>
-                  <a:srgbClr val="7030A0"/>
-                </a:solidFill>
-              </a:rPr>
-              <a:t>Rückgabe</a:t>
-            </a:r>
-            <a:r>
-              <a:rPr lang="de-DE" dirty="0"/>
-              <a:t> True</a:t>
-            </a:r>
-          </a:p>
-          <a:p>
-            <a:pPr marL="0" indent="0">
-              <a:buNone/>
-            </a:pPr>
-            <a:r>
-              <a:rPr lang="de-DE" dirty="0"/>
-              <a:t>		</a:t>
-            </a:r>
-            <a:r>
-              <a:rPr lang="de-DE" dirty="0">
-                <a:solidFill>
-                  <a:srgbClr val="00B050"/>
-                </a:solidFill>
-              </a:rPr>
-              <a:t>Ansonsten</a:t>
-            </a:r>
-          </a:p>
-          <a:p>
-            <a:pPr marL="0" indent="0">
-              <a:buNone/>
-            </a:pPr>
-            <a:r>
-              <a:rPr lang="de-DE" dirty="0"/>
-              <a:t>			lösung -= schritt</a:t>
-            </a:r>
-          </a:p>
-          <a:p>
-            <a:pPr marL="0" indent="0">
-              <a:buNone/>
-            </a:pPr>
-            <a:r>
-              <a:rPr lang="de-DE" dirty="0"/>
-              <a:t>	}</a:t>
-            </a:r>
-          </a:p>
-          <a:p>
-            <a:pPr marL="0" indent="0">
-              <a:buNone/>
-            </a:pPr>
-            <a:r>
-              <a:rPr lang="de-DE" dirty="0"/>
-              <a:t>	</a:t>
-            </a:r>
-            <a:r>
-              <a:rPr lang="de-DE" dirty="0">
-                <a:solidFill>
-                  <a:srgbClr val="7030A0"/>
-                </a:solidFill>
-              </a:rPr>
-              <a:t>Rückgabe</a:t>
-            </a:r>
-            <a:r>
-              <a:rPr lang="de-DE" dirty="0"/>
-              <a:t> False</a:t>
-            </a:r>
-          </a:p>
-          <a:p>
-            <a:pPr marL="0" indent="0">
-              <a:buNone/>
-            </a:pPr>
-            <a:r>
-              <a:rPr lang="de-DE" dirty="0"/>
-              <a:t>}</a:t>
-            </a:r>
-            <a:endParaRPr lang="en-GB" dirty="0"/>
+              <a:t>&gt; Alles was sich Rekursiv implementieren lässt, lässt sich auch iterativ    implementieren</a:t>
+            </a:r>
           </a:p>
         </p:txBody>
       </p:sp>
@@ -7862,7 +9395,7 @@
           <p:cNvPr id="4" name="Rechteck 3">
             <a:extLst>
               <a:ext uri="{FF2B5EF4-FFF2-40B4-BE49-F238E27FC236}">
-                <a16:creationId xmlns:a16="http://schemas.microsoft.com/office/drawing/2014/main" id="{7DA6BD2E-F1E5-B29A-B4F9-CE646DC9B406}"/>
+                <a16:creationId xmlns:a16="http://schemas.microsoft.com/office/drawing/2014/main" id="{48BA8A90-2CDE-EBDD-45FB-C660D3C0766B}"/>
               </a:ext>
             </a:extLst>
           </p:cNvPr>
@@ -7904,7 +9437,7 @@
             <a:pPr algn="ctr"/>
             <a:r>
               <a:rPr lang="de-DE" dirty="0"/>
-              <a:t>Wie funktioniert der Algorithmus? &gt; Pseudo Code</a:t>
+              <a:t>Wie funktioniert der Algorithmus? &gt; Rekursiv vs. Iterativ</a:t>
             </a:r>
             <a:endParaRPr lang="en-GB" dirty="0"/>
           </a:p>
@@ -7913,7 +9446,7 @@
     </p:spTree>
     <p:extLst>
       <p:ext uri="{BB962C8B-B14F-4D97-AF65-F5344CB8AC3E}">
-        <p14:creationId xmlns:p14="http://schemas.microsoft.com/office/powerpoint/2010/main" val="297101390"/>
+        <p14:creationId xmlns:p14="http://schemas.microsoft.com/office/powerpoint/2010/main" val="3691156572"/>
       </p:ext>
     </p:extLst>
   </p:cSld>
@@ -7942,10 +9475,133 @@
       </p:grpSpPr>
       <p:sp>
         <p:nvSpPr>
-          <p:cNvPr id="2" name="Titel 1">
-            <a:extLst>
-              <a:ext uri="{FF2B5EF4-FFF2-40B4-BE49-F238E27FC236}">
-                <a16:creationId xmlns:a16="http://schemas.microsoft.com/office/drawing/2014/main" id="{DEAE4BBC-F954-2CBB-FCAA-193B383E650F}"/>
+          <p:cNvPr id="4" name="Rechteck 3">
+            <a:extLst>
+              <a:ext uri="{FF2B5EF4-FFF2-40B4-BE49-F238E27FC236}">
+                <a16:creationId xmlns:a16="http://schemas.microsoft.com/office/drawing/2014/main" id="{976C03E4-40C6-E906-02C2-8DC58CC612F8}"/>
+              </a:ext>
+            </a:extLst>
+          </p:cNvPr>
+          <p:cNvSpPr/>
+          <p:nvPr/>
+        </p:nvSpPr>
+        <p:spPr>
+          <a:xfrm>
+            <a:off x="0" y="6444867"/>
+            <a:ext cx="12192000" cy="413133"/>
+          </a:xfrm>
+          <a:prstGeom prst="rect">
+            <a:avLst/>
+          </a:prstGeom>
+          <a:ln>
+            <a:noFill/>
+          </a:ln>
+        </p:spPr>
+        <p:style>
+          <a:lnRef idx="2">
+            <a:schemeClr val="accent1">
+              <a:shade val="50000"/>
+            </a:schemeClr>
+          </a:lnRef>
+          <a:fillRef idx="1">
+            <a:schemeClr val="accent1"/>
+          </a:fillRef>
+          <a:effectRef idx="0">
+            <a:schemeClr val="accent1"/>
+          </a:effectRef>
+          <a:fontRef idx="minor">
+            <a:schemeClr val="lt1"/>
+          </a:fontRef>
+        </p:style>
+        <p:txBody>
+          <a:bodyPr rtlCol="0" anchor="ctr"/>
+          <a:lstStyle/>
+          <a:p>
+            <a:pPr algn="ctr"/>
+            <a:r>
+              <a:rPr lang="de-DE" dirty="0"/>
+              <a:t>Wie funktioniert der Algorithmus? &gt; Rekursiv vs. Iterativ</a:t>
+            </a:r>
+            <a:endParaRPr lang="en-GB" dirty="0"/>
+          </a:p>
+        </p:txBody>
+      </p:sp>
+      <p:pic>
+        <p:nvPicPr>
+          <p:cNvPr id="3" name="Grafik 2" descr="Ein Bild, das Text, Monitor, drinnen, Screenshot enthält.&#10;&#10;Automatisch generierte Beschreibung">
+            <a:extLst>
+              <a:ext uri="{FF2B5EF4-FFF2-40B4-BE49-F238E27FC236}">
+                <a16:creationId xmlns:a16="http://schemas.microsoft.com/office/drawing/2014/main" id="{F5F11C1A-B7FB-A3D7-6FB1-B0FF8BFF8170}"/>
+              </a:ext>
+            </a:extLst>
+          </p:cNvPr>
+          <p:cNvPicPr>
+            <a:picLocks noChangeAspect="1"/>
+          </p:cNvPicPr>
+          <p:nvPr/>
+        </p:nvPicPr>
+        <p:blipFill rotWithShape="1">
+          <a:blip r:embed="rId2">
+            <a:extLst>
+              <a:ext uri="{28A0092B-C50C-407E-A947-70E740481C1C}">
+                <a14:useLocalDpi xmlns:a14="http://schemas.microsoft.com/office/drawing/2010/main" val="0"/>
+              </a:ext>
+            </a:extLst>
+          </a:blip>
+          <a:srcRect l="6829" t="10193" r="6712" b="9860"/>
+          <a:stretch/>
+        </p:blipFill>
+        <p:spPr>
+          <a:xfrm>
+            <a:off x="5523321" y="-7580"/>
+            <a:ext cx="6668679" cy="3989028"/>
+          </a:xfrm>
+          <a:prstGeom prst="rect">
+            <a:avLst/>
+          </a:prstGeom>
+        </p:spPr>
+      </p:pic>
+      <p:pic>
+        <p:nvPicPr>
+          <p:cNvPr id="6" name="Grafik 5" descr="Ein Bild, das Text enthält.&#10;&#10;Automatisch generierte Beschreibung">
+            <a:extLst>
+              <a:ext uri="{FF2B5EF4-FFF2-40B4-BE49-F238E27FC236}">
+                <a16:creationId xmlns:a16="http://schemas.microsoft.com/office/drawing/2014/main" id="{6CF07578-6897-B2A6-14B9-73B191DEBC95}"/>
+              </a:ext>
+            </a:extLst>
+          </p:cNvPr>
+          <p:cNvPicPr>
+            <a:picLocks noChangeAspect="1"/>
+          </p:cNvPicPr>
+          <p:nvPr/>
+        </p:nvPicPr>
+        <p:blipFill rotWithShape="1">
+          <a:blip r:embed="rId3">
+            <a:extLst>
+              <a:ext uri="{28A0092B-C50C-407E-A947-70E740481C1C}">
+                <a14:useLocalDpi xmlns:a14="http://schemas.microsoft.com/office/drawing/2010/main" val="0"/>
+              </a:ext>
+            </a:extLst>
+          </a:blip>
+          <a:srcRect l="6997" t="15121" r="7016" b="15012"/>
+          <a:stretch/>
+        </p:blipFill>
+        <p:spPr>
+          <a:xfrm>
+            <a:off x="5523321" y="3919325"/>
+            <a:ext cx="6668679" cy="2525542"/>
+          </a:xfrm>
+          <a:prstGeom prst="rect">
+            <a:avLst/>
+          </a:prstGeom>
+        </p:spPr>
+      </p:pic>
+      <p:sp>
+        <p:nvSpPr>
+          <p:cNvPr id="7" name="Titel 1">
+            <a:extLst>
+              <a:ext uri="{FF2B5EF4-FFF2-40B4-BE49-F238E27FC236}">
+                <a16:creationId xmlns:a16="http://schemas.microsoft.com/office/drawing/2014/main" id="{98FBD4CD-2662-9F03-0102-0E06365C431E}"/>
               </a:ext>
             </a:extLst>
           </p:cNvPr>
@@ -7958,8 +9614,8 @@
         </p:nvSpPr>
         <p:spPr>
           <a:xfrm>
-            <a:off x="2142066" y="2766218"/>
-            <a:ext cx="7907867" cy="1325563"/>
+            <a:off x="265521" y="346075"/>
+            <a:ext cx="10515600" cy="1325563"/>
           </a:xfrm>
         </p:spPr>
         <p:txBody>
@@ -7968,16 +9624,70 @@
           <a:p>
             <a:r>
               <a:rPr lang="de-DE" dirty="0"/>
-              <a:t>Implementierung des Algorithmus</a:t>
+              <a:t>Fibonacci</a:t>
             </a:r>
             <a:endParaRPr lang="en-GB" dirty="0"/>
+          </a:p>
+        </p:txBody>
+      </p:sp>
+      <p:sp>
+        <p:nvSpPr>
+          <p:cNvPr id="8" name="Inhaltsplatzhalter 2">
+            <a:extLst>
+              <a:ext uri="{FF2B5EF4-FFF2-40B4-BE49-F238E27FC236}">
+                <a16:creationId xmlns:a16="http://schemas.microsoft.com/office/drawing/2014/main" id="{00FCE694-D640-E65F-89E8-B323EE9C9132}"/>
+              </a:ext>
+            </a:extLst>
+          </p:cNvPr>
+          <p:cNvSpPr>
+            <a:spLocks noGrp="1"/>
+          </p:cNvSpPr>
+          <p:nvPr>
+            <p:ph idx="1"/>
+          </p:nvPr>
+        </p:nvSpPr>
+        <p:spPr>
+          <a:xfrm>
+            <a:off x="265521" y="2597150"/>
+            <a:ext cx="10515600" cy="4351338"/>
+          </a:xfrm>
+        </p:spPr>
+        <p:txBody>
+          <a:bodyPr/>
+          <a:lstStyle/>
+          <a:p>
+            <a:r>
+              <a:rPr lang="de-DE" dirty="0"/>
+              <a:t>Bekannte Zahlenfolge</a:t>
+            </a:r>
+          </a:p>
+          <a:p>
+            <a:r>
+              <a:rPr lang="de-DE" dirty="0"/>
+              <a:t>F(n) = F(n-1) + F(n-2)</a:t>
+            </a:r>
+          </a:p>
+          <a:p>
+            <a:r>
+              <a:rPr lang="de-DE" dirty="0"/>
+              <a:t>0, 1, 1, 2, 3, 5, 8, 13, 21..</a:t>
+            </a:r>
+          </a:p>
+          <a:p>
+            <a:endParaRPr lang="de-DE" dirty="0"/>
+          </a:p>
+          <a:p>
+            <a:pPr marL="0" indent="0">
+              <a:buNone/>
+            </a:pPr>
+            <a:endParaRPr lang="de-DE" dirty="0"/>
           </a:p>
         </p:txBody>
       </p:sp>
     </p:spTree>
     <p:extLst>
       <p:ext uri="{BB962C8B-B14F-4D97-AF65-F5344CB8AC3E}">
-        <p14:creationId xmlns:p14="http://schemas.microsoft.com/office/powerpoint/2010/main" val="4279770591"/>
+        <p14:creationId xmlns:p14="http://schemas.microsoft.com/office/powerpoint/2010/main" val="2311182986"/>
       </p:ext>
     </p:extLst>
   </p:cSld>
@@ -8009,7 +9719,7 @@
           <p:cNvPr id="2" name="Titel 1">
             <a:extLst>
               <a:ext uri="{FF2B5EF4-FFF2-40B4-BE49-F238E27FC236}">
-                <a16:creationId xmlns:a16="http://schemas.microsoft.com/office/drawing/2014/main" id="{D96F1F77-C551-B08D-D869-4F038415A5D3}"/>
+                <a16:creationId xmlns:a16="http://schemas.microsoft.com/office/drawing/2014/main" id="{288EC8F8-F799-5869-10FE-344E43B2A54E}"/>
               </a:ext>
             </a:extLst>
           </p:cNvPr>
@@ -8020,59 +9730,307 @@
             <p:ph type="title"/>
           </p:nvPr>
         </p:nvSpPr>
-        <p:spPr/>
+        <p:spPr>
+          <a:xfrm>
+            <a:off x="838200" y="88370"/>
+            <a:ext cx="10515600" cy="944563"/>
+          </a:xfrm>
+        </p:spPr>
         <p:txBody>
           <a:bodyPr/>
           <a:lstStyle/>
           <a:p>
             <a:r>
               <a:rPr lang="de-DE" dirty="0"/>
-              <a:t>Rat in a Maze Problem</a:t>
-            </a:r>
-          </a:p>
-        </p:txBody>
-      </p:sp>
-      <p:pic>
-        <p:nvPicPr>
-          <p:cNvPr id="6" name="Inhaltsplatzhalter 5" descr="Ein Bild, das Shoji, Gebäude, Kreuzworträtsel enthält.&#10;&#10;Automatisch generierte Beschreibung">
-            <a:extLst>
-              <a:ext uri="{FF2B5EF4-FFF2-40B4-BE49-F238E27FC236}">
-                <a16:creationId xmlns:a16="http://schemas.microsoft.com/office/drawing/2014/main" id="{FBEB84F7-2A7B-3939-CF7A-4F28E8DBE9CF}"/>
-              </a:ext>
-            </a:extLst>
-          </p:cNvPr>
-          <p:cNvPicPr>
-            <a:picLocks noGrp="1" noChangeAspect="1"/>
-          </p:cNvPicPr>
+              <a:t>Pseudo Code</a:t>
+            </a:r>
+            <a:endParaRPr lang="en-GB" dirty="0"/>
+          </a:p>
+        </p:txBody>
+      </p:sp>
+      <p:sp>
+        <p:nvSpPr>
+          <p:cNvPr id="3" name="Inhaltsplatzhalter 2">
+            <a:extLst>
+              <a:ext uri="{FF2B5EF4-FFF2-40B4-BE49-F238E27FC236}">
+                <a16:creationId xmlns:a16="http://schemas.microsoft.com/office/drawing/2014/main" id="{0BA64215-E805-C4F2-4FC5-2955B9DDDF26}"/>
+              </a:ext>
+            </a:extLst>
+          </p:cNvPr>
+          <p:cNvSpPr>
+            <a:spLocks noGrp="1"/>
+          </p:cNvSpPr>
           <p:nvPr>
             <p:ph idx="1"/>
           </p:nvPr>
-        </p:nvPicPr>
-        <p:blipFill>
-          <a:blip r:embed="rId2">
-            <a:extLst>
-              <a:ext uri="{28A0092B-C50C-407E-A947-70E740481C1C}">
-                <a14:useLocalDpi xmlns:a14="http://schemas.microsoft.com/office/drawing/2010/main" val="0"/>
-              </a:ext>
-            </a:extLst>
-          </a:blip>
-          <a:stretch>
-            <a:fillRect/>
-          </a:stretch>
-        </p:blipFill>
+        </p:nvSpPr>
         <p:spPr>
           <a:xfrm>
-            <a:off x="8190958" y="1690687"/>
-            <a:ext cx="3457143" cy="3000000"/>
-          </a:xfrm>
-        </p:spPr>
-      </p:pic>
+            <a:off x="838200" y="1092200"/>
+            <a:ext cx="10515600" cy="5084763"/>
+          </a:xfrm>
+        </p:spPr>
+        <p:txBody>
+          <a:bodyPr>
+            <a:normAutofit fontScale="77500" lnSpcReduction="20000"/>
+          </a:bodyPr>
+          <a:lstStyle/>
+          <a:p>
+            <a:pPr marL="0" indent="0">
+              <a:buNone/>
+            </a:pPr>
+            <a:r>
+              <a:rPr lang="de-DE" dirty="0">
+                <a:solidFill>
+                  <a:srgbClr val="FF0000"/>
+                </a:solidFill>
+              </a:rPr>
+              <a:t>Boolean</a:t>
+            </a:r>
+            <a:r>
+              <a:rPr lang="de-DE" dirty="0"/>
+              <a:t> </a:t>
+            </a:r>
+            <a:r>
+              <a:rPr lang="de-DE" dirty="0">
+                <a:solidFill>
+                  <a:srgbClr val="0070C0"/>
+                </a:solidFill>
+              </a:rPr>
+              <a:t>lösen</a:t>
+            </a:r>
+            <a:r>
+              <a:rPr lang="de-DE" dirty="0"/>
+              <a:t>(schritt) {</a:t>
+            </a:r>
+          </a:p>
+          <a:p>
+            <a:pPr marL="0" indent="0">
+              <a:buNone/>
+            </a:pPr>
+            <a:r>
+              <a:rPr lang="de-DE" dirty="0"/>
+              <a:t>	</a:t>
+            </a:r>
+            <a:r>
+              <a:rPr lang="de-DE" dirty="0">
+                <a:solidFill>
+                  <a:srgbClr val="00B050"/>
+                </a:solidFill>
+              </a:rPr>
+              <a:t>Wenn</a:t>
+            </a:r>
+            <a:r>
+              <a:rPr lang="de-DE" dirty="0"/>
+              <a:t> (zielErreicht)</a:t>
+            </a:r>
+          </a:p>
+          <a:p>
+            <a:pPr marL="0" indent="0">
+              <a:buNone/>
+            </a:pPr>
+            <a:r>
+              <a:rPr lang="de-DE" dirty="0"/>
+              <a:t>		</a:t>
+            </a:r>
+            <a:r>
+              <a:rPr lang="de-DE" dirty="0">
+                <a:solidFill>
+                  <a:srgbClr val="7030A0"/>
+                </a:solidFill>
+              </a:rPr>
+              <a:t>Rückgabe</a:t>
+            </a:r>
+            <a:r>
+              <a:rPr lang="de-DE" dirty="0"/>
+              <a:t> True</a:t>
+            </a:r>
+          </a:p>
+          <a:p>
+            <a:pPr marL="0" indent="0">
+              <a:buNone/>
+            </a:pPr>
+            <a:r>
+              <a:rPr lang="de-DE" dirty="0"/>
+              <a:t>	</a:t>
+            </a:r>
+          </a:p>
+          <a:p>
+            <a:pPr marL="0" indent="0">
+              <a:buNone/>
+            </a:pPr>
+            <a:r>
+              <a:rPr lang="de-DE" dirty="0"/>
+              <a:t>	</a:t>
+            </a:r>
+            <a:r>
+              <a:rPr lang="de-DE" dirty="0">
+                <a:solidFill>
+                  <a:srgbClr val="00B050"/>
+                </a:solidFill>
+              </a:rPr>
+              <a:t>Wenn</a:t>
+            </a:r>
+            <a:r>
+              <a:rPr lang="de-DE" dirty="0"/>
+              <a:t> </a:t>
+            </a:r>
+            <a:r>
+              <a:rPr lang="de-DE" dirty="0">
+                <a:solidFill>
+                  <a:srgbClr val="0070C0"/>
+                </a:solidFill>
+              </a:rPr>
+              <a:t>gültig</a:t>
+            </a:r>
+            <a:r>
+              <a:rPr lang="de-DE" dirty="0"/>
+              <a:t>(schritt) {</a:t>
+            </a:r>
+          </a:p>
+          <a:p>
+            <a:pPr marL="0" indent="0">
+              <a:buNone/>
+            </a:pPr>
+            <a:r>
+              <a:rPr lang="de-DE" dirty="0"/>
+              <a:t>		lösung += schritt</a:t>
+            </a:r>
+          </a:p>
+          <a:p>
+            <a:pPr marL="0" indent="0">
+              <a:buNone/>
+            </a:pPr>
+            <a:endParaRPr lang="de-DE" dirty="0"/>
+          </a:p>
+          <a:p>
+            <a:pPr marL="0" indent="0">
+              <a:buNone/>
+            </a:pPr>
+            <a:r>
+              <a:rPr lang="de-DE" dirty="0"/>
+              <a:t>		</a:t>
+            </a:r>
+            <a:r>
+              <a:rPr lang="de-DE" dirty="0">
+                <a:solidFill>
+                  <a:srgbClr val="00B050"/>
+                </a:solidFill>
+              </a:rPr>
+              <a:t>Wenn</a:t>
+            </a:r>
+            <a:r>
+              <a:rPr lang="de-DE" dirty="0"/>
+              <a:t> (</a:t>
+            </a:r>
+            <a:r>
+              <a:rPr lang="de-DE" dirty="0">
+                <a:solidFill>
+                  <a:srgbClr val="0070C0"/>
+                </a:solidFill>
+              </a:rPr>
+              <a:t>lösen</a:t>
+            </a:r>
+            <a:r>
+              <a:rPr lang="de-DE" dirty="0"/>
+              <a:t>(schritt+1))</a:t>
+            </a:r>
+          </a:p>
+          <a:p>
+            <a:pPr marL="0" indent="0">
+              <a:buNone/>
+            </a:pPr>
+            <a:r>
+              <a:rPr lang="de-DE" dirty="0"/>
+              <a:t>			</a:t>
+            </a:r>
+            <a:r>
+              <a:rPr lang="de-DE" dirty="0">
+                <a:solidFill>
+                  <a:srgbClr val="7030A0"/>
+                </a:solidFill>
+              </a:rPr>
+              <a:t>Rückgabe</a:t>
+            </a:r>
+            <a:r>
+              <a:rPr lang="de-DE" dirty="0"/>
+              <a:t> True</a:t>
+            </a:r>
+          </a:p>
+          <a:p>
+            <a:pPr marL="0" indent="0">
+              <a:buNone/>
+            </a:pPr>
+            <a:r>
+              <a:rPr lang="de-DE" dirty="0"/>
+              <a:t>		</a:t>
+            </a:r>
+            <a:r>
+              <a:rPr lang="de-DE" dirty="0">
+                <a:solidFill>
+                  <a:srgbClr val="00B050"/>
+                </a:solidFill>
+              </a:rPr>
+              <a:t>Ansonsten</a:t>
+            </a:r>
+          </a:p>
+          <a:p>
+            <a:pPr marL="0" indent="0">
+              <a:buNone/>
+            </a:pPr>
+            <a:r>
+              <a:rPr lang="de-DE" dirty="0"/>
+              <a:t>			lösung -= schritt</a:t>
+            </a:r>
+          </a:p>
+          <a:p>
+            <a:pPr marL="0" indent="0">
+              <a:buNone/>
+            </a:pPr>
+            <a:r>
+              <a:rPr lang="de-DE" dirty="0"/>
+              <a:t>	}</a:t>
+            </a:r>
+          </a:p>
+          <a:p>
+            <a:pPr marL="0" indent="0">
+              <a:buNone/>
+            </a:pPr>
+            <a:r>
+              <a:rPr lang="de-DE" dirty="0"/>
+              <a:t>	</a:t>
+            </a:r>
+            <a:r>
+              <a:rPr lang="de-DE" dirty="0">
+                <a:solidFill>
+                  <a:srgbClr val="7030A0"/>
+                </a:solidFill>
+              </a:rPr>
+              <a:t>Rückgabe</a:t>
+            </a:r>
+            <a:r>
+              <a:rPr lang="de-DE" dirty="0"/>
+              <a:t> False</a:t>
+            </a:r>
+          </a:p>
+          <a:p>
+            <a:pPr marL="0" indent="0">
+              <a:buNone/>
+            </a:pPr>
+            <a:r>
+              <a:rPr lang="de-DE" dirty="0"/>
+              <a:t>}</a:t>
+            </a:r>
+            <a:endParaRPr lang="en-GB" dirty="0"/>
+          </a:p>
+        </p:txBody>
+      </p:sp>
       <p:sp>
         <p:nvSpPr>
           <p:cNvPr id="4" name="Rechteck 3">
             <a:extLst>
               <a:ext uri="{FF2B5EF4-FFF2-40B4-BE49-F238E27FC236}">
-                <a16:creationId xmlns:a16="http://schemas.microsoft.com/office/drawing/2014/main" id="{512FCC3A-B5CF-FF1C-3F70-1895A40C8A22}"/>
+                <a16:creationId xmlns:a16="http://schemas.microsoft.com/office/drawing/2014/main" id="{7DA6BD2E-F1E5-B29A-B4F9-CE646DC9B406}"/>
               </a:ext>
             </a:extLst>
           </p:cNvPr>
@@ -8114,468 +10072,16 @@
             <a:pPr algn="ctr"/>
             <a:r>
               <a:rPr lang="de-DE" dirty="0"/>
-              <a:t>Implementierung des Algorithmus &gt; Rat in a Maze Problem</a:t>
+              <a:t>Wie funktioniert der Algorithmus? &gt; Pseudo Code</a:t>
             </a:r>
             <a:endParaRPr lang="en-GB" dirty="0"/>
           </a:p>
         </p:txBody>
       </p:sp>
-      <p:sp>
-        <p:nvSpPr>
-          <p:cNvPr id="11" name="Textfeld 10">
-            <a:extLst>
-              <a:ext uri="{FF2B5EF4-FFF2-40B4-BE49-F238E27FC236}">
-                <a16:creationId xmlns:a16="http://schemas.microsoft.com/office/drawing/2014/main" id="{4D5073F3-91EE-2FA1-76FE-AAD1358E44A3}"/>
-              </a:ext>
-            </a:extLst>
-          </p:cNvPr>
-          <p:cNvSpPr txBox="1"/>
-          <p:nvPr/>
-        </p:nvSpPr>
-        <p:spPr>
-          <a:xfrm>
-            <a:off x="838200" y="1690687"/>
-            <a:ext cx="6934200" cy="2803844"/>
-          </a:xfrm>
-          <a:prstGeom prst="rect">
-            <a:avLst/>
-          </a:prstGeom>
-          <a:noFill/>
-        </p:spPr>
-        <p:txBody>
-          <a:bodyPr wrap="square">
-            <a:spAutoFit/>
-          </a:bodyPr>
-          <a:lstStyle/>
-          <a:p>
-            <a:pPr marL="228600" marR="0" lvl="0" indent="-228600" algn="l" defTabSz="914400" rtl="0" eaLnBrk="1" fontAlgn="auto" latinLnBrk="0" hangingPunct="1">
-              <a:lnSpc>
-                <a:spcPct val="90000"/>
-              </a:lnSpc>
-              <a:spcBef>
-                <a:spcPts val="1000"/>
-              </a:spcBef>
-              <a:spcAft>
-                <a:spcPts val="0"/>
-              </a:spcAft>
-              <a:buClrTx/>
-              <a:buSzTx/>
-              <a:buFont typeface="Arial" panose="020B0604020202020204" pitchFamily="34" charset="0"/>
-              <a:buChar char="•"/>
-              <a:tabLst/>
-              <a:defRPr/>
-            </a:pPr>
-            <a:r>
-              <a:rPr kumimoji="0" lang="de-DE" sz="2800" b="0" i="0" u="none" strike="noStrike" kern="1200" cap="none" spc="0" normalizeH="0" baseline="0" noProof="0" dirty="0">
-                <a:ln>
-                  <a:noFill/>
-                </a:ln>
-                <a:solidFill>
-                  <a:prstClr val="black"/>
-                </a:solidFill>
-                <a:effectLst/>
-                <a:uLnTx/>
-                <a:uFillTx/>
-                <a:latin typeface="Calibri" panose="020F0502020204030204"/>
-                <a:ea typeface="+mn-ea"/>
-                <a:cs typeface="+mn-cs"/>
-              </a:rPr>
-              <a:t>Auf deutsch</a:t>
-            </a:r>
-            <a:r>
-              <a:rPr lang="de-DE" sz="2800" dirty="0">
-                <a:solidFill>
-                  <a:prstClr val="black"/>
-                </a:solidFill>
-                <a:latin typeface="Calibri" panose="020F0502020204030204"/>
-              </a:rPr>
-              <a:t>: „Ratte in einem Labyrinth“</a:t>
-            </a:r>
-          </a:p>
-          <a:p>
-            <a:pPr marL="228600" marR="0" lvl="0" indent="-228600" algn="l" defTabSz="914400" rtl="0" eaLnBrk="1" fontAlgn="auto" latinLnBrk="0" hangingPunct="1">
-              <a:lnSpc>
-                <a:spcPct val="90000"/>
-              </a:lnSpc>
-              <a:spcBef>
-                <a:spcPts val="1000"/>
-              </a:spcBef>
-              <a:spcAft>
-                <a:spcPts val="0"/>
-              </a:spcAft>
-              <a:buClrTx/>
-              <a:buSzTx/>
-              <a:buFont typeface="Arial" panose="020B0604020202020204" pitchFamily="34" charset="0"/>
-              <a:buChar char="•"/>
-              <a:tabLst/>
-              <a:defRPr/>
-            </a:pPr>
-            <a:r>
-              <a:rPr kumimoji="0" lang="de-DE" sz="2800" b="0" i="0" u="none" strike="noStrike" kern="1200" cap="none" spc="0" normalizeH="0" baseline="0" noProof="0" dirty="0">
-                <a:ln>
-                  <a:noFill/>
-                </a:ln>
-                <a:solidFill>
-                  <a:prstClr val="black"/>
-                </a:solidFill>
-                <a:effectLst/>
-                <a:uLnTx/>
-                <a:uFillTx/>
-                <a:latin typeface="Calibri" panose="020F0502020204030204"/>
-                <a:ea typeface="+mn-ea"/>
-                <a:cs typeface="+mn-cs"/>
-              </a:rPr>
-              <a:t>Gegeben ist eine Matrix der Größe N*M</a:t>
-            </a:r>
-          </a:p>
-          <a:p>
-            <a:pPr marL="228600" marR="0" lvl="0" indent="-228600" algn="l" defTabSz="914400" rtl="0" eaLnBrk="1" fontAlgn="auto" latinLnBrk="0" hangingPunct="1">
-              <a:lnSpc>
-                <a:spcPct val="90000"/>
-              </a:lnSpc>
-              <a:spcBef>
-                <a:spcPts val="1000"/>
-              </a:spcBef>
-              <a:spcAft>
-                <a:spcPts val="0"/>
-              </a:spcAft>
-              <a:buClrTx/>
-              <a:buSzTx/>
-              <a:buFont typeface="Arial" panose="020B0604020202020204" pitchFamily="34" charset="0"/>
-              <a:buChar char="•"/>
-              <a:tabLst/>
-              <a:defRPr/>
-            </a:pPr>
-            <a:r>
-              <a:rPr lang="de-DE" sz="2800" dirty="0">
-                <a:solidFill>
-                  <a:prstClr val="black"/>
-                </a:solidFill>
-                <a:latin typeface="Calibri" panose="020F0502020204030204"/>
-              </a:rPr>
-              <a:t>Eine Ratte kann sich nur nach unten und rechts bewegen</a:t>
-            </a:r>
-            <a:endParaRPr kumimoji="0" lang="de-DE" sz="2800" b="0" i="0" u="none" strike="noStrike" kern="1200" cap="none" spc="0" normalizeH="0" baseline="0" noProof="0" dirty="0">
-              <a:ln>
-                <a:noFill/>
-              </a:ln>
-              <a:solidFill>
-                <a:prstClr val="black"/>
-              </a:solidFill>
-              <a:effectLst/>
-              <a:uLnTx/>
-              <a:uFillTx/>
-              <a:latin typeface="Calibri" panose="020F0502020204030204"/>
-              <a:ea typeface="+mn-ea"/>
-              <a:cs typeface="+mn-cs"/>
-            </a:endParaRPr>
-          </a:p>
-          <a:p>
-            <a:pPr marL="228600" marR="0" lvl="0" indent="-228600" algn="l" defTabSz="914400" rtl="0" eaLnBrk="1" fontAlgn="auto" latinLnBrk="0" hangingPunct="1">
-              <a:lnSpc>
-                <a:spcPct val="90000"/>
-              </a:lnSpc>
-              <a:spcBef>
-                <a:spcPts val="1000"/>
-              </a:spcBef>
-              <a:spcAft>
-                <a:spcPts val="0"/>
-              </a:spcAft>
-              <a:buClrTx/>
-              <a:buSzTx/>
-              <a:buFont typeface="Arial" panose="020B0604020202020204" pitchFamily="34" charset="0"/>
-              <a:buChar char="•"/>
-              <a:tabLst/>
-              <a:defRPr/>
-            </a:pPr>
-            <a:r>
-              <a:rPr lang="de-DE" sz="2800" dirty="0">
-                <a:solidFill>
-                  <a:prstClr val="black"/>
-                </a:solidFill>
-                <a:latin typeface="Calibri" panose="020F0502020204030204"/>
-              </a:rPr>
-              <a:t>Die Ratte muss einen von Punkt (0|0) zu Punkt  (N-1|M-1) finden</a:t>
-            </a:r>
-            <a:endParaRPr kumimoji="0" lang="de-DE" sz="2800" b="0" i="0" u="none" strike="noStrike" kern="1200" cap="none" spc="0" normalizeH="0" baseline="0" noProof="0" dirty="0">
-              <a:ln>
-                <a:noFill/>
-              </a:ln>
-              <a:solidFill>
-                <a:prstClr val="black"/>
-              </a:solidFill>
-              <a:effectLst/>
-              <a:uLnTx/>
-              <a:uFillTx/>
-              <a:latin typeface="Calibri" panose="020F0502020204030204"/>
-              <a:ea typeface="+mn-ea"/>
-              <a:cs typeface="+mn-cs"/>
-            </a:endParaRPr>
-          </a:p>
-        </p:txBody>
-      </p:sp>
-      <p:cxnSp>
-        <p:nvCxnSpPr>
-          <p:cNvPr id="15" name="Gerade Verbindung mit Pfeil 14">
-            <a:extLst>
-              <a:ext uri="{FF2B5EF4-FFF2-40B4-BE49-F238E27FC236}">
-                <a16:creationId xmlns:a16="http://schemas.microsoft.com/office/drawing/2014/main" id="{0F179933-4D92-3894-88DF-55EBB195481D}"/>
-              </a:ext>
-            </a:extLst>
-          </p:cNvPr>
-          <p:cNvCxnSpPr/>
-          <p:nvPr/>
-        </p:nvCxnSpPr>
-        <p:spPr>
-          <a:xfrm>
-            <a:off x="8696263" y="2288893"/>
-            <a:ext cx="0" cy="457200"/>
-          </a:xfrm>
-          <a:prstGeom prst="straightConnector1">
-            <a:avLst/>
-          </a:prstGeom>
-          <a:ln w="76200">
-            <a:solidFill>
-              <a:schemeClr val="accent6"/>
-            </a:solidFill>
-            <a:tailEnd type="triangle"/>
-          </a:ln>
-        </p:spPr>
-        <p:style>
-          <a:lnRef idx="1">
-            <a:schemeClr val="accent1"/>
-          </a:lnRef>
-          <a:fillRef idx="0">
-            <a:schemeClr val="accent1"/>
-          </a:fillRef>
-          <a:effectRef idx="0">
-            <a:schemeClr val="accent1"/>
-          </a:effectRef>
-          <a:fontRef idx="minor">
-            <a:schemeClr val="tx1"/>
-          </a:fontRef>
-        </p:style>
-      </p:cxnSp>
-      <p:cxnSp>
-        <p:nvCxnSpPr>
-          <p:cNvPr id="17" name="Gerade Verbindung mit Pfeil 16">
-            <a:extLst>
-              <a:ext uri="{FF2B5EF4-FFF2-40B4-BE49-F238E27FC236}">
-                <a16:creationId xmlns:a16="http://schemas.microsoft.com/office/drawing/2014/main" id="{BD8360A4-523A-79A9-0148-39DDB87988A1}"/>
-              </a:ext>
-            </a:extLst>
-          </p:cNvPr>
-          <p:cNvCxnSpPr>
-            <a:cxnSpLocks/>
-          </p:cNvCxnSpPr>
-          <p:nvPr/>
-        </p:nvCxnSpPr>
-        <p:spPr>
-          <a:xfrm>
-            <a:off x="8839699" y="2835741"/>
-            <a:ext cx="519953" cy="0"/>
-          </a:xfrm>
-          <a:prstGeom prst="straightConnector1">
-            <a:avLst/>
-          </a:prstGeom>
-          <a:ln w="76200">
-            <a:solidFill>
-              <a:schemeClr val="accent6"/>
-            </a:solidFill>
-            <a:tailEnd type="triangle"/>
-          </a:ln>
-        </p:spPr>
-        <p:style>
-          <a:lnRef idx="1">
-            <a:schemeClr val="accent1"/>
-          </a:lnRef>
-          <a:fillRef idx="0">
-            <a:schemeClr val="accent1"/>
-          </a:fillRef>
-          <a:effectRef idx="0">
-            <a:schemeClr val="accent1"/>
-          </a:effectRef>
-          <a:fontRef idx="minor">
-            <a:schemeClr val="tx1"/>
-          </a:fontRef>
-        </p:style>
-      </p:cxnSp>
-      <p:cxnSp>
-        <p:nvCxnSpPr>
-          <p:cNvPr id="22" name="Gerade Verbindung mit Pfeil 21">
-            <a:extLst>
-              <a:ext uri="{FF2B5EF4-FFF2-40B4-BE49-F238E27FC236}">
-                <a16:creationId xmlns:a16="http://schemas.microsoft.com/office/drawing/2014/main" id="{466A2737-E291-C595-407F-17149D394F9B}"/>
-              </a:ext>
-            </a:extLst>
-          </p:cNvPr>
-          <p:cNvCxnSpPr/>
-          <p:nvPr/>
-        </p:nvCxnSpPr>
-        <p:spPr>
-          <a:xfrm>
-            <a:off x="9512051" y="2962086"/>
-            <a:ext cx="0" cy="457200"/>
-          </a:xfrm>
-          <a:prstGeom prst="straightConnector1">
-            <a:avLst/>
-          </a:prstGeom>
-          <a:ln w="76200">
-            <a:solidFill>
-              <a:schemeClr val="accent6"/>
-            </a:solidFill>
-            <a:tailEnd type="triangle"/>
-          </a:ln>
-        </p:spPr>
-        <p:style>
-          <a:lnRef idx="1">
-            <a:schemeClr val="accent1"/>
-          </a:lnRef>
-          <a:fillRef idx="0">
-            <a:schemeClr val="accent1"/>
-          </a:fillRef>
-          <a:effectRef idx="0">
-            <a:schemeClr val="accent1"/>
-          </a:effectRef>
-          <a:fontRef idx="minor">
-            <a:schemeClr val="tx1"/>
-          </a:fontRef>
-        </p:style>
-      </p:cxnSp>
-      <p:cxnSp>
-        <p:nvCxnSpPr>
-          <p:cNvPr id="23" name="Gerade Verbindung mit Pfeil 22">
-            <a:extLst>
-              <a:ext uri="{FF2B5EF4-FFF2-40B4-BE49-F238E27FC236}">
-                <a16:creationId xmlns:a16="http://schemas.microsoft.com/office/drawing/2014/main" id="{2EC07C83-6ABF-418C-BD6F-4E7353E993B6}"/>
-              </a:ext>
-            </a:extLst>
-          </p:cNvPr>
-          <p:cNvCxnSpPr/>
-          <p:nvPr/>
-        </p:nvCxnSpPr>
-        <p:spPr>
-          <a:xfrm>
-            <a:off x="9512051" y="3678423"/>
-            <a:ext cx="0" cy="457200"/>
-          </a:xfrm>
-          <a:prstGeom prst="straightConnector1">
-            <a:avLst/>
-          </a:prstGeom>
-          <a:ln w="76200">
-            <a:solidFill>
-              <a:schemeClr val="accent6"/>
-            </a:solidFill>
-            <a:tailEnd type="triangle"/>
-          </a:ln>
-        </p:spPr>
-        <p:style>
-          <a:lnRef idx="1">
-            <a:schemeClr val="accent1"/>
-          </a:lnRef>
-          <a:fillRef idx="0">
-            <a:schemeClr val="accent1"/>
-          </a:fillRef>
-          <a:effectRef idx="0">
-            <a:schemeClr val="accent1"/>
-          </a:effectRef>
-          <a:fontRef idx="minor">
-            <a:schemeClr val="tx1"/>
-          </a:fontRef>
-        </p:style>
-      </p:cxnSp>
-      <p:cxnSp>
-        <p:nvCxnSpPr>
-          <p:cNvPr id="24" name="Gerade Verbindung mit Pfeil 23">
-            <a:extLst>
-              <a:ext uri="{FF2B5EF4-FFF2-40B4-BE49-F238E27FC236}">
-                <a16:creationId xmlns:a16="http://schemas.microsoft.com/office/drawing/2014/main" id="{B5D8C578-978F-BE9C-D741-72482A94E782}"/>
-              </a:ext>
-            </a:extLst>
-          </p:cNvPr>
-          <p:cNvCxnSpPr>
-            <a:cxnSpLocks/>
-          </p:cNvCxnSpPr>
-          <p:nvPr/>
-        </p:nvCxnSpPr>
-        <p:spPr>
-          <a:xfrm>
-            <a:off x="9727205" y="4261129"/>
-            <a:ext cx="484094" cy="0"/>
-          </a:xfrm>
-          <a:prstGeom prst="straightConnector1">
-            <a:avLst/>
-          </a:prstGeom>
-          <a:ln w="76200">
-            <a:solidFill>
-              <a:schemeClr val="accent6"/>
-            </a:solidFill>
-            <a:tailEnd type="triangle"/>
-          </a:ln>
-        </p:spPr>
-        <p:style>
-          <a:lnRef idx="1">
-            <a:schemeClr val="accent1"/>
-          </a:lnRef>
-          <a:fillRef idx="0">
-            <a:schemeClr val="accent1"/>
-          </a:fillRef>
-          <a:effectRef idx="0">
-            <a:schemeClr val="accent1"/>
-          </a:effectRef>
-          <a:fontRef idx="minor">
-            <a:schemeClr val="tx1"/>
-          </a:fontRef>
-        </p:style>
-      </p:cxnSp>
-      <p:cxnSp>
-        <p:nvCxnSpPr>
-          <p:cNvPr id="26" name="Gerade Verbindung mit Pfeil 25">
-            <a:extLst>
-              <a:ext uri="{FF2B5EF4-FFF2-40B4-BE49-F238E27FC236}">
-                <a16:creationId xmlns:a16="http://schemas.microsoft.com/office/drawing/2014/main" id="{07226486-5BB0-C19D-A77C-36FAB11BB0F1}"/>
-              </a:ext>
-            </a:extLst>
-          </p:cNvPr>
-          <p:cNvCxnSpPr>
-            <a:cxnSpLocks/>
-          </p:cNvCxnSpPr>
-          <p:nvPr/>
-        </p:nvCxnSpPr>
-        <p:spPr>
-          <a:xfrm>
-            <a:off x="10404040" y="4261130"/>
-            <a:ext cx="484094" cy="0"/>
-          </a:xfrm>
-          <a:prstGeom prst="straightConnector1">
-            <a:avLst/>
-          </a:prstGeom>
-          <a:ln w="76200">
-            <a:solidFill>
-              <a:schemeClr val="accent6"/>
-            </a:solidFill>
-            <a:tailEnd type="triangle"/>
-          </a:ln>
-        </p:spPr>
-        <p:style>
-          <a:lnRef idx="1">
-            <a:schemeClr val="accent1"/>
-          </a:lnRef>
-          <a:fillRef idx="0">
-            <a:schemeClr val="accent1"/>
-          </a:fillRef>
-          <a:effectRef idx="0">
-            <a:schemeClr val="accent1"/>
-          </a:effectRef>
-          <a:fontRef idx="minor">
-            <a:schemeClr val="tx1"/>
-          </a:fontRef>
-        </p:style>
-      </p:cxnSp>
     </p:spTree>
     <p:extLst>
       <p:ext uri="{BB962C8B-B14F-4D97-AF65-F5344CB8AC3E}">
-        <p14:creationId xmlns:p14="http://schemas.microsoft.com/office/powerpoint/2010/main" val="2003193971"/>
+        <p14:creationId xmlns:p14="http://schemas.microsoft.com/office/powerpoint/2010/main" val="297101390"/>
       </p:ext>
     </p:extLst>
   </p:cSld>
@@ -8588,14 +10094,6 @@
 <file path=ppt/slides/slide9.xml><?xml version="1.0" encoding="utf-8"?>
 <p:sld xmlns:a="http://schemas.openxmlformats.org/drawingml/2006/main" xmlns:r="http://schemas.openxmlformats.org/officeDocument/2006/relationships" xmlns:p="http://schemas.openxmlformats.org/presentationml/2006/main">
   <p:cSld>
-    <p:bg>
-      <p:bgPr>
-        <a:solidFill>
-          <a:schemeClr val="bg1"/>
-        </a:solidFill>
-        <a:effectLst/>
-      </p:bgPr>
-    </p:bg>
     <p:spTree>
       <p:nvGrpSpPr>
         <p:cNvPr id="1" name=""/>
@@ -8610,89 +10108,35 @@
           <a:chExt cx="0" cy="0"/>
         </a:xfrm>
       </p:grpSpPr>
-      <p:pic>
-        <p:nvPicPr>
-          <p:cNvPr id="4" name="Grafik 3">
-            <a:extLst>
-              <a:ext uri="{FF2B5EF4-FFF2-40B4-BE49-F238E27FC236}">
-                <a16:creationId xmlns:a16="http://schemas.microsoft.com/office/drawing/2014/main" id="{494B55B4-863E-081E-C5CB-136681496F68}"/>
-              </a:ext>
-            </a:extLst>
-          </p:cNvPr>
-          <p:cNvPicPr>
-            <a:picLocks noChangeAspect="1"/>
-          </p:cNvPicPr>
-          <p:nvPr/>
-        </p:nvPicPr>
-        <p:blipFill rotWithShape="1">
-          <a:blip r:embed="rId2">
-            <a:extLst>
-              <a:ext uri="{28A0092B-C50C-407E-A947-70E740481C1C}">
-                <a14:useLocalDpi xmlns:a14="http://schemas.microsoft.com/office/drawing/2010/main" val="0"/>
-              </a:ext>
-            </a:extLst>
-          </a:blip>
-          <a:srcRect l="5476" t="13782" r="5173" b="13399"/>
-          <a:stretch/>
-        </p:blipFill>
+      <p:sp>
+        <p:nvSpPr>
+          <p:cNvPr id="2" name="Titel 1">
+            <a:extLst>
+              <a:ext uri="{FF2B5EF4-FFF2-40B4-BE49-F238E27FC236}">
+                <a16:creationId xmlns:a16="http://schemas.microsoft.com/office/drawing/2014/main" id="{DEAE4BBC-F954-2CBB-FCAA-193B383E650F}"/>
+              </a:ext>
+            </a:extLst>
+          </p:cNvPr>
+          <p:cNvSpPr>
+            <a:spLocks noGrp="1"/>
+          </p:cNvSpPr>
+          <p:nvPr>
+            <p:ph type="title"/>
+          </p:nvPr>
+        </p:nvSpPr>
         <p:spPr>
           <a:xfrm>
-            <a:off x="643467" y="1695962"/>
-            <a:ext cx="10905066" cy="3466074"/>
-          </a:xfrm>
-          <a:prstGeom prst="rect">
-            <a:avLst/>
-          </a:prstGeom>
-        </p:spPr>
-      </p:pic>
-      <p:sp>
-        <p:nvSpPr>
-          <p:cNvPr id="24" name="Rechteck 23">
-            <a:extLst>
-              <a:ext uri="{FF2B5EF4-FFF2-40B4-BE49-F238E27FC236}">
-                <a16:creationId xmlns:a16="http://schemas.microsoft.com/office/drawing/2014/main" id="{7B537235-2A5F-1F06-95B4-2786130D2919}"/>
-              </a:ext>
-            </a:extLst>
-          </p:cNvPr>
-          <p:cNvSpPr/>
-          <p:nvPr/>
-        </p:nvSpPr>
-        <p:spPr>
-          <a:xfrm>
-            <a:off x="0" y="6444867"/>
-            <a:ext cx="12192000" cy="413133"/>
-          </a:xfrm>
-          <a:prstGeom prst="rect">
-            <a:avLst/>
-          </a:prstGeom>
-          <a:ln>
-            <a:noFill/>
-          </a:ln>
-        </p:spPr>
-        <p:style>
-          <a:lnRef idx="2">
-            <a:schemeClr val="accent1">
-              <a:shade val="50000"/>
-            </a:schemeClr>
-          </a:lnRef>
-          <a:fillRef idx="1">
-            <a:schemeClr val="accent1"/>
-          </a:fillRef>
-          <a:effectRef idx="0">
-            <a:schemeClr val="accent1"/>
-          </a:effectRef>
-          <a:fontRef idx="minor">
-            <a:schemeClr val="lt1"/>
-          </a:fontRef>
-        </p:style>
-        <p:txBody>
-          <a:bodyPr rtlCol="0" anchor="ctr"/>
-          <a:lstStyle/>
-          <a:p>
-            <a:pPr algn="ctr"/>
-            <a:r>
-              <a:rPr lang="de-DE" dirty="0"/>
-              <a:t>Implementierung des Algorithmus &gt; Rat in a Maze Problem</a:t>
+            <a:off x="2142066" y="2766218"/>
+            <a:ext cx="7907867" cy="1325563"/>
+          </a:xfrm>
+        </p:spPr>
+        <p:txBody>
+          <a:bodyPr/>
+          <a:lstStyle/>
+          <a:p>
+            <a:r>
+              <a:rPr lang="de-DE" dirty="0"/>
+              <a:t>Implementierung des Algorithmus</a:t>
             </a:r>
             <a:endParaRPr lang="en-GB" dirty="0"/>
           </a:p>
@@ -8701,7 +10145,7 @@
     </p:spTree>
     <p:extLst>
       <p:ext uri="{BB962C8B-B14F-4D97-AF65-F5344CB8AC3E}">
-        <p14:creationId xmlns:p14="http://schemas.microsoft.com/office/powerpoint/2010/main" val="2087927380"/>
+        <p14:creationId xmlns:p14="http://schemas.microsoft.com/office/powerpoint/2010/main" val="4279770591"/>
       </p:ext>
     </p:extLst>
   </p:cSld>

--- a/_presentation/main.pptx
+++ b/_presentation/main.pptx
@@ -288,7 +288,7 @@
           <a:p>
             <a:fld id="{CA1CEFD1-0BDB-4BB3-BD4F-EE30665FCDD3}" type="datetimeFigureOut">
               <a:rPr lang="en-GB" smtClean="0"/>
-              <a:t>01/07/2022</a:t>
+              <a:t>02/07/2022</a:t>
             </a:fld>
             <a:endParaRPr lang="en-GB"/>
           </a:p>
@@ -488,7 +488,7 @@
           <a:p>
             <a:fld id="{CA1CEFD1-0BDB-4BB3-BD4F-EE30665FCDD3}" type="datetimeFigureOut">
               <a:rPr lang="en-GB" smtClean="0"/>
-              <a:t>01/07/2022</a:t>
+              <a:t>02/07/2022</a:t>
             </a:fld>
             <a:endParaRPr lang="en-GB"/>
           </a:p>
@@ -698,7 +698,7 @@
           <a:p>
             <a:fld id="{CA1CEFD1-0BDB-4BB3-BD4F-EE30665FCDD3}" type="datetimeFigureOut">
               <a:rPr lang="en-GB" smtClean="0"/>
-              <a:t>01/07/2022</a:t>
+              <a:t>02/07/2022</a:t>
             </a:fld>
             <a:endParaRPr lang="en-GB"/>
           </a:p>
@@ -898,7 +898,7 @@
           <a:p>
             <a:fld id="{CA1CEFD1-0BDB-4BB3-BD4F-EE30665FCDD3}" type="datetimeFigureOut">
               <a:rPr lang="en-GB" smtClean="0"/>
-              <a:t>01/07/2022</a:t>
+              <a:t>02/07/2022</a:t>
             </a:fld>
             <a:endParaRPr lang="en-GB"/>
           </a:p>
@@ -1174,7 +1174,7 @@
           <a:p>
             <a:fld id="{CA1CEFD1-0BDB-4BB3-BD4F-EE30665FCDD3}" type="datetimeFigureOut">
               <a:rPr lang="en-GB" smtClean="0"/>
-              <a:t>01/07/2022</a:t>
+              <a:t>02/07/2022</a:t>
             </a:fld>
             <a:endParaRPr lang="en-GB"/>
           </a:p>
@@ -1442,7 +1442,7 @@
           <a:p>
             <a:fld id="{CA1CEFD1-0BDB-4BB3-BD4F-EE30665FCDD3}" type="datetimeFigureOut">
               <a:rPr lang="en-GB" smtClean="0"/>
-              <a:t>01/07/2022</a:t>
+              <a:t>02/07/2022</a:t>
             </a:fld>
             <a:endParaRPr lang="en-GB"/>
           </a:p>
@@ -1857,7 +1857,7 @@
           <a:p>
             <a:fld id="{CA1CEFD1-0BDB-4BB3-BD4F-EE30665FCDD3}" type="datetimeFigureOut">
               <a:rPr lang="en-GB" smtClean="0"/>
-              <a:t>01/07/2022</a:t>
+              <a:t>02/07/2022</a:t>
             </a:fld>
             <a:endParaRPr lang="en-GB"/>
           </a:p>
@@ -1999,7 +1999,7 @@
           <a:p>
             <a:fld id="{CA1CEFD1-0BDB-4BB3-BD4F-EE30665FCDD3}" type="datetimeFigureOut">
               <a:rPr lang="en-GB" smtClean="0"/>
-              <a:t>01/07/2022</a:t>
+              <a:t>02/07/2022</a:t>
             </a:fld>
             <a:endParaRPr lang="en-GB"/>
           </a:p>
@@ -2112,7 +2112,7 @@
           <a:p>
             <a:fld id="{CA1CEFD1-0BDB-4BB3-BD4F-EE30665FCDD3}" type="datetimeFigureOut">
               <a:rPr lang="en-GB" smtClean="0"/>
-              <a:t>01/07/2022</a:t>
+              <a:t>02/07/2022</a:t>
             </a:fld>
             <a:endParaRPr lang="en-GB"/>
           </a:p>
@@ -2425,7 +2425,7 @@
           <a:p>
             <a:fld id="{CA1CEFD1-0BDB-4BB3-BD4F-EE30665FCDD3}" type="datetimeFigureOut">
               <a:rPr lang="en-GB" smtClean="0"/>
-              <a:t>01/07/2022</a:t>
+              <a:t>02/07/2022</a:t>
             </a:fld>
             <a:endParaRPr lang="en-GB"/>
           </a:p>
@@ -2714,7 +2714,7 @@
           <a:p>
             <a:fld id="{CA1CEFD1-0BDB-4BB3-BD4F-EE30665FCDD3}" type="datetimeFigureOut">
               <a:rPr lang="en-GB" smtClean="0"/>
-              <a:t>01/07/2022</a:t>
+              <a:t>02/07/2022</a:t>
             </a:fld>
             <a:endParaRPr lang="en-GB"/>
           </a:p>
@@ -2957,7 +2957,7 @@
           <a:p>
             <a:fld id="{CA1CEFD1-0BDB-4BB3-BD4F-EE30665FCDD3}" type="datetimeFigureOut">
               <a:rPr lang="en-GB" smtClean="0"/>
-              <a:t>01/07/2022</a:t>
+              <a:t>02/07/2022</a:t>
             </a:fld>
             <a:endParaRPr lang="en-GB"/>
           </a:p>
@@ -6715,14 +6715,26 @@
             <p:ph type="title"/>
           </p:nvPr>
         </p:nvSpPr>
-        <p:spPr/>
+        <p:spPr>
+          <a:xfrm>
+            <a:off x="798180" y="2461779"/>
+            <a:ext cx="4029364" cy="1325563"/>
+          </a:xfrm>
+        </p:spPr>
         <p:txBody>
           <a:bodyPr/>
           <a:lstStyle/>
           <a:p>
             <a:r>
               <a:rPr lang="de-DE" dirty="0"/>
-              <a:t>Der fertige Algorithmus</a:t>
+              <a:t>Der fertige </a:t>
+            </a:r>
+            <a:br>
+              <a:rPr lang="de-DE" dirty="0"/>
+            </a:br>
+            <a:r>
+              <a:rPr lang="de-DE" dirty="0"/>
+              <a:t>Algorithmus</a:t>
             </a:r>
             <a:endParaRPr lang="en-GB" dirty="0"/>
           </a:p>
@@ -6780,6 +6792,41 @@
           </a:p>
         </p:txBody>
       </p:sp>
+      <p:pic>
+        <p:nvPicPr>
+          <p:cNvPr id="5" name="Grafik 4" descr="Ein Bild, das Text enthält.&#10;&#10;Automatisch generierte Beschreibung">
+            <a:extLst>
+              <a:ext uri="{FF2B5EF4-FFF2-40B4-BE49-F238E27FC236}">
+                <a16:creationId xmlns:a16="http://schemas.microsoft.com/office/drawing/2014/main" id="{0667314C-DE44-8E7A-0127-B2FFCEB9B154}"/>
+              </a:ext>
+            </a:extLst>
+          </p:cNvPr>
+          <p:cNvPicPr>
+            <a:picLocks noChangeAspect="1"/>
+          </p:cNvPicPr>
+          <p:nvPr/>
+        </p:nvPicPr>
+        <p:blipFill rotWithShape="1">
+          <a:blip r:embed="rId2">
+            <a:extLst>
+              <a:ext uri="{28A0092B-C50C-407E-A947-70E740481C1C}">
+                <a14:useLocalDpi xmlns:a14="http://schemas.microsoft.com/office/drawing/2010/main" val="0"/>
+              </a:ext>
+            </a:extLst>
+          </a:blip>
+          <a:srcRect l="6991" t="7003" r="6859" b="7205"/>
+          <a:stretch/>
+        </p:blipFill>
+        <p:spPr>
+          <a:xfrm>
+            <a:off x="5625724" y="0"/>
+            <a:ext cx="6566276" cy="6444867"/>
+          </a:xfrm>
+          <a:prstGeom prst="rect">
+            <a:avLst/>
+          </a:prstGeom>
+        </p:spPr>
+      </p:pic>
     </p:spTree>
     <p:extLst>
       <p:ext uri="{BB962C8B-B14F-4D97-AF65-F5344CB8AC3E}">

--- a/_presentation/main.pptx
+++ b/_presentation/main.pptx
@@ -32,7 +32,8 @@
     <p:sldId id="283" r:id="rId26"/>
     <p:sldId id="284" r:id="rId27"/>
     <p:sldId id="282" r:id="rId28"/>
-    <p:sldId id="262" r:id="rId29"/>
+    <p:sldId id="285" r:id="rId29"/>
+    <p:sldId id="262" r:id="rId30"/>
   </p:sldIdLst>
   <p:sldSz cx="12192000" cy="6858000"/>
   <p:notesSz cx="6858000" cy="9144000"/>
@@ -288,7 +289,7 @@
           <a:p>
             <a:fld id="{CA1CEFD1-0BDB-4BB3-BD4F-EE30665FCDD3}" type="datetimeFigureOut">
               <a:rPr lang="en-GB" smtClean="0"/>
-              <a:t>02/07/2022</a:t>
+              <a:t>03/07/2022</a:t>
             </a:fld>
             <a:endParaRPr lang="en-GB"/>
           </a:p>
@@ -488,7 +489,7 @@
           <a:p>
             <a:fld id="{CA1CEFD1-0BDB-4BB3-BD4F-EE30665FCDD3}" type="datetimeFigureOut">
               <a:rPr lang="en-GB" smtClean="0"/>
-              <a:t>02/07/2022</a:t>
+              <a:t>03/07/2022</a:t>
             </a:fld>
             <a:endParaRPr lang="en-GB"/>
           </a:p>
@@ -698,7 +699,7 @@
           <a:p>
             <a:fld id="{CA1CEFD1-0BDB-4BB3-BD4F-EE30665FCDD3}" type="datetimeFigureOut">
               <a:rPr lang="en-GB" smtClean="0"/>
-              <a:t>02/07/2022</a:t>
+              <a:t>03/07/2022</a:t>
             </a:fld>
             <a:endParaRPr lang="en-GB"/>
           </a:p>
@@ -898,7 +899,7 @@
           <a:p>
             <a:fld id="{CA1CEFD1-0BDB-4BB3-BD4F-EE30665FCDD3}" type="datetimeFigureOut">
               <a:rPr lang="en-GB" smtClean="0"/>
-              <a:t>02/07/2022</a:t>
+              <a:t>03/07/2022</a:t>
             </a:fld>
             <a:endParaRPr lang="en-GB"/>
           </a:p>
@@ -1174,7 +1175,7 @@
           <a:p>
             <a:fld id="{CA1CEFD1-0BDB-4BB3-BD4F-EE30665FCDD3}" type="datetimeFigureOut">
               <a:rPr lang="en-GB" smtClean="0"/>
-              <a:t>02/07/2022</a:t>
+              <a:t>03/07/2022</a:t>
             </a:fld>
             <a:endParaRPr lang="en-GB"/>
           </a:p>
@@ -1442,7 +1443,7 @@
           <a:p>
             <a:fld id="{CA1CEFD1-0BDB-4BB3-BD4F-EE30665FCDD3}" type="datetimeFigureOut">
               <a:rPr lang="en-GB" smtClean="0"/>
-              <a:t>02/07/2022</a:t>
+              <a:t>03/07/2022</a:t>
             </a:fld>
             <a:endParaRPr lang="en-GB"/>
           </a:p>
@@ -1857,7 +1858,7 @@
           <a:p>
             <a:fld id="{CA1CEFD1-0BDB-4BB3-BD4F-EE30665FCDD3}" type="datetimeFigureOut">
               <a:rPr lang="en-GB" smtClean="0"/>
-              <a:t>02/07/2022</a:t>
+              <a:t>03/07/2022</a:t>
             </a:fld>
             <a:endParaRPr lang="en-GB"/>
           </a:p>
@@ -1999,7 +2000,7 @@
           <a:p>
             <a:fld id="{CA1CEFD1-0BDB-4BB3-BD4F-EE30665FCDD3}" type="datetimeFigureOut">
               <a:rPr lang="en-GB" smtClean="0"/>
-              <a:t>02/07/2022</a:t>
+              <a:t>03/07/2022</a:t>
             </a:fld>
             <a:endParaRPr lang="en-GB"/>
           </a:p>
@@ -2112,7 +2113,7 @@
           <a:p>
             <a:fld id="{CA1CEFD1-0BDB-4BB3-BD4F-EE30665FCDD3}" type="datetimeFigureOut">
               <a:rPr lang="en-GB" smtClean="0"/>
-              <a:t>02/07/2022</a:t>
+              <a:t>03/07/2022</a:t>
             </a:fld>
             <a:endParaRPr lang="en-GB"/>
           </a:p>
@@ -2425,7 +2426,7 @@
           <a:p>
             <a:fld id="{CA1CEFD1-0BDB-4BB3-BD4F-EE30665FCDD3}" type="datetimeFigureOut">
               <a:rPr lang="en-GB" smtClean="0"/>
-              <a:t>02/07/2022</a:t>
+              <a:t>03/07/2022</a:t>
             </a:fld>
             <a:endParaRPr lang="en-GB"/>
           </a:p>
@@ -2714,7 +2715,7 @@
           <a:p>
             <a:fld id="{CA1CEFD1-0BDB-4BB3-BD4F-EE30665FCDD3}" type="datetimeFigureOut">
               <a:rPr lang="en-GB" smtClean="0"/>
-              <a:t>02/07/2022</a:t>
+              <a:t>03/07/2022</a:t>
             </a:fld>
             <a:endParaRPr lang="en-GB"/>
           </a:p>
@@ -2957,7 +2958,7 @@
           <a:p>
             <a:fld id="{CA1CEFD1-0BDB-4BB3-BD4F-EE30665FCDD3}" type="datetimeFigureOut">
               <a:rPr lang="en-GB" smtClean="0"/>
-              <a:t>02/07/2022</a:t>
+              <a:t>03/07/2022</a:t>
             </a:fld>
             <a:endParaRPr lang="en-GB"/>
           </a:p>
@@ -7007,6 +7008,130 @@
           </a:p>
         </p:txBody>
       </p:sp>
+      <p:sp>
+        <p:nvSpPr>
+          <p:cNvPr id="5" name="Inhaltsplatzhalter 2">
+            <a:extLst>
+              <a:ext uri="{FF2B5EF4-FFF2-40B4-BE49-F238E27FC236}">
+                <a16:creationId xmlns:a16="http://schemas.microsoft.com/office/drawing/2014/main" id="{3AC086C8-B294-F860-4EC8-D54106F1AE27}"/>
+              </a:ext>
+            </a:extLst>
+          </p:cNvPr>
+          <p:cNvSpPr>
+            <a:spLocks noGrp="1"/>
+          </p:cNvSpPr>
+          <p:nvPr>
+            <p:ph idx="1"/>
+          </p:nvPr>
+        </p:nvSpPr>
+        <p:spPr>
+          <a:xfrm>
+            <a:off x="534800" y="1978175"/>
+            <a:ext cx="10515600" cy="2901650"/>
+          </a:xfrm>
+        </p:spPr>
+        <p:txBody>
+          <a:bodyPr/>
+          <a:lstStyle/>
+          <a:p>
+            <a:r>
+              <a:rPr lang="de-DE" dirty="0"/>
+              <a:t>Benutzt: Java Swing/AWT</a:t>
+            </a:r>
+          </a:p>
+          <a:p>
+            <a:r>
+              <a:rPr lang="de-DE" dirty="0"/>
+              <a:t>Fenster: </a:t>
+            </a:r>
+            <a:r>
+              <a:rPr lang="de-DE" dirty="0" err="1"/>
+              <a:t>JFrame</a:t>
+            </a:r>
+            <a:endParaRPr lang="de-DE" dirty="0"/>
+          </a:p>
+          <a:p>
+            <a:r>
+              <a:rPr lang="en-GB" dirty="0"/>
+              <a:t>Sudoku Feld: </a:t>
+            </a:r>
+            <a:r>
+              <a:rPr lang="en-GB" dirty="0" err="1"/>
+              <a:t>JPanel</a:t>
+            </a:r>
+            <a:r>
+              <a:rPr lang="en-GB" dirty="0"/>
+              <a:t> (paint </a:t>
+            </a:r>
+            <a:r>
+              <a:rPr lang="en-GB" dirty="0" err="1"/>
+              <a:t>Methode</a:t>
+            </a:r>
+            <a:r>
+              <a:rPr lang="en-GB" dirty="0"/>
+              <a:t> </a:t>
+            </a:r>
+            <a:r>
+              <a:rPr lang="en-GB" dirty="0" err="1"/>
+              <a:t>überschreiben</a:t>
+            </a:r>
+            <a:r>
+              <a:rPr lang="en-GB" dirty="0"/>
+              <a:t>)</a:t>
+            </a:r>
+          </a:p>
+          <a:p>
+            <a:r>
+              <a:rPr lang="en-GB" dirty="0" err="1"/>
+              <a:t>Verschiedene</a:t>
+            </a:r>
+            <a:r>
+              <a:rPr lang="en-GB" dirty="0"/>
+              <a:t> </a:t>
+            </a:r>
+            <a:r>
+              <a:rPr lang="en-GB" dirty="0" err="1"/>
+              <a:t>Elemente</a:t>
+            </a:r>
+            <a:r>
+              <a:rPr lang="en-GB" dirty="0"/>
+              <a:t> (J- Button, Label etc)</a:t>
+            </a:r>
+          </a:p>
+          <a:p>
+            <a:r>
+              <a:rPr lang="en-GB" dirty="0" err="1"/>
+              <a:t>Funktionalität</a:t>
+            </a:r>
+            <a:r>
+              <a:rPr lang="en-GB" dirty="0"/>
+              <a:t> </a:t>
+            </a:r>
+            <a:r>
+              <a:rPr lang="en-GB" dirty="0" err="1"/>
+              <a:t>mit</a:t>
+            </a:r>
+            <a:r>
+              <a:rPr lang="en-GB" dirty="0"/>
+              <a:t> Event </a:t>
+            </a:r>
+            <a:r>
+              <a:rPr lang="en-GB" dirty="0" err="1"/>
+              <a:t>Listenern</a:t>
+            </a:r>
+            <a:r>
+              <a:rPr lang="en-GB" dirty="0"/>
+              <a:t> (Mouse/Key-Listener)</a:t>
+            </a:r>
+          </a:p>
+          <a:p>
+            <a:endParaRPr lang="en-GB" dirty="0"/>
+          </a:p>
+          <a:p>
+            <a:endParaRPr lang="en-GB" dirty="0"/>
+          </a:p>
+        </p:txBody>
+      </p:sp>
     </p:spTree>
     <p:extLst>
       <p:ext uri="{BB962C8B-B14F-4D97-AF65-F5344CB8AC3E}">
@@ -7039,10 +7164,62 @@
       </p:grpSpPr>
       <p:sp>
         <p:nvSpPr>
-          <p:cNvPr id="2" name="Titel 1">
-            <a:extLst>
-              <a:ext uri="{FF2B5EF4-FFF2-40B4-BE49-F238E27FC236}">
-                <a16:creationId xmlns:a16="http://schemas.microsoft.com/office/drawing/2014/main" id="{D65A7C41-C94C-EA7B-BDE6-FB01F4C17F3B}"/>
+          <p:cNvPr id="4" name="Rechteck 3">
+            <a:extLst>
+              <a:ext uri="{FF2B5EF4-FFF2-40B4-BE49-F238E27FC236}">
+                <a16:creationId xmlns:a16="http://schemas.microsoft.com/office/drawing/2014/main" id="{8A2C0880-543B-E841-CA2C-C12C922DC70B}"/>
+              </a:ext>
+            </a:extLst>
+          </p:cNvPr>
+          <p:cNvSpPr/>
+          <p:nvPr/>
+        </p:nvSpPr>
+        <p:spPr>
+          <a:xfrm>
+            <a:off x="0" y="6444867"/>
+            <a:ext cx="12192000" cy="413133"/>
+          </a:xfrm>
+          <a:prstGeom prst="rect">
+            <a:avLst/>
+          </a:prstGeom>
+          <a:ln>
+            <a:noFill/>
+          </a:ln>
+        </p:spPr>
+        <p:style>
+          <a:lnRef idx="2">
+            <a:schemeClr val="accent1">
+              <a:shade val="50000"/>
+            </a:schemeClr>
+          </a:lnRef>
+          <a:fillRef idx="1">
+            <a:schemeClr val="accent1"/>
+          </a:fillRef>
+          <a:effectRef idx="0">
+            <a:schemeClr val="accent1"/>
+          </a:effectRef>
+          <a:fontRef idx="minor">
+            <a:schemeClr val="lt1"/>
+          </a:fontRef>
+        </p:style>
+        <p:txBody>
+          <a:bodyPr rtlCol="0" anchor="ctr"/>
+          <a:lstStyle/>
+          <a:p>
+            <a:pPr algn="ctr"/>
+            <a:r>
+              <a:rPr lang="de-DE" dirty="0"/>
+              <a:t>Oberflächenprogrammierung in Java &gt; Visualisierung des Algorithmus</a:t>
+            </a:r>
+          </a:p>
+        </p:txBody>
+      </p:sp>
+      <p:sp>
+        <p:nvSpPr>
+          <p:cNvPr id="9" name="Titel 1">
+            <a:extLst>
+              <a:ext uri="{FF2B5EF4-FFF2-40B4-BE49-F238E27FC236}">
+                <a16:creationId xmlns:a16="http://schemas.microsoft.com/office/drawing/2014/main" id="{9AFE0B66-B0EA-7454-8849-7928A6E78356}"/>
               </a:ext>
             </a:extLst>
           </p:cNvPr>
@@ -7053,14 +7230,19 @@
             <p:ph type="title"/>
           </p:nvPr>
         </p:nvSpPr>
-        <p:spPr/>
+        <p:spPr>
+          <a:xfrm>
+            <a:off x="534800" y="0"/>
+            <a:ext cx="10515600" cy="1325563"/>
+          </a:xfrm>
+        </p:spPr>
         <p:txBody>
           <a:bodyPr/>
           <a:lstStyle/>
           <a:p>
             <a:r>
               <a:rPr lang="de-DE" dirty="0"/>
-              <a:t>Quellen</a:t>
+              <a:t>Visualisierung des Algorithmus</a:t>
             </a:r>
             <a:endParaRPr lang="en-GB" dirty="0"/>
           </a:p>
@@ -7068,10 +7250,10 @@
       </p:sp>
       <p:sp>
         <p:nvSpPr>
-          <p:cNvPr id="3" name="Inhaltsplatzhalter 2">
-            <a:extLst>
-              <a:ext uri="{FF2B5EF4-FFF2-40B4-BE49-F238E27FC236}">
-                <a16:creationId xmlns:a16="http://schemas.microsoft.com/office/drawing/2014/main" id="{003C4EEA-F021-5590-A93B-97C849877476}"/>
+          <p:cNvPr id="5" name="Inhaltsplatzhalter 2">
+            <a:extLst>
+              <a:ext uri="{FF2B5EF4-FFF2-40B4-BE49-F238E27FC236}">
+                <a16:creationId xmlns:a16="http://schemas.microsoft.com/office/drawing/2014/main" id="{3AC086C8-B294-F860-4EC8-D54106F1AE27}"/>
               </a:ext>
             </a:extLst>
           </p:cNvPr>
@@ -7082,9 +7264,166 @@
             <p:ph idx="1"/>
           </p:nvPr>
         </p:nvSpPr>
+        <p:spPr>
+          <a:xfrm>
+            <a:off x="534800" y="1075127"/>
+            <a:ext cx="10515600" cy="2142526"/>
+          </a:xfrm>
+        </p:spPr>
+        <p:txBody>
+          <a:bodyPr/>
+          <a:lstStyle/>
+          <a:p>
+            <a:r>
+              <a:rPr lang="de-DE" dirty="0" err="1"/>
+              <a:t>AWT‘s</a:t>
+            </a:r>
+            <a:r>
+              <a:rPr lang="de-DE" dirty="0"/>
+              <a:t> Benutzeroberfläche läuft in einem einzelnen Thread</a:t>
+            </a:r>
+          </a:p>
+          <a:p>
+            <a:r>
+              <a:rPr lang="de-DE" dirty="0"/>
+              <a:t>Das Programm läuft erst weiter wenn ein Befehl fertig ausgeführt wurde</a:t>
+            </a:r>
+          </a:p>
+          <a:p>
+            <a:r>
+              <a:rPr lang="en-GB" dirty="0"/>
+              <a:t>Lösung: </a:t>
+            </a:r>
+            <a:r>
+              <a:rPr lang="de-DE" dirty="0"/>
+              <a:t>Separaten</a:t>
+            </a:r>
+            <a:r>
+              <a:rPr lang="en-GB" dirty="0"/>
+              <a:t> Thread </a:t>
+            </a:r>
+            <a:r>
+              <a:rPr lang="de-DE" dirty="0"/>
+              <a:t>benutzen</a:t>
+            </a:r>
+          </a:p>
+        </p:txBody>
+      </p:sp>
+      <p:pic>
+        <p:nvPicPr>
+          <p:cNvPr id="3" name="Grafik 2">
+            <a:extLst>
+              <a:ext uri="{FF2B5EF4-FFF2-40B4-BE49-F238E27FC236}">
+                <a16:creationId xmlns:a16="http://schemas.microsoft.com/office/drawing/2014/main" id="{94AE0892-D407-2469-3AFF-E8EFD0AF8780}"/>
+              </a:ext>
+            </a:extLst>
+          </p:cNvPr>
+          <p:cNvPicPr>
+            <a:picLocks noChangeAspect="1"/>
+          </p:cNvPicPr>
+          <p:nvPr/>
+        </p:nvPicPr>
+        <p:blipFill rotWithShape="1">
+          <a:blip r:embed="rId2">
+            <a:extLst>
+              <a:ext uri="{28A0092B-C50C-407E-A947-70E740481C1C}">
+                <a14:useLocalDpi xmlns:a14="http://schemas.microsoft.com/office/drawing/2010/main" val="0"/>
+              </a:ext>
+            </a:extLst>
+          </a:blip>
+          <a:srcRect l="7430" t="20088" r="7452" b="20283"/>
+          <a:stretch/>
+        </p:blipFill>
+        <p:spPr>
+          <a:xfrm>
+            <a:off x="672823" y="3224309"/>
+            <a:ext cx="10377577" cy="2656936"/>
+          </a:xfrm>
+          <a:prstGeom prst="rect">
+            <a:avLst/>
+          </a:prstGeom>
+        </p:spPr>
+      </p:pic>
+    </p:spTree>
+    <p:extLst>
+      <p:ext uri="{BB962C8B-B14F-4D97-AF65-F5344CB8AC3E}">
+        <p14:creationId xmlns:p14="http://schemas.microsoft.com/office/powerpoint/2010/main" val="1043896048"/>
+      </p:ext>
+    </p:extLst>
+  </p:cSld>
+  <p:clrMapOvr>
+    <a:masterClrMapping/>
+  </p:clrMapOvr>
+</p:sld>
+</file>
+
+<file path=ppt/slides/slide29.xml><?xml version="1.0" encoding="utf-8"?>
+<p:sld xmlns:a="http://schemas.openxmlformats.org/drawingml/2006/main" xmlns:r="http://schemas.openxmlformats.org/officeDocument/2006/relationships" xmlns:p="http://schemas.openxmlformats.org/presentationml/2006/main">
+  <p:cSld>
+    <p:spTree>
+      <p:nvGrpSpPr>
+        <p:cNvPr id="1" name=""/>
+        <p:cNvGrpSpPr/>
+        <p:nvPr/>
+      </p:nvGrpSpPr>
+      <p:grpSpPr>
+        <a:xfrm>
+          <a:off x="0" y="0"/>
+          <a:ext cx="0" cy="0"/>
+          <a:chOff x="0" y="0"/>
+          <a:chExt cx="0" cy="0"/>
+        </a:xfrm>
+      </p:grpSpPr>
+      <p:sp>
+        <p:nvSpPr>
+          <p:cNvPr id="2" name="Titel 1">
+            <a:extLst>
+              <a:ext uri="{FF2B5EF4-FFF2-40B4-BE49-F238E27FC236}">
+                <a16:creationId xmlns:a16="http://schemas.microsoft.com/office/drawing/2014/main" id="{D65A7C41-C94C-EA7B-BDE6-FB01F4C17F3B}"/>
+              </a:ext>
+            </a:extLst>
+          </p:cNvPr>
+          <p:cNvSpPr>
+            <a:spLocks noGrp="1"/>
+          </p:cNvSpPr>
+          <p:nvPr>
+            <p:ph type="title"/>
+          </p:nvPr>
+        </p:nvSpPr>
         <p:spPr/>
         <p:txBody>
           <a:bodyPr/>
+          <a:lstStyle/>
+          <a:p>
+            <a:r>
+              <a:rPr lang="de-DE" dirty="0"/>
+              <a:t>Quellen</a:t>
+            </a:r>
+            <a:endParaRPr lang="en-GB" dirty="0"/>
+          </a:p>
+        </p:txBody>
+      </p:sp>
+      <p:sp>
+        <p:nvSpPr>
+          <p:cNvPr id="3" name="Inhaltsplatzhalter 2">
+            <a:extLst>
+              <a:ext uri="{FF2B5EF4-FFF2-40B4-BE49-F238E27FC236}">
+                <a16:creationId xmlns:a16="http://schemas.microsoft.com/office/drawing/2014/main" id="{003C4EEA-F021-5590-A93B-97C849877476}"/>
+              </a:ext>
+            </a:extLst>
+          </p:cNvPr>
+          <p:cNvSpPr>
+            <a:spLocks noGrp="1"/>
+          </p:cNvSpPr>
+          <p:nvPr>
+            <p:ph idx="1"/>
+          </p:nvPr>
+        </p:nvSpPr>
+        <p:spPr/>
+        <p:txBody>
+          <a:bodyPr>
+            <a:normAutofit lnSpcReduction="10000"/>
+          </a:bodyPr>
           <a:lstStyle/>
           <a:p>
             <a:r>
@@ -7113,21 +7452,33 @@
             <a:endParaRPr lang="en-GB" dirty="0"/>
           </a:p>
           <a:p>
-            <a:endParaRPr lang="en-GB" dirty="0"/>
-          </a:p>
-          <a:p>
-            <a:endParaRPr lang="en-GB" dirty="0"/>
-          </a:p>
-          <a:p>
-            <a:endParaRPr lang="en-GB" dirty="0"/>
-          </a:p>
-          <a:p>
+            <a:r>
+              <a:rPr lang="en-GB" dirty="0">
+                <a:hlinkClick r:id="rId4"/>
+              </a:rPr>
+              <a:t>https://en.wikipedia.org/wiki/Sudoku</a:t>
+            </a:r>
             <a:endParaRPr lang="en-GB" dirty="0"/>
           </a:p>
           <a:p>
             <a:pPr marL="0" indent="0">
               <a:buNone/>
             </a:pPr>
+            <a:endParaRPr lang="en-GB" dirty="0"/>
+          </a:p>
+          <a:p>
+            <a:endParaRPr lang="en-GB" dirty="0"/>
+          </a:p>
+          <a:p>
+            <a:endParaRPr lang="en-GB" dirty="0"/>
+          </a:p>
+          <a:p>
+            <a:endParaRPr lang="en-GB" dirty="0"/>
+          </a:p>
+          <a:p>
+            <a:pPr marL="0" indent="0">
+              <a:buNone/>
+            </a:pPr>
             <a:r>
               <a:rPr lang="en-GB" dirty="0"/>
               <a:t>Code &amp; </a:t>
@@ -7142,7 +7493,7 @@
             </a:r>
             <a:r>
               <a:rPr lang="en-GB" dirty="0">
-                <a:hlinkClick r:id="rId4"/>
+                <a:hlinkClick r:id="rId5"/>
               </a:rPr>
               <a:t>https://github.com/7rebux/backtracking</a:t>
             </a:r>
@@ -8985,7 +9336,7 @@
         </p:blipFill>
         <p:spPr>
           <a:xfrm>
-            <a:off x="763778" y="1815739"/>
+            <a:off x="789657" y="2261831"/>
             <a:ext cx="4317268" cy="2334337"/>
           </a:xfrm>
           <a:prstGeom prst="rect">
@@ -9021,7 +9372,7 @@
         </p:blipFill>
         <p:spPr>
           <a:xfrm>
-            <a:off x="7002056" y="1815739"/>
+            <a:off x="7027935" y="2261831"/>
             <a:ext cx="4317268" cy="2334337"/>
           </a:xfrm>
           <a:prstGeom prst="rect">
@@ -9045,7 +9396,7 @@
         </p:nvCxnSpPr>
         <p:spPr>
           <a:xfrm flipH="1">
-            <a:off x="1362635" y="2286001"/>
+            <a:off x="1388514" y="2732093"/>
             <a:ext cx="1559777" cy="528917"/>
           </a:xfrm>
           <a:prstGeom prst="straightConnector1">
@@ -9089,7 +9440,7 @@
         </p:nvCxnSpPr>
         <p:spPr>
           <a:xfrm flipH="1">
-            <a:off x="986118" y="3137647"/>
+            <a:off x="1011997" y="3583739"/>
             <a:ext cx="439270" cy="602731"/>
           </a:xfrm>
           <a:prstGeom prst="straightConnector1">
@@ -9133,7 +9484,7 @@
         </p:nvCxnSpPr>
         <p:spPr>
           <a:xfrm>
-            <a:off x="9160690" y="2286001"/>
+            <a:off x="9186569" y="2732093"/>
             <a:ext cx="1552134" cy="528917"/>
           </a:xfrm>
           <a:prstGeom prst="straightConnector1">
@@ -9177,7 +9528,7 @@
         </p:nvCxnSpPr>
         <p:spPr>
           <a:xfrm>
-            <a:off x="10649988" y="3169952"/>
+            <a:off x="10675867" y="3616044"/>
             <a:ext cx="430388" cy="570426"/>
           </a:xfrm>
           <a:prstGeom prst="straightConnector1">
@@ -9219,7 +9570,7 @@
         </p:nvSpPr>
         <p:spPr>
           <a:xfrm>
-            <a:off x="1654309" y="1046298"/>
+            <a:off x="1680188" y="1492390"/>
             <a:ext cx="2536206" cy="646331"/>
           </a:xfrm>
           <a:prstGeom prst="rect">
@@ -9256,7 +9607,7 @@
         </p:nvSpPr>
         <p:spPr>
           <a:xfrm>
-            <a:off x="7638513" y="1046297"/>
+            <a:off x="7664392" y="1492389"/>
             <a:ext cx="3044354" cy="646331"/>
           </a:xfrm>
           <a:prstGeom prst="rect">
@@ -9276,50 +9627,6 @@
               <a:t>Worst Case</a:t>
             </a:r>
             <a:endParaRPr lang="en-GB" sz="3600" dirty="0"/>
-          </a:p>
-        </p:txBody>
-      </p:sp>
-      <p:sp>
-        <p:nvSpPr>
-          <p:cNvPr id="30" name="Textfeld 29">
-            <a:extLst>
-              <a:ext uri="{FF2B5EF4-FFF2-40B4-BE49-F238E27FC236}">
-                <a16:creationId xmlns:a16="http://schemas.microsoft.com/office/drawing/2014/main" id="{ABA4307C-9EF4-F1F1-78A6-67C79D8EAF1F}"/>
-              </a:ext>
-            </a:extLst>
-          </p:cNvPr>
-          <p:cNvSpPr txBox="1"/>
-          <p:nvPr/>
-        </p:nvSpPr>
-        <p:spPr>
-          <a:xfrm>
-            <a:off x="4863483" y="5262282"/>
-            <a:ext cx="2465034" cy="369332"/>
-          </a:xfrm>
-          <a:prstGeom prst="rect">
-            <a:avLst/>
-          </a:prstGeom>
-          <a:noFill/>
-        </p:spPr>
-        <p:txBody>
-          <a:bodyPr wrap="none" rtlCol="0">
-            <a:spAutoFit/>
-          </a:bodyPr>
-          <a:lstStyle/>
-          <a:p>
-            <a:r>
-              <a:rPr lang="de-DE" dirty="0"/>
-              <a:t>TODO: time </a:t>
-            </a:r>
-            <a:r>
-              <a:rPr lang="de-DE" dirty="0" err="1"/>
-              <a:t>complexity</a:t>
-            </a:r>
-            <a:r>
-              <a:rPr lang="de-DE" dirty="0"/>
-              <a:t>?</a:t>
-            </a:r>
-            <a:endParaRPr lang="en-GB" dirty="0"/>
           </a:p>
         </p:txBody>
       </p:sp>
